--- a/Presentation/KillerVsHealer.pptx
+++ b/Presentation/KillerVsHealer.pptx
@@ -205,7 +205,7 @@
           <a:p>
             <a:fld id="{72496706-FEF2-4C72-8B98-8EDABD7F6B0B}" type="datetimeFigureOut">
               <a:rPr lang="fr-CH" smtClean="0"/>
-              <a:t>17.06.2015</a:t>
+              <a:t>18.06.2015</a:t>
             </a:fld>
             <a:endParaRPr lang="fr-CH"/>
           </a:p>
@@ -745,7 +745,7 @@
           <a:p>
             <a:fld id="{DDA7A467-D8D7-4E62-929F-6DE49DD0927A}" type="datetime1">
               <a:rPr lang="en-US" smtClean="0"/>
-              <a:t>6/17/2015</a:t>
+              <a:t>6/18/2015</a:t>
             </a:fld>
             <a:endParaRPr lang="en-US" dirty="0"/>
           </a:p>
@@ -1078,7 +1078,7 @@
           <a:p>
             <a:fld id="{5E9474F6-3954-478F-9CC2-930C99C2AACE}" type="datetime1">
               <a:rPr lang="en-US" smtClean="0"/>
-              <a:t>6/17/2015</a:t>
+              <a:t>6/18/2015</a:t>
             </a:fld>
             <a:endParaRPr lang="en-US" dirty="0"/>
           </a:p>
@@ -1478,7 +1478,7 @@
           <a:p>
             <a:fld id="{D6FF9799-C613-4975-8518-BB777B56EAB9}" type="datetime1">
               <a:rPr lang="en-US" smtClean="0"/>
-              <a:t>6/17/2015</a:t>
+              <a:t>6/18/2015</a:t>
             </a:fld>
             <a:endParaRPr lang="en-US" dirty="0"/>
           </a:p>
@@ -1813,7 +1813,7 @@
           <a:p>
             <a:fld id="{A210088C-68F5-48F8-B473-65D8F38EFE6F}" type="datetime1">
               <a:rPr lang="en-US" smtClean="0"/>
-              <a:t>6/17/2015</a:t>
+              <a:t>6/18/2015</a:t>
             </a:fld>
             <a:endParaRPr lang="en-US" dirty="0"/>
           </a:p>
@@ -2132,7 +2132,7 @@
           <a:p>
             <a:fld id="{5AB8BA2C-C1D8-4B78-9338-6FF5044CBE90}" type="datetime1">
               <a:rPr lang="en-US" smtClean="0"/>
-              <a:t>6/17/2015</a:t>
+              <a:t>6/18/2015</a:t>
             </a:fld>
             <a:endParaRPr lang="en-US" dirty="0"/>
           </a:p>
@@ -2527,7 +2527,7 @@
           <a:p>
             <a:fld id="{5C0EC9E9-F974-45A9-AF2F-29E9C0D33FCC}" type="datetime1">
               <a:rPr lang="en-US" smtClean="0"/>
-              <a:t>6/17/2015</a:t>
+              <a:t>6/18/2015</a:t>
             </a:fld>
             <a:endParaRPr lang="en-US" dirty="0"/>
           </a:p>
@@ -2783,7 +2783,7 @@
           <a:p>
             <a:fld id="{40F63FC6-FE5E-4E49-A670-D4B00C26A309}" type="datetime1">
               <a:rPr lang="en-US" smtClean="0"/>
-              <a:t>6/17/2015</a:t>
+              <a:t>6/18/2015</a:t>
             </a:fld>
             <a:endParaRPr lang="en-US" dirty="0"/>
           </a:p>
@@ -3044,7 +3044,7 @@
           <a:p>
             <a:fld id="{A508A27E-49E7-46FF-B999-A1A8B2C2F786}" type="datetime1">
               <a:rPr lang="en-US" smtClean="0"/>
-              <a:t>6/17/2015</a:t>
+              <a:t>6/18/2015</a:t>
             </a:fld>
             <a:endParaRPr lang="en-US" dirty="0"/>
           </a:p>
@@ -3312,7 +3312,7 @@
           <a:p>
             <a:fld id="{33A791B9-8CA2-4C9F-9922-B0807315088E}" type="datetime1">
               <a:rPr lang="en-US" smtClean="0"/>
-              <a:t>6/17/2015</a:t>
+              <a:t>6/18/2015</a:t>
             </a:fld>
             <a:endParaRPr lang="en-US" dirty="0"/>
           </a:p>
@@ -3640,7 +3640,7 @@
           <a:p>
             <a:fld id="{D36E0882-7B76-40AE-9257-38F293B774B9}" type="datetime1">
               <a:rPr lang="en-US" smtClean="0"/>
-              <a:t>6/17/2015</a:t>
+              <a:t>6/18/2015</a:t>
             </a:fld>
             <a:endParaRPr lang="en-US" dirty="0"/>
           </a:p>
@@ -3962,7 +3962,7 @@
           <a:p>
             <a:fld id="{ED425213-681F-4BEE-8A69-E967A261B7C6}" type="datetime1">
               <a:rPr lang="en-US" smtClean="0"/>
-              <a:t>6/17/2015</a:t>
+              <a:t>6/18/2015</a:t>
             </a:fld>
             <a:endParaRPr lang="en-US" dirty="0"/>
           </a:p>
@@ -4418,7 +4418,7 @@
           <a:p>
             <a:fld id="{9E901176-CEF3-4D7C-B4EB-D66F7156C1FD}" type="datetime1">
               <a:rPr lang="en-US" smtClean="0"/>
-              <a:t>6/17/2015</a:t>
+              <a:t>6/18/2015</a:t>
             </a:fld>
             <a:endParaRPr lang="en-US" dirty="0"/>
           </a:p>
@@ -4627,7 +4627,7 @@
           <a:p>
             <a:fld id="{FE81B1FA-593F-49E9-95D3-20FFA8C4D9ED}" type="datetime1">
               <a:rPr lang="en-US" smtClean="0"/>
-              <a:t>6/17/2015</a:t>
+              <a:t>6/18/2015</a:t>
             </a:fld>
             <a:endParaRPr lang="en-US" dirty="0"/>
           </a:p>
@@ -4803,7 +4803,7 @@
           <a:p>
             <a:fld id="{5EC0BCBD-F590-4916-ACAA-E7DBFB283F0E}" type="datetime1">
               <a:rPr lang="en-US" smtClean="0"/>
-              <a:t>6/17/2015</a:t>
+              <a:t>6/18/2015</a:t>
             </a:fld>
             <a:endParaRPr lang="en-US" dirty="0"/>
           </a:p>
@@ -5135,7 +5135,7 @@
           <a:p>
             <a:fld id="{F7B6E4EA-EBDF-497B-9DEE-100710A87BEF}" type="datetime1">
               <a:rPr lang="en-US" smtClean="0"/>
-              <a:t>6/17/2015</a:t>
+              <a:t>6/18/2015</a:t>
             </a:fld>
             <a:endParaRPr lang="en-US" dirty="0"/>
           </a:p>
@@ -5479,7 +5479,7 @@
           <a:p>
             <a:fld id="{DF104654-D7C0-47D6-BF36-0966DBA1EA8A}" type="datetime1">
               <a:rPr lang="en-US" smtClean="0"/>
-              <a:t>6/17/2015</a:t>
+              <a:t>6/18/2015</a:t>
             </a:fld>
             <a:endParaRPr lang="en-US" dirty="0"/>
           </a:p>
@@ -7618,7 +7618,7 @@
           <a:p>
             <a:fld id="{0F394A86-4E92-4A74-9909-6DF1138DAA60}" type="datetime1">
               <a:rPr lang="en-US" smtClean="0"/>
-              <a:t>6/17/2015</a:t>
+              <a:t>6/18/2015</a:t>
             </a:fld>
             <a:endParaRPr lang="en-US" dirty="0"/>
           </a:p>
@@ -8316,11 +8316,7 @@
           <a:p>
             <a:r>
               <a:rPr lang="fr-CH" sz="2400" dirty="0" smtClean="0"/>
-              <a:t>Projet </a:t>
-            </a:r>
-            <a:r>
-              <a:rPr lang="fr-CH" sz="2400" dirty="0" smtClean="0"/>
-              <a:t>MCR </a:t>
+              <a:t>Projet MCR </a:t>
             </a:r>
             <a:r>
               <a:rPr lang="fr-CH" sz="2000" dirty="0" smtClean="0"/>
@@ -8507,7 +8503,6 @@
               <a:rPr lang="fr-CH" sz="1400" b="1" dirty="0" smtClean="0"/>
               <a:t>Assistant</a:t>
             </a:r>
-            <a:endParaRPr lang="fr-CH" sz="1400" b="1" dirty="0" smtClean="0"/>
           </a:p>
           <a:p>
             <a:r>
@@ -8964,13 +8959,13 @@
   <p:clrMapOvr>
     <a:masterClrMapping/>
   </p:clrMapOvr>
-  <mc:AlternateContent xmlns:mc="http://schemas.openxmlformats.org/markup-compatibility/2006">
-    <mc:Choice xmlns:p15="http://schemas.microsoft.com/office/powerpoint/2012/main" Requires="p15">
+  <mc:AlternateContent xmlns:mc="http://schemas.openxmlformats.org/markup-compatibility/2006" xmlns:p15="http://schemas.microsoft.com/office/powerpoint/2012/main">
+    <mc:Choice Requires="p15">
       <p:transition xmlns:p14="http://schemas.microsoft.com/office/powerpoint/2010/main" spd="slow" p14:dur="2000">
         <p15:prstTrans prst="crush"/>
       </p:transition>
     </mc:Choice>
-    <mc:Fallback>
+    <mc:Fallback xmlns="">
       <p:transition spd="slow">
         <p:fade/>
       </p:transition>
@@ -10342,13 +10337,13 @@
         </p:nvSpPr>
         <p:spPr>
           <a:xfrm>
-            <a:off x="1596395" y="2262743"/>
+            <a:off x="1596395" y="1653140"/>
             <a:ext cx="7069282" cy="4269458"/>
           </a:xfrm>
         </p:spPr>
         <p:txBody>
           <a:bodyPr>
-            <a:normAutofit/>
+            <a:normAutofit fontScale="92500" lnSpcReduction="10000"/>
           </a:bodyPr>
           <a:lstStyle/>
           <a:p>
@@ -10372,11 +10367,19 @@
             </a:pPr>
             <a:r>
               <a:rPr lang="fr-CH" sz="2000" b="1" dirty="0" smtClean="0"/>
-              <a:t>Choix de médecins </a:t>
+              <a:t>Choix de </a:t>
+            </a:r>
+            <a:r>
+              <a:rPr lang="fr-CH" sz="2000" b="1" dirty="0" smtClean="0"/>
+              <a:t>docteurs </a:t>
             </a:r>
             <a:r>
               <a:rPr lang="fr-CH" sz="2000" dirty="0" smtClean="0"/>
               <a:t>=</a:t>
+            </a:r>
+            <a:r>
+              <a:rPr lang="fr-CH" sz="2000" dirty="0" smtClean="0"/>
+              <a:t/>
             </a:r>
             <a:br>
               <a:rPr lang="fr-CH" sz="2000" dirty="0" smtClean="0"/>
@@ -10392,34 +10395,12 @@
               <a:buChar char=""/>
             </a:pPr>
             <a:r>
+              <a:rPr lang="fr-CH" sz="1800" u="sng" dirty="0" smtClean="0"/>
+              <a:t>Médecin</a:t>
+            </a:r>
+            <a:r>
               <a:rPr lang="fr-CH" sz="1800" dirty="0" smtClean="0"/>
-              <a:t>Médecin peut soigner un certain</a:t>
-            </a:r>
-            <a:br>
-              <a:rPr lang="fr-CH" sz="1800" dirty="0" smtClean="0"/>
-            </a:br>
-            <a:r>
-              <a:rPr lang="fr-CH" sz="1800" dirty="0" smtClean="0"/>
-              <a:t>nombre </a:t>
-            </a:r>
-            <a:r>
-              <a:rPr lang="fr-CH" sz="1800" i="1" dirty="0" smtClean="0"/>
-              <a:t>entier</a:t>
-            </a:r>
-            <a:r>
-              <a:rPr lang="fr-CH" sz="1800" dirty="0" smtClean="0"/>
-              <a:t> de dégâts</a:t>
-            </a:r>
-            <a:br>
-              <a:rPr lang="fr-CH" sz="1800" dirty="0" smtClean="0"/>
-            </a:br>
-            <a:r>
-              <a:rPr lang="fr-CH" sz="1800" b="1" dirty="0" smtClean="0"/>
-              <a:t>Ex. :</a:t>
-            </a:r>
-            <a:r>
-              <a:rPr lang="fr-CH" sz="1800" dirty="0" smtClean="0"/>
-              <a:t> Jambes - 4</a:t>
+              <a:t> : Soigne de 2 à 3</a:t>
             </a:r>
           </a:p>
           <a:p>
@@ -10428,21 +10409,88 @@
               <a:buChar char=""/>
             </a:pPr>
             <a:r>
+              <a:rPr lang="fr-CH" sz="1800" u="sng" dirty="0" smtClean="0"/>
+              <a:t>Chirurgien</a:t>
+            </a:r>
+            <a:r>
               <a:rPr lang="fr-CH" sz="1800" dirty="0" smtClean="0"/>
-              <a:t>Possibilité de soigner plusieurs dégâts à la fois</a:t>
-            </a:r>
-            <a:br>
+              <a:t> : Soigne de dégât / (2 à 3)</a:t>
+            </a:r>
+          </a:p>
+          <a:p>
+            <a:pPr lvl="2" defTabSz="631825">
+              <a:buFont typeface="Wingdings 3" panose="05040102010807070707" pitchFamily="18" charset="2"/>
+              <a:buChar char=""/>
+            </a:pPr>
+            <a:r>
+              <a:rPr lang="fr-CH" sz="1800" u="sng" dirty="0" smtClean="0"/>
+              <a:t>Sauveteur</a:t>
+            </a:r>
+            <a:r>
               <a:rPr lang="fr-CH" sz="1800" dirty="0" smtClean="0"/>
-            </a:br>
-            <a:r>
-              <a:rPr lang="fr-CH" sz="1800" b="1" dirty="0" smtClean="0"/>
-              <a:t>Ex.</a:t>
+              <a:t> : Soigne de dégât % (3 à 5)</a:t>
+            </a:r>
+          </a:p>
+          <a:p>
+            <a:pPr lvl="2" defTabSz="631825">
+              <a:buFont typeface="Wingdings 3" panose="05040102010807070707" pitchFamily="18" charset="2"/>
+              <a:buChar char=""/>
+            </a:pPr>
+            <a:r>
+              <a:rPr lang="fr-CH" sz="1800" u="sng" dirty="0" smtClean="0"/>
+              <a:t>Réanimateur</a:t>
             </a:r>
             <a:r>
               <a:rPr lang="fr-CH" sz="1800" dirty="0" smtClean="0"/>
-              <a:t> : Jambes – 4 ; Bras - 3</a:t>
-            </a:r>
-            <a:endParaRPr lang="fr-CH" sz="2200" dirty="0" smtClean="0"/>
+              <a:t> : Ajoute 1 à 5 points de vie</a:t>
+            </a:r>
+          </a:p>
+          <a:p>
+            <a:pPr lvl="1" defTabSz="631825">
+              <a:buFont typeface="Wingdings 3" panose="05040102010807070707" pitchFamily="18" charset="2"/>
+              <a:buChar char=""/>
+            </a:pPr>
+            <a:r>
+              <a:rPr lang="fr-CH" sz="2000" dirty="0" smtClean="0"/>
+              <a:t>Docteurs obtenus aléatoirement</a:t>
+            </a:r>
+          </a:p>
+          <a:p>
+            <a:pPr lvl="1" defTabSz="631825">
+              <a:buFont typeface="Wingdings 3" panose="05040102010807070707" pitchFamily="18" charset="2"/>
+              <a:buChar char=""/>
+            </a:pPr>
+            <a:r>
+              <a:rPr lang="fr-CH" sz="2000" dirty="0" smtClean="0"/>
+              <a:t>A la fin d’un traitement</a:t>
+            </a:r>
+          </a:p>
+          <a:p>
+            <a:pPr lvl="2" defTabSz="631825">
+              <a:buFont typeface="Wingdings 3" panose="05040102010807070707" pitchFamily="18" charset="2"/>
+              <a:buChar char=""/>
+            </a:pPr>
+            <a:r>
+              <a:rPr lang="fr-CH" sz="1800" dirty="0" smtClean="0"/>
+              <a:t>Si le pantin a toujours des dégâts supérieurs à 6 sur une zone =&gt; Il perd 1 point de vie par zone</a:t>
+            </a:r>
+          </a:p>
+          <a:p>
+            <a:pPr lvl="2" defTabSz="631825">
+              <a:buFont typeface="Wingdings 3" panose="05040102010807070707" pitchFamily="18" charset="2"/>
+              <a:buChar char=""/>
+            </a:pPr>
+            <a:r>
+              <a:rPr lang="fr-CH" sz="1800" dirty="0" smtClean="0"/>
+              <a:t>Définition du vainqueur</a:t>
+            </a:r>
+          </a:p>
+          <a:p>
+            <a:pPr lvl="2" defTabSz="631825">
+              <a:buFont typeface="Wingdings 3" panose="05040102010807070707" pitchFamily="18" charset="2"/>
+              <a:buChar char=""/>
+            </a:pPr>
+            <a:endParaRPr lang="fr-CH" sz="1800" dirty="0" smtClean="0"/>
           </a:p>
           <a:p>
             <a:pPr lvl="2" defTabSz="631825">
@@ -10689,7 +10737,7 @@
         </p:blipFill>
         <p:spPr bwMode="auto">
           <a:xfrm>
-            <a:off x="6629400" y="2208211"/>
+            <a:off x="6357257" y="1221179"/>
             <a:ext cx="2484941" cy="1865617"/>
           </a:xfrm>
           <a:prstGeom prst="rect">
@@ -10709,7 +10757,7 @@
       </p:pic>
       <p:pic>
         <p:nvPicPr>
-          <p:cNvPr id="8" name="Image 7"/>
+          <p:cNvPr id="5" name="Image 4"/>
           <p:cNvPicPr>
             <a:picLocks noChangeAspect="1"/>
           </p:cNvPicPr>
@@ -10723,8 +10771,8 @@
         </p:blipFill>
         <p:spPr>
           <a:xfrm>
-            <a:off x="1626157" y="5605955"/>
-            <a:ext cx="5824126" cy="501120"/>
+            <a:off x="972798" y="6054867"/>
+            <a:ext cx="7372576" cy="501120"/>
           </a:xfrm>
           <a:prstGeom prst="rect">
             <a:avLst/>
@@ -11055,7 +11103,7 @@
                                 </p:cTn>
                               </p:par>
                               <p:par>
-                                <p:cTn id="22" presetID="42" presetClass="entr" presetSubtype="0" fill="hold" grpId="0" nodeType="withEffect">
+                                <p:cTn id="22" presetID="22" presetClass="entr" presetSubtype="8" fill="hold" nodeType="withEffect">
                                   <p:stCondLst>
                                     <p:cond delay="0"/>
                                   </p:stCondLst>
@@ -11063,6 +11111,59 @@
                                     <p:set>
                                       <p:cBhvr>
                                         <p:cTn id="23" dur="1" fill="hold">
+                                          <p:stCondLst>
+                                            <p:cond delay="0"/>
+                                          </p:stCondLst>
+                                        </p:cTn>
+                                        <p:tgtEl>
+                                          <p:spTgt spid="5"/>
+                                        </p:tgtEl>
+                                        <p:attrNameLst>
+                                          <p:attrName>style.visibility</p:attrName>
+                                        </p:attrNameLst>
+                                      </p:cBhvr>
+                                      <p:to>
+                                        <p:strVal val="visible"/>
+                                      </p:to>
+                                    </p:set>
+                                    <p:animEffect transition="in" filter="wipe(left)">
+                                      <p:cBhvr>
+                                        <p:cTn id="24" dur="2000"/>
+                                        <p:tgtEl>
+                                          <p:spTgt spid="5"/>
+                                        </p:tgtEl>
+                                      </p:cBhvr>
+                                    </p:animEffect>
+                                  </p:childTnLst>
+                                </p:cTn>
+                              </p:par>
+                            </p:childTnLst>
+                          </p:cTn>
+                        </p:par>
+                      </p:childTnLst>
+                    </p:cTn>
+                  </p:par>
+                  <p:par>
+                    <p:cTn id="25" fill="hold">
+                      <p:stCondLst>
+                        <p:cond delay="indefinite"/>
+                      </p:stCondLst>
+                      <p:childTnLst>
+                        <p:par>
+                          <p:cTn id="26" fill="hold">
+                            <p:stCondLst>
+                              <p:cond delay="0"/>
+                            </p:stCondLst>
+                            <p:childTnLst>
+                              <p:par>
+                                <p:cTn id="27" presetID="42" presetClass="entr" presetSubtype="0" fill="hold" grpId="0" nodeType="clickEffect">
+                                  <p:stCondLst>
+                                    <p:cond delay="0"/>
+                                  </p:stCondLst>
+                                  <p:childTnLst>
+                                    <p:set>
+                                      <p:cBhvr>
+                                        <p:cTn id="28" dur="1" fill="hold">
                                           <p:stCondLst>
                                             <p:cond delay="0"/>
                                           </p:stCondLst>
@@ -11084,7 +11185,7 @@
                                     </p:set>
                                     <p:animEffect transition="in" filter="fade">
                                       <p:cBhvr>
-                                        <p:cTn id="24" dur="1000"/>
+                                        <p:cTn id="29" dur="1000"/>
                                         <p:tgtEl>
                                           <p:spTgt spid="3">
                                             <p:txEl>
@@ -11096,7 +11197,7 @@
                                     </p:animEffect>
                                     <p:anim calcmode="lin" valueType="num">
                                       <p:cBhvr>
-                                        <p:cTn id="25" dur="1000" fill="hold"/>
+                                        <p:cTn id="30" dur="1000" fill="hold"/>
                                         <p:tgtEl>
                                           <p:spTgt spid="3">
                                             <p:txEl>
@@ -11123,7 +11224,7 @@
                                     </p:anim>
                                     <p:anim calcmode="lin" valueType="num">
                                       <p:cBhvr>
-                                        <p:cTn id="26" dur="1000" fill="hold"/>
+                                        <p:cTn id="31" dur="1000" fill="hold"/>
                                         <p:tgtEl>
                                           <p:spTgt spid="3">
                                             <p:txEl>
@@ -11151,15 +11252,33 @@
                                   </p:childTnLst>
                                 </p:cTn>
                               </p:par>
+                            </p:childTnLst>
+                          </p:cTn>
+                        </p:par>
+                      </p:childTnLst>
+                    </p:cTn>
+                  </p:par>
+                  <p:par>
+                    <p:cTn id="32" fill="hold">
+                      <p:stCondLst>
+                        <p:cond delay="indefinite"/>
+                      </p:stCondLst>
+                      <p:childTnLst>
+                        <p:par>
+                          <p:cTn id="33" fill="hold">
+                            <p:stCondLst>
+                              <p:cond delay="0"/>
+                            </p:stCondLst>
+                            <p:childTnLst>
                               <p:par>
-                                <p:cTn id="27" presetID="42" presetClass="entr" presetSubtype="0" fill="hold" grpId="0" nodeType="withEffect">
+                                <p:cTn id="34" presetID="42" presetClass="entr" presetSubtype="0" fill="hold" grpId="0" nodeType="clickEffect">
                                   <p:stCondLst>
                                     <p:cond delay="0"/>
                                   </p:stCondLst>
                                   <p:childTnLst>
                                     <p:set>
                                       <p:cBhvr>
-                                        <p:cTn id="28" dur="1" fill="hold">
+                                        <p:cTn id="35" dur="1" fill="hold">
                                           <p:stCondLst>
                                             <p:cond delay="0"/>
                                           </p:stCondLst>
@@ -11181,7 +11300,7 @@
                                     </p:set>
                                     <p:animEffect transition="in" filter="fade">
                                       <p:cBhvr>
-                                        <p:cTn id="29" dur="1000"/>
+                                        <p:cTn id="36" dur="1000"/>
                                         <p:tgtEl>
                                           <p:spTgt spid="3">
                                             <p:txEl>
@@ -11193,7 +11312,7 @@
                                     </p:animEffect>
                                     <p:anim calcmode="lin" valueType="num">
                                       <p:cBhvr>
-                                        <p:cTn id="30" dur="1000" fill="hold"/>
+                                        <p:cTn id="37" dur="1000" fill="hold"/>
                                         <p:tgtEl>
                                           <p:spTgt spid="3">
                                             <p:txEl>
@@ -11220,7 +11339,7 @@
                                     </p:anim>
                                     <p:anim calcmode="lin" valueType="num">
                                       <p:cBhvr>
-                                        <p:cTn id="31" dur="1000" fill="hold"/>
+                                        <p:cTn id="38" dur="1000" fill="hold"/>
                                         <p:tgtEl>
                                           <p:spTgt spid="3">
                                             <p:txEl>
@@ -11248,21 +11367,43 @@
                                   </p:childTnLst>
                                 </p:cTn>
                               </p:par>
+                            </p:childTnLst>
+                          </p:cTn>
+                        </p:par>
+                      </p:childTnLst>
+                    </p:cTn>
+                  </p:par>
+                  <p:par>
+                    <p:cTn id="39" fill="hold">
+                      <p:stCondLst>
+                        <p:cond delay="indefinite"/>
+                      </p:stCondLst>
+                      <p:childTnLst>
+                        <p:par>
+                          <p:cTn id="40" fill="hold">
+                            <p:stCondLst>
+                              <p:cond delay="0"/>
+                            </p:stCondLst>
+                            <p:childTnLst>
                               <p:par>
-                                <p:cTn id="32" presetID="42" presetClass="entr" presetSubtype="0" fill="hold" nodeType="withEffect">
+                                <p:cTn id="41" presetID="42" presetClass="entr" presetSubtype="0" fill="hold" grpId="0" nodeType="clickEffect">
                                   <p:stCondLst>
                                     <p:cond delay="0"/>
                                   </p:stCondLst>
                                   <p:childTnLst>
                                     <p:set>
                                       <p:cBhvr>
-                                        <p:cTn id="33" dur="1" fill="hold">
+                                        <p:cTn id="42" dur="1" fill="hold">
                                           <p:stCondLst>
                                             <p:cond delay="0"/>
                                           </p:stCondLst>
                                         </p:cTn>
                                         <p:tgtEl>
-                                          <p:spTgt spid="8"/>
+                                          <p:spTgt spid="3">
+                                            <p:txEl>
+                                              <p:pRg st="4" end="4"/>
+                                            </p:txEl>
+                                          </p:spTgt>
                                         </p:tgtEl>
                                         <p:attrNameLst>
                                           <p:attrName>style.visibility</p:attrName>
@@ -11274,17 +11415,25 @@
                                     </p:set>
                                     <p:animEffect transition="in" filter="fade">
                                       <p:cBhvr>
-                                        <p:cTn id="34" dur="1000"/>
+                                        <p:cTn id="43" dur="1000"/>
                                         <p:tgtEl>
-                                          <p:spTgt spid="8"/>
+                                          <p:spTgt spid="3">
+                                            <p:txEl>
+                                              <p:pRg st="4" end="4"/>
+                                            </p:txEl>
+                                          </p:spTgt>
                                         </p:tgtEl>
                                       </p:cBhvr>
                                     </p:animEffect>
                                     <p:anim calcmode="lin" valueType="num">
                                       <p:cBhvr>
-                                        <p:cTn id="35" dur="1000" fill="hold"/>
+                                        <p:cTn id="44" dur="1000" fill="hold"/>
                                         <p:tgtEl>
-                                          <p:spTgt spid="8"/>
+                                          <p:spTgt spid="3">
+                                            <p:txEl>
+                                              <p:pRg st="4" end="4"/>
+                                            </p:txEl>
+                                          </p:spTgt>
                                         </p:tgtEl>
                                         <p:attrNameLst>
                                           <p:attrName>ppt_x</p:attrName>
@@ -11305,9 +11454,534 @@
                                     </p:anim>
                                     <p:anim calcmode="lin" valueType="num">
                                       <p:cBhvr>
-                                        <p:cTn id="36" dur="1000" fill="hold"/>
+                                        <p:cTn id="45" dur="1000" fill="hold"/>
                                         <p:tgtEl>
-                                          <p:spTgt spid="8"/>
+                                          <p:spTgt spid="3">
+                                            <p:txEl>
+                                              <p:pRg st="4" end="4"/>
+                                            </p:txEl>
+                                          </p:spTgt>
+                                        </p:tgtEl>
+                                        <p:attrNameLst>
+                                          <p:attrName>ppt_y</p:attrName>
+                                        </p:attrNameLst>
+                                      </p:cBhvr>
+                                      <p:tavLst>
+                                        <p:tav tm="0">
+                                          <p:val>
+                                            <p:strVal val="#ppt_y+.1"/>
+                                          </p:val>
+                                        </p:tav>
+                                        <p:tav tm="100000">
+                                          <p:val>
+                                            <p:strVal val="#ppt_y"/>
+                                          </p:val>
+                                        </p:tav>
+                                      </p:tavLst>
+                                    </p:anim>
+                                  </p:childTnLst>
+                                </p:cTn>
+                              </p:par>
+                            </p:childTnLst>
+                          </p:cTn>
+                        </p:par>
+                      </p:childTnLst>
+                    </p:cTn>
+                  </p:par>
+                  <p:par>
+                    <p:cTn id="46" fill="hold">
+                      <p:stCondLst>
+                        <p:cond delay="indefinite"/>
+                      </p:stCondLst>
+                      <p:childTnLst>
+                        <p:par>
+                          <p:cTn id="47" fill="hold">
+                            <p:stCondLst>
+                              <p:cond delay="0"/>
+                            </p:stCondLst>
+                            <p:childTnLst>
+                              <p:par>
+                                <p:cTn id="48" presetID="42" presetClass="entr" presetSubtype="0" fill="hold" grpId="0" nodeType="clickEffect">
+                                  <p:stCondLst>
+                                    <p:cond delay="0"/>
+                                  </p:stCondLst>
+                                  <p:childTnLst>
+                                    <p:set>
+                                      <p:cBhvr>
+                                        <p:cTn id="49" dur="1" fill="hold">
+                                          <p:stCondLst>
+                                            <p:cond delay="0"/>
+                                          </p:stCondLst>
+                                        </p:cTn>
+                                        <p:tgtEl>
+                                          <p:spTgt spid="3">
+                                            <p:txEl>
+                                              <p:pRg st="5" end="5"/>
+                                            </p:txEl>
+                                          </p:spTgt>
+                                        </p:tgtEl>
+                                        <p:attrNameLst>
+                                          <p:attrName>style.visibility</p:attrName>
+                                        </p:attrNameLst>
+                                      </p:cBhvr>
+                                      <p:to>
+                                        <p:strVal val="visible"/>
+                                      </p:to>
+                                    </p:set>
+                                    <p:animEffect transition="in" filter="fade">
+                                      <p:cBhvr>
+                                        <p:cTn id="50" dur="1000"/>
+                                        <p:tgtEl>
+                                          <p:spTgt spid="3">
+                                            <p:txEl>
+                                              <p:pRg st="5" end="5"/>
+                                            </p:txEl>
+                                          </p:spTgt>
+                                        </p:tgtEl>
+                                      </p:cBhvr>
+                                    </p:animEffect>
+                                    <p:anim calcmode="lin" valueType="num">
+                                      <p:cBhvr>
+                                        <p:cTn id="51" dur="1000" fill="hold"/>
+                                        <p:tgtEl>
+                                          <p:spTgt spid="3">
+                                            <p:txEl>
+                                              <p:pRg st="5" end="5"/>
+                                            </p:txEl>
+                                          </p:spTgt>
+                                        </p:tgtEl>
+                                        <p:attrNameLst>
+                                          <p:attrName>ppt_x</p:attrName>
+                                        </p:attrNameLst>
+                                      </p:cBhvr>
+                                      <p:tavLst>
+                                        <p:tav tm="0">
+                                          <p:val>
+                                            <p:strVal val="#ppt_x"/>
+                                          </p:val>
+                                        </p:tav>
+                                        <p:tav tm="100000">
+                                          <p:val>
+                                            <p:strVal val="#ppt_x"/>
+                                          </p:val>
+                                        </p:tav>
+                                      </p:tavLst>
+                                    </p:anim>
+                                    <p:anim calcmode="lin" valueType="num">
+                                      <p:cBhvr>
+                                        <p:cTn id="52" dur="1000" fill="hold"/>
+                                        <p:tgtEl>
+                                          <p:spTgt spid="3">
+                                            <p:txEl>
+                                              <p:pRg st="5" end="5"/>
+                                            </p:txEl>
+                                          </p:spTgt>
+                                        </p:tgtEl>
+                                        <p:attrNameLst>
+                                          <p:attrName>ppt_y</p:attrName>
+                                        </p:attrNameLst>
+                                      </p:cBhvr>
+                                      <p:tavLst>
+                                        <p:tav tm="0">
+                                          <p:val>
+                                            <p:strVal val="#ppt_y+.1"/>
+                                          </p:val>
+                                        </p:tav>
+                                        <p:tav tm="100000">
+                                          <p:val>
+                                            <p:strVal val="#ppt_y"/>
+                                          </p:val>
+                                        </p:tav>
+                                      </p:tavLst>
+                                    </p:anim>
+                                  </p:childTnLst>
+                                </p:cTn>
+                              </p:par>
+                              <p:par>
+                                <p:cTn id="53" presetID="42" presetClass="entr" presetSubtype="0" fill="hold" grpId="0" nodeType="withEffect">
+                                  <p:stCondLst>
+                                    <p:cond delay="0"/>
+                                  </p:stCondLst>
+                                  <p:childTnLst>
+                                    <p:set>
+                                      <p:cBhvr>
+                                        <p:cTn id="54" dur="1" fill="hold">
+                                          <p:stCondLst>
+                                            <p:cond delay="0"/>
+                                          </p:stCondLst>
+                                        </p:cTn>
+                                        <p:tgtEl>
+                                          <p:spTgt spid="3">
+                                            <p:txEl>
+                                              <p:pRg st="6" end="6"/>
+                                            </p:txEl>
+                                          </p:spTgt>
+                                        </p:tgtEl>
+                                        <p:attrNameLst>
+                                          <p:attrName>style.visibility</p:attrName>
+                                        </p:attrNameLst>
+                                      </p:cBhvr>
+                                      <p:to>
+                                        <p:strVal val="visible"/>
+                                      </p:to>
+                                    </p:set>
+                                    <p:animEffect transition="in" filter="fade">
+                                      <p:cBhvr>
+                                        <p:cTn id="55" dur="1000"/>
+                                        <p:tgtEl>
+                                          <p:spTgt spid="3">
+                                            <p:txEl>
+                                              <p:pRg st="6" end="6"/>
+                                            </p:txEl>
+                                          </p:spTgt>
+                                        </p:tgtEl>
+                                      </p:cBhvr>
+                                    </p:animEffect>
+                                    <p:anim calcmode="lin" valueType="num">
+                                      <p:cBhvr>
+                                        <p:cTn id="56" dur="1000" fill="hold"/>
+                                        <p:tgtEl>
+                                          <p:spTgt spid="3">
+                                            <p:txEl>
+                                              <p:pRg st="6" end="6"/>
+                                            </p:txEl>
+                                          </p:spTgt>
+                                        </p:tgtEl>
+                                        <p:attrNameLst>
+                                          <p:attrName>ppt_x</p:attrName>
+                                        </p:attrNameLst>
+                                      </p:cBhvr>
+                                      <p:tavLst>
+                                        <p:tav tm="0">
+                                          <p:val>
+                                            <p:strVal val="#ppt_x"/>
+                                          </p:val>
+                                        </p:tav>
+                                        <p:tav tm="100000">
+                                          <p:val>
+                                            <p:strVal val="#ppt_x"/>
+                                          </p:val>
+                                        </p:tav>
+                                      </p:tavLst>
+                                    </p:anim>
+                                    <p:anim calcmode="lin" valueType="num">
+                                      <p:cBhvr>
+                                        <p:cTn id="57" dur="1000" fill="hold"/>
+                                        <p:tgtEl>
+                                          <p:spTgt spid="3">
+                                            <p:txEl>
+                                              <p:pRg st="6" end="6"/>
+                                            </p:txEl>
+                                          </p:spTgt>
+                                        </p:tgtEl>
+                                        <p:attrNameLst>
+                                          <p:attrName>ppt_y</p:attrName>
+                                        </p:attrNameLst>
+                                      </p:cBhvr>
+                                      <p:tavLst>
+                                        <p:tav tm="0">
+                                          <p:val>
+                                            <p:strVal val="#ppt_y+.1"/>
+                                          </p:val>
+                                        </p:tav>
+                                        <p:tav tm="100000">
+                                          <p:val>
+                                            <p:strVal val="#ppt_y"/>
+                                          </p:val>
+                                        </p:tav>
+                                      </p:tavLst>
+                                    </p:anim>
+                                  </p:childTnLst>
+                                </p:cTn>
+                              </p:par>
+                            </p:childTnLst>
+                          </p:cTn>
+                        </p:par>
+                      </p:childTnLst>
+                    </p:cTn>
+                  </p:par>
+                  <p:par>
+                    <p:cTn id="58" fill="hold">
+                      <p:stCondLst>
+                        <p:cond delay="indefinite"/>
+                      </p:stCondLst>
+                      <p:childTnLst>
+                        <p:par>
+                          <p:cTn id="59" fill="hold">
+                            <p:stCondLst>
+                              <p:cond delay="0"/>
+                            </p:stCondLst>
+                            <p:childTnLst>
+                              <p:par>
+                                <p:cTn id="60" presetID="42" presetClass="entr" presetSubtype="0" fill="hold" grpId="0" nodeType="clickEffect">
+                                  <p:stCondLst>
+                                    <p:cond delay="0"/>
+                                  </p:stCondLst>
+                                  <p:childTnLst>
+                                    <p:set>
+                                      <p:cBhvr>
+                                        <p:cTn id="61" dur="1" fill="hold">
+                                          <p:stCondLst>
+                                            <p:cond delay="0"/>
+                                          </p:stCondLst>
+                                        </p:cTn>
+                                        <p:tgtEl>
+                                          <p:spTgt spid="3">
+                                            <p:txEl>
+                                              <p:pRg st="7" end="7"/>
+                                            </p:txEl>
+                                          </p:spTgt>
+                                        </p:tgtEl>
+                                        <p:attrNameLst>
+                                          <p:attrName>style.visibility</p:attrName>
+                                        </p:attrNameLst>
+                                      </p:cBhvr>
+                                      <p:to>
+                                        <p:strVal val="visible"/>
+                                      </p:to>
+                                    </p:set>
+                                    <p:animEffect transition="in" filter="fade">
+                                      <p:cBhvr>
+                                        <p:cTn id="62" dur="1000"/>
+                                        <p:tgtEl>
+                                          <p:spTgt spid="3">
+                                            <p:txEl>
+                                              <p:pRg st="7" end="7"/>
+                                            </p:txEl>
+                                          </p:spTgt>
+                                        </p:tgtEl>
+                                      </p:cBhvr>
+                                    </p:animEffect>
+                                    <p:anim calcmode="lin" valueType="num">
+                                      <p:cBhvr>
+                                        <p:cTn id="63" dur="1000" fill="hold"/>
+                                        <p:tgtEl>
+                                          <p:spTgt spid="3">
+                                            <p:txEl>
+                                              <p:pRg st="7" end="7"/>
+                                            </p:txEl>
+                                          </p:spTgt>
+                                        </p:tgtEl>
+                                        <p:attrNameLst>
+                                          <p:attrName>ppt_x</p:attrName>
+                                        </p:attrNameLst>
+                                      </p:cBhvr>
+                                      <p:tavLst>
+                                        <p:tav tm="0">
+                                          <p:val>
+                                            <p:strVal val="#ppt_x"/>
+                                          </p:val>
+                                        </p:tav>
+                                        <p:tav tm="100000">
+                                          <p:val>
+                                            <p:strVal val="#ppt_x"/>
+                                          </p:val>
+                                        </p:tav>
+                                      </p:tavLst>
+                                    </p:anim>
+                                    <p:anim calcmode="lin" valueType="num">
+                                      <p:cBhvr>
+                                        <p:cTn id="64" dur="1000" fill="hold"/>
+                                        <p:tgtEl>
+                                          <p:spTgt spid="3">
+                                            <p:txEl>
+                                              <p:pRg st="7" end="7"/>
+                                            </p:txEl>
+                                          </p:spTgt>
+                                        </p:tgtEl>
+                                        <p:attrNameLst>
+                                          <p:attrName>ppt_y</p:attrName>
+                                        </p:attrNameLst>
+                                      </p:cBhvr>
+                                      <p:tavLst>
+                                        <p:tav tm="0">
+                                          <p:val>
+                                            <p:strVal val="#ppt_y+.1"/>
+                                          </p:val>
+                                        </p:tav>
+                                        <p:tav tm="100000">
+                                          <p:val>
+                                            <p:strVal val="#ppt_y"/>
+                                          </p:val>
+                                        </p:tav>
+                                      </p:tavLst>
+                                    </p:anim>
+                                  </p:childTnLst>
+                                </p:cTn>
+                              </p:par>
+                              <p:par>
+                                <p:cTn id="65" presetID="42" presetClass="entr" presetSubtype="0" fill="hold" grpId="0" nodeType="withEffect">
+                                  <p:stCondLst>
+                                    <p:cond delay="0"/>
+                                  </p:stCondLst>
+                                  <p:childTnLst>
+                                    <p:set>
+                                      <p:cBhvr>
+                                        <p:cTn id="66" dur="1" fill="hold">
+                                          <p:stCondLst>
+                                            <p:cond delay="0"/>
+                                          </p:stCondLst>
+                                        </p:cTn>
+                                        <p:tgtEl>
+                                          <p:spTgt spid="3">
+                                            <p:txEl>
+                                              <p:pRg st="8" end="8"/>
+                                            </p:txEl>
+                                          </p:spTgt>
+                                        </p:tgtEl>
+                                        <p:attrNameLst>
+                                          <p:attrName>style.visibility</p:attrName>
+                                        </p:attrNameLst>
+                                      </p:cBhvr>
+                                      <p:to>
+                                        <p:strVal val="visible"/>
+                                      </p:to>
+                                    </p:set>
+                                    <p:animEffect transition="in" filter="fade">
+                                      <p:cBhvr>
+                                        <p:cTn id="67" dur="1000"/>
+                                        <p:tgtEl>
+                                          <p:spTgt spid="3">
+                                            <p:txEl>
+                                              <p:pRg st="8" end="8"/>
+                                            </p:txEl>
+                                          </p:spTgt>
+                                        </p:tgtEl>
+                                      </p:cBhvr>
+                                    </p:animEffect>
+                                    <p:anim calcmode="lin" valueType="num">
+                                      <p:cBhvr>
+                                        <p:cTn id="68" dur="1000" fill="hold"/>
+                                        <p:tgtEl>
+                                          <p:spTgt spid="3">
+                                            <p:txEl>
+                                              <p:pRg st="8" end="8"/>
+                                            </p:txEl>
+                                          </p:spTgt>
+                                        </p:tgtEl>
+                                        <p:attrNameLst>
+                                          <p:attrName>ppt_x</p:attrName>
+                                        </p:attrNameLst>
+                                      </p:cBhvr>
+                                      <p:tavLst>
+                                        <p:tav tm="0">
+                                          <p:val>
+                                            <p:strVal val="#ppt_x"/>
+                                          </p:val>
+                                        </p:tav>
+                                        <p:tav tm="100000">
+                                          <p:val>
+                                            <p:strVal val="#ppt_x"/>
+                                          </p:val>
+                                        </p:tav>
+                                      </p:tavLst>
+                                    </p:anim>
+                                    <p:anim calcmode="lin" valueType="num">
+                                      <p:cBhvr>
+                                        <p:cTn id="69" dur="1000" fill="hold"/>
+                                        <p:tgtEl>
+                                          <p:spTgt spid="3">
+                                            <p:txEl>
+                                              <p:pRg st="8" end="8"/>
+                                            </p:txEl>
+                                          </p:spTgt>
+                                        </p:tgtEl>
+                                        <p:attrNameLst>
+                                          <p:attrName>ppt_y</p:attrName>
+                                        </p:attrNameLst>
+                                      </p:cBhvr>
+                                      <p:tavLst>
+                                        <p:tav tm="0">
+                                          <p:val>
+                                            <p:strVal val="#ppt_y+.1"/>
+                                          </p:val>
+                                        </p:tav>
+                                        <p:tav tm="100000">
+                                          <p:val>
+                                            <p:strVal val="#ppt_y"/>
+                                          </p:val>
+                                        </p:tav>
+                                      </p:tavLst>
+                                    </p:anim>
+                                  </p:childTnLst>
+                                </p:cTn>
+                              </p:par>
+                              <p:par>
+                                <p:cTn id="70" presetID="42" presetClass="entr" presetSubtype="0" fill="hold" grpId="0" nodeType="withEffect">
+                                  <p:stCondLst>
+                                    <p:cond delay="0"/>
+                                  </p:stCondLst>
+                                  <p:childTnLst>
+                                    <p:set>
+                                      <p:cBhvr>
+                                        <p:cTn id="71" dur="1" fill="hold">
+                                          <p:stCondLst>
+                                            <p:cond delay="0"/>
+                                          </p:stCondLst>
+                                        </p:cTn>
+                                        <p:tgtEl>
+                                          <p:spTgt spid="3">
+                                            <p:txEl>
+                                              <p:pRg st="9" end="9"/>
+                                            </p:txEl>
+                                          </p:spTgt>
+                                        </p:tgtEl>
+                                        <p:attrNameLst>
+                                          <p:attrName>style.visibility</p:attrName>
+                                        </p:attrNameLst>
+                                      </p:cBhvr>
+                                      <p:to>
+                                        <p:strVal val="visible"/>
+                                      </p:to>
+                                    </p:set>
+                                    <p:animEffect transition="in" filter="fade">
+                                      <p:cBhvr>
+                                        <p:cTn id="72" dur="1000"/>
+                                        <p:tgtEl>
+                                          <p:spTgt spid="3">
+                                            <p:txEl>
+                                              <p:pRg st="9" end="9"/>
+                                            </p:txEl>
+                                          </p:spTgt>
+                                        </p:tgtEl>
+                                      </p:cBhvr>
+                                    </p:animEffect>
+                                    <p:anim calcmode="lin" valueType="num">
+                                      <p:cBhvr>
+                                        <p:cTn id="73" dur="1000" fill="hold"/>
+                                        <p:tgtEl>
+                                          <p:spTgt spid="3">
+                                            <p:txEl>
+                                              <p:pRg st="9" end="9"/>
+                                            </p:txEl>
+                                          </p:spTgt>
+                                        </p:tgtEl>
+                                        <p:attrNameLst>
+                                          <p:attrName>ppt_x</p:attrName>
+                                        </p:attrNameLst>
+                                      </p:cBhvr>
+                                      <p:tavLst>
+                                        <p:tav tm="0">
+                                          <p:val>
+                                            <p:strVal val="#ppt_x"/>
+                                          </p:val>
+                                        </p:tav>
+                                        <p:tav tm="100000">
+                                          <p:val>
+                                            <p:strVal val="#ppt_x"/>
+                                          </p:val>
+                                        </p:tav>
+                                      </p:tavLst>
+                                    </p:anim>
+                                    <p:anim calcmode="lin" valueType="num">
+                                      <p:cBhvr>
+                                        <p:cTn id="74" dur="1000" fill="hold"/>
+                                        <p:tgtEl>
+                                          <p:spTgt spid="3">
+                                            <p:txEl>
+                                              <p:pRg st="9" end="9"/>
+                                            </p:txEl>
+                                          </p:spTgt>
                                         </p:tgtEl>
                                         <p:attrNameLst>
                                           <p:attrName>ppt_y</p:attrName>
@@ -11392,7 +12066,7 @@
         </p:nvSpPr>
         <p:spPr>
           <a:xfrm>
-            <a:off x="1596395" y="2273631"/>
+            <a:off x="1596395" y="2382496"/>
             <a:ext cx="7069282" cy="4269458"/>
           </a:xfrm>
         </p:spPr>
@@ -11408,7 +12082,15 @@
             </a:pPr>
             <a:r>
               <a:rPr lang="fr-CH" sz="2200" dirty="0" smtClean="0"/>
-              <a:t>Si le pantin est complètement guéri</a:t>
+              <a:t>Si </a:t>
+            </a:r>
+            <a:r>
+              <a:rPr lang="fr-CH" sz="2200" dirty="0" smtClean="0"/>
+              <a:t>le pantin est complètement </a:t>
+            </a:r>
+            <a:r>
+              <a:rPr lang="fr-CH" sz="2200" dirty="0" smtClean="0"/>
+              <a:t>guéri</a:t>
             </a:r>
           </a:p>
           <a:p>
@@ -11418,6 +12100,17 @@
             </a:pPr>
             <a:r>
               <a:rPr lang="fr-CH" sz="2000" dirty="0" smtClean="0"/>
+              <a:t>Somme des dégâts inférieurs ou égal à 4</a:t>
+            </a:r>
+            <a:endParaRPr lang="fr-CH" sz="2000" dirty="0" smtClean="0"/>
+          </a:p>
+          <a:p>
+            <a:pPr lvl="1" defTabSz="631825">
+              <a:buFont typeface="Wingdings 3" panose="05040102010807070707" pitchFamily="18" charset="2"/>
+              <a:buChar char=""/>
+            </a:pPr>
+            <a:r>
+              <a:rPr lang="fr-CH" sz="2000" dirty="0" smtClean="0"/>
               <a:t>Le </a:t>
             </a:r>
             <a:r>
@@ -11436,11 +12129,11 @@
             </a:pPr>
             <a:r>
               <a:rPr lang="fr-CH" sz="2200" dirty="0" smtClean="0"/>
-              <a:t>Si le pantin a atteint les dégâts </a:t>
+              <a:t>Si le pantin </a:t>
             </a:r>
             <a:r>
               <a:rPr lang="fr-CH" sz="2200" dirty="0" smtClean="0"/>
-              <a:t>max ou s’il est mort</a:t>
+              <a:t>n’a plus de points de vie</a:t>
             </a:r>
             <a:endParaRPr lang="fr-CH" sz="2200" dirty="0" smtClean="0"/>
           </a:p>
@@ -11720,7 +12413,7 @@
         </p:blipFill>
         <p:spPr bwMode="auto">
           <a:xfrm>
-            <a:off x="7496281" y="3526972"/>
+            <a:off x="7561596" y="3236121"/>
             <a:ext cx="1441444" cy="1404484"/>
           </a:xfrm>
           <a:prstGeom prst="rect">
@@ -11802,7 +12495,7 @@
         </p:blipFill>
         <p:spPr bwMode="auto">
           <a:xfrm>
-            <a:off x="2158694" y="5294994"/>
+            <a:off x="2158694" y="5371196"/>
             <a:ext cx="2565705" cy="1425392"/>
           </a:xfrm>
           <a:prstGeom prst="rect">
@@ -12045,7 +12738,7 @@
                                 </p:cTn>
                               </p:par>
                               <p:par>
-                                <p:cTn id="15" presetID="42" presetClass="entr" presetSubtype="0" fill="hold" nodeType="withEffect">
+                                <p:cTn id="15" presetID="42" presetClass="entr" presetSubtype="0" fill="hold" grpId="0" nodeType="withEffect">
                                   <p:stCondLst>
                                     <p:cond delay="0"/>
                                   </p:stCondLst>
@@ -12053,6 +12746,103 @@
                                     <p:set>
                                       <p:cBhvr>
                                         <p:cTn id="16" dur="1" fill="hold">
+                                          <p:stCondLst>
+                                            <p:cond delay="0"/>
+                                          </p:stCondLst>
+                                        </p:cTn>
+                                        <p:tgtEl>
+                                          <p:spTgt spid="3">
+                                            <p:txEl>
+                                              <p:pRg st="2" end="2"/>
+                                            </p:txEl>
+                                          </p:spTgt>
+                                        </p:tgtEl>
+                                        <p:attrNameLst>
+                                          <p:attrName>style.visibility</p:attrName>
+                                        </p:attrNameLst>
+                                      </p:cBhvr>
+                                      <p:to>
+                                        <p:strVal val="visible"/>
+                                      </p:to>
+                                    </p:set>
+                                    <p:animEffect transition="in" filter="fade">
+                                      <p:cBhvr>
+                                        <p:cTn id="17" dur="1000"/>
+                                        <p:tgtEl>
+                                          <p:spTgt spid="3">
+                                            <p:txEl>
+                                              <p:pRg st="2" end="2"/>
+                                            </p:txEl>
+                                          </p:spTgt>
+                                        </p:tgtEl>
+                                      </p:cBhvr>
+                                    </p:animEffect>
+                                    <p:anim calcmode="lin" valueType="num">
+                                      <p:cBhvr>
+                                        <p:cTn id="18" dur="1000" fill="hold"/>
+                                        <p:tgtEl>
+                                          <p:spTgt spid="3">
+                                            <p:txEl>
+                                              <p:pRg st="2" end="2"/>
+                                            </p:txEl>
+                                          </p:spTgt>
+                                        </p:tgtEl>
+                                        <p:attrNameLst>
+                                          <p:attrName>ppt_x</p:attrName>
+                                        </p:attrNameLst>
+                                      </p:cBhvr>
+                                      <p:tavLst>
+                                        <p:tav tm="0">
+                                          <p:val>
+                                            <p:strVal val="#ppt_x"/>
+                                          </p:val>
+                                        </p:tav>
+                                        <p:tav tm="100000">
+                                          <p:val>
+                                            <p:strVal val="#ppt_x"/>
+                                          </p:val>
+                                        </p:tav>
+                                      </p:tavLst>
+                                    </p:anim>
+                                    <p:anim calcmode="lin" valueType="num">
+                                      <p:cBhvr>
+                                        <p:cTn id="19" dur="1000" fill="hold"/>
+                                        <p:tgtEl>
+                                          <p:spTgt spid="3">
+                                            <p:txEl>
+                                              <p:pRg st="2" end="2"/>
+                                            </p:txEl>
+                                          </p:spTgt>
+                                        </p:tgtEl>
+                                        <p:attrNameLst>
+                                          <p:attrName>ppt_y</p:attrName>
+                                        </p:attrNameLst>
+                                      </p:cBhvr>
+                                      <p:tavLst>
+                                        <p:tav tm="0">
+                                          <p:val>
+                                            <p:strVal val="#ppt_y+.1"/>
+                                          </p:val>
+                                        </p:tav>
+                                        <p:tav tm="100000">
+                                          <p:val>
+                                            <p:strVal val="#ppt_y"/>
+                                          </p:val>
+                                        </p:tav>
+                                      </p:tavLst>
+                                    </p:anim>
+                                  </p:childTnLst>
+                                </p:cTn>
+                              </p:par>
+                              <p:par>
+                                <p:cTn id="20" presetID="42" presetClass="entr" presetSubtype="0" fill="hold" nodeType="withEffect">
+                                  <p:stCondLst>
+                                    <p:cond delay="0"/>
+                                  </p:stCondLst>
+                                  <p:childTnLst>
+                                    <p:set>
+                                      <p:cBhvr>
+                                        <p:cTn id="21" dur="1" fill="hold">
                                           <p:stCondLst>
                                             <p:cond delay="0"/>
                                           </p:stCondLst>
@@ -12070,7 +12860,7 @@
                                     </p:set>
                                     <p:animEffect transition="in" filter="fade">
                                       <p:cBhvr>
-                                        <p:cTn id="17" dur="1000"/>
+                                        <p:cTn id="22" dur="1000"/>
                                         <p:tgtEl>
                                           <p:spTgt spid="4100"/>
                                         </p:tgtEl>
@@ -12078,7 +12868,7 @@
                                     </p:animEffect>
                                     <p:anim calcmode="lin" valueType="num">
                                       <p:cBhvr>
-                                        <p:cTn id="18" dur="1000" fill="hold"/>
+                                        <p:cTn id="23" dur="1000" fill="hold"/>
                                         <p:tgtEl>
                                           <p:spTgt spid="4100"/>
                                         </p:tgtEl>
@@ -12101,7 +12891,7 @@
                                     </p:anim>
                                     <p:anim calcmode="lin" valueType="num">
                                       <p:cBhvr>
-                                        <p:cTn id="19" dur="1000" fill="hold"/>
+                                        <p:cTn id="24" dur="1000" fill="hold"/>
                                         <p:tgtEl>
                                           <p:spTgt spid="4100"/>
                                         </p:tgtEl>
@@ -12132,116 +12922,19 @@
                     </p:cTn>
                   </p:par>
                   <p:par>
-                    <p:cTn id="20" fill="hold">
+                    <p:cTn id="25" fill="hold">
                       <p:stCondLst>
                         <p:cond delay="indefinite"/>
                       </p:stCondLst>
                       <p:childTnLst>
                         <p:par>
-                          <p:cTn id="21" fill="hold">
+                          <p:cTn id="26" fill="hold">
                             <p:stCondLst>
                               <p:cond delay="0"/>
                             </p:stCondLst>
                             <p:childTnLst>
                               <p:par>
-                                <p:cTn id="22" presetID="42" presetClass="entr" presetSubtype="0" fill="hold" grpId="0" nodeType="clickEffect">
-                                  <p:stCondLst>
-                                    <p:cond delay="0"/>
-                                  </p:stCondLst>
-                                  <p:childTnLst>
-                                    <p:set>
-                                      <p:cBhvr>
-                                        <p:cTn id="23" dur="1" fill="hold">
-                                          <p:stCondLst>
-                                            <p:cond delay="0"/>
-                                          </p:stCondLst>
-                                        </p:cTn>
-                                        <p:tgtEl>
-                                          <p:spTgt spid="3">
-                                            <p:txEl>
-                                              <p:pRg st="2" end="2"/>
-                                            </p:txEl>
-                                          </p:spTgt>
-                                        </p:tgtEl>
-                                        <p:attrNameLst>
-                                          <p:attrName>style.visibility</p:attrName>
-                                        </p:attrNameLst>
-                                      </p:cBhvr>
-                                      <p:to>
-                                        <p:strVal val="visible"/>
-                                      </p:to>
-                                    </p:set>
-                                    <p:animEffect transition="in" filter="fade">
-                                      <p:cBhvr>
-                                        <p:cTn id="24" dur="1000"/>
-                                        <p:tgtEl>
-                                          <p:spTgt spid="3">
-                                            <p:txEl>
-                                              <p:pRg st="2" end="2"/>
-                                            </p:txEl>
-                                          </p:spTgt>
-                                        </p:tgtEl>
-                                      </p:cBhvr>
-                                    </p:animEffect>
-                                    <p:anim calcmode="lin" valueType="num">
-                                      <p:cBhvr>
-                                        <p:cTn id="25" dur="1000" fill="hold"/>
-                                        <p:tgtEl>
-                                          <p:spTgt spid="3">
-                                            <p:txEl>
-                                              <p:pRg st="2" end="2"/>
-                                            </p:txEl>
-                                          </p:spTgt>
-                                        </p:tgtEl>
-                                        <p:attrNameLst>
-                                          <p:attrName>ppt_x</p:attrName>
-                                        </p:attrNameLst>
-                                      </p:cBhvr>
-                                      <p:tavLst>
-                                        <p:tav tm="0">
-                                          <p:val>
-                                            <p:strVal val="#ppt_x"/>
-                                          </p:val>
-                                        </p:tav>
-                                        <p:tav tm="100000">
-                                          <p:val>
-                                            <p:strVal val="#ppt_x"/>
-                                          </p:val>
-                                        </p:tav>
-                                      </p:tavLst>
-                                    </p:anim>
-                                    <p:anim calcmode="lin" valueType="num">
-                                      <p:cBhvr>
-                                        <p:cTn id="26" dur="1000" fill="hold"/>
-                                        <p:tgtEl>
-                                          <p:spTgt spid="3">
-                                            <p:txEl>
-                                              <p:pRg st="2" end="2"/>
-                                            </p:txEl>
-                                          </p:spTgt>
-                                        </p:tgtEl>
-                                        <p:attrNameLst>
-                                          <p:attrName>ppt_y</p:attrName>
-                                        </p:attrNameLst>
-                                      </p:cBhvr>
-                                      <p:tavLst>
-                                        <p:tav tm="0">
-                                          <p:val>
-                                            <p:strVal val="#ppt_y+.1"/>
-                                          </p:val>
-                                        </p:tav>
-                                        <p:tav tm="100000">
-                                          <p:val>
-                                            <p:strVal val="#ppt_y"/>
-                                          </p:val>
-                                        </p:tav>
-                                      </p:tavLst>
-                                    </p:anim>
-                                  </p:childTnLst>
-                                </p:cTn>
-                              </p:par>
-                              <p:par>
-                                <p:cTn id="27" presetID="42" presetClass="entr" presetSubtype="0" fill="hold" grpId="0" nodeType="withEffect">
+                                <p:cTn id="27" presetID="42" presetClass="entr" presetSubtype="0" fill="hold" grpId="0" nodeType="clickEffect">
                                   <p:stCondLst>
                                     <p:cond delay="0"/>
                                   </p:stCondLst>
@@ -12338,7 +13031,7 @@
                                 </p:cTn>
                               </p:par>
                               <p:par>
-                                <p:cTn id="32" presetID="42" presetClass="entr" presetSubtype="0" fill="hold" nodeType="withEffect">
+                                <p:cTn id="32" presetID="42" presetClass="entr" presetSubtype="0" fill="hold" grpId="0" nodeType="withEffect">
                                   <p:stCondLst>
                                     <p:cond delay="0"/>
                                   </p:stCondLst>
@@ -12346,6 +13039,103 @@
                                     <p:set>
                                       <p:cBhvr>
                                         <p:cTn id="33" dur="1" fill="hold">
+                                          <p:stCondLst>
+                                            <p:cond delay="0"/>
+                                          </p:stCondLst>
+                                        </p:cTn>
+                                        <p:tgtEl>
+                                          <p:spTgt spid="3">
+                                            <p:txEl>
+                                              <p:pRg st="4" end="4"/>
+                                            </p:txEl>
+                                          </p:spTgt>
+                                        </p:tgtEl>
+                                        <p:attrNameLst>
+                                          <p:attrName>style.visibility</p:attrName>
+                                        </p:attrNameLst>
+                                      </p:cBhvr>
+                                      <p:to>
+                                        <p:strVal val="visible"/>
+                                      </p:to>
+                                    </p:set>
+                                    <p:animEffect transition="in" filter="fade">
+                                      <p:cBhvr>
+                                        <p:cTn id="34" dur="1000"/>
+                                        <p:tgtEl>
+                                          <p:spTgt spid="3">
+                                            <p:txEl>
+                                              <p:pRg st="4" end="4"/>
+                                            </p:txEl>
+                                          </p:spTgt>
+                                        </p:tgtEl>
+                                      </p:cBhvr>
+                                    </p:animEffect>
+                                    <p:anim calcmode="lin" valueType="num">
+                                      <p:cBhvr>
+                                        <p:cTn id="35" dur="1000" fill="hold"/>
+                                        <p:tgtEl>
+                                          <p:spTgt spid="3">
+                                            <p:txEl>
+                                              <p:pRg st="4" end="4"/>
+                                            </p:txEl>
+                                          </p:spTgt>
+                                        </p:tgtEl>
+                                        <p:attrNameLst>
+                                          <p:attrName>ppt_x</p:attrName>
+                                        </p:attrNameLst>
+                                      </p:cBhvr>
+                                      <p:tavLst>
+                                        <p:tav tm="0">
+                                          <p:val>
+                                            <p:strVal val="#ppt_x"/>
+                                          </p:val>
+                                        </p:tav>
+                                        <p:tav tm="100000">
+                                          <p:val>
+                                            <p:strVal val="#ppt_x"/>
+                                          </p:val>
+                                        </p:tav>
+                                      </p:tavLst>
+                                    </p:anim>
+                                    <p:anim calcmode="lin" valueType="num">
+                                      <p:cBhvr>
+                                        <p:cTn id="36" dur="1000" fill="hold"/>
+                                        <p:tgtEl>
+                                          <p:spTgt spid="3">
+                                            <p:txEl>
+                                              <p:pRg st="4" end="4"/>
+                                            </p:txEl>
+                                          </p:spTgt>
+                                        </p:tgtEl>
+                                        <p:attrNameLst>
+                                          <p:attrName>ppt_y</p:attrName>
+                                        </p:attrNameLst>
+                                      </p:cBhvr>
+                                      <p:tavLst>
+                                        <p:tav tm="0">
+                                          <p:val>
+                                            <p:strVal val="#ppt_y+.1"/>
+                                          </p:val>
+                                        </p:tav>
+                                        <p:tav tm="100000">
+                                          <p:val>
+                                            <p:strVal val="#ppt_y"/>
+                                          </p:val>
+                                        </p:tav>
+                                      </p:tavLst>
+                                    </p:anim>
+                                  </p:childTnLst>
+                                </p:cTn>
+                              </p:par>
+                              <p:par>
+                                <p:cTn id="37" presetID="42" presetClass="entr" presetSubtype="0" fill="hold" nodeType="withEffect">
+                                  <p:stCondLst>
+                                    <p:cond delay="0"/>
+                                  </p:stCondLst>
+                                  <p:childTnLst>
+                                    <p:set>
+                                      <p:cBhvr>
+                                        <p:cTn id="38" dur="1" fill="hold">
                                           <p:stCondLst>
                                             <p:cond delay="0"/>
                                           </p:stCondLst>
@@ -12363,7 +13153,7 @@
                                     </p:set>
                                     <p:animEffect transition="in" filter="fade">
                                       <p:cBhvr>
-                                        <p:cTn id="34" dur="1000"/>
+                                        <p:cTn id="39" dur="1000"/>
                                         <p:tgtEl>
                                           <p:spTgt spid="4098"/>
                                         </p:tgtEl>
@@ -12371,7 +13161,7 @@
                                     </p:animEffect>
                                     <p:anim calcmode="lin" valueType="num">
                                       <p:cBhvr>
-                                        <p:cTn id="35" dur="1000" fill="hold"/>
+                                        <p:cTn id="40" dur="1000" fill="hold"/>
                                         <p:tgtEl>
                                           <p:spTgt spid="4098"/>
                                         </p:tgtEl>
@@ -12394,7 +13184,7 @@
                                     </p:anim>
                                     <p:anim calcmode="lin" valueType="num">
                                       <p:cBhvr>
-                                        <p:cTn id="36" dur="1000" fill="hold"/>
+                                        <p:cTn id="41" dur="1000" fill="hold"/>
                                         <p:tgtEl>
                                           <p:spTgt spid="4098"/>
                                         </p:tgtEl>
@@ -12425,116 +13215,19 @@
                     </p:cTn>
                   </p:par>
                   <p:par>
-                    <p:cTn id="37" fill="hold">
+                    <p:cTn id="42" fill="hold">
                       <p:stCondLst>
                         <p:cond delay="indefinite"/>
                       </p:stCondLst>
                       <p:childTnLst>
                         <p:par>
-                          <p:cTn id="38" fill="hold">
+                          <p:cTn id="43" fill="hold">
                             <p:stCondLst>
                               <p:cond delay="0"/>
                             </p:stCondLst>
                             <p:childTnLst>
                               <p:par>
-                                <p:cTn id="39" presetID="42" presetClass="entr" presetSubtype="0" fill="hold" grpId="0" nodeType="clickEffect">
-                                  <p:stCondLst>
-                                    <p:cond delay="0"/>
-                                  </p:stCondLst>
-                                  <p:childTnLst>
-                                    <p:set>
-                                      <p:cBhvr>
-                                        <p:cTn id="40" dur="1" fill="hold">
-                                          <p:stCondLst>
-                                            <p:cond delay="0"/>
-                                          </p:stCondLst>
-                                        </p:cTn>
-                                        <p:tgtEl>
-                                          <p:spTgt spid="3">
-                                            <p:txEl>
-                                              <p:pRg st="4" end="4"/>
-                                            </p:txEl>
-                                          </p:spTgt>
-                                        </p:tgtEl>
-                                        <p:attrNameLst>
-                                          <p:attrName>style.visibility</p:attrName>
-                                        </p:attrNameLst>
-                                      </p:cBhvr>
-                                      <p:to>
-                                        <p:strVal val="visible"/>
-                                      </p:to>
-                                    </p:set>
-                                    <p:animEffect transition="in" filter="fade">
-                                      <p:cBhvr>
-                                        <p:cTn id="41" dur="1000"/>
-                                        <p:tgtEl>
-                                          <p:spTgt spid="3">
-                                            <p:txEl>
-                                              <p:pRg st="4" end="4"/>
-                                            </p:txEl>
-                                          </p:spTgt>
-                                        </p:tgtEl>
-                                      </p:cBhvr>
-                                    </p:animEffect>
-                                    <p:anim calcmode="lin" valueType="num">
-                                      <p:cBhvr>
-                                        <p:cTn id="42" dur="1000" fill="hold"/>
-                                        <p:tgtEl>
-                                          <p:spTgt spid="3">
-                                            <p:txEl>
-                                              <p:pRg st="4" end="4"/>
-                                            </p:txEl>
-                                          </p:spTgt>
-                                        </p:tgtEl>
-                                        <p:attrNameLst>
-                                          <p:attrName>ppt_x</p:attrName>
-                                        </p:attrNameLst>
-                                      </p:cBhvr>
-                                      <p:tavLst>
-                                        <p:tav tm="0">
-                                          <p:val>
-                                            <p:strVal val="#ppt_x"/>
-                                          </p:val>
-                                        </p:tav>
-                                        <p:tav tm="100000">
-                                          <p:val>
-                                            <p:strVal val="#ppt_x"/>
-                                          </p:val>
-                                        </p:tav>
-                                      </p:tavLst>
-                                    </p:anim>
-                                    <p:anim calcmode="lin" valueType="num">
-                                      <p:cBhvr>
-                                        <p:cTn id="43" dur="1000" fill="hold"/>
-                                        <p:tgtEl>
-                                          <p:spTgt spid="3">
-                                            <p:txEl>
-                                              <p:pRg st="4" end="4"/>
-                                            </p:txEl>
-                                          </p:spTgt>
-                                        </p:tgtEl>
-                                        <p:attrNameLst>
-                                          <p:attrName>ppt_y</p:attrName>
-                                        </p:attrNameLst>
-                                      </p:cBhvr>
-                                      <p:tavLst>
-                                        <p:tav tm="0">
-                                          <p:val>
-                                            <p:strVal val="#ppt_y+.1"/>
-                                          </p:val>
-                                        </p:tav>
-                                        <p:tav tm="100000">
-                                          <p:val>
-                                            <p:strVal val="#ppt_y"/>
-                                          </p:val>
-                                        </p:tav>
-                                      </p:tavLst>
-                                    </p:anim>
-                                  </p:childTnLst>
-                                </p:cTn>
-                              </p:par>
-                              <p:par>
-                                <p:cTn id="44" presetID="42" presetClass="entr" presetSubtype="0" fill="hold" grpId="0" nodeType="withEffect">
+                                <p:cTn id="44" presetID="42" presetClass="entr" presetSubtype="0" fill="hold" grpId="0" nodeType="clickEffect">
                                   <p:stCondLst>
                                     <p:cond delay="0"/>
                                   </p:stCondLst>
@@ -12631,7 +13324,7 @@
                                 </p:cTn>
                               </p:par>
                               <p:par>
-                                <p:cTn id="49" presetID="42" presetClass="entr" presetSubtype="0" fill="hold" nodeType="withEffect">
+                                <p:cTn id="49" presetID="42" presetClass="entr" presetSubtype="0" fill="hold" grpId="0" nodeType="withEffect">
                                   <p:stCondLst>
                                     <p:cond delay="0"/>
                                   </p:stCondLst>
@@ -12639,6 +13332,103 @@
                                     <p:set>
                                       <p:cBhvr>
                                         <p:cTn id="50" dur="1" fill="hold">
+                                          <p:stCondLst>
+                                            <p:cond delay="0"/>
+                                          </p:stCondLst>
+                                        </p:cTn>
+                                        <p:tgtEl>
+                                          <p:spTgt spid="3">
+                                            <p:txEl>
+                                              <p:pRg st="6" end="6"/>
+                                            </p:txEl>
+                                          </p:spTgt>
+                                        </p:tgtEl>
+                                        <p:attrNameLst>
+                                          <p:attrName>style.visibility</p:attrName>
+                                        </p:attrNameLst>
+                                      </p:cBhvr>
+                                      <p:to>
+                                        <p:strVal val="visible"/>
+                                      </p:to>
+                                    </p:set>
+                                    <p:animEffect transition="in" filter="fade">
+                                      <p:cBhvr>
+                                        <p:cTn id="51" dur="1000"/>
+                                        <p:tgtEl>
+                                          <p:spTgt spid="3">
+                                            <p:txEl>
+                                              <p:pRg st="6" end="6"/>
+                                            </p:txEl>
+                                          </p:spTgt>
+                                        </p:tgtEl>
+                                      </p:cBhvr>
+                                    </p:animEffect>
+                                    <p:anim calcmode="lin" valueType="num">
+                                      <p:cBhvr>
+                                        <p:cTn id="52" dur="1000" fill="hold"/>
+                                        <p:tgtEl>
+                                          <p:spTgt spid="3">
+                                            <p:txEl>
+                                              <p:pRg st="6" end="6"/>
+                                            </p:txEl>
+                                          </p:spTgt>
+                                        </p:tgtEl>
+                                        <p:attrNameLst>
+                                          <p:attrName>ppt_x</p:attrName>
+                                        </p:attrNameLst>
+                                      </p:cBhvr>
+                                      <p:tavLst>
+                                        <p:tav tm="0">
+                                          <p:val>
+                                            <p:strVal val="#ppt_x"/>
+                                          </p:val>
+                                        </p:tav>
+                                        <p:tav tm="100000">
+                                          <p:val>
+                                            <p:strVal val="#ppt_x"/>
+                                          </p:val>
+                                        </p:tav>
+                                      </p:tavLst>
+                                    </p:anim>
+                                    <p:anim calcmode="lin" valueType="num">
+                                      <p:cBhvr>
+                                        <p:cTn id="53" dur="1000" fill="hold"/>
+                                        <p:tgtEl>
+                                          <p:spTgt spid="3">
+                                            <p:txEl>
+                                              <p:pRg st="6" end="6"/>
+                                            </p:txEl>
+                                          </p:spTgt>
+                                        </p:tgtEl>
+                                        <p:attrNameLst>
+                                          <p:attrName>ppt_y</p:attrName>
+                                        </p:attrNameLst>
+                                      </p:cBhvr>
+                                      <p:tavLst>
+                                        <p:tav tm="0">
+                                          <p:val>
+                                            <p:strVal val="#ppt_y+.1"/>
+                                          </p:val>
+                                        </p:tav>
+                                        <p:tav tm="100000">
+                                          <p:val>
+                                            <p:strVal val="#ppt_y"/>
+                                          </p:val>
+                                        </p:tav>
+                                      </p:tavLst>
+                                    </p:anim>
+                                  </p:childTnLst>
+                                </p:cTn>
+                              </p:par>
+                              <p:par>
+                                <p:cTn id="54" presetID="42" presetClass="entr" presetSubtype="0" fill="hold" nodeType="withEffect">
+                                  <p:stCondLst>
+                                    <p:cond delay="0"/>
+                                  </p:stCondLst>
+                                  <p:childTnLst>
+                                    <p:set>
+                                      <p:cBhvr>
+                                        <p:cTn id="55" dur="1" fill="hold">
                                           <p:stCondLst>
                                             <p:cond delay="0"/>
                                           </p:stCondLst>
@@ -12656,7 +13446,7 @@
                                     </p:set>
                                     <p:animEffect transition="in" filter="fade">
                                       <p:cBhvr>
-                                        <p:cTn id="51" dur="1000"/>
+                                        <p:cTn id="56" dur="1000"/>
                                         <p:tgtEl>
                                           <p:spTgt spid="4102"/>
                                         </p:tgtEl>
@@ -12664,7 +13454,7 @@
                                     </p:animEffect>
                                     <p:anim calcmode="lin" valueType="num">
                                       <p:cBhvr>
-                                        <p:cTn id="52" dur="1000" fill="hold"/>
+                                        <p:cTn id="57" dur="1000" fill="hold"/>
                                         <p:tgtEl>
                                           <p:spTgt spid="4102"/>
                                         </p:tgtEl>
@@ -12687,7 +13477,7 @@
                                     </p:anim>
                                     <p:anim calcmode="lin" valueType="num">
                                       <p:cBhvr>
-                                        <p:cTn id="53" dur="1000" fill="hold"/>
+                                        <p:cTn id="58" dur="1000" fill="hold"/>
                                         <p:tgtEl>
                                           <p:spTgt spid="4102"/>
                                         </p:tgtEl>
@@ -13311,11 +14101,7 @@
             </a:r>
             <a:r>
               <a:rPr lang="fr-CH" sz="1800" dirty="0" smtClean="0"/>
-              <a:t>s</a:t>
-            </a:r>
-            <a:r>
-              <a:rPr lang="fr-CH" sz="1800" dirty="0" smtClean="0"/>
-              <a:t>urchargées</a:t>
+              <a:t>surchargées</a:t>
             </a:r>
           </a:p>
           <a:p>

--- a/Presentation/KillerVsHealer.pptx
+++ b/Presentation/KillerVsHealer.pptx
@@ -5,18 +5,21 @@
     <p:sldMasterId id="2147483699" r:id="rId1"/>
   </p:sldMasterIdLst>
   <p:notesMasterIdLst>
-    <p:notesMasterId r:id="rId11"/>
+    <p:notesMasterId r:id="rId14"/>
   </p:notesMasterIdLst>
   <p:sldIdLst>
     <p:sldId id="256" r:id="rId2"/>
     <p:sldId id="257" r:id="rId3"/>
-    <p:sldId id="258" r:id="rId4"/>
-    <p:sldId id="260" r:id="rId5"/>
-    <p:sldId id="259" r:id="rId6"/>
-    <p:sldId id="262" r:id="rId7"/>
-    <p:sldId id="265" r:id="rId8"/>
-    <p:sldId id="263" r:id="rId9"/>
-    <p:sldId id="264" r:id="rId10"/>
+    <p:sldId id="269" r:id="rId4"/>
+    <p:sldId id="258" r:id="rId5"/>
+    <p:sldId id="260" r:id="rId6"/>
+    <p:sldId id="259" r:id="rId7"/>
+    <p:sldId id="266" r:id="rId8"/>
+    <p:sldId id="267" r:id="rId9"/>
+    <p:sldId id="265" r:id="rId10"/>
+    <p:sldId id="263" r:id="rId11"/>
+    <p:sldId id="264" r:id="rId12"/>
+    <p:sldId id="268" r:id="rId13"/>
   </p:sldIdLst>
   <p:sldSz cx="9144000" cy="6858000" type="screen4x3"/>
   <p:notesSz cx="6858000" cy="9144000"/>
@@ -8700,6 +8703,1548 @@
 </p:sld>
 </file>
 
+<file path=ppt/slides/slide10.xml><?xml version="1.0" encoding="utf-8"?>
+<p:sld xmlns:a="http://schemas.openxmlformats.org/drawingml/2006/main" xmlns:r="http://schemas.openxmlformats.org/officeDocument/2006/relationships" xmlns:p="http://schemas.openxmlformats.org/presentationml/2006/main">
+  <p:cSld>
+    <p:spTree>
+      <p:nvGrpSpPr>
+        <p:cNvPr id="1" name=""/>
+        <p:cNvGrpSpPr/>
+        <p:nvPr/>
+      </p:nvGrpSpPr>
+      <p:grpSpPr>
+        <a:xfrm>
+          <a:off x="0" y="0"/>
+          <a:ext cx="0" cy="0"/>
+          <a:chOff x="0" y="0"/>
+          <a:chExt cx="0" cy="0"/>
+        </a:xfrm>
+      </p:grpSpPr>
+      <p:sp>
+        <p:nvSpPr>
+          <p:cNvPr id="3" name="Espace réservé du contenu 2"/>
+          <p:cNvSpPr>
+            <a:spLocks noGrp="1"/>
+          </p:cNvSpPr>
+          <p:nvPr>
+            <p:ph idx="1"/>
+          </p:nvPr>
+        </p:nvSpPr>
+        <p:spPr>
+          <a:xfrm>
+            <a:off x="1596395" y="2023261"/>
+            <a:ext cx="7069282" cy="4269458"/>
+          </a:xfrm>
+        </p:spPr>
+        <p:txBody>
+          <a:bodyPr>
+            <a:normAutofit/>
+          </a:bodyPr>
+          <a:lstStyle/>
+          <a:p>
+            <a:pPr defTabSz="631825">
+              <a:buFont typeface="Wingdings 3" panose="05040102010807070707" pitchFamily="18" charset="2"/>
+              <a:buChar char=""/>
+            </a:pPr>
+            <a:r>
+              <a:rPr lang="fr-CH" sz="2200" dirty="0" smtClean="0"/>
+              <a:t>Projet de </a:t>
+            </a:r>
+            <a:r>
+              <a:rPr lang="fr-CH" sz="2200" u="sng" dirty="0" smtClean="0"/>
+              <a:t>3 semaines</a:t>
+            </a:r>
+            <a:r>
+              <a:rPr lang="fr-CH" sz="2200" dirty="0" smtClean="0"/>
+              <a:t> à </a:t>
+            </a:r>
+            <a:r>
+              <a:rPr lang="fr-CH" sz="2200" u="sng" dirty="0" smtClean="0"/>
+              <a:t>5 personnes</a:t>
+            </a:r>
+            <a:r>
+              <a:rPr lang="fr-CH" sz="2200" dirty="0" smtClean="0"/>
+              <a:t> ?</a:t>
+            </a:r>
+          </a:p>
+          <a:p>
+            <a:pPr lvl="1" defTabSz="631825">
+              <a:buFont typeface="Wingdings 3" panose="05040102010807070707" pitchFamily="18" charset="2"/>
+              <a:buChar char=""/>
+            </a:pPr>
+            <a:r>
+              <a:rPr lang="fr-CH" sz="2000" dirty="0" smtClean="0"/>
+              <a:t>Difficile voire impossible de répartir les tâches sur l’ensemble du groupe</a:t>
+            </a:r>
+          </a:p>
+          <a:p>
+            <a:pPr lvl="1" defTabSz="631825">
+              <a:buFont typeface="Wingdings 3" panose="05040102010807070707" pitchFamily="18" charset="2"/>
+              <a:buChar char=""/>
+            </a:pPr>
+            <a:r>
+              <a:rPr lang="fr-CH" sz="2000" dirty="0" smtClean="0"/>
+              <a:t>Semaine 2 et 3 = dernières semaines = </a:t>
+            </a:r>
+            <a:r>
+              <a:rPr lang="fr-CH" sz="1800" dirty="0" smtClean="0"/>
+              <a:t>surchargées</a:t>
+            </a:r>
+          </a:p>
+          <a:p>
+            <a:pPr lvl="1" defTabSz="631825">
+              <a:buFont typeface="Wingdings 3" panose="05040102010807070707" pitchFamily="18" charset="2"/>
+              <a:buChar char=""/>
+            </a:pPr>
+            <a:endParaRPr lang="fr-CH" sz="1800" dirty="0" smtClean="0"/>
+          </a:p>
+        </p:txBody>
+      </p:sp>
+      <p:pic>
+        <p:nvPicPr>
+          <p:cNvPr id="4" name="Picture 2" descr="https://pbs.twimg.com/profile_images/451358899568775168/1Gqey4fM_400x400.png"/>
+          <p:cNvPicPr>
+            <a:picLocks noChangeAspect="1" noChangeArrowheads="1"/>
+          </p:cNvPicPr>
+          <p:nvPr/>
+        </p:nvPicPr>
+        <p:blipFill rotWithShape="1">
+          <a:blip r:embed="rId2">
+            <a:extLst>
+              <a:ext uri="{28A0092B-C50C-407E-A947-70E740481C1C}">
+                <a14:useLocalDpi xmlns:a14="http://schemas.microsoft.com/office/drawing/2010/main" val="0"/>
+              </a:ext>
+            </a:extLst>
+          </a:blip>
+          <a:srcRect l="28553" r="23721"/>
+          <a:stretch/>
+        </p:blipFill>
+        <p:spPr bwMode="auto">
+          <a:xfrm>
+            <a:off x="7450283" y="0"/>
+            <a:ext cx="662572" cy="1388320"/>
+          </a:xfrm>
+          <a:prstGeom prst="rect">
+            <a:avLst/>
+          </a:prstGeom>
+          <a:noFill/>
+          <a:extLst>
+            <a:ext uri="{909E8E84-426E-40DD-AFC4-6F175D3DCCD1}">
+              <a14:hiddenFill xmlns:a14="http://schemas.microsoft.com/office/drawing/2010/main">
+                <a:solidFill>
+                  <a:srgbClr val="FFFFFF"/>
+                </a:solidFill>
+              </a14:hiddenFill>
+            </a:ext>
+          </a:extLst>
+        </p:spPr>
+      </p:pic>
+      <p:sp>
+        <p:nvSpPr>
+          <p:cNvPr id="7" name="Titre 1"/>
+          <p:cNvSpPr txBox="1">
+            <a:spLocks/>
+          </p:cNvSpPr>
+          <p:nvPr/>
+        </p:nvSpPr>
+        <p:spPr>
+          <a:xfrm>
+            <a:off x="1596395" y="608278"/>
+            <a:ext cx="5853888" cy="1280890"/>
+          </a:xfrm>
+          <a:prstGeom prst="rect">
+            <a:avLst/>
+          </a:prstGeom>
+        </p:spPr>
+        <p:txBody>
+          <a:bodyPr vert="horz" lIns="91440" tIns="45720" rIns="91440" bIns="45720" rtlCol="0" anchor="t">
+            <a:normAutofit/>
+          </a:bodyPr>
+          <a:lstStyle>
+            <a:lvl1pPr algn="l" defTabSz="457200" rtl="0" eaLnBrk="1" latinLnBrk="0" hangingPunct="1">
+              <a:spcBef>
+                <a:spcPct val="0"/>
+              </a:spcBef>
+              <a:buNone/>
+              <a:defRPr sz="3600" kern="1200">
+                <a:solidFill>
+                  <a:schemeClr val="tx1">
+                    <a:lumMod val="85000"/>
+                    <a:lumOff val="15000"/>
+                  </a:schemeClr>
+                </a:solidFill>
+                <a:latin typeface="+mj-lt"/>
+                <a:ea typeface="+mj-ea"/>
+                <a:cs typeface="+mj-cs"/>
+              </a:defRPr>
+            </a:lvl1pPr>
+            <a:lvl2pPr eaLnBrk="1" hangingPunct="1">
+              <a:defRPr>
+                <a:solidFill>
+                  <a:schemeClr val="tx2"/>
+                </a:solidFill>
+              </a:defRPr>
+            </a:lvl2pPr>
+            <a:lvl3pPr eaLnBrk="1" hangingPunct="1">
+              <a:defRPr>
+                <a:solidFill>
+                  <a:schemeClr val="tx2"/>
+                </a:solidFill>
+              </a:defRPr>
+            </a:lvl3pPr>
+            <a:lvl4pPr eaLnBrk="1" hangingPunct="1">
+              <a:defRPr>
+                <a:solidFill>
+                  <a:schemeClr val="tx2"/>
+                </a:solidFill>
+              </a:defRPr>
+            </a:lvl4pPr>
+            <a:lvl5pPr eaLnBrk="1" hangingPunct="1">
+              <a:defRPr>
+                <a:solidFill>
+                  <a:schemeClr val="tx2"/>
+                </a:solidFill>
+              </a:defRPr>
+            </a:lvl5pPr>
+            <a:lvl6pPr eaLnBrk="1" hangingPunct="1">
+              <a:defRPr>
+                <a:solidFill>
+                  <a:schemeClr val="tx2"/>
+                </a:solidFill>
+              </a:defRPr>
+            </a:lvl6pPr>
+            <a:lvl7pPr eaLnBrk="1" hangingPunct="1">
+              <a:defRPr>
+                <a:solidFill>
+                  <a:schemeClr val="tx2"/>
+                </a:solidFill>
+              </a:defRPr>
+            </a:lvl7pPr>
+            <a:lvl8pPr eaLnBrk="1" hangingPunct="1">
+              <a:defRPr>
+                <a:solidFill>
+                  <a:schemeClr val="tx2"/>
+                </a:solidFill>
+              </a:defRPr>
+            </a:lvl8pPr>
+            <a:lvl9pPr eaLnBrk="1" hangingPunct="1">
+              <a:defRPr>
+                <a:solidFill>
+                  <a:schemeClr val="tx2"/>
+                </a:solidFill>
+              </a:defRPr>
+            </a:lvl9pPr>
+          </a:lstStyle>
+          <a:p>
+            <a:r>
+              <a:rPr lang="fr-CH" sz="4000" dirty="0" smtClean="0"/>
+              <a:t>Conclusion</a:t>
+            </a:r>
+            <a:endParaRPr lang="fr-CH" sz="4000" dirty="0"/>
+          </a:p>
+        </p:txBody>
+      </p:sp>
+      <p:sp>
+        <p:nvSpPr>
+          <p:cNvPr id="2" name="Espace réservé du numéro de diapositive 1"/>
+          <p:cNvSpPr>
+            <a:spLocks noGrp="1"/>
+          </p:cNvSpPr>
+          <p:nvPr>
+            <p:ph type="sldNum" sz="quarter" idx="12"/>
+          </p:nvPr>
+        </p:nvSpPr>
+        <p:spPr/>
+        <p:txBody>
+          <a:bodyPr/>
+          <a:lstStyle/>
+          <a:p>
+            <a:fld id="{D57F1E4F-1CFF-5643-939E-217C01CDF565}" type="slidenum">
+              <a:rPr lang="en-US" smtClean="0"/>
+              <a:pPr/>
+              <a:t>10</a:t>
+            </a:fld>
+            <a:endParaRPr lang="en-US" dirty="0"/>
+          </a:p>
+        </p:txBody>
+      </p:sp>
+      <p:pic>
+        <p:nvPicPr>
+          <p:cNvPr id="1032" name="Picture 8" descr="http://images-aus.reachsite.com/fca25264-e5dc-457e-a57e-39116c47df0f/media/63037/medium/63037.PNG"/>
+          <p:cNvPicPr>
+            <a:picLocks noChangeAspect="1" noChangeArrowheads="1"/>
+          </p:cNvPicPr>
+          <p:nvPr/>
+        </p:nvPicPr>
+        <p:blipFill rotWithShape="1">
+          <a:blip r:embed="rId3">
+            <a:extLst>
+              <a:ext uri="{28A0092B-C50C-407E-A947-70E740481C1C}">
+                <a14:useLocalDpi xmlns:a14="http://schemas.microsoft.com/office/drawing/2010/main" val="0"/>
+              </a:ext>
+            </a:extLst>
+          </a:blip>
+          <a:srcRect l="5706" r="51257"/>
+          <a:stretch/>
+        </p:blipFill>
+        <p:spPr bwMode="auto">
+          <a:xfrm>
+            <a:off x="6981529" y="4528454"/>
+            <a:ext cx="1600080" cy="2090057"/>
+          </a:xfrm>
+          <a:prstGeom prst="rect">
+            <a:avLst/>
+          </a:prstGeom>
+          <a:noFill/>
+          <a:extLst>
+            <a:ext uri="{909E8E84-426E-40DD-AFC4-6F175D3DCCD1}">
+              <a14:hiddenFill xmlns:a14="http://schemas.microsoft.com/office/drawing/2010/main">
+                <a:solidFill>
+                  <a:srgbClr val="FFFFFF"/>
+                </a:solidFill>
+              </a14:hiddenFill>
+            </a:ext>
+          </a:extLst>
+        </p:spPr>
+      </p:pic>
+    </p:spTree>
+    <p:extLst>
+      <p:ext uri="{BB962C8B-B14F-4D97-AF65-F5344CB8AC3E}">
+        <p14:creationId xmlns:p14="http://schemas.microsoft.com/office/powerpoint/2010/main" val="854379115"/>
+      </p:ext>
+    </p:extLst>
+  </p:cSld>
+  <p:clrMapOvr>
+    <a:masterClrMapping/>
+  </p:clrMapOvr>
+  <p:transition spd="med">
+    <p:pull/>
+  </p:transition>
+  <p:timing>
+    <p:tnLst>
+      <p:par>
+        <p:cTn id="1" dur="indefinite" restart="never" nodeType="tmRoot">
+          <p:childTnLst>
+            <p:seq concurrent="1" nextAc="seek">
+              <p:cTn id="2" dur="indefinite" nodeType="mainSeq">
+                <p:childTnLst>
+                  <p:par>
+                    <p:cTn id="3" fill="hold">
+                      <p:stCondLst>
+                        <p:cond delay="indefinite"/>
+                      </p:stCondLst>
+                      <p:childTnLst>
+                        <p:par>
+                          <p:cTn id="4" fill="hold">
+                            <p:stCondLst>
+                              <p:cond delay="0"/>
+                            </p:stCondLst>
+                            <p:childTnLst>
+                              <p:par>
+                                <p:cTn id="5" presetID="42" presetClass="entr" presetSubtype="0" fill="hold" grpId="0" nodeType="clickEffect">
+                                  <p:stCondLst>
+                                    <p:cond delay="0"/>
+                                  </p:stCondLst>
+                                  <p:childTnLst>
+                                    <p:set>
+                                      <p:cBhvr>
+                                        <p:cTn id="6" dur="1" fill="hold">
+                                          <p:stCondLst>
+                                            <p:cond delay="0"/>
+                                          </p:stCondLst>
+                                        </p:cTn>
+                                        <p:tgtEl>
+                                          <p:spTgt spid="3">
+                                            <p:txEl>
+                                              <p:pRg st="0" end="0"/>
+                                            </p:txEl>
+                                          </p:spTgt>
+                                        </p:tgtEl>
+                                        <p:attrNameLst>
+                                          <p:attrName>style.visibility</p:attrName>
+                                        </p:attrNameLst>
+                                      </p:cBhvr>
+                                      <p:to>
+                                        <p:strVal val="visible"/>
+                                      </p:to>
+                                    </p:set>
+                                    <p:animEffect transition="in" filter="fade">
+                                      <p:cBhvr>
+                                        <p:cTn id="7" dur="1000"/>
+                                        <p:tgtEl>
+                                          <p:spTgt spid="3">
+                                            <p:txEl>
+                                              <p:pRg st="0" end="0"/>
+                                            </p:txEl>
+                                          </p:spTgt>
+                                        </p:tgtEl>
+                                      </p:cBhvr>
+                                    </p:animEffect>
+                                    <p:anim calcmode="lin" valueType="num">
+                                      <p:cBhvr>
+                                        <p:cTn id="8" dur="1000" fill="hold"/>
+                                        <p:tgtEl>
+                                          <p:spTgt spid="3">
+                                            <p:txEl>
+                                              <p:pRg st="0" end="0"/>
+                                            </p:txEl>
+                                          </p:spTgt>
+                                        </p:tgtEl>
+                                        <p:attrNameLst>
+                                          <p:attrName>ppt_x</p:attrName>
+                                        </p:attrNameLst>
+                                      </p:cBhvr>
+                                      <p:tavLst>
+                                        <p:tav tm="0">
+                                          <p:val>
+                                            <p:strVal val="#ppt_x"/>
+                                          </p:val>
+                                        </p:tav>
+                                        <p:tav tm="100000">
+                                          <p:val>
+                                            <p:strVal val="#ppt_x"/>
+                                          </p:val>
+                                        </p:tav>
+                                      </p:tavLst>
+                                    </p:anim>
+                                    <p:anim calcmode="lin" valueType="num">
+                                      <p:cBhvr>
+                                        <p:cTn id="9" dur="1000" fill="hold"/>
+                                        <p:tgtEl>
+                                          <p:spTgt spid="3">
+                                            <p:txEl>
+                                              <p:pRg st="0" end="0"/>
+                                            </p:txEl>
+                                          </p:spTgt>
+                                        </p:tgtEl>
+                                        <p:attrNameLst>
+                                          <p:attrName>ppt_y</p:attrName>
+                                        </p:attrNameLst>
+                                      </p:cBhvr>
+                                      <p:tavLst>
+                                        <p:tav tm="0">
+                                          <p:val>
+                                            <p:strVal val="#ppt_y+.1"/>
+                                          </p:val>
+                                        </p:tav>
+                                        <p:tav tm="100000">
+                                          <p:val>
+                                            <p:strVal val="#ppt_y"/>
+                                          </p:val>
+                                        </p:tav>
+                                      </p:tavLst>
+                                    </p:anim>
+                                  </p:childTnLst>
+                                </p:cTn>
+                              </p:par>
+                              <p:par>
+                                <p:cTn id="10" presetID="42" presetClass="entr" presetSubtype="0" fill="hold" grpId="0" nodeType="withEffect">
+                                  <p:stCondLst>
+                                    <p:cond delay="0"/>
+                                  </p:stCondLst>
+                                  <p:childTnLst>
+                                    <p:set>
+                                      <p:cBhvr>
+                                        <p:cTn id="11" dur="1" fill="hold">
+                                          <p:stCondLst>
+                                            <p:cond delay="0"/>
+                                          </p:stCondLst>
+                                        </p:cTn>
+                                        <p:tgtEl>
+                                          <p:spTgt spid="3">
+                                            <p:txEl>
+                                              <p:pRg st="1" end="1"/>
+                                            </p:txEl>
+                                          </p:spTgt>
+                                        </p:tgtEl>
+                                        <p:attrNameLst>
+                                          <p:attrName>style.visibility</p:attrName>
+                                        </p:attrNameLst>
+                                      </p:cBhvr>
+                                      <p:to>
+                                        <p:strVal val="visible"/>
+                                      </p:to>
+                                    </p:set>
+                                    <p:animEffect transition="in" filter="fade">
+                                      <p:cBhvr>
+                                        <p:cTn id="12" dur="1000"/>
+                                        <p:tgtEl>
+                                          <p:spTgt spid="3">
+                                            <p:txEl>
+                                              <p:pRg st="1" end="1"/>
+                                            </p:txEl>
+                                          </p:spTgt>
+                                        </p:tgtEl>
+                                      </p:cBhvr>
+                                    </p:animEffect>
+                                    <p:anim calcmode="lin" valueType="num">
+                                      <p:cBhvr>
+                                        <p:cTn id="13" dur="1000" fill="hold"/>
+                                        <p:tgtEl>
+                                          <p:spTgt spid="3">
+                                            <p:txEl>
+                                              <p:pRg st="1" end="1"/>
+                                            </p:txEl>
+                                          </p:spTgt>
+                                        </p:tgtEl>
+                                        <p:attrNameLst>
+                                          <p:attrName>ppt_x</p:attrName>
+                                        </p:attrNameLst>
+                                      </p:cBhvr>
+                                      <p:tavLst>
+                                        <p:tav tm="0">
+                                          <p:val>
+                                            <p:strVal val="#ppt_x"/>
+                                          </p:val>
+                                        </p:tav>
+                                        <p:tav tm="100000">
+                                          <p:val>
+                                            <p:strVal val="#ppt_x"/>
+                                          </p:val>
+                                        </p:tav>
+                                      </p:tavLst>
+                                    </p:anim>
+                                    <p:anim calcmode="lin" valueType="num">
+                                      <p:cBhvr>
+                                        <p:cTn id="14" dur="1000" fill="hold"/>
+                                        <p:tgtEl>
+                                          <p:spTgt spid="3">
+                                            <p:txEl>
+                                              <p:pRg st="1" end="1"/>
+                                            </p:txEl>
+                                          </p:spTgt>
+                                        </p:tgtEl>
+                                        <p:attrNameLst>
+                                          <p:attrName>ppt_y</p:attrName>
+                                        </p:attrNameLst>
+                                      </p:cBhvr>
+                                      <p:tavLst>
+                                        <p:tav tm="0">
+                                          <p:val>
+                                            <p:strVal val="#ppt_y+.1"/>
+                                          </p:val>
+                                        </p:tav>
+                                        <p:tav tm="100000">
+                                          <p:val>
+                                            <p:strVal val="#ppt_y"/>
+                                          </p:val>
+                                        </p:tav>
+                                      </p:tavLst>
+                                    </p:anim>
+                                  </p:childTnLst>
+                                </p:cTn>
+                              </p:par>
+                              <p:par>
+                                <p:cTn id="15" presetID="42" presetClass="entr" presetSubtype="0" fill="hold" grpId="0" nodeType="withEffect">
+                                  <p:stCondLst>
+                                    <p:cond delay="0"/>
+                                  </p:stCondLst>
+                                  <p:childTnLst>
+                                    <p:set>
+                                      <p:cBhvr>
+                                        <p:cTn id="16" dur="1" fill="hold">
+                                          <p:stCondLst>
+                                            <p:cond delay="0"/>
+                                          </p:stCondLst>
+                                        </p:cTn>
+                                        <p:tgtEl>
+                                          <p:spTgt spid="3">
+                                            <p:txEl>
+                                              <p:pRg st="2" end="2"/>
+                                            </p:txEl>
+                                          </p:spTgt>
+                                        </p:tgtEl>
+                                        <p:attrNameLst>
+                                          <p:attrName>style.visibility</p:attrName>
+                                        </p:attrNameLst>
+                                      </p:cBhvr>
+                                      <p:to>
+                                        <p:strVal val="visible"/>
+                                      </p:to>
+                                    </p:set>
+                                    <p:animEffect transition="in" filter="fade">
+                                      <p:cBhvr>
+                                        <p:cTn id="17" dur="1000"/>
+                                        <p:tgtEl>
+                                          <p:spTgt spid="3">
+                                            <p:txEl>
+                                              <p:pRg st="2" end="2"/>
+                                            </p:txEl>
+                                          </p:spTgt>
+                                        </p:tgtEl>
+                                      </p:cBhvr>
+                                    </p:animEffect>
+                                    <p:anim calcmode="lin" valueType="num">
+                                      <p:cBhvr>
+                                        <p:cTn id="18" dur="1000" fill="hold"/>
+                                        <p:tgtEl>
+                                          <p:spTgt spid="3">
+                                            <p:txEl>
+                                              <p:pRg st="2" end="2"/>
+                                            </p:txEl>
+                                          </p:spTgt>
+                                        </p:tgtEl>
+                                        <p:attrNameLst>
+                                          <p:attrName>ppt_x</p:attrName>
+                                        </p:attrNameLst>
+                                      </p:cBhvr>
+                                      <p:tavLst>
+                                        <p:tav tm="0">
+                                          <p:val>
+                                            <p:strVal val="#ppt_x"/>
+                                          </p:val>
+                                        </p:tav>
+                                        <p:tav tm="100000">
+                                          <p:val>
+                                            <p:strVal val="#ppt_x"/>
+                                          </p:val>
+                                        </p:tav>
+                                      </p:tavLst>
+                                    </p:anim>
+                                    <p:anim calcmode="lin" valueType="num">
+                                      <p:cBhvr>
+                                        <p:cTn id="19" dur="1000" fill="hold"/>
+                                        <p:tgtEl>
+                                          <p:spTgt spid="3">
+                                            <p:txEl>
+                                              <p:pRg st="2" end="2"/>
+                                            </p:txEl>
+                                          </p:spTgt>
+                                        </p:tgtEl>
+                                        <p:attrNameLst>
+                                          <p:attrName>ppt_y</p:attrName>
+                                        </p:attrNameLst>
+                                      </p:cBhvr>
+                                      <p:tavLst>
+                                        <p:tav tm="0">
+                                          <p:val>
+                                            <p:strVal val="#ppt_y+.1"/>
+                                          </p:val>
+                                        </p:tav>
+                                        <p:tav tm="100000">
+                                          <p:val>
+                                            <p:strVal val="#ppt_y"/>
+                                          </p:val>
+                                        </p:tav>
+                                      </p:tavLst>
+                                    </p:anim>
+                                  </p:childTnLst>
+                                </p:cTn>
+                              </p:par>
+                            </p:childTnLst>
+                          </p:cTn>
+                        </p:par>
+                      </p:childTnLst>
+                    </p:cTn>
+                  </p:par>
+                </p:childTnLst>
+              </p:cTn>
+              <p:prevCondLst>
+                <p:cond evt="onPrev" delay="0">
+                  <p:tgtEl>
+                    <p:sldTgt/>
+                  </p:tgtEl>
+                </p:cond>
+              </p:prevCondLst>
+              <p:nextCondLst>
+                <p:cond evt="onNext" delay="0">
+                  <p:tgtEl>
+                    <p:sldTgt/>
+                  </p:tgtEl>
+                </p:cond>
+              </p:nextCondLst>
+            </p:seq>
+          </p:childTnLst>
+        </p:cTn>
+      </p:par>
+    </p:tnLst>
+    <p:bldLst>
+      <p:bldP spid="3" grpId="0" build="p"/>
+    </p:bldLst>
+  </p:timing>
+</p:sld>
+</file>
+
+<file path=ppt/slides/slide11.xml><?xml version="1.0" encoding="utf-8"?>
+<p:sld xmlns:a="http://schemas.openxmlformats.org/drawingml/2006/main" xmlns:r="http://schemas.openxmlformats.org/officeDocument/2006/relationships" xmlns:p="http://schemas.openxmlformats.org/presentationml/2006/main">
+  <p:cSld>
+    <p:spTree>
+      <p:nvGrpSpPr>
+        <p:cNvPr id="1" name=""/>
+        <p:cNvGrpSpPr/>
+        <p:nvPr/>
+      </p:nvGrpSpPr>
+      <p:grpSpPr>
+        <a:xfrm>
+          <a:off x="0" y="0"/>
+          <a:ext cx="0" cy="0"/>
+          <a:chOff x="0" y="0"/>
+          <a:chExt cx="0" cy="0"/>
+        </a:xfrm>
+      </p:grpSpPr>
+      <p:sp>
+        <p:nvSpPr>
+          <p:cNvPr id="3" name="Espace réservé du contenu 2"/>
+          <p:cNvSpPr>
+            <a:spLocks noGrp="1"/>
+          </p:cNvSpPr>
+          <p:nvPr>
+            <p:ph idx="1"/>
+          </p:nvPr>
+        </p:nvSpPr>
+        <p:spPr>
+          <a:xfrm>
+            <a:off x="1596395" y="1925290"/>
+            <a:ext cx="7069282" cy="4269458"/>
+          </a:xfrm>
+        </p:spPr>
+        <p:txBody>
+          <a:bodyPr>
+            <a:normAutofit/>
+          </a:bodyPr>
+          <a:lstStyle/>
+          <a:p>
+            <a:pPr defTabSz="631825">
+              <a:buFont typeface="Wingdings 3" panose="05040102010807070707" pitchFamily="18" charset="2"/>
+              <a:buChar char=""/>
+            </a:pPr>
+            <a:r>
+              <a:rPr lang="fr-CH" sz="2200" dirty="0" smtClean="0"/>
+              <a:t>Choix </a:t>
+            </a:r>
+            <a:r>
+              <a:rPr lang="fr-CH" sz="2200" u="sng" dirty="0" smtClean="0"/>
+              <a:t>original</a:t>
+            </a:r>
+            <a:r>
+              <a:rPr lang="fr-CH" sz="2200" dirty="0" smtClean="0"/>
+              <a:t> et </a:t>
+            </a:r>
+            <a:r>
+              <a:rPr lang="fr-CH" sz="2200" u="sng" dirty="0" smtClean="0"/>
+              <a:t>sexy</a:t>
+            </a:r>
+            <a:r>
+              <a:rPr lang="fr-CH" sz="2200" dirty="0" smtClean="0"/>
+              <a:t> du projet</a:t>
+            </a:r>
+          </a:p>
+          <a:p>
+            <a:pPr lvl="1" defTabSz="631825">
+              <a:buFont typeface="Wingdings 3" panose="05040102010807070707" pitchFamily="18" charset="2"/>
+              <a:buChar char=""/>
+            </a:pPr>
+            <a:r>
+              <a:rPr lang="fr-CH" sz="2000" dirty="0" smtClean="0"/>
+              <a:t>Pas si facile</a:t>
+            </a:r>
+          </a:p>
+          <a:p>
+            <a:pPr lvl="1" defTabSz="631825">
+              <a:buFont typeface="Wingdings 3" panose="05040102010807070707" pitchFamily="18" charset="2"/>
+              <a:buChar char=""/>
+            </a:pPr>
+            <a:r>
+              <a:rPr lang="fr-CH" sz="2000" dirty="0" smtClean="0"/>
+              <a:t>Au final, prends plaisir à travailler sur le projet</a:t>
+            </a:r>
+          </a:p>
+          <a:p>
+            <a:pPr defTabSz="631825">
+              <a:buFont typeface="Wingdings 3" panose="05040102010807070707" pitchFamily="18" charset="2"/>
+              <a:buChar char=""/>
+            </a:pPr>
+            <a:endParaRPr lang="fr-CH" sz="2200" dirty="0" smtClean="0"/>
+          </a:p>
+          <a:p>
+            <a:pPr defTabSz="631825">
+              <a:buFont typeface="Wingdings 3" panose="05040102010807070707" pitchFamily="18" charset="2"/>
+              <a:buChar char=""/>
+            </a:pPr>
+            <a:endParaRPr lang="fr-CH" sz="2200" dirty="0" smtClean="0"/>
+          </a:p>
+          <a:p>
+            <a:pPr defTabSz="631825">
+              <a:buFont typeface="Wingdings 3" panose="05040102010807070707" pitchFamily="18" charset="2"/>
+              <a:buChar char=""/>
+            </a:pPr>
+            <a:endParaRPr lang="fr-CH" sz="2200" dirty="0" smtClean="0"/>
+          </a:p>
+          <a:p>
+            <a:pPr defTabSz="631825">
+              <a:buFont typeface="Wingdings 3" panose="05040102010807070707" pitchFamily="18" charset="2"/>
+              <a:buChar char=""/>
+            </a:pPr>
+            <a:endParaRPr lang="fr-CH" sz="2200" dirty="0" smtClean="0"/>
+          </a:p>
+          <a:p>
+            <a:pPr defTabSz="631825">
+              <a:buFont typeface="Wingdings 3" panose="05040102010807070707" pitchFamily="18" charset="2"/>
+              <a:buChar char=""/>
+            </a:pPr>
+            <a:endParaRPr lang="fr-CH" sz="2200" dirty="0" smtClean="0"/>
+          </a:p>
+          <a:p>
+            <a:pPr lvl="1" defTabSz="631825">
+              <a:buFont typeface="Wingdings 3" panose="05040102010807070707" pitchFamily="18" charset="2"/>
+              <a:buChar char=""/>
+            </a:pPr>
+            <a:endParaRPr lang="fr-CH" sz="2000" dirty="0" smtClean="0"/>
+          </a:p>
+        </p:txBody>
+      </p:sp>
+      <p:pic>
+        <p:nvPicPr>
+          <p:cNvPr id="4" name="Picture 2" descr="https://pbs.twimg.com/profile_images/451358899568775168/1Gqey4fM_400x400.png"/>
+          <p:cNvPicPr>
+            <a:picLocks noChangeAspect="1" noChangeArrowheads="1"/>
+          </p:cNvPicPr>
+          <p:nvPr/>
+        </p:nvPicPr>
+        <p:blipFill rotWithShape="1">
+          <a:blip r:embed="rId2">
+            <a:extLst>
+              <a:ext uri="{28A0092B-C50C-407E-A947-70E740481C1C}">
+                <a14:useLocalDpi xmlns:a14="http://schemas.microsoft.com/office/drawing/2010/main" val="0"/>
+              </a:ext>
+            </a:extLst>
+          </a:blip>
+          <a:srcRect l="28553" r="23721"/>
+          <a:stretch/>
+        </p:blipFill>
+        <p:spPr bwMode="auto">
+          <a:xfrm>
+            <a:off x="7450283" y="0"/>
+            <a:ext cx="662572" cy="1388320"/>
+          </a:xfrm>
+          <a:prstGeom prst="rect">
+            <a:avLst/>
+          </a:prstGeom>
+          <a:noFill/>
+          <a:extLst>
+            <a:ext uri="{909E8E84-426E-40DD-AFC4-6F175D3DCCD1}">
+              <a14:hiddenFill xmlns:a14="http://schemas.microsoft.com/office/drawing/2010/main">
+                <a:solidFill>
+                  <a:srgbClr val="FFFFFF"/>
+                </a:solidFill>
+              </a14:hiddenFill>
+            </a:ext>
+          </a:extLst>
+        </p:spPr>
+      </p:pic>
+      <p:sp>
+        <p:nvSpPr>
+          <p:cNvPr id="7" name="Titre 1"/>
+          <p:cNvSpPr txBox="1">
+            <a:spLocks/>
+          </p:cNvSpPr>
+          <p:nvPr/>
+        </p:nvSpPr>
+        <p:spPr>
+          <a:xfrm>
+            <a:off x="1596395" y="608278"/>
+            <a:ext cx="5853888" cy="1280890"/>
+          </a:xfrm>
+          <a:prstGeom prst="rect">
+            <a:avLst/>
+          </a:prstGeom>
+        </p:spPr>
+        <p:txBody>
+          <a:bodyPr vert="horz" lIns="91440" tIns="45720" rIns="91440" bIns="45720" rtlCol="0" anchor="t">
+            <a:normAutofit/>
+          </a:bodyPr>
+          <a:lstStyle>
+            <a:lvl1pPr algn="l" defTabSz="457200" rtl="0" eaLnBrk="1" latinLnBrk="0" hangingPunct="1">
+              <a:spcBef>
+                <a:spcPct val="0"/>
+              </a:spcBef>
+              <a:buNone/>
+              <a:defRPr sz="3600" kern="1200">
+                <a:solidFill>
+                  <a:schemeClr val="tx1">
+                    <a:lumMod val="85000"/>
+                    <a:lumOff val="15000"/>
+                  </a:schemeClr>
+                </a:solidFill>
+                <a:latin typeface="+mj-lt"/>
+                <a:ea typeface="+mj-ea"/>
+                <a:cs typeface="+mj-cs"/>
+              </a:defRPr>
+            </a:lvl1pPr>
+            <a:lvl2pPr eaLnBrk="1" hangingPunct="1">
+              <a:defRPr>
+                <a:solidFill>
+                  <a:schemeClr val="tx2"/>
+                </a:solidFill>
+              </a:defRPr>
+            </a:lvl2pPr>
+            <a:lvl3pPr eaLnBrk="1" hangingPunct="1">
+              <a:defRPr>
+                <a:solidFill>
+                  <a:schemeClr val="tx2"/>
+                </a:solidFill>
+              </a:defRPr>
+            </a:lvl3pPr>
+            <a:lvl4pPr eaLnBrk="1" hangingPunct="1">
+              <a:defRPr>
+                <a:solidFill>
+                  <a:schemeClr val="tx2"/>
+                </a:solidFill>
+              </a:defRPr>
+            </a:lvl4pPr>
+            <a:lvl5pPr eaLnBrk="1" hangingPunct="1">
+              <a:defRPr>
+                <a:solidFill>
+                  <a:schemeClr val="tx2"/>
+                </a:solidFill>
+              </a:defRPr>
+            </a:lvl5pPr>
+            <a:lvl6pPr eaLnBrk="1" hangingPunct="1">
+              <a:defRPr>
+                <a:solidFill>
+                  <a:schemeClr val="tx2"/>
+                </a:solidFill>
+              </a:defRPr>
+            </a:lvl6pPr>
+            <a:lvl7pPr eaLnBrk="1" hangingPunct="1">
+              <a:defRPr>
+                <a:solidFill>
+                  <a:schemeClr val="tx2"/>
+                </a:solidFill>
+              </a:defRPr>
+            </a:lvl7pPr>
+            <a:lvl8pPr eaLnBrk="1" hangingPunct="1">
+              <a:defRPr>
+                <a:solidFill>
+                  <a:schemeClr val="tx2"/>
+                </a:solidFill>
+              </a:defRPr>
+            </a:lvl8pPr>
+            <a:lvl9pPr eaLnBrk="1" hangingPunct="1">
+              <a:defRPr>
+                <a:solidFill>
+                  <a:schemeClr val="tx2"/>
+                </a:solidFill>
+              </a:defRPr>
+            </a:lvl9pPr>
+          </a:lstStyle>
+          <a:p>
+            <a:r>
+              <a:rPr lang="fr-CH" sz="4000" dirty="0" smtClean="0"/>
+              <a:t>Conclusion</a:t>
+            </a:r>
+            <a:endParaRPr lang="fr-CH" sz="4000" dirty="0"/>
+          </a:p>
+        </p:txBody>
+      </p:sp>
+      <p:sp>
+        <p:nvSpPr>
+          <p:cNvPr id="2" name="Espace réservé du numéro de diapositive 1"/>
+          <p:cNvSpPr>
+            <a:spLocks noGrp="1"/>
+          </p:cNvSpPr>
+          <p:nvPr>
+            <p:ph type="sldNum" sz="quarter" idx="12"/>
+          </p:nvPr>
+        </p:nvSpPr>
+        <p:spPr/>
+        <p:txBody>
+          <a:bodyPr/>
+          <a:lstStyle/>
+          <a:p>
+            <a:fld id="{D57F1E4F-1CFF-5643-939E-217C01CDF565}" type="slidenum">
+              <a:rPr lang="en-US" smtClean="0"/>
+              <a:pPr/>
+              <a:t>11</a:t>
+            </a:fld>
+            <a:endParaRPr lang="en-US" dirty="0"/>
+          </a:p>
+        </p:txBody>
+      </p:sp>
+      <p:pic>
+        <p:nvPicPr>
+          <p:cNvPr id="2054" name="Picture 6" descr="http://images-aus.reachsite.com/fca25264-e5dc-457e-a57e-39116c47df0f/media/63037/medium/63037.PNG"/>
+          <p:cNvPicPr>
+            <a:picLocks noChangeAspect="1" noChangeArrowheads="1"/>
+          </p:cNvPicPr>
+          <p:nvPr/>
+        </p:nvPicPr>
+        <p:blipFill rotWithShape="1">
+          <a:blip r:embed="rId3">
+            <a:extLst>
+              <a:ext uri="{28A0092B-C50C-407E-A947-70E740481C1C}">
+                <a14:useLocalDpi xmlns:a14="http://schemas.microsoft.com/office/drawing/2010/main" val="0"/>
+              </a:ext>
+            </a:extLst>
+          </a:blip>
+          <a:srcRect l="53450" t="11035" b="4715"/>
+          <a:stretch/>
+        </p:blipFill>
+        <p:spPr bwMode="auto">
+          <a:xfrm>
+            <a:off x="6968429" y="4648200"/>
+            <a:ext cx="1626279" cy="1654627"/>
+          </a:xfrm>
+          <a:prstGeom prst="rect">
+            <a:avLst/>
+          </a:prstGeom>
+          <a:noFill/>
+          <a:extLst>
+            <a:ext uri="{909E8E84-426E-40DD-AFC4-6F175D3DCCD1}">
+              <a14:hiddenFill xmlns:a14="http://schemas.microsoft.com/office/drawing/2010/main">
+                <a:solidFill>
+                  <a:srgbClr val="FFFFFF"/>
+                </a:solidFill>
+              </a14:hiddenFill>
+            </a:ext>
+          </a:extLst>
+        </p:spPr>
+      </p:pic>
+    </p:spTree>
+    <p:extLst>
+      <p:ext uri="{BB962C8B-B14F-4D97-AF65-F5344CB8AC3E}">
+        <p14:creationId xmlns:p14="http://schemas.microsoft.com/office/powerpoint/2010/main" val="1927840357"/>
+      </p:ext>
+    </p:extLst>
+  </p:cSld>
+  <p:clrMapOvr>
+    <a:masterClrMapping/>
+  </p:clrMapOvr>
+  <p:transition spd="med">
+    <p:pull/>
+  </p:transition>
+  <p:timing>
+    <p:tnLst>
+      <p:par>
+        <p:cTn id="1" dur="indefinite" restart="never" nodeType="tmRoot">
+          <p:childTnLst>
+            <p:seq concurrent="1" nextAc="seek">
+              <p:cTn id="2" dur="indefinite" nodeType="mainSeq">
+                <p:childTnLst>
+                  <p:par>
+                    <p:cTn id="3" fill="hold">
+                      <p:stCondLst>
+                        <p:cond delay="indefinite"/>
+                      </p:stCondLst>
+                      <p:childTnLst>
+                        <p:par>
+                          <p:cTn id="4" fill="hold">
+                            <p:stCondLst>
+                              <p:cond delay="0"/>
+                            </p:stCondLst>
+                            <p:childTnLst>
+                              <p:par>
+                                <p:cTn id="5" presetID="42" presetClass="entr" presetSubtype="0" fill="hold" grpId="0" nodeType="clickEffect">
+                                  <p:stCondLst>
+                                    <p:cond delay="0"/>
+                                  </p:stCondLst>
+                                  <p:childTnLst>
+                                    <p:set>
+                                      <p:cBhvr>
+                                        <p:cTn id="6" dur="1" fill="hold">
+                                          <p:stCondLst>
+                                            <p:cond delay="0"/>
+                                          </p:stCondLst>
+                                        </p:cTn>
+                                        <p:tgtEl>
+                                          <p:spTgt spid="3">
+                                            <p:txEl>
+                                              <p:pRg st="0" end="0"/>
+                                            </p:txEl>
+                                          </p:spTgt>
+                                        </p:tgtEl>
+                                        <p:attrNameLst>
+                                          <p:attrName>style.visibility</p:attrName>
+                                        </p:attrNameLst>
+                                      </p:cBhvr>
+                                      <p:to>
+                                        <p:strVal val="visible"/>
+                                      </p:to>
+                                    </p:set>
+                                    <p:animEffect transition="in" filter="fade">
+                                      <p:cBhvr>
+                                        <p:cTn id="7" dur="1000"/>
+                                        <p:tgtEl>
+                                          <p:spTgt spid="3">
+                                            <p:txEl>
+                                              <p:pRg st="0" end="0"/>
+                                            </p:txEl>
+                                          </p:spTgt>
+                                        </p:tgtEl>
+                                      </p:cBhvr>
+                                    </p:animEffect>
+                                    <p:anim calcmode="lin" valueType="num">
+                                      <p:cBhvr>
+                                        <p:cTn id="8" dur="1000" fill="hold"/>
+                                        <p:tgtEl>
+                                          <p:spTgt spid="3">
+                                            <p:txEl>
+                                              <p:pRg st="0" end="0"/>
+                                            </p:txEl>
+                                          </p:spTgt>
+                                        </p:tgtEl>
+                                        <p:attrNameLst>
+                                          <p:attrName>ppt_x</p:attrName>
+                                        </p:attrNameLst>
+                                      </p:cBhvr>
+                                      <p:tavLst>
+                                        <p:tav tm="0">
+                                          <p:val>
+                                            <p:strVal val="#ppt_x"/>
+                                          </p:val>
+                                        </p:tav>
+                                        <p:tav tm="100000">
+                                          <p:val>
+                                            <p:strVal val="#ppt_x"/>
+                                          </p:val>
+                                        </p:tav>
+                                      </p:tavLst>
+                                    </p:anim>
+                                    <p:anim calcmode="lin" valueType="num">
+                                      <p:cBhvr>
+                                        <p:cTn id="9" dur="1000" fill="hold"/>
+                                        <p:tgtEl>
+                                          <p:spTgt spid="3">
+                                            <p:txEl>
+                                              <p:pRg st="0" end="0"/>
+                                            </p:txEl>
+                                          </p:spTgt>
+                                        </p:tgtEl>
+                                        <p:attrNameLst>
+                                          <p:attrName>ppt_y</p:attrName>
+                                        </p:attrNameLst>
+                                      </p:cBhvr>
+                                      <p:tavLst>
+                                        <p:tav tm="0">
+                                          <p:val>
+                                            <p:strVal val="#ppt_y+.1"/>
+                                          </p:val>
+                                        </p:tav>
+                                        <p:tav tm="100000">
+                                          <p:val>
+                                            <p:strVal val="#ppt_y"/>
+                                          </p:val>
+                                        </p:tav>
+                                      </p:tavLst>
+                                    </p:anim>
+                                  </p:childTnLst>
+                                </p:cTn>
+                              </p:par>
+                              <p:par>
+                                <p:cTn id="10" presetID="42" presetClass="entr" presetSubtype="0" fill="hold" grpId="0" nodeType="withEffect">
+                                  <p:stCondLst>
+                                    <p:cond delay="0"/>
+                                  </p:stCondLst>
+                                  <p:childTnLst>
+                                    <p:set>
+                                      <p:cBhvr>
+                                        <p:cTn id="11" dur="1" fill="hold">
+                                          <p:stCondLst>
+                                            <p:cond delay="0"/>
+                                          </p:stCondLst>
+                                        </p:cTn>
+                                        <p:tgtEl>
+                                          <p:spTgt spid="3">
+                                            <p:txEl>
+                                              <p:pRg st="1" end="1"/>
+                                            </p:txEl>
+                                          </p:spTgt>
+                                        </p:tgtEl>
+                                        <p:attrNameLst>
+                                          <p:attrName>style.visibility</p:attrName>
+                                        </p:attrNameLst>
+                                      </p:cBhvr>
+                                      <p:to>
+                                        <p:strVal val="visible"/>
+                                      </p:to>
+                                    </p:set>
+                                    <p:animEffect transition="in" filter="fade">
+                                      <p:cBhvr>
+                                        <p:cTn id="12" dur="1000"/>
+                                        <p:tgtEl>
+                                          <p:spTgt spid="3">
+                                            <p:txEl>
+                                              <p:pRg st="1" end="1"/>
+                                            </p:txEl>
+                                          </p:spTgt>
+                                        </p:tgtEl>
+                                      </p:cBhvr>
+                                    </p:animEffect>
+                                    <p:anim calcmode="lin" valueType="num">
+                                      <p:cBhvr>
+                                        <p:cTn id="13" dur="1000" fill="hold"/>
+                                        <p:tgtEl>
+                                          <p:spTgt spid="3">
+                                            <p:txEl>
+                                              <p:pRg st="1" end="1"/>
+                                            </p:txEl>
+                                          </p:spTgt>
+                                        </p:tgtEl>
+                                        <p:attrNameLst>
+                                          <p:attrName>ppt_x</p:attrName>
+                                        </p:attrNameLst>
+                                      </p:cBhvr>
+                                      <p:tavLst>
+                                        <p:tav tm="0">
+                                          <p:val>
+                                            <p:strVal val="#ppt_x"/>
+                                          </p:val>
+                                        </p:tav>
+                                        <p:tav tm="100000">
+                                          <p:val>
+                                            <p:strVal val="#ppt_x"/>
+                                          </p:val>
+                                        </p:tav>
+                                      </p:tavLst>
+                                    </p:anim>
+                                    <p:anim calcmode="lin" valueType="num">
+                                      <p:cBhvr>
+                                        <p:cTn id="14" dur="1000" fill="hold"/>
+                                        <p:tgtEl>
+                                          <p:spTgt spid="3">
+                                            <p:txEl>
+                                              <p:pRg st="1" end="1"/>
+                                            </p:txEl>
+                                          </p:spTgt>
+                                        </p:tgtEl>
+                                        <p:attrNameLst>
+                                          <p:attrName>ppt_y</p:attrName>
+                                        </p:attrNameLst>
+                                      </p:cBhvr>
+                                      <p:tavLst>
+                                        <p:tav tm="0">
+                                          <p:val>
+                                            <p:strVal val="#ppt_y+.1"/>
+                                          </p:val>
+                                        </p:tav>
+                                        <p:tav tm="100000">
+                                          <p:val>
+                                            <p:strVal val="#ppt_y"/>
+                                          </p:val>
+                                        </p:tav>
+                                      </p:tavLst>
+                                    </p:anim>
+                                  </p:childTnLst>
+                                </p:cTn>
+                              </p:par>
+                              <p:par>
+                                <p:cTn id="15" presetID="42" presetClass="entr" presetSubtype="0" fill="hold" grpId="0" nodeType="withEffect">
+                                  <p:stCondLst>
+                                    <p:cond delay="0"/>
+                                  </p:stCondLst>
+                                  <p:childTnLst>
+                                    <p:set>
+                                      <p:cBhvr>
+                                        <p:cTn id="16" dur="1" fill="hold">
+                                          <p:stCondLst>
+                                            <p:cond delay="0"/>
+                                          </p:stCondLst>
+                                        </p:cTn>
+                                        <p:tgtEl>
+                                          <p:spTgt spid="3">
+                                            <p:txEl>
+                                              <p:pRg st="2" end="2"/>
+                                            </p:txEl>
+                                          </p:spTgt>
+                                        </p:tgtEl>
+                                        <p:attrNameLst>
+                                          <p:attrName>style.visibility</p:attrName>
+                                        </p:attrNameLst>
+                                      </p:cBhvr>
+                                      <p:to>
+                                        <p:strVal val="visible"/>
+                                      </p:to>
+                                    </p:set>
+                                    <p:animEffect transition="in" filter="fade">
+                                      <p:cBhvr>
+                                        <p:cTn id="17" dur="1000"/>
+                                        <p:tgtEl>
+                                          <p:spTgt spid="3">
+                                            <p:txEl>
+                                              <p:pRg st="2" end="2"/>
+                                            </p:txEl>
+                                          </p:spTgt>
+                                        </p:tgtEl>
+                                      </p:cBhvr>
+                                    </p:animEffect>
+                                    <p:anim calcmode="lin" valueType="num">
+                                      <p:cBhvr>
+                                        <p:cTn id="18" dur="1000" fill="hold"/>
+                                        <p:tgtEl>
+                                          <p:spTgt spid="3">
+                                            <p:txEl>
+                                              <p:pRg st="2" end="2"/>
+                                            </p:txEl>
+                                          </p:spTgt>
+                                        </p:tgtEl>
+                                        <p:attrNameLst>
+                                          <p:attrName>ppt_x</p:attrName>
+                                        </p:attrNameLst>
+                                      </p:cBhvr>
+                                      <p:tavLst>
+                                        <p:tav tm="0">
+                                          <p:val>
+                                            <p:strVal val="#ppt_x"/>
+                                          </p:val>
+                                        </p:tav>
+                                        <p:tav tm="100000">
+                                          <p:val>
+                                            <p:strVal val="#ppt_x"/>
+                                          </p:val>
+                                        </p:tav>
+                                      </p:tavLst>
+                                    </p:anim>
+                                    <p:anim calcmode="lin" valueType="num">
+                                      <p:cBhvr>
+                                        <p:cTn id="19" dur="1000" fill="hold"/>
+                                        <p:tgtEl>
+                                          <p:spTgt spid="3">
+                                            <p:txEl>
+                                              <p:pRg st="2" end="2"/>
+                                            </p:txEl>
+                                          </p:spTgt>
+                                        </p:tgtEl>
+                                        <p:attrNameLst>
+                                          <p:attrName>ppt_y</p:attrName>
+                                        </p:attrNameLst>
+                                      </p:cBhvr>
+                                      <p:tavLst>
+                                        <p:tav tm="0">
+                                          <p:val>
+                                            <p:strVal val="#ppt_y+.1"/>
+                                          </p:val>
+                                        </p:tav>
+                                        <p:tav tm="100000">
+                                          <p:val>
+                                            <p:strVal val="#ppt_y"/>
+                                          </p:val>
+                                        </p:tav>
+                                      </p:tavLst>
+                                    </p:anim>
+                                  </p:childTnLst>
+                                </p:cTn>
+                              </p:par>
+                            </p:childTnLst>
+                          </p:cTn>
+                        </p:par>
+                      </p:childTnLst>
+                    </p:cTn>
+                  </p:par>
+                </p:childTnLst>
+              </p:cTn>
+              <p:prevCondLst>
+                <p:cond evt="onPrev" delay="0">
+                  <p:tgtEl>
+                    <p:sldTgt/>
+                  </p:tgtEl>
+                </p:cond>
+              </p:prevCondLst>
+              <p:nextCondLst>
+                <p:cond evt="onNext" delay="0">
+                  <p:tgtEl>
+                    <p:sldTgt/>
+                  </p:tgtEl>
+                </p:cond>
+              </p:nextCondLst>
+            </p:seq>
+          </p:childTnLst>
+        </p:cTn>
+      </p:par>
+    </p:tnLst>
+    <p:bldLst>
+      <p:bldP spid="3" grpId="0" build="p"/>
+    </p:bldLst>
+  </p:timing>
+</p:sld>
+</file>
+
+<file path=ppt/slides/slide12.xml><?xml version="1.0" encoding="utf-8"?>
+<p:sld xmlns:a="http://schemas.openxmlformats.org/drawingml/2006/main" xmlns:r="http://schemas.openxmlformats.org/officeDocument/2006/relationships" xmlns:p="http://schemas.openxmlformats.org/presentationml/2006/main">
+  <p:cSld>
+    <p:spTree>
+      <p:nvGrpSpPr>
+        <p:cNvPr id="1" name=""/>
+        <p:cNvGrpSpPr/>
+        <p:nvPr/>
+      </p:nvGrpSpPr>
+      <p:grpSpPr>
+        <a:xfrm>
+          <a:off x="0" y="0"/>
+          <a:ext cx="0" cy="0"/>
+          <a:chOff x="0" y="0"/>
+          <a:chExt cx="0" cy="0"/>
+        </a:xfrm>
+      </p:grpSpPr>
+      <p:sp>
+        <p:nvSpPr>
+          <p:cNvPr id="2" name="Titre 1"/>
+          <p:cNvSpPr>
+            <a:spLocks noGrp="1"/>
+          </p:cNvSpPr>
+          <p:nvPr>
+            <p:ph type="ctrTitle"/>
+          </p:nvPr>
+        </p:nvSpPr>
+        <p:spPr>
+          <a:xfrm>
+            <a:off x="1942416" y="2928260"/>
+            <a:ext cx="6600451" cy="2262781"/>
+          </a:xfrm>
+        </p:spPr>
+        <p:txBody>
+          <a:bodyPr/>
+          <a:lstStyle/>
+          <a:p>
+            <a:r>
+              <a:rPr lang="fr-CH" dirty="0" smtClean="0"/>
+              <a:t>Merci pour votre attention !</a:t>
+            </a:r>
+            <a:endParaRPr lang="fr-CH" dirty="0"/>
+          </a:p>
+        </p:txBody>
+      </p:sp>
+      <p:sp>
+        <p:nvSpPr>
+          <p:cNvPr id="3" name="Sous-titre 2"/>
+          <p:cNvSpPr>
+            <a:spLocks noGrp="1"/>
+          </p:cNvSpPr>
+          <p:nvPr>
+            <p:ph type="subTitle" idx="1"/>
+          </p:nvPr>
+        </p:nvSpPr>
+        <p:spPr>
+          <a:xfrm>
+            <a:off x="1942416" y="5191039"/>
+            <a:ext cx="6600451" cy="1126283"/>
+          </a:xfrm>
+        </p:spPr>
+        <p:txBody>
+          <a:bodyPr>
+            <a:normAutofit/>
+          </a:bodyPr>
+          <a:lstStyle/>
+          <a:p>
+            <a:r>
+              <a:rPr lang="fr-CH" sz="2400" dirty="0" smtClean="0"/>
+              <a:t>Place aux questions.</a:t>
+            </a:r>
+            <a:endParaRPr lang="fr-CH" sz="2400" dirty="0"/>
+          </a:p>
+        </p:txBody>
+      </p:sp>
+      <p:pic>
+        <p:nvPicPr>
+          <p:cNvPr id="5" name="Picture 2" descr="https://pbs.twimg.com/profile_images/451358899568775168/1Gqey4fM_400x400.png"/>
+          <p:cNvPicPr>
+            <a:picLocks noChangeAspect="1" noChangeArrowheads="1"/>
+          </p:cNvPicPr>
+          <p:nvPr/>
+        </p:nvPicPr>
+        <p:blipFill rotWithShape="1">
+          <a:blip r:embed="rId2">
+            <a:extLst>
+              <a:ext uri="{28A0092B-C50C-407E-A947-70E740481C1C}">
+                <a14:useLocalDpi xmlns:a14="http://schemas.microsoft.com/office/drawing/2010/main" val="0"/>
+              </a:ext>
+            </a:extLst>
+          </a:blip>
+          <a:srcRect l="28553" r="23721"/>
+          <a:stretch/>
+        </p:blipFill>
+        <p:spPr bwMode="auto">
+          <a:xfrm>
+            <a:off x="7450283" y="0"/>
+            <a:ext cx="662572" cy="1388320"/>
+          </a:xfrm>
+          <a:prstGeom prst="rect">
+            <a:avLst/>
+          </a:prstGeom>
+          <a:noFill/>
+          <a:extLst>
+            <a:ext uri="{909E8E84-426E-40DD-AFC4-6F175D3DCCD1}">
+              <a14:hiddenFill xmlns:a14="http://schemas.microsoft.com/office/drawing/2010/main">
+                <a:solidFill>
+                  <a:srgbClr val="FFFFFF"/>
+                </a:solidFill>
+              </a14:hiddenFill>
+            </a:ext>
+          </a:extLst>
+        </p:spPr>
+      </p:pic>
+      <p:pic>
+        <p:nvPicPr>
+          <p:cNvPr id="1028" name="Picture 4" descr="http://cliparts.co/cliparts/5iR/KME/5iRKMEaxT.jpg"/>
+          <p:cNvPicPr>
+            <a:picLocks noChangeAspect="1" noChangeArrowheads="1"/>
+          </p:cNvPicPr>
+          <p:nvPr/>
+        </p:nvPicPr>
+        <p:blipFill>
+          <a:blip r:embed="rId3">
+            <a:extLst>
+              <a:ext uri="{28A0092B-C50C-407E-A947-70E740481C1C}">
+                <a14:useLocalDpi xmlns:a14="http://schemas.microsoft.com/office/drawing/2010/main" val="0"/>
+              </a:ext>
+            </a:extLst>
+          </a:blip>
+          <a:srcRect/>
+          <a:stretch>
+            <a:fillRect/>
+          </a:stretch>
+        </p:blipFill>
+        <p:spPr bwMode="auto">
+          <a:xfrm>
+            <a:off x="6755483" y="4495803"/>
+            <a:ext cx="2052172" cy="2137679"/>
+          </a:xfrm>
+          <a:prstGeom prst="rect">
+            <a:avLst/>
+          </a:prstGeom>
+          <a:noFill/>
+          <a:extLst>
+            <a:ext uri="{909E8E84-426E-40DD-AFC4-6F175D3DCCD1}">
+              <a14:hiddenFill xmlns:a14="http://schemas.microsoft.com/office/drawing/2010/main">
+                <a:solidFill>
+                  <a:srgbClr val="FFFFFF"/>
+                </a:solidFill>
+              </a14:hiddenFill>
+            </a:ext>
+          </a:extLst>
+        </p:spPr>
+      </p:pic>
+    </p:spTree>
+    <p:extLst>
+      <p:ext uri="{BB962C8B-B14F-4D97-AF65-F5344CB8AC3E}">
+        <p14:creationId xmlns:p14="http://schemas.microsoft.com/office/powerpoint/2010/main" val="2692827725"/>
+      </p:ext>
+    </p:extLst>
+  </p:cSld>
+  <p:clrMapOvr>
+    <a:masterClrMapping/>
+  </p:clrMapOvr>
+  <mc:AlternateContent xmlns:mc="http://schemas.openxmlformats.org/markup-compatibility/2006">
+    <mc:Choice xmlns:p15="http://schemas.microsoft.com/office/powerpoint/2012/main" Requires="p15">
+      <p:transition xmlns:p14="http://schemas.microsoft.com/office/powerpoint/2010/main" spd="slow" p14:dur="6000">
+        <p15:prstTrans prst="curtains"/>
+      </p:transition>
+    </mc:Choice>
+    <mc:Fallback>
+      <p:transition spd="slow">
+        <p:fade/>
+      </p:transition>
+    </mc:Fallback>
+  </mc:AlternateContent>
+  <p:timing>
+    <p:tnLst>
+      <p:par>
+        <p:cTn id="1" dur="indefinite" restart="never" nodeType="tmRoot"/>
+      </p:par>
+    </p:tnLst>
+  </p:timing>
+</p:sld>
+</file>
+
 <file path=ppt/slides/slide2.xml><?xml version="1.0" encoding="utf-8"?>
 <p:sld xmlns:a="http://schemas.openxmlformats.org/drawingml/2006/main" xmlns:r="http://schemas.openxmlformats.org/officeDocument/2006/relationships" xmlns:p="http://schemas.openxmlformats.org/presentationml/2006/main">
   <p:cSld>
@@ -8744,8 +10289,8 @@
               <a:buChar char=""/>
             </a:pPr>
             <a:r>
-              <a:rPr lang="fr-CH" sz="2400" dirty="0" smtClean="0"/>
-              <a:t>Rappel de notre idée</a:t>
+              <a:rPr lang="fr-CH" sz="2200" dirty="0" smtClean="0"/>
+              <a:t>Introduction</a:t>
             </a:r>
           </a:p>
           <a:p>
@@ -8754,10 +10299,13 @@
               <a:buChar char=""/>
             </a:pPr>
             <a:r>
-              <a:rPr lang="fr-CH" sz="2400" dirty="0" smtClean="0"/>
-              <a:t>Démonstration</a:t>
-            </a:r>
-            <a:endParaRPr lang="fr-CH" sz="2200" dirty="0"/>
+              <a:rPr lang="fr-CH" sz="2200" dirty="0" smtClean="0"/>
+              <a:t>Rappel </a:t>
+            </a:r>
+            <a:r>
+              <a:rPr lang="fr-CH" sz="2200" dirty="0" smtClean="0"/>
+              <a:t>de notre idée</a:t>
+            </a:r>
           </a:p>
           <a:p>
             <a:pPr defTabSz="631825">
@@ -8766,8 +10314,27 @@
             </a:pPr>
             <a:r>
               <a:rPr lang="fr-CH" sz="2200" dirty="0" smtClean="0"/>
-              <a:t>Diagramme de classe</a:t>
-            </a:r>
+              <a:t>Diagramme </a:t>
+            </a:r>
+            <a:r>
+              <a:rPr lang="fr-CH" sz="2200" dirty="0" smtClean="0"/>
+              <a:t>de </a:t>
+            </a:r>
+            <a:r>
+              <a:rPr lang="fr-CH" sz="2200" dirty="0" smtClean="0"/>
+              <a:t>classes</a:t>
+            </a:r>
+          </a:p>
+          <a:p>
+            <a:pPr defTabSz="631825">
+              <a:buFont typeface="Wingdings 3" panose="05040102010807070707" pitchFamily="18" charset="2"/>
+              <a:buChar char=""/>
+            </a:pPr>
+            <a:r>
+              <a:rPr lang="fr-CH" sz="2200" dirty="0" smtClean="0"/>
+              <a:t>Démonstration</a:t>
+            </a:r>
+            <a:endParaRPr lang="fr-CH" sz="2200" dirty="0" smtClean="0"/>
           </a:p>
           <a:p>
             <a:pPr defTabSz="631825">
@@ -9010,7 +10577,7 @@
         </p:nvSpPr>
         <p:spPr>
           <a:xfrm>
-            <a:off x="1596395" y="2262743"/>
+            <a:off x="1596395" y="2197430"/>
             <a:ext cx="7069282" cy="4269458"/>
           </a:xfrm>
         </p:spPr>
@@ -9025,73 +10592,57 @@
               <a:buChar char=""/>
             </a:pPr>
             <a:r>
-              <a:rPr lang="fr-CH" sz="2200" dirty="0"/>
-              <a:t>Projeter un pantin contre les murs </a:t>
-            </a:r>
+              <a:rPr lang="fr-CH" sz="2200" b="1" dirty="0" smtClean="0"/>
+              <a:t>Sujet : </a:t>
+            </a:r>
+            <a:r>
+              <a:rPr lang="fr-CH" sz="2200" dirty="0" smtClean="0"/>
+              <a:t>Chaînes de responsabilité</a:t>
+            </a:r>
+            <a:endParaRPr lang="fr-CH" sz="2200" b="1" dirty="0"/>
           </a:p>
           <a:p>
             <a:pPr defTabSz="631825">
               <a:buFont typeface="Wingdings 3" panose="05040102010807070707" pitchFamily="18" charset="2"/>
               <a:buChar char=""/>
             </a:pPr>
-            <a:r>
-              <a:rPr lang="fr-CH" sz="2200" dirty="0"/>
-              <a:t>Maximum de dégâts du pantin</a:t>
-            </a:r>
-          </a:p>
-          <a:p>
-            <a:pPr lvl="1" defTabSz="631825">
+            <a:endParaRPr lang="fr-CH" sz="2200" b="1" dirty="0" smtClean="0"/>
+          </a:p>
+          <a:p>
+            <a:pPr defTabSz="631825">
               <a:buFont typeface="Wingdings 3" panose="05040102010807070707" pitchFamily="18" charset="2"/>
               <a:buChar char=""/>
             </a:pPr>
             <a:r>
-              <a:rPr lang="fr-CH" sz="2000" dirty="0"/>
-              <a:t>Tête</a:t>
-            </a:r>
-          </a:p>
-          <a:p>
-            <a:pPr lvl="1" defTabSz="631825">
+              <a:rPr lang="fr-CH" sz="2200" b="1" dirty="0" smtClean="0"/>
+              <a:t>Langage : </a:t>
+            </a:r>
+            <a:r>
+              <a:rPr lang="fr-CH" sz="2200" dirty="0" smtClean="0"/>
+              <a:t>Java</a:t>
+            </a:r>
+          </a:p>
+          <a:p>
+            <a:pPr defTabSz="631825">
               <a:buFont typeface="Wingdings 3" panose="05040102010807070707" pitchFamily="18" charset="2"/>
               <a:buChar char=""/>
             </a:pPr>
-            <a:r>
-              <a:rPr lang="fr-CH" sz="2000" dirty="0"/>
-              <a:t>Bras</a:t>
-            </a:r>
-          </a:p>
-          <a:p>
-            <a:pPr lvl="1" defTabSz="631825">
+            <a:endParaRPr lang="fr-CH" sz="2200" b="1" dirty="0" smtClean="0"/>
+          </a:p>
+          <a:p>
+            <a:pPr defTabSz="631825">
               <a:buFont typeface="Wingdings 3" panose="05040102010807070707" pitchFamily="18" charset="2"/>
               <a:buChar char=""/>
             </a:pPr>
             <a:r>
-              <a:rPr lang="fr-CH" sz="2000" dirty="0"/>
-              <a:t>Corps</a:t>
-            </a:r>
-          </a:p>
-          <a:p>
-            <a:pPr lvl="1" defTabSz="631825">
-              <a:buFont typeface="Wingdings 3" panose="05040102010807070707" pitchFamily="18" charset="2"/>
-              <a:buChar char=""/>
-            </a:pPr>
-            <a:r>
-              <a:rPr lang="fr-CH" sz="2000" dirty="0"/>
-              <a:t>Jambes</a:t>
-            </a:r>
-          </a:p>
-          <a:p>
-            <a:pPr lvl="1" defTabSz="631825">
-              <a:buFont typeface="Wingdings 3" panose="05040102010807070707" pitchFamily="18" charset="2"/>
-              <a:buChar char=""/>
-            </a:pPr>
-            <a:r>
-              <a:rPr lang="fr-CH" sz="2000" dirty="0"/>
-              <a:t>Sous forme d’un </a:t>
-            </a:r>
-            <a:r>
-              <a:rPr lang="fr-CH" sz="2000" i="1" dirty="0"/>
-              <a:t>entier</a:t>
-            </a:r>
+              <a:rPr lang="fr-CH" sz="2200" b="1" dirty="0" smtClean="0"/>
+              <a:t>Diagramme de classes : </a:t>
+            </a:r>
+            <a:r>
+              <a:rPr lang="fr-CH" sz="2200" dirty="0" err="1" smtClean="0"/>
+              <a:t>Slyum</a:t>
+            </a:r>
+            <a:endParaRPr lang="fr-CH" sz="2000" dirty="0"/>
           </a:p>
           <a:p>
             <a:pPr lvl="2" defTabSz="631825">
@@ -9247,21 +10798,45 @@
           <a:p>
             <a:r>
               <a:rPr lang="fr-CH" sz="4000" dirty="0" smtClean="0"/>
-              <a:t>Rappel de notre idée</a:t>
+              <a:t>Introduction</a:t>
             </a:r>
             <a:endParaRPr lang="fr-CH" sz="4000" dirty="0"/>
+          </a:p>
+        </p:txBody>
+      </p:sp>
+      <p:sp>
+        <p:nvSpPr>
+          <p:cNvPr id="5" name="Espace réservé du numéro de diapositive 4"/>
+          <p:cNvSpPr>
+            <a:spLocks noGrp="1"/>
+          </p:cNvSpPr>
+          <p:nvPr>
+            <p:ph type="sldNum" sz="quarter" idx="12"/>
+          </p:nvPr>
+        </p:nvSpPr>
+        <p:spPr/>
+        <p:txBody>
+          <a:bodyPr/>
+          <a:lstStyle/>
+          <a:p>
+            <a:fld id="{D57F1E4F-1CFF-5643-939E-217C01CDF565}" type="slidenum">
+              <a:rPr lang="en-US" smtClean="0"/>
+              <a:pPr/>
+              <a:t>3</a:t>
+            </a:fld>
+            <a:endParaRPr lang="en-US" dirty="0"/>
           </a:p>
         </p:txBody>
       </p:sp>
       <p:pic>
         <p:nvPicPr>
-          <p:cNvPr id="1026" name="Picture 2" descr="http://images.clipartpanda.com/killer-clipart-hand-knife-clipart.png"/>
+          <p:cNvPr id="2050" name="Picture 2" descr="http://weblogs.foxite.com/photos/1000.257.3061.patt_chor.jpg"/>
           <p:cNvPicPr>
             <a:picLocks noChangeAspect="1" noChangeArrowheads="1"/>
           </p:cNvPicPr>
           <p:nvPr/>
         </p:nvPicPr>
-        <p:blipFill>
+        <p:blipFill rotWithShape="1">
           <a:blip r:embed="rId3">
             <a:extLst>
               <a:ext uri="{28A0092B-C50C-407E-A947-70E740481C1C}">
@@ -9269,15 +10844,13 @@
               </a:ext>
             </a:extLst>
           </a:blip>
-          <a:srcRect/>
-          <a:stretch>
-            <a:fillRect/>
-          </a:stretch>
+          <a:srcRect t="13031"/>
+          <a:stretch/>
         </p:blipFill>
         <p:spPr bwMode="auto">
           <a:xfrm>
-            <a:off x="6093308" y="3499421"/>
-            <a:ext cx="2062275" cy="1681345"/>
+            <a:off x="5464629" y="2758300"/>
+            <a:ext cx="3679371" cy="1205844"/>
           </a:xfrm>
           <a:prstGeom prst="rect">
             <a:avLst/>
@@ -9294,72 +10867,11 @@
           </a:extLst>
         </p:spPr>
       </p:pic>
-      <p:sp>
-        <p:nvSpPr>
-          <p:cNvPr id="2" name="ZoneTexte 1"/>
-          <p:cNvSpPr txBox="1"/>
-          <p:nvPr/>
-        </p:nvSpPr>
-        <p:spPr>
-          <a:xfrm>
-            <a:off x="1596395" y="1186681"/>
-            <a:ext cx="2079171" cy="646331"/>
-          </a:xfrm>
-          <a:prstGeom prst="rect">
-            <a:avLst/>
-          </a:prstGeom>
-          <a:noFill/>
-        </p:spPr>
-        <p:txBody>
-          <a:bodyPr wrap="square" rtlCol="0">
-            <a:spAutoFit/>
-          </a:bodyPr>
-          <a:lstStyle/>
-          <a:p>
-            <a:r>
-              <a:rPr lang="fr-CH" b="1" dirty="0" err="1"/>
-              <a:t>Killer</a:t>
-            </a:r>
-            <a:r>
-              <a:rPr lang="fr-CH" dirty="0" err="1"/>
-              <a:t>VsHealer</a:t>
-            </a:r>
-            <a:endParaRPr lang="fr-CH" dirty="0"/>
-          </a:p>
-          <a:p>
-            <a:endParaRPr lang="fr-CH" dirty="0"/>
-          </a:p>
-        </p:txBody>
-      </p:sp>
-      <p:sp>
-        <p:nvSpPr>
-          <p:cNvPr id="5" name="Espace réservé du numéro de diapositive 4"/>
-          <p:cNvSpPr>
-            <a:spLocks noGrp="1"/>
-          </p:cNvSpPr>
-          <p:nvPr>
-            <p:ph type="sldNum" sz="quarter" idx="12"/>
-          </p:nvPr>
-        </p:nvSpPr>
-        <p:spPr/>
-        <p:txBody>
-          <a:bodyPr/>
-          <a:lstStyle/>
-          <a:p>
-            <a:fld id="{D57F1E4F-1CFF-5643-939E-217C01CDF565}" type="slidenum">
-              <a:rPr lang="en-US" smtClean="0"/>
-              <a:pPr/>
-              <a:t>3</a:t>
-            </a:fld>
-            <a:endParaRPr lang="en-US" dirty="0"/>
-          </a:p>
-        </p:txBody>
-      </p:sp>
       <p:pic>
         <p:nvPicPr>
-          <p:cNvPr id="6" name="Image 5"/>
+          <p:cNvPr id="2052" name="Picture 4" descr="http://images.clipartpanda.com/java-clipart-1366374944724781698Java.svg.med.png"/>
           <p:cNvPicPr>
-            <a:picLocks noChangeAspect="1"/>
+            <a:picLocks noChangeAspect="1" noChangeArrowheads="1"/>
           </p:cNvPicPr>
           <p:nvPr/>
         </p:nvPicPr>
@@ -9371,30 +10883,85 @@
               </a:ext>
             </a:extLst>
           </a:blip>
+          <a:srcRect/>
           <a:stretch>
             <a:fillRect/>
           </a:stretch>
         </p:blipFill>
-        <p:spPr>
+        <p:spPr bwMode="auto">
           <a:xfrm>
-            <a:off x="7681366" y="1889168"/>
-            <a:ext cx="538211" cy="1250037"/>
+            <a:off x="4523339" y="4669971"/>
+            <a:ext cx="1324999" cy="1796917"/>
           </a:xfrm>
           <a:prstGeom prst="rect">
             <a:avLst/>
           </a:prstGeom>
+          <a:noFill/>
+          <a:extLst>
+            <a:ext uri="{909E8E84-426E-40DD-AFC4-6F175D3DCCD1}">
+              <a14:hiddenFill xmlns:a14="http://schemas.microsoft.com/office/drawing/2010/main">
+                <a:solidFill>
+                  <a:srgbClr val="FFFFFF"/>
+                </a:solidFill>
+              </a14:hiddenFill>
+            </a:ext>
+          </a:extLst>
+        </p:spPr>
+      </p:pic>
+      <p:pic>
+        <p:nvPicPr>
+          <p:cNvPr id="2054" name="Picture 6" descr="https://avatars0.githubusercontent.com/u/11455646?v=3&amp;s=96"/>
+          <p:cNvPicPr>
+            <a:picLocks noChangeAspect="1" noChangeArrowheads="1"/>
+          </p:cNvPicPr>
+          <p:nvPr/>
+        </p:nvPicPr>
+        <p:blipFill>
+          <a:blip r:embed="rId5">
+            <a:extLst>
+              <a:ext uri="{28A0092B-C50C-407E-A947-70E740481C1C}">
+                <a14:useLocalDpi xmlns:a14="http://schemas.microsoft.com/office/drawing/2010/main" val="0"/>
+              </a:ext>
+            </a:extLst>
+          </a:blip>
+          <a:srcRect/>
+          <a:stretch>
+            <a:fillRect/>
+          </a:stretch>
+        </p:blipFill>
+        <p:spPr bwMode="auto">
+          <a:xfrm>
+            <a:off x="6921243" y="4288793"/>
+            <a:ext cx="762354" cy="762355"/>
+          </a:xfrm>
+          <a:prstGeom prst="rect">
+            <a:avLst/>
+          </a:prstGeom>
+          <a:noFill/>
+          <a:extLst>
+            <a:ext uri="{909E8E84-426E-40DD-AFC4-6F175D3DCCD1}">
+              <a14:hiddenFill xmlns:a14="http://schemas.microsoft.com/office/drawing/2010/main">
+                <a:solidFill>
+                  <a:srgbClr val="FFFFFF"/>
+                </a:solidFill>
+              </a14:hiddenFill>
+            </a:ext>
+          </a:extLst>
         </p:spPr>
       </p:pic>
     </p:spTree>
     <p:extLst>
       <p:ext uri="{BB962C8B-B14F-4D97-AF65-F5344CB8AC3E}">
-        <p14:creationId xmlns:p14="http://schemas.microsoft.com/office/powerpoint/2010/main" val="1674609618"/>
+        <p14:creationId xmlns:p14="http://schemas.microsoft.com/office/powerpoint/2010/main" val="27874393"/>
       </p:ext>
     </p:extLst>
   </p:cSld>
   <p:clrMapOvr>
     <a:masterClrMapping/>
   </p:clrMapOvr>
+  <p:transition spd="med">
+    <p:pull/>
+  </p:transition>
   <p:timing>
     <p:tnLst>
       <p:par>
@@ -9526,7 +11093,7 @@
                                           </p:stCondLst>
                                         </p:cTn>
                                         <p:tgtEl>
-                                          <p:spTgt spid="6"/>
+                                          <p:spTgt spid="2050"/>
                                         </p:tgtEl>
                                         <p:attrNameLst>
                                           <p:attrName>style.visibility</p:attrName>
@@ -9540,7 +11107,7 @@
                                       <p:cBhvr>
                                         <p:cTn id="12" dur="1000"/>
                                         <p:tgtEl>
-                                          <p:spTgt spid="6"/>
+                                          <p:spTgt spid="2050"/>
                                         </p:tgtEl>
                                       </p:cBhvr>
                                     </p:animEffect>
@@ -9548,7 +11115,7 @@
                                       <p:cBhvr>
                                         <p:cTn id="13" dur="1000" fill="hold"/>
                                         <p:tgtEl>
-                                          <p:spTgt spid="6"/>
+                                          <p:spTgt spid="2050"/>
                                         </p:tgtEl>
                                         <p:attrNameLst>
                                           <p:attrName>ppt_x</p:attrName>
@@ -9571,7 +11138,7 @@
                                       <p:cBhvr>
                                         <p:cTn id="14" dur="1000" fill="hold"/>
                                         <p:tgtEl>
-                                          <p:spTgt spid="6"/>
+                                          <p:spTgt spid="2050"/>
                                         </p:tgtEl>
                                         <p:attrNameLst>
                                           <p:attrName>ppt_y</p:attrName>
@@ -9627,7 +11194,7 @@
                                         <p:tgtEl>
                                           <p:spTgt spid="3">
                                             <p:txEl>
-                                              <p:pRg st="1" end="1"/>
+                                              <p:pRg st="2" end="2"/>
                                             </p:txEl>
                                           </p:spTgt>
                                         </p:tgtEl>
@@ -9645,7 +11212,7 @@
                                         <p:tgtEl>
                                           <p:spTgt spid="3">
                                             <p:txEl>
-                                              <p:pRg st="1" end="1"/>
+                                              <p:pRg st="2" end="2"/>
                                             </p:txEl>
                                           </p:spTgt>
                                         </p:tgtEl>
@@ -9657,7 +11224,7 @@
                                         <p:tgtEl>
                                           <p:spTgt spid="3">
                                             <p:txEl>
-                                              <p:pRg st="1" end="1"/>
+                                              <p:pRg st="2" end="2"/>
                                             </p:txEl>
                                           </p:spTgt>
                                         </p:tgtEl>
@@ -9684,7 +11251,7 @@
                                         <p:tgtEl>
                                           <p:spTgt spid="3">
                                             <p:txEl>
-                                              <p:pRg st="1" end="1"/>
+                                              <p:pRg st="2" end="2"/>
                                             </p:txEl>
                                           </p:spTgt>
                                         </p:tgtEl>
@@ -9709,7 +11276,7 @@
                                 </p:cTn>
                               </p:par>
                               <p:par>
-                                <p:cTn id="22" presetID="42" presetClass="entr" presetSubtype="0" fill="hold" grpId="0" nodeType="withEffect">
+                                <p:cTn id="22" presetID="42" presetClass="entr" presetSubtype="0" fill="hold" nodeType="withEffect">
                                   <p:stCondLst>
                                     <p:cond delay="0"/>
                                   </p:stCondLst>
@@ -9722,11 +11289,7 @@
                                           </p:stCondLst>
                                         </p:cTn>
                                         <p:tgtEl>
-                                          <p:spTgt spid="3">
-                                            <p:txEl>
-                                              <p:pRg st="2" end="2"/>
-                                            </p:txEl>
-                                          </p:spTgt>
+                                          <p:spTgt spid="2052"/>
                                         </p:tgtEl>
                                         <p:attrNameLst>
                                           <p:attrName>style.visibility</p:attrName>
@@ -9740,11 +11303,7 @@
                                       <p:cBhvr>
                                         <p:cTn id="24" dur="1000"/>
                                         <p:tgtEl>
-                                          <p:spTgt spid="3">
-                                            <p:txEl>
-                                              <p:pRg st="2" end="2"/>
-                                            </p:txEl>
-                                          </p:spTgt>
+                                          <p:spTgt spid="2052"/>
                                         </p:tgtEl>
                                       </p:cBhvr>
                                     </p:animEffect>
@@ -9752,11 +11311,7 @@
                                       <p:cBhvr>
                                         <p:cTn id="25" dur="1000" fill="hold"/>
                                         <p:tgtEl>
-                                          <p:spTgt spid="3">
-                                            <p:txEl>
-                                              <p:pRg st="2" end="2"/>
-                                            </p:txEl>
-                                          </p:spTgt>
+                                          <p:spTgt spid="2052"/>
                                         </p:tgtEl>
                                         <p:attrNameLst>
                                           <p:attrName>ppt_x</p:attrName>
@@ -9779,9 +11334,120 @@
                                       <p:cBhvr>
                                         <p:cTn id="26" dur="1000" fill="hold"/>
                                         <p:tgtEl>
+                                          <p:spTgt spid="2052"/>
+                                        </p:tgtEl>
+                                        <p:attrNameLst>
+                                          <p:attrName>ppt_y</p:attrName>
+                                        </p:attrNameLst>
+                                      </p:cBhvr>
+                                      <p:tavLst>
+                                        <p:tav tm="0">
+                                          <p:val>
+                                            <p:strVal val="#ppt_y+.1"/>
+                                          </p:val>
+                                        </p:tav>
+                                        <p:tav tm="100000">
+                                          <p:val>
+                                            <p:strVal val="#ppt_y"/>
+                                          </p:val>
+                                        </p:tav>
+                                      </p:tavLst>
+                                    </p:anim>
+                                  </p:childTnLst>
+                                </p:cTn>
+                              </p:par>
+                            </p:childTnLst>
+                          </p:cTn>
+                        </p:par>
+                      </p:childTnLst>
+                    </p:cTn>
+                  </p:par>
+                  <p:par>
+                    <p:cTn id="27" fill="hold">
+                      <p:stCondLst>
+                        <p:cond delay="indefinite"/>
+                      </p:stCondLst>
+                      <p:childTnLst>
+                        <p:par>
+                          <p:cTn id="28" fill="hold">
+                            <p:stCondLst>
+                              <p:cond delay="0"/>
+                            </p:stCondLst>
+                            <p:childTnLst>
+                              <p:par>
+                                <p:cTn id="29" presetID="42" presetClass="entr" presetSubtype="0" fill="hold" grpId="0" nodeType="clickEffect">
+                                  <p:stCondLst>
+                                    <p:cond delay="0"/>
+                                  </p:stCondLst>
+                                  <p:childTnLst>
+                                    <p:set>
+                                      <p:cBhvr>
+                                        <p:cTn id="30" dur="1" fill="hold">
+                                          <p:stCondLst>
+                                            <p:cond delay="0"/>
+                                          </p:stCondLst>
+                                        </p:cTn>
+                                        <p:tgtEl>
                                           <p:spTgt spid="3">
                                             <p:txEl>
-                                              <p:pRg st="2" end="2"/>
+                                              <p:pRg st="4" end="4"/>
+                                            </p:txEl>
+                                          </p:spTgt>
+                                        </p:tgtEl>
+                                        <p:attrNameLst>
+                                          <p:attrName>style.visibility</p:attrName>
+                                        </p:attrNameLst>
+                                      </p:cBhvr>
+                                      <p:to>
+                                        <p:strVal val="visible"/>
+                                      </p:to>
+                                    </p:set>
+                                    <p:animEffect transition="in" filter="fade">
+                                      <p:cBhvr>
+                                        <p:cTn id="31" dur="1000"/>
+                                        <p:tgtEl>
+                                          <p:spTgt spid="3">
+                                            <p:txEl>
+                                              <p:pRg st="4" end="4"/>
+                                            </p:txEl>
+                                          </p:spTgt>
+                                        </p:tgtEl>
+                                      </p:cBhvr>
+                                    </p:animEffect>
+                                    <p:anim calcmode="lin" valueType="num">
+                                      <p:cBhvr>
+                                        <p:cTn id="32" dur="1000" fill="hold"/>
+                                        <p:tgtEl>
+                                          <p:spTgt spid="3">
+                                            <p:txEl>
+                                              <p:pRg st="4" end="4"/>
+                                            </p:txEl>
+                                          </p:spTgt>
+                                        </p:tgtEl>
+                                        <p:attrNameLst>
+                                          <p:attrName>ppt_x</p:attrName>
+                                        </p:attrNameLst>
+                                      </p:cBhvr>
+                                      <p:tavLst>
+                                        <p:tav tm="0">
+                                          <p:val>
+                                            <p:strVal val="#ppt_x"/>
+                                          </p:val>
+                                        </p:tav>
+                                        <p:tav tm="100000">
+                                          <p:val>
+                                            <p:strVal val="#ppt_x"/>
+                                          </p:val>
+                                        </p:tav>
+                                      </p:tavLst>
+                                    </p:anim>
+                                    <p:anim calcmode="lin" valueType="num">
+                                      <p:cBhvr>
+                                        <p:cTn id="33" dur="1000" fill="hold"/>
+                                        <p:tgtEl>
+                                          <p:spTgt spid="3">
+                                            <p:txEl>
+                                              <p:pRg st="4" end="4"/>
                                             </p:txEl>
                                           </p:spTgt>
                                         </p:tgtEl>
@@ -9806,24 +11472,20 @@
                                 </p:cTn>
                               </p:par>
                               <p:par>
-                                <p:cTn id="27" presetID="42" presetClass="entr" presetSubtype="0" fill="hold" grpId="0" nodeType="withEffect">
+                                <p:cTn id="34" presetID="42" presetClass="entr" presetSubtype="0" fill="hold" nodeType="withEffect">
                                   <p:stCondLst>
                                     <p:cond delay="0"/>
                                   </p:stCondLst>
                                   <p:childTnLst>
                                     <p:set>
                                       <p:cBhvr>
-                                        <p:cTn id="28" dur="1" fill="hold">
+                                        <p:cTn id="35" dur="1" fill="hold">
                                           <p:stCondLst>
                                             <p:cond delay="0"/>
                                           </p:stCondLst>
                                         </p:cTn>
                                         <p:tgtEl>
-                                          <p:spTgt spid="3">
-                                            <p:txEl>
-                                              <p:pRg st="3" end="3"/>
-                                            </p:txEl>
-                                          </p:spTgt>
+                                          <p:spTgt spid="2054"/>
                                         </p:tgtEl>
                                         <p:attrNameLst>
                                           <p:attrName>style.visibility</p:attrName>
@@ -9835,25 +11497,17 @@
                                     </p:set>
                                     <p:animEffect transition="in" filter="fade">
                                       <p:cBhvr>
-                                        <p:cTn id="29" dur="1000"/>
-                                        <p:tgtEl>
-                                          <p:spTgt spid="3">
-                                            <p:txEl>
-                                              <p:pRg st="3" end="3"/>
-                                            </p:txEl>
-                                          </p:spTgt>
+                                        <p:cTn id="36" dur="1000"/>
+                                        <p:tgtEl>
+                                          <p:spTgt spid="2054"/>
                                         </p:tgtEl>
                                       </p:cBhvr>
                                     </p:animEffect>
                                     <p:anim calcmode="lin" valueType="num">
                                       <p:cBhvr>
-                                        <p:cTn id="30" dur="1000" fill="hold"/>
-                                        <p:tgtEl>
-                                          <p:spTgt spid="3">
-                                            <p:txEl>
-                                              <p:pRg st="3" end="3"/>
-                                            </p:txEl>
-                                          </p:spTgt>
+                                        <p:cTn id="37" dur="1000" fill="hold"/>
+                                        <p:tgtEl>
+                                          <p:spTgt spid="2054"/>
                                         </p:tgtEl>
                                         <p:attrNameLst>
                                           <p:attrName>ppt_x</p:attrName>
@@ -9874,385 +11528,9 @@
                                     </p:anim>
                                     <p:anim calcmode="lin" valueType="num">
                                       <p:cBhvr>
-                                        <p:cTn id="31" dur="1000" fill="hold"/>
-                                        <p:tgtEl>
-                                          <p:spTgt spid="3">
-                                            <p:txEl>
-                                              <p:pRg st="3" end="3"/>
-                                            </p:txEl>
-                                          </p:spTgt>
-                                        </p:tgtEl>
-                                        <p:attrNameLst>
-                                          <p:attrName>ppt_y</p:attrName>
-                                        </p:attrNameLst>
-                                      </p:cBhvr>
-                                      <p:tavLst>
-                                        <p:tav tm="0">
-                                          <p:val>
-                                            <p:strVal val="#ppt_y+.1"/>
-                                          </p:val>
-                                        </p:tav>
-                                        <p:tav tm="100000">
-                                          <p:val>
-                                            <p:strVal val="#ppt_y"/>
-                                          </p:val>
-                                        </p:tav>
-                                      </p:tavLst>
-                                    </p:anim>
-                                  </p:childTnLst>
-                                </p:cTn>
-                              </p:par>
-                              <p:par>
-                                <p:cTn id="32" presetID="42" presetClass="entr" presetSubtype="0" fill="hold" grpId="0" nodeType="withEffect">
-                                  <p:stCondLst>
-                                    <p:cond delay="0"/>
-                                  </p:stCondLst>
-                                  <p:childTnLst>
-                                    <p:set>
-                                      <p:cBhvr>
-                                        <p:cTn id="33" dur="1" fill="hold">
-                                          <p:stCondLst>
-                                            <p:cond delay="0"/>
-                                          </p:stCondLst>
-                                        </p:cTn>
-                                        <p:tgtEl>
-                                          <p:spTgt spid="3">
-                                            <p:txEl>
-                                              <p:pRg st="4" end="4"/>
-                                            </p:txEl>
-                                          </p:spTgt>
-                                        </p:tgtEl>
-                                        <p:attrNameLst>
-                                          <p:attrName>style.visibility</p:attrName>
-                                        </p:attrNameLst>
-                                      </p:cBhvr>
-                                      <p:to>
-                                        <p:strVal val="visible"/>
-                                      </p:to>
-                                    </p:set>
-                                    <p:animEffect transition="in" filter="fade">
-                                      <p:cBhvr>
-                                        <p:cTn id="34" dur="1000"/>
-                                        <p:tgtEl>
-                                          <p:spTgt spid="3">
-                                            <p:txEl>
-                                              <p:pRg st="4" end="4"/>
-                                            </p:txEl>
-                                          </p:spTgt>
-                                        </p:tgtEl>
-                                      </p:cBhvr>
-                                    </p:animEffect>
-                                    <p:anim calcmode="lin" valueType="num">
-                                      <p:cBhvr>
-                                        <p:cTn id="35" dur="1000" fill="hold"/>
-                                        <p:tgtEl>
-                                          <p:spTgt spid="3">
-                                            <p:txEl>
-                                              <p:pRg st="4" end="4"/>
-                                            </p:txEl>
-                                          </p:spTgt>
-                                        </p:tgtEl>
-                                        <p:attrNameLst>
-                                          <p:attrName>ppt_x</p:attrName>
-                                        </p:attrNameLst>
-                                      </p:cBhvr>
-                                      <p:tavLst>
-                                        <p:tav tm="0">
-                                          <p:val>
-                                            <p:strVal val="#ppt_x"/>
-                                          </p:val>
-                                        </p:tav>
-                                        <p:tav tm="100000">
-                                          <p:val>
-                                            <p:strVal val="#ppt_x"/>
-                                          </p:val>
-                                        </p:tav>
-                                      </p:tavLst>
-                                    </p:anim>
-                                    <p:anim calcmode="lin" valueType="num">
-                                      <p:cBhvr>
-                                        <p:cTn id="36" dur="1000" fill="hold"/>
-                                        <p:tgtEl>
-                                          <p:spTgt spid="3">
-                                            <p:txEl>
-                                              <p:pRg st="4" end="4"/>
-                                            </p:txEl>
-                                          </p:spTgt>
-                                        </p:tgtEl>
-                                        <p:attrNameLst>
-                                          <p:attrName>ppt_y</p:attrName>
-                                        </p:attrNameLst>
-                                      </p:cBhvr>
-                                      <p:tavLst>
-                                        <p:tav tm="0">
-                                          <p:val>
-                                            <p:strVal val="#ppt_y+.1"/>
-                                          </p:val>
-                                        </p:tav>
-                                        <p:tav tm="100000">
-                                          <p:val>
-                                            <p:strVal val="#ppt_y"/>
-                                          </p:val>
-                                        </p:tav>
-                                      </p:tavLst>
-                                    </p:anim>
-                                  </p:childTnLst>
-                                </p:cTn>
-                              </p:par>
-                              <p:par>
-                                <p:cTn id="37" presetID="42" presetClass="entr" presetSubtype="0" fill="hold" grpId="0" nodeType="withEffect">
-                                  <p:stCondLst>
-                                    <p:cond delay="0"/>
-                                  </p:stCondLst>
-                                  <p:childTnLst>
-                                    <p:set>
-                                      <p:cBhvr>
-                                        <p:cTn id="38" dur="1" fill="hold">
-                                          <p:stCondLst>
-                                            <p:cond delay="0"/>
-                                          </p:stCondLst>
-                                        </p:cTn>
-                                        <p:tgtEl>
-                                          <p:spTgt spid="3">
-                                            <p:txEl>
-                                              <p:pRg st="5" end="5"/>
-                                            </p:txEl>
-                                          </p:spTgt>
-                                        </p:tgtEl>
-                                        <p:attrNameLst>
-                                          <p:attrName>style.visibility</p:attrName>
-                                        </p:attrNameLst>
-                                      </p:cBhvr>
-                                      <p:to>
-                                        <p:strVal val="visible"/>
-                                      </p:to>
-                                    </p:set>
-                                    <p:animEffect transition="in" filter="fade">
-                                      <p:cBhvr>
-                                        <p:cTn id="39" dur="1000"/>
-                                        <p:tgtEl>
-                                          <p:spTgt spid="3">
-                                            <p:txEl>
-                                              <p:pRg st="5" end="5"/>
-                                            </p:txEl>
-                                          </p:spTgt>
-                                        </p:tgtEl>
-                                      </p:cBhvr>
-                                    </p:animEffect>
-                                    <p:anim calcmode="lin" valueType="num">
-                                      <p:cBhvr>
-                                        <p:cTn id="40" dur="1000" fill="hold"/>
-                                        <p:tgtEl>
-                                          <p:spTgt spid="3">
-                                            <p:txEl>
-                                              <p:pRg st="5" end="5"/>
-                                            </p:txEl>
-                                          </p:spTgt>
-                                        </p:tgtEl>
-                                        <p:attrNameLst>
-                                          <p:attrName>ppt_x</p:attrName>
-                                        </p:attrNameLst>
-                                      </p:cBhvr>
-                                      <p:tavLst>
-                                        <p:tav tm="0">
-                                          <p:val>
-                                            <p:strVal val="#ppt_x"/>
-                                          </p:val>
-                                        </p:tav>
-                                        <p:tav tm="100000">
-                                          <p:val>
-                                            <p:strVal val="#ppt_x"/>
-                                          </p:val>
-                                        </p:tav>
-                                      </p:tavLst>
-                                    </p:anim>
-                                    <p:anim calcmode="lin" valueType="num">
-                                      <p:cBhvr>
-                                        <p:cTn id="41" dur="1000" fill="hold"/>
-                                        <p:tgtEl>
-                                          <p:spTgt spid="3">
-                                            <p:txEl>
-                                              <p:pRg st="5" end="5"/>
-                                            </p:txEl>
-                                          </p:spTgt>
-                                        </p:tgtEl>
-                                        <p:attrNameLst>
-                                          <p:attrName>ppt_y</p:attrName>
-                                        </p:attrNameLst>
-                                      </p:cBhvr>
-                                      <p:tavLst>
-                                        <p:tav tm="0">
-                                          <p:val>
-                                            <p:strVal val="#ppt_y+.1"/>
-                                          </p:val>
-                                        </p:tav>
-                                        <p:tav tm="100000">
-                                          <p:val>
-                                            <p:strVal val="#ppt_y"/>
-                                          </p:val>
-                                        </p:tav>
-                                      </p:tavLst>
-                                    </p:anim>
-                                  </p:childTnLst>
-                                </p:cTn>
-                              </p:par>
-                              <p:par>
-                                <p:cTn id="42" presetID="42" presetClass="entr" presetSubtype="0" fill="hold" grpId="0" nodeType="withEffect">
-                                  <p:stCondLst>
-                                    <p:cond delay="0"/>
-                                  </p:stCondLst>
-                                  <p:childTnLst>
-                                    <p:set>
-                                      <p:cBhvr>
-                                        <p:cTn id="43" dur="1" fill="hold">
-                                          <p:stCondLst>
-                                            <p:cond delay="0"/>
-                                          </p:stCondLst>
-                                        </p:cTn>
-                                        <p:tgtEl>
-                                          <p:spTgt spid="3">
-                                            <p:txEl>
-                                              <p:pRg st="6" end="6"/>
-                                            </p:txEl>
-                                          </p:spTgt>
-                                        </p:tgtEl>
-                                        <p:attrNameLst>
-                                          <p:attrName>style.visibility</p:attrName>
-                                        </p:attrNameLst>
-                                      </p:cBhvr>
-                                      <p:to>
-                                        <p:strVal val="visible"/>
-                                      </p:to>
-                                    </p:set>
-                                    <p:animEffect transition="in" filter="fade">
-                                      <p:cBhvr>
-                                        <p:cTn id="44" dur="1000"/>
-                                        <p:tgtEl>
-                                          <p:spTgt spid="3">
-                                            <p:txEl>
-                                              <p:pRg st="6" end="6"/>
-                                            </p:txEl>
-                                          </p:spTgt>
-                                        </p:tgtEl>
-                                      </p:cBhvr>
-                                    </p:animEffect>
-                                    <p:anim calcmode="lin" valueType="num">
-                                      <p:cBhvr>
-                                        <p:cTn id="45" dur="1000" fill="hold"/>
-                                        <p:tgtEl>
-                                          <p:spTgt spid="3">
-                                            <p:txEl>
-                                              <p:pRg st="6" end="6"/>
-                                            </p:txEl>
-                                          </p:spTgt>
-                                        </p:tgtEl>
-                                        <p:attrNameLst>
-                                          <p:attrName>ppt_x</p:attrName>
-                                        </p:attrNameLst>
-                                      </p:cBhvr>
-                                      <p:tavLst>
-                                        <p:tav tm="0">
-                                          <p:val>
-                                            <p:strVal val="#ppt_x"/>
-                                          </p:val>
-                                        </p:tav>
-                                        <p:tav tm="100000">
-                                          <p:val>
-                                            <p:strVal val="#ppt_x"/>
-                                          </p:val>
-                                        </p:tav>
-                                      </p:tavLst>
-                                    </p:anim>
-                                    <p:anim calcmode="lin" valueType="num">
-                                      <p:cBhvr>
-                                        <p:cTn id="46" dur="1000" fill="hold"/>
-                                        <p:tgtEl>
-                                          <p:spTgt spid="3">
-                                            <p:txEl>
-                                              <p:pRg st="6" end="6"/>
-                                            </p:txEl>
-                                          </p:spTgt>
-                                        </p:tgtEl>
-                                        <p:attrNameLst>
-                                          <p:attrName>ppt_y</p:attrName>
-                                        </p:attrNameLst>
-                                      </p:cBhvr>
-                                      <p:tavLst>
-                                        <p:tav tm="0">
-                                          <p:val>
-                                            <p:strVal val="#ppt_y+.1"/>
-                                          </p:val>
-                                        </p:tav>
-                                        <p:tav tm="100000">
-                                          <p:val>
-                                            <p:strVal val="#ppt_y"/>
-                                          </p:val>
-                                        </p:tav>
-                                      </p:tavLst>
-                                    </p:anim>
-                                  </p:childTnLst>
-                                </p:cTn>
-                              </p:par>
-                              <p:par>
-                                <p:cTn id="47" presetID="42" presetClass="entr" presetSubtype="0" fill="hold" nodeType="withEffect">
-                                  <p:stCondLst>
-                                    <p:cond delay="0"/>
-                                  </p:stCondLst>
-                                  <p:childTnLst>
-                                    <p:set>
-                                      <p:cBhvr>
-                                        <p:cTn id="48" dur="1" fill="hold">
-                                          <p:stCondLst>
-                                            <p:cond delay="0"/>
-                                          </p:stCondLst>
-                                        </p:cTn>
-                                        <p:tgtEl>
-                                          <p:spTgt spid="1026"/>
-                                        </p:tgtEl>
-                                        <p:attrNameLst>
-                                          <p:attrName>style.visibility</p:attrName>
-                                        </p:attrNameLst>
-                                      </p:cBhvr>
-                                      <p:to>
-                                        <p:strVal val="visible"/>
-                                      </p:to>
-                                    </p:set>
-                                    <p:animEffect transition="in" filter="fade">
-                                      <p:cBhvr>
-                                        <p:cTn id="49" dur="1000"/>
-                                        <p:tgtEl>
-                                          <p:spTgt spid="1026"/>
-                                        </p:tgtEl>
-                                      </p:cBhvr>
-                                    </p:animEffect>
-                                    <p:anim calcmode="lin" valueType="num">
-                                      <p:cBhvr>
-                                        <p:cTn id="50" dur="1000" fill="hold"/>
-                                        <p:tgtEl>
-                                          <p:spTgt spid="1026"/>
-                                        </p:tgtEl>
-                                        <p:attrNameLst>
-                                          <p:attrName>ppt_x</p:attrName>
-                                        </p:attrNameLst>
-                                      </p:cBhvr>
-                                      <p:tavLst>
-                                        <p:tav tm="0">
-                                          <p:val>
-                                            <p:strVal val="#ppt_x"/>
-                                          </p:val>
-                                        </p:tav>
-                                        <p:tav tm="100000">
-                                          <p:val>
-                                            <p:strVal val="#ppt_x"/>
-                                          </p:val>
-                                        </p:tav>
-                                      </p:tavLst>
-                                    </p:anim>
-                                    <p:anim calcmode="lin" valueType="num">
-                                      <p:cBhvr>
-                                        <p:cTn id="51" dur="1000" fill="hold"/>
-                                        <p:tgtEl>
-                                          <p:spTgt spid="1026"/>
+                                        <p:cTn id="38" dur="1000" fill="hold"/>
+                                        <p:tgtEl>
+                                          <p:spTgt spid="2054"/>
                                         </p:tgtEl>
                                         <p:attrNameLst>
                                           <p:attrName>ppt_y</p:attrName>
@@ -10337,13 +11615,13 @@
         </p:nvSpPr>
         <p:spPr>
           <a:xfrm>
-            <a:off x="1596395" y="1653140"/>
+            <a:off x="1596395" y="2262743"/>
             <a:ext cx="7069282" cy="4269458"/>
           </a:xfrm>
         </p:spPr>
         <p:txBody>
           <a:bodyPr>
-            <a:normAutofit fontScale="92500" lnSpcReduction="10000"/>
+            <a:normAutofit/>
           </a:bodyPr>
           <a:lstStyle/>
           <a:p>
@@ -10353,11 +11631,17 @@
             </a:pPr>
             <a:r>
               <a:rPr lang="fr-CH" sz="2200" dirty="0"/>
-              <a:t>Soigner au mieux le </a:t>
-            </a:r>
-            <a:r>
-              <a:rPr lang="fr-CH" sz="2200" dirty="0" smtClean="0"/>
-              <a:t>pantin</a:t>
+              <a:t>Projeter un pantin contre les murs </a:t>
+            </a:r>
+          </a:p>
+          <a:p>
+            <a:pPr defTabSz="631825">
+              <a:buFont typeface="Wingdings 3" panose="05040102010807070707" pitchFamily="18" charset="2"/>
+              <a:buChar char=""/>
+            </a:pPr>
+            <a:r>
+              <a:rPr lang="fr-CH" sz="2200" dirty="0"/>
+              <a:t>Maximum de dégâts du pantin</a:t>
             </a:r>
           </a:p>
           <a:p>
@@ -10366,83 +11650,8 @@
               <a:buChar char=""/>
             </a:pPr>
             <a:r>
-              <a:rPr lang="fr-CH" sz="2000" b="1" dirty="0" smtClean="0"/>
-              <a:t>Choix de </a:t>
-            </a:r>
-            <a:r>
-              <a:rPr lang="fr-CH" sz="2000" b="1" dirty="0" smtClean="0"/>
-              <a:t>docteurs </a:t>
-            </a:r>
-            <a:r>
-              <a:rPr lang="fr-CH" sz="2000" dirty="0" smtClean="0"/>
-              <a:t>=</a:t>
-            </a:r>
-            <a:r>
-              <a:rPr lang="fr-CH" sz="2000" dirty="0" smtClean="0"/>
-              <a:t/>
-            </a:r>
-            <a:br>
-              <a:rPr lang="fr-CH" sz="2000" dirty="0" smtClean="0"/>
-            </a:br>
-            <a:r>
-              <a:rPr lang="fr-CH" sz="2000" dirty="0" smtClean="0"/>
-              <a:t>Chaîne de responsabilité</a:t>
-            </a:r>
-          </a:p>
-          <a:p>
-            <a:pPr lvl="2" defTabSz="631825">
-              <a:buFont typeface="Wingdings 3" panose="05040102010807070707" pitchFamily="18" charset="2"/>
-              <a:buChar char=""/>
-            </a:pPr>
-            <a:r>
-              <a:rPr lang="fr-CH" sz="1800" u="sng" dirty="0" smtClean="0"/>
-              <a:t>Médecin</a:t>
-            </a:r>
-            <a:r>
-              <a:rPr lang="fr-CH" sz="1800" dirty="0" smtClean="0"/>
-              <a:t> : Soigne de 2 à 3</a:t>
-            </a:r>
-          </a:p>
-          <a:p>
-            <a:pPr lvl="2" defTabSz="631825">
-              <a:buFont typeface="Wingdings 3" panose="05040102010807070707" pitchFamily="18" charset="2"/>
-              <a:buChar char=""/>
-            </a:pPr>
-            <a:r>
-              <a:rPr lang="fr-CH" sz="1800" u="sng" dirty="0" smtClean="0"/>
-              <a:t>Chirurgien</a:t>
-            </a:r>
-            <a:r>
-              <a:rPr lang="fr-CH" sz="1800" dirty="0" smtClean="0"/>
-              <a:t> : Soigne de dégât / (2 à 3)</a:t>
-            </a:r>
-          </a:p>
-          <a:p>
-            <a:pPr lvl="2" defTabSz="631825">
-              <a:buFont typeface="Wingdings 3" panose="05040102010807070707" pitchFamily="18" charset="2"/>
-              <a:buChar char=""/>
-            </a:pPr>
-            <a:r>
-              <a:rPr lang="fr-CH" sz="1800" u="sng" dirty="0" smtClean="0"/>
-              <a:t>Sauveteur</a:t>
-            </a:r>
-            <a:r>
-              <a:rPr lang="fr-CH" sz="1800" dirty="0" smtClean="0"/>
-              <a:t> : Soigne de dégât % (3 à 5)</a:t>
-            </a:r>
-          </a:p>
-          <a:p>
-            <a:pPr lvl="2" defTabSz="631825">
-              <a:buFont typeface="Wingdings 3" panose="05040102010807070707" pitchFamily="18" charset="2"/>
-              <a:buChar char=""/>
-            </a:pPr>
-            <a:r>
-              <a:rPr lang="fr-CH" sz="1800" u="sng" dirty="0" smtClean="0"/>
-              <a:t>Réanimateur</a:t>
-            </a:r>
-            <a:r>
-              <a:rPr lang="fr-CH" sz="1800" dirty="0" smtClean="0"/>
-              <a:t> : Ajoute 1 à 5 points de vie</a:t>
+              <a:rPr lang="fr-CH" sz="2000" dirty="0"/>
+              <a:t>Tête</a:t>
             </a:r>
           </a:p>
           <a:p>
@@ -10451,8 +11660,8 @@
               <a:buChar char=""/>
             </a:pPr>
             <a:r>
-              <a:rPr lang="fr-CH" sz="2000" dirty="0" smtClean="0"/>
-              <a:t>Docteurs obtenus aléatoirement</a:t>
+              <a:rPr lang="fr-CH" sz="2000" dirty="0"/>
+              <a:t>Bras</a:t>
             </a:r>
           </a:p>
           <a:p>
@@ -10461,36 +11670,33 @@
               <a:buChar char=""/>
             </a:pPr>
             <a:r>
-              <a:rPr lang="fr-CH" sz="2000" dirty="0" smtClean="0"/>
-              <a:t>A la fin d’un traitement</a:t>
-            </a:r>
-          </a:p>
-          <a:p>
-            <a:pPr lvl="2" defTabSz="631825">
+              <a:rPr lang="fr-CH" sz="2000" dirty="0"/>
+              <a:t>Corps</a:t>
+            </a:r>
+          </a:p>
+          <a:p>
+            <a:pPr lvl="1" defTabSz="631825">
               <a:buFont typeface="Wingdings 3" panose="05040102010807070707" pitchFamily="18" charset="2"/>
               <a:buChar char=""/>
             </a:pPr>
             <a:r>
-              <a:rPr lang="fr-CH" sz="1800" dirty="0" smtClean="0"/>
-              <a:t>Si le pantin a toujours des dégâts supérieurs à 6 sur une zone =&gt; Il perd 1 point de vie par zone</a:t>
-            </a:r>
-          </a:p>
-          <a:p>
-            <a:pPr lvl="2" defTabSz="631825">
+              <a:rPr lang="fr-CH" sz="2000" dirty="0"/>
+              <a:t>Jambes</a:t>
+            </a:r>
+          </a:p>
+          <a:p>
+            <a:pPr lvl="1" defTabSz="631825">
               <a:buFont typeface="Wingdings 3" panose="05040102010807070707" pitchFamily="18" charset="2"/>
               <a:buChar char=""/>
             </a:pPr>
             <a:r>
-              <a:rPr lang="fr-CH" sz="1800" dirty="0" smtClean="0"/>
-              <a:t>Définition du vainqueur</a:t>
-            </a:r>
-          </a:p>
-          <a:p>
-            <a:pPr lvl="2" defTabSz="631825">
-              <a:buFont typeface="Wingdings 3" panose="05040102010807070707" pitchFamily="18" charset="2"/>
-              <a:buChar char=""/>
-            </a:pPr>
-            <a:endParaRPr lang="fr-CH" sz="1800" dirty="0" smtClean="0"/>
+              <a:rPr lang="fr-CH" sz="2000" dirty="0"/>
+              <a:t>Sous forme d’un </a:t>
+            </a:r>
+            <a:r>
+              <a:rPr lang="fr-CH" sz="2000" i="1" dirty="0"/>
+              <a:t>entier</a:t>
+            </a:r>
           </a:p>
           <a:p>
             <a:pPr lvl="2" defTabSz="631825">
@@ -10652,6 +11858,47 @@
           </a:p>
         </p:txBody>
       </p:sp>
+      <p:pic>
+        <p:nvPicPr>
+          <p:cNvPr id="1026" name="Picture 2" descr="http://images.clipartpanda.com/killer-clipart-hand-knife-clipart.png"/>
+          <p:cNvPicPr>
+            <a:picLocks noChangeAspect="1" noChangeArrowheads="1"/>
+          </p:cNvPicPr>
+          <p:nvPr/>
+        </p:nvPicPr>
+        <p:blipFill>
+          <a:blip r:embed="rId3">
+            <a:extLst>
+              <a:ext uri="{28A0092B-C50C-407E-A947-70E740481C1C}">
+                <a14:useLocalDpi xmlns:a14="http://schemas.microsoft.com/office/drawing/2010/main" val="0"/>
+              </a:ext>
+            </a:extLst>
+          </a:blip>
+          <a:srcRect/>
+          <a:stretch>
+            <a:fillRect/>
+          </a:stretch>
+        </p:blipFill>
+        <p:spPr bwMode="auto">
+          <a:xfrm>
+            <a:off x="6093308" y="3499421"/>
+            <a:ext cx="2062275" cy="1681345"/>
+          </a:xfrm>
+          <a:prstGeom prst="rect">
+            <a:avLst/>
+          </a:prstGeom>
+          <a:noFill/>
+          <a:extLst>
+            <a:ext uri="{909E8E84-426E-40DD-AFC4-6F175D3DCCD1}">
+              <a14:hiddenFill xmlns:a14="http://schemas.microsoft.com/office/drawing/2010/main">
+                <a:solidFill>
+                  <a:srgbClr val="FFFFFF"/>
+                </a:solidFill>
+              </a14:hiddenFill>
+            </a:ext>
+          </a:extLst>
+        </p:spPr>
+      </p:pic>
       <p:sp>
         <p:nvSpPr>
           <p:cNvPr id="2" name="ZoneTexte 1"/>
@@ -10675,14 +11922,14 @@
           <a:lstStyle/>
           <a:p>
             <a:r>
+              <a:rPr lang="fr-CH" b="1" dirty="0" err="1"/>
+              <a:t>Killer</a:t>
+            </a:r>
+            <a:r>
               <a:rPr lang="fr-CH" dirty="0" err="1"/>
-              <a:t>KillerVs</a:t>
-            </a:r>
-            <a:r>
-              <a:rPr lang="fr-CH" b="1" dirty="0" err="1"/>
-              <a:t>Healer</a:t>
-            </a:r>
-            <a:endParaRPr lang="fr-CH" b="1" dirty="0"/>
+              <a:t>VsHealer</a:t>
+            </a:r>
+            <a:endParaRPr lang="fr-CH" dirty="0"/>
           </a:p>
           <a:p>
             <a:endParaRPr lang="fr-CH" dirty="0"/>
@@ -10691,7 +11938,7 @@
       </p:sp>
       <p:sp>
         <p:nvSpPr>
-          <p:cNvPr id="6" name="Espace réservé du numéro de diapositive 5"/>
+          <p:cNvPr id="5" name="Espace réservé du numéro de diapositive 4"/>
           <p:cNvSpPr>
             <a:spLocks noGrp="1"/>
           </p:cNvSpPr>
@@ -10715,64 +11962,28 @@
       </p:sp>
       <p:pic>
         <p:nvPicPr>
-          <p:cNvPr id="3074" name="Picture 2" descr="http://www.ibonik.com/data/frontImages/b2b/product_images/1430380696_02.jpg"/>
+          <p:cNvPr id="6" name="Image 5"/>
           <p:cNvPicPr>
-            <a:picLocks noChangeAspect="1" noChangeArrowheads="1"/>
+            <a:picLocks noChangeAspect="1"/>
           </p:cNvPicPr>
           <p:nvPr/>
         </p:nvPicPr>
         <p:blipFill>
-          <a:blip r:embed="rId3">
-            <a:biLevel thresh="75000"/>
+          <a:blip r:embed="rId4">
             <a:extLst>
               <a:ext uri="{28A0092B-C50C-407E-A947-70E740481C1C}">
                 <a14:useLocalDpi xmlns:a14="http://schemas.microsoft.com/office/drawing/2010/main" val="0"/>
               </a:ext>
             </a:extLst>
           </a:blip>
-          <a:srcRect/>
-          <a:stretch>
-            <a:fillRect/>
-          </a:stretch>
-        </p:blipFill>
-        <p:spPr bwMode="auto">
-          <a:xfrm>
-            <a:off x="6357257" y="1221179"/>
-            <a:ext cx="2484941" cy="1865617"/>
-          </a:xfrm>
-          <a:prstGeom prst="rect">
-            <a:avLst/>
-          </a:prstGeom>
-          <a:noFill/>
-          <a:extLst>
-            <a:ext uri="{909E8E84-426E-40DD-AFC4-6F175D3DCCD1}">
-              <a14:hiddenFill xmlns:a14="http://schemas.microsoft.com/office/drawing/2010/main">
-                <a:solidFill>
-                  <a:srgbClr val="FFFFFF"/>
-                </a:solidFill>
-              </a14:hiddenFill>
-            </a:ext>
-          </a:extLst>
-        </p:spPr>
-      </p:pic>
-      <p:pic>
-        <p:nvPicPr>
-          <p:cNvPr id="5" name="Image 4"/>
-          <p:cNvPicPr>
-            <a:picLocks noChangeAspect="1"/>
-          </p:cNvPicPr>
-          <p:nvPr/>
-        </p:nvPicPr>
-        <p:blipFill>
-          <a:blip r:embed="rId4"/>
           <a:stretch>
             <a:fillRect/>
           </a:stretch>
         </p:blipFill>
         <p:spPr>
           <a:xfrm>
-            <a:off x="972798" y="6054867"/>
-            <a:ext cx="7372576" cy="501120"/>
+            <a:off x="7681366" y="1889168"/>
+            <a:ext cx="538211" cy="1250037"/>
           </a:xfrm>
           <a:prstGeom prst="rect">
             <a:avLst/>
@@ -10782,13 +11993,16 @@
     </p:spTree>
     <p:extLst>
       <p:ext uri="{BB962C8B-B14F-4D97-AF65-F5344CB8AC3E}">
-        <p14:creationId xmlns:p14="http://schemas.microsoft.com/office/powerpoint/2010/main" val="1925911279"/>
+        <p14:creationId xmlns:p14="http://schemas.microsoft.com/office/powerpoint/2010/main" val="1674609618"/>
       </p:ext>
     </p:extLst>
   </p:cSld>
   <p:clrMapOvr>
     <a:masterClrMapping/>
   </p:clrMapOvr>
+  <p:transition spd="med">
+    <p:pull/>
+  </p:transition>
   <p:timing>
     <p:tnLst>
       <p:par>
@@ -10920,7 +12134,7 @@
                                           </p:stCondLst>
                                         </p:cTn>
                                         <p:tgtEl>
-                                          <p:spTgt spid="3074"/>
+                                          <p:spTgt spid="6"/>
                                         </p:tgtEl>
                                         <p:attrNameLst>
                                           <p:attrName>style.visibility</p:attrName>
@@ -10934,7 +12148,7 @@
                                       <p:cBhvr>
                                         <p:cTn id="12" dur="1000"/>
                                         <p:tgtEl>
-                                          <p:spTgt spid="3074"/>
+                                          <p:spTgt spid="6"/>
                                         </p:tgtEl>
                                       </p:cBhvr>
                                     </p:animEffect>
@@ -10942,7 +12156,7 @@
                                       <p:cBhvr>
                                         <p:cTn id="13" dur="1000" fill="hold"/>
                                         <p:tgtEl>
-                                          <p:spTgt spid="3074"/>
+                                          <p:spTgt spid="6"/>
                                         </p:tgtEl>
                                         <p:attrNameLst>
                                           <p:attrName>ppt_x</p:attrName>
@@ -10965,7 +12179,7 @@
                                       <p:cBhvr>
                                         <p:cTn id="14" dur="1000" fill="hold"/>
                                         <p:tgtEl>
-                                          <p:spTgt spid="3074"/>
+                                          <p:spTgt spid="6"/>
                                         </p:tgtEl>
                                         <p:attrNameLst>
                                           <p:attrName>ppt_y</p:attrName>
@@ -11103,7 +12317,7 @@
                                 </p:cTn>
                               </p:par>
                               <p:par>
-                                <p:cTn id="22" presetID="22" presetClass="entr" presetSubtype="8" fill="hold" nodeType="withEffect">
+                                <p:cTn id="22" presetID="42" presetClass="entr" presetSubtype="0" fill="hold" grpId="0" nodeType="withEffect">
                                   <p:stCondLst>
                                     <p:cond delay="0"/>
                                   </p:stCondLst>
@@ -11116,59 +12330,6 @@
                                           </p:stCondLst>
                                         </p:cTn>
                                         <p:tgtEl>
-                                          <p:spTgt spid="5"/>
-                                        </p:tgtEl>
-                                        <p:attrNameLst>
-                                          <p:attrName>style.visibility</p:attrName>
-                                        </p:attrNameLst>
-                                      </p:cBhvr>
-                                      <p:to>
-                                        <p:strVal val="visible"/>
-                                      </p:to>
-                                    </p:set>
-                                    <p:animEffect transition="in" filter="wipe(left)">
-                                      <p:cBhvr>
-                                        <p:cTn id="24" dur="2000"/>
-                                        <p:tgtEl>
-                                          <p:spTgt spid="5"/>
-                                        </p:tgtEl>
-                                      </p:cBhvr>
-                                    </p:animEffect>
-                                  </p:childTnLst>
-                                </p:cTn>
-                              </p:par>
-                            </p:childTnLst>
-                          </p:cTn>
-                        </p:par>
-                      </p:childTnLst>
-                    </p:cTn>
-                  </p:par>
-                  <p:par>
-                    <p:cTn id="25" fill="hold">
-                      <p:stCondLst>
-                        <p:cond delay="indefinite"/>
-                      </p:stCondLst>
-                      <p:childTnLst>
-                        <p:par>
-                          <p:cTn id="26" fill="hold">
-                            <p:stCondLst>
-                              <p:cond delay="0"/>
-                            </p:stCondLst>
-                            <p:childTnLst>
-                              <p:par>
-                                <p:cTn id="27" presetID="42" presetClass="entr" presetSubtype="0" fill="hold" grpId="0" nodeType="clickEffect">
-                                  <p:stCondLst>
-                                    <p:cond delay="0"/>
-                                  </p:stCondLst>
-                                  <p:childTnLst>
-                                    <p:set>
-                                      <p:cBhvr>
-                                        <p:cTn id="28" dur="1" fill="hold">
-                                          <p:stCondLst>
-                                            <p:cond delay="0"/>
-                                          </p:stCondLst>
-                                        </p:cTn>
-                                        <p:tgtEl>
                                           <p:spTgt spid="3">
                                             <p:txEl>
                                               <p:pRg st="2" end="2"/>
@@ -11185,7 +12346,7 @@
                                     </p:set>
                                     <p:animEffect transition="in" filter="fade">
                                       <p:cBhvr>
-                                        <p:cTn id="29" dur="1000"/>
+                                        <p:cTn id="24" dur="1000"/>
                                         <p:tgtEl>
                                           <p:spTgt spid="3">
                                             <p:txEl>
@@ -11197,7 +12358,7 @@
                                     </p:animEffect>
                                     <p:anim calcmode="lin" valueType="num">
                                       <p:cBhvr>
-                                        <p:cTn id="30" dur="1000" fill="hold"/>
+                                        <p:cTn id="25" dur="1000" fill="hold"/>
                                         <p:tgtEl>
                                           <p:spTgt spid="3">
                                             <p:txEl>
@@ -11224,356 +12385,11 @@
                                     </p:anim>
                                     <p:anim calcmode="lin" valueType="num">
                                       <p:cBhvr>
-                                        <p:cTn id="31" dur="1000" fill="hold"/>
+                                        <p:cTn id="26" dur="1000" fill="hold"/>
                                         <p:tgtEl>
                                           <p:spTgt spid="3">
                                             <p:txEl>
                                               <p:pRg st="2" end="2"/>
-                                            </p:txEl>
-                                          </p:spTgt>
-                                        </p:tgtEl>
-                                        <p:attrNameLst>
-                                          <p:attrName>ppt_y</p:attrName>
-                                        </p:attrNameLst>
-                                      </p:cBhvr>
-                                      <p:tavLst>
-                                        <p:tav tm="0">
-                                          <p:val>
-                                            <p:strVal val="#ppt_y+.1"/>
-                                          </p:val>
-                                        </p:tav>
-                                        <p:tav tm="100000">
-                                          <p:val>
-                                            <p:strVal val="#ppt_y"/>
-                                          </p:val>
-                                        </p:tav>
-                                      </p:tavLst>
-                                    </p:anim>
-                                  </p:childTnLst>
-                                </p:cTn>
-                              </p:par>
-                            </p:childTnLst>
-                          </p:cTn>
-                        </p:par>
-                      </p:childTnLst>
-                    </p:cTn>
-                  </p:par>
-                  <p:par>
-                    <p:cTn id="32" fill="hold">
-                      <p:stCondLst>
-                        <p:cond delay="indefinite"/>
-                      </p:stCondLst>
-                      <p:childTnLst>
-                        <p:par>
-                          <p:cTn id="33" fill="hold">
-                            <p:stCondLst>
-                              <p:cond delay="0"/>
-                            </p:stCondLst>
-                            <p:childTnLst>
-                              <p:par>
-                                <p:cTn id="34" presetID="42" presetClass="entr" presetSubtype="0" fill="hold" grpId="0" nodeType="clickEffect">
-                                  <p:stCondLst>
-                                    <p:cond delay="0"/>
-                                  </p:stCondLst>
-                                  <p:childTnLst>
-                                    <p:set>
-                                      <p:cBhvr>
-                                        <p:cTn id="35" dur="1" fill="hold">
-                                          <p:stCondLst>
-                                            <p:cond delay="0"/>
-                                          </p:stCondLst>
-                                        </p:cTn>
-                                        <p:tgtEl>
-                                          <p:spTgt spid="3">
-                                            <p:txEl>
-                                              <p:pRg st="3" end="3"/>
-                                            </p:txEl>
-                                          </p:spTgt>
-                                        </p:tgtEl>
-                                        <p:attrNameLst>
-                                          <p:attrName>style.visibility</p:attrName>
-                                        </p:attrNameLst>
-                                      </p:cBhvr>
-                                      <p:to>
-                                        <p:strVal val="visible"/>
-                                      </p:to>
-                                    </p:set>
-                                    <p:animEffect transition="in" filter="fade">
-                                      <p:cBhvr>
-                                        <p:cTn id="36" dur="1000"/>
-                                        <p:tgtEl>
-                                          <p:spTgt spid="3">
-                                            <p:txEl>
-                                              <p:pRg st="3" end="3"/>
-                                            </p:txEl>
-                                          </p:spTgt>
-                                        </p:tgtEl>
-                                      </p:cBhvr>
-                                    </p:animEffect>
-                                    <p:anim calcmode="lin" valueType="num">
-                                      <p:cBhvr>
-                                        <p:cTn id="37" dur="1000" fill="hold"/>
-                                        <p:tgtEl>
-                                          <p:spTgt spid="3">
-                                            <p:txEl>
-                                              <p:pRg st="3" end="3"/>
-                                            </p:txEl>
-                                          </p:spTgt>
-                                        </p:tgtEl>
-                                        <p:attrNameLst>
-                                          <p:attrName>ppt_x</p:attrName>
-                                        </p:attrNameLst>
-                                      </p:cBhvr>
-                                      <p:tavLst>
-                                        <p:tav tm="0">
-                                          <p:val>
-                                            <p:strVal val="#ppt_x"/>
-                                          </p:val>
-                                        </p:tav>
-                                        <p:tav tm="100000">
-                                          <p:val>
-                                            <p:strVal val="#ppt_x"/>
-                                          </p:val>
-                                        </p:tav>
-                                      </p:tavLst>
-                                    </p:anim>
-                                    <p:anim calcmode="lin" valueType="num">
-                                      <p:cBhvr>
-                                        <p:cTn id="38" dur="1000" fill="hold"/>
-                                        <p:tgtEl>
-                                          <p:spTgt spid="3">
-                                            <p:txEl>
-                                              <p:pRg st="3" end="3"/>
-                                            </p:txEl>
-                                          </p:spTgt>
-                                        </p:tgtEl>
-                                        <p:attrNameLst>
-                                          <p:attrName>ppt_y</p:attrName>
-                                        </p:attrNameLst>
-                                      </p:cBhvr>
-                                      <p:tavLst>
-                                        <p:tav tm="0">
-                                          <p:val>
-                                            <p:strVal val="#ppt_y+.1"/>
-                                          </p:val>
-                                        </p:tav>
-                                        <p:tav tm="100000">
-                                          <p:val>
-                                            <p:strVal val="#ppt_y"/>
-                                          </p:val>
-                                        </p:tav>
-                                      </p:tavLst>
-                                    </p:anim>
-                                  </p:childTnLst>
-                                </p:cTn>
-                              </p:par>
-                            </p:childTnLst>
-                          </p:cTn>
-                        </p:par>
-                      </p:childTnLst>
-                    </p:cTn>
-                  </p:par>
-                  <p:par>
-                    <p:cTn id="39" fill="hold">
-                      <p:stCondLst>
-                        <p:cond delay="indefinite"/>
-                      </p:stCondLst>
-                      <p:childTnLst>
-                        <p:par>
-                          <p:cTn id="40" fill="hold">
-                            <p:stCondLst>
-                              <p:cond delay="0"/>
-                            </p:stCondLst>
-                            <p:childTnLst>
-                              <p:par>
-                                <p:cTn id="41" presetID="42" presetClass="entr" presetSubtype="0" fill="hold" grpId="0" nodeType="clickEffect">
-                                  <p:stCondLst>
-                                    <p:cond delay="0"/>
-                                  </p:stCondLst>
-                                  <p:childTnLst>
-                                    <p:set>
-                                      <p:cBhvr>
-                                        <p:cTn id="42" dur="1" fill="hold">
-                                          <p:stCondLst>
-                                            <p:cond delay="0"/>
-                                          </p:stCondLst>
-                                        </p:cTn>
-                                        <p:tgtEl>
-                                          <p:spTgt spid="3">
-                                            <p:txEl>
-                                              <p:pRg st="4" end="4"/>
-                                            </p:txEl>
-                                          </p:spTgt>
-                                        </p:tgtEl>
-                                        <p:attrNameLst>
-                                          <p:attrName>style.visibility</p:attrName>
-                                        </p:attrNameLst>
-                                      </p:cBhvr>
-                                      <p:to>
-                                        <p:strVal val="visible"/>
-                                      </p:to>
-                                    </p:set>
-                                    <p:animEffect transition="in" filter="fade">
-                                      <p:cBhvr>
-                                        <p:cTn id="43" dur="1000"/>
-                                        <p:tgtEl>
-                                          <p:spTgt spid="3">
-                                            <p:txEl>
-                                              <p:pRg st="4" end="4"/>
-                                            </p:txEl>
-                                          </p:spTgt>
-                                        </p:tgtEl>
-                                      </p:cBhvr>
-                                    </p:animEffect>
-                                    <p:anim calcmode="lin" valueType="num">
-                                      <p:cBhvr>
-                                        <p:cTn id="44" dur="1000" fill="hold"/>
-                                        <p:tgtEl>
-                                          <p:spTgt spid="3">
-                                            <p:txEl>
-                                              <p:pRg st="4" end="4"/>
-                                            </p:txEl>
-                                          </p:spTgt>
-                                        </p:tgtEl>
-                                        <p:attrNameLst>
-                                          <p:attrName>ppt_x</p:attrName>
-                                        </p:attrNameLst>
-                                      </p:cBhvr>
-                                      <p:tavLst>
-                                        <p:tav tm="0">
-                                          <p:val>
-                                            <p:strVal val="#ppt_x"/>
-                                          </p:val>
-                                        </p:tav>
-                                        <p:tav tm="100000">
-                                          <p:val>
-                                            <p:strVal val="#ppt_x"/>
-                                          </p:val>
-                                        </p:tav>
-                                      </p:tavLst>
-                                    </p:anim>
-                                    <p:anim calcmode="lin" valueType="num">
-                                      <p:cBhvr>
-                                        <p:cTn id="45" dur="1000" fill="hold"/>
-                                        <p:tgtEl>
-                                          <p:spTgt spid="3">
-                                            <p:txEl>
-                                              <p:pRg st="4" end="4"/>
-                                            </p:txEl>
-                                          </p:spTgt>
-                                        </p:tgtEl>
-                                        <p:attrNameLst>
-                                          <p:attrName>ppt_y</p:attrName>
-                                        </p:attrNameLst>
-                                      </p:cBhvr>
-                                      <p:tavLst>
-                                        <p:tav tm="0">
-                                          <p:val>
-                                            <p:strVal val="#ppt_y+.1"/>
-                                          </p:val>
-                                        </p:tav>
-                                        <p:tav tm="100000">
-                                          <p:val>
-                                            <p:strVal val="#ppt_y"/>
-                                          </p:val>
-                                        </p:tav>
-                                      </p:tavLst>
-                                    </p:anim>
-                                  </p:childTnLst>
-                                </p:cTn>
-                              </p:par>
-                            </p:childTnLst>
-                          </p:cTn>
-                        </p:par>
-                      </p:childTnLst>
-                    </p:cTn>
-                  </p:par>
-                  <p:par>
-                    <p:cTn id="46" fill="hold">
-                      <p:stCondLst>
-                        <p:cond delay="indefinite"/>
-                      </p:stCondLst>
-                      <p:childTnLst>
-                        <p:par>
-                          <p:cTn id="47" fill="hold">
-                            <p:stCondLst>
-                              <p:cond delay="0"/>
-                            </p:stCondLst>
-                            <p:childTnLst>
-                              <p:par>
-                                <p:cTn id="48" presetID="42" presetClass="entr" presetSubtype="0" fill="hold" grpId="0" nodeType="clickEffect">
-                                  <p:stCondLst>
-                                    <p:cond delay="0"/>
-                                  </p:stCondLst>
-                                  <p:childTnLst>
-                                    <p:set>
-                                      <p:cBhvr>
-                                        <p:cTn id="49" dur="1" fill="hold">
-                                          <p:stCondLst>
-                                            <p:cond delay="0"/>
-                                          </p:stCondLst>
-                                        </p:cTn>
-                                        <p:tgtEl>
-                                          <p:spTgt spid="3">
-                                            <p:txEl>
-                                              <p:pRg st="5" end="5"/>
-                                            </p:txEl>
-                                          </p:spTgt>
-                                        </p:tgtEl>
-                                        <p:attrNameLst>
-                                          <p:attrName>style.visibility</p:attrName>
-                                        </p:attrNameLst>
-                                      </p:cBhvr>
-                                      <p:to>
-                                        <p:strVal val="visible"/>
-                                      </p:to>
-                                    </p:set>
-                                    <p:animEffect transition="in" filter="fade">
-                                      <p:cBhvr>
-                                        <p:cTn id="50" dur="1000"/>
-                                        <p:tgtEl>
-                                          <p:spTgt spid="3">
-                                            <p:txEl>
-                                              <p:pRg st="5" end="5"/>
-                                            </p:txEl>
-                                          </p:spTgt>
-                                        </p:tgtEl>
-                                      </p:cBhvr>
-                                    </p:animEffect>
-                                    <p:anim calcmode="lin" valueType="num">
-                                      <p:cBhvr>
-                                        <p:cTn id="51" dur="1000" fill="hold"/>
-                                        <p:tgtEl>
-                                          <p:spTgt spid="3">
-                                            <p:txEl>
-                                              <p:pRg st="5" end="5"/>
-                                            </p:txEl>
-                                          </p:spTgt>
-                                        </p:tgtEl>
-                                        <p:attrNameLst>
-                                          <p:attrName>ppt_x</p:attrName>
-                                        </p:attrNameLst>
-                                      </p:cBhvr>
-                                      <p:tavLst>
-                                        <p:tav tm="0">
-                                          <p:val>
-                                            <p:strVal val="#ppt_x"/>
-                                          </p:val>
-                                        </p:tav>
-                                        <p:tav tm="100000">
-                                          <p:val>
-                                            <p:strVal val="#ppt_x"/>
-                                          </p:val>
-                                        </p:tav>
-                                      </p:tavLst>
-                                    </p:anim>
-                                    <p:anim calcmode="lin" valueType="num">
-                                      <p:cBhvr>
-                                        <p:cTn id="52" dur="1000" fill="hold"/>
-                                        <p:tgtEl>
-                                          <p:spTgt spid="3">
-                                            <p:txEl>
-                                              <p:pRg st="5" end="5"/>
                                             </p:txEl>
                                           </p:spTgt>
                                         </p:tgtEl>
@@ -11598,14 +12414,14 @@
                                 </p:cTn>
                               </p:par>
                               <p:par>
-                                <p:cTn id="53" presetID="42" presetClass="entr" presetSubtype="0" fill="hold" grpId="0" nodeType="withEffect">
+                                <p:cTn id="27" presetID="42" presetClass="entr" presetSubtype="0" fill="hold" grpId="0" nodeType="withEffect">
                                   <p:stCondLst>
                                     <p:cond delay="0"/>
                                   </p:stCondLst>
                                   <p:childTnLst>
                                     <p:set>
                                       <p:cBhvr>
-                                        <p:cTn id="54" dur="1" fill="hold">
+                                        <p:cTn id="28" dur="1" fill="hold">
                                           <p:stCondLst>
                                             <p:cond delay="0"/>
                                           </p:stCondLst>
@@ -11613,7 +12429,7 @@
                                         <p:tgtEl>
                                           <p:spTgt spid="3">
                                             <p:txEl>
-                                              <p:pRg st="6" end="6"/>
+                                              <p:pRg st="3" end="3"/>
                                             </p:txEl>
                                           </p:spTgt>
                                         </p:tgtEl>
@@ -11627,11 +12443,11 @@
                                     </p:set>
                                     <p:animEffect transition="in" filter="fade">
                                       <p:cBhvr>
-                                        <p:cTn id="55" dur="1000"/>
+                                        <p:cTn id="29" dur="1000"/>
                                         <p:tgtEl>
                                           <p:spTgt spid="3">
                                             <p:txEl>
-                                              <p:pRg st="6" end="6"/>
+                                              <p:pRg st="3" end="3"/>
                                             </p:txEl>
                                           </p:spTgt>
                                         </p:tgtEl>
@@ -11639,11 +12455,11 @@
                                     </p:animEffect>
                                     <p:anim calcmode="lin" valueType="num">
                                       <p:cBhvr>
-                                        <p:cTn id="56" dur="1000" fill="hold"/>
+                                        <p:cTn id="30" dur="1000" fill="hold"/>
                                         <p:tgtEl>
                                           <p:spTgt spid="3">
                                             <p:txEl>
-                                              <p:pRg st="6" end="6"/>
+                                              <p:pRg st="3" end="3"/>
                                             </p:txEl>
                                           </p:spTgt>
                                         </p:tgtEl>
@@ -11666,126 +12482,11 @@
                                     </p:anim>
                                     <p:anim calcmode="lin" valueType="num">
                                       <p:cBhvr>
-                                        <p:cTn id="57" dur="1000" fill="hold"/>
+                                        <p:cTn id="31" dur="1000" fill="hold"/>
                                         <p:tgtEl>
                                           <p:spTgt spid="3">
                                             <p:txEl>
-                                              <p:pRg st="6" end="6"/>
-                                            </p:txEl>
-                                          </p:spTgt>
-                                        </p:tgtEl>
-                                        <p:attrNameLst>
-                                          <p:attrName>ppt_y</p:attrName>
-                                        </p:attrNameLst>
-                                      </p:cBhvr>
-                                      <p:tavLst>
-                                        <p:tav tm="0">
-                                          <p:val>
-                                            <p:strVal val="#ppt_y+.1"/>
-                                          </p:val>
-                                        </p:tav>
-                                        <p:tav tm="100000">
-                                          <p:val>
-                                            <p:strVal val="#ppt_y"/>
-                                          </p:val>
-                                        </p:tav>
-                                      </p:tavLst>
-                                    </p:anim>
-                                  </p:childTnLst>
-                                </p:cTn>
-                              </p:par>
-                            </p:childTnLst>
-                          </p:cTn>
-                        </p:par>
-                      </p:childTnLst>
-                    </p:cTn>
-                  </p:par>
-                  <p:par>
-                    <p:cTn id="58" fill="hold">
-                      <p:stCondLst>
-                        <p:cond delay="indefinite"/>
-                      </p:stCondLst>
-                      <p:childTnLst>
-                        <p:par>
-                          <p:cTn id="59" fill="hold">
-                            <p:stCondLst>
-                              <p:cond delay="0"/>
-                            </p:stCondLst>
-                            <p:childTnLst>
-                              <p:par>
-                                <p:cTn id="60" presetID="42" presetClass="entr" presetSubtype="0" fill="hold" grpId="0" nodeType="clickEffect">
-                                  <p:stCondLst>
-                                    <p:cond delay="0"/>
-                                  </p:stCondLst>
-                                  <p:childTnLst>
-                                    <p:set>
-                                      <p:cBhvr>
-                                        <p:cTn id="61" dur="1" fill="hold">
-                                          <p:stCondLst>
-                                            <p:cond delay="0"/>
-                                          </p:stCondLst>
-                                        </p:cTn>
-                                        <p:tgtEl>
-                                          <p:spTgt spid="3">
-                                            <p:txEl>
-                                              <p:pRg st="7" end="7"/>
-                                            </p:txEl>
-                                          </p:spTgt>
-                                        </p:tgtEl>
-                                        <p:attrNameLst>
-                                          <p:attrName>style.visibility</p:attrName>
-                                        </p:attrNameLst>
-                                      </p:cBhvr>
-                                      <p:to>
-                                        <p:strVal val="visible"/>
-                                      </p:to>
-                                    </p:set>
-                                    <p:animEffect transition="in" filter="fade">
-                                      <p:cBhvr>
-                                        <p:cTn id="62" dur="1000"/>
-                                        <p:tgtEl>
-                                          <p:spTgt spid="3">
-                                            <p:txEl>
-                                              <p:pRg st="7" end="7"/>
-                                            </p:txEl>
-                                          </p:spTgt>
-                                        </p:tgtEl>
-                                      </p:cBhvr>
-                                    </p:animEffect>
-                                    <p:anim calcmode="lin" valueType="num">
-                                      <p:cBhvr>
-                                        <p:cTn id="63" dur="1000" fill="hold"/>
-                                        <p:tgtEl>
-                                          <p:spTgt spid="3">
-                                            <p:txEl>
-                                              <p:pRg st="7" end="7"/>
-                                            </p:txEl>
-                                          </p:spTgt>
-                                        </p:tgtEl>
-                                        <p:attrNameLst>
-                                          <p:attrName>ppt_x</p:attrName>
-                                        </p:attrNameLst>
-                                      </p:cBhvr>
-                                      <p:tavLst>
-                                        <p:tav tm="0">
-                                          <p:val>
-                                            <p:strVal val="#ppt_x"/>
-                                          </p:val>
-                                        </p:tav>
-                                        <p:tav tm="100000">
-                                          <p:val>
-                                            <p:strVal val="#ppt_x"/>
-                                          </p:val>
-                                        </p:tav>
-                                      </p:tavLst>
-                                    </p:anim>
-                                    <p:anim calcmode="lin" valueType="num">
-                                      <p:cBhvr>
-                                        <p:cTn id="64" dur="1000" fill="hold"/>
-                                        <p:tgtEl>
-                                          <p:spTgt spid="3">
-                                            <p:txEl>
-                                              <p:pRg st="7" end="7"/>
+                                              <p:pRg st="3" end="3"/>
                                             </p:txEl>
                                           </p:spTgt>
                                         </p:tgtEl>
@@ -11810,14 +12511,14 @@
                                 </p:cTn>
                               </p:par>
                               <p:par>
-                                <p:cTn id="65" presetID="42" presetClass="entr" presetSubtype="0" fill="hold" grpId="0" nodeType="withEffect">
+                                <p:cTn id="32" presetID="42" presetClass="entr" presetSubtype="0" fill="hold" grpId="0" nodeType="withEffect">
                                   <p:stCondLst>
                                     <p:cond delay="0"/>
                                   </p:stCondLst>
                                   <p:childTnLst>
                                     <p:set>
                                       <p:cBhvr>
-                                        <p:cTn id="66" dur="1" fill="hold">
+                                        <p:cTn id="33" dur="1" fill="hold">
                                           <p:stCondLst>
                                             <p:cond delay="0"/>
                                           </p:stCondLst>
@@ -11825,7 +12526,7 @@
                                         <p:tgtEl>
                                           <p:spTgt spid="3">
                                             <p:txEl>
-                                              <p:pRg st="8" end="8"/>
+                                              <p:pRg st="4" end="4"/>
                                             </p:txEl>
                                           </p:spTgt>
                                         </p:tgtEl>
@@ -11839,11 +12540,11 @@
                                     </p:set>
                                     <p:animEffect transition="in" filter="fade">
                                       <p:cBhvr>
-                                        <p:cTn id="67" dur="1000"/>
+                                        <p:cTn id="34" dur="1000"/>
                                         <p:tgtEl>
                                           <p:spTgt spid="3">
                                             <p:txEl>
-                                              <p:pRg st="8" end="8"/>
+                                              <p:pRg st="4" end="4"/>
                                             </p:txEl>
                                           </p:spTgt>
                                         </p:tgtEl>
@@ -11851,11 +12552,11 @@
                                     </p:animEffect>
                                     <p:anim calcmode="lin" valueType="num">
                                       <p:cBhvr>
-                                        <p:cTn id="68" dur="1000" fill="hold"/>
+                                        <p:cTn id="35" dur="1000" fill="hold"/>
                                         <p:tgtEl>
                                           <p:spTgt spid="3">
                                             <p:txEl>
-                                              <p:pRg st="8" end="8"/>
+                                              <p:pRg st="4" end="4"/>
                                             </p:txEl>
                                           </p:spTgt>
                                         </p:tgtEl>
@@ -11878,11 +12579,11 @@
                                     </p:anim>
                                     <p:anim calcmode="lin" valueType="num">
                                       <p:cBhvr>
-                                        <p:cTn id="69" dur="1000" fill="hold"/>
+                                        <p:cTn id="36" dur="1000" fill="hold"/>
                                         <p:tgtEl>
                                           <p:spTgt spid="3">
                                             <p:txEl>
-                                              <p:pRg st="8" end="8"/>
+                                              <p:pRg st="4" end="4"/>
                                             </p:txEl>
                                           </p:spTgt>
                                         </p:tgtEl>
@@ -11907,14 +12608,14 @@
                                 </p:cTn>
                               </p:par>
                               <p:par>
-                                <p:cTn id="70" presetID="42" presetClass="entr" presetSubtype="0" fill="hold" grpId="0" nodeType="withEffect">
+                                <p:cTn id="37" presetID="42" presetClass="entr" presetSubtype="0" fill="hold" grpId="0" nodeType="withEffect">
                                   <p:stCondLst>
                                     <p:cond delay="0"/>
                                   </p:stCondLst>
                                   <p:childTnLst>
                                     <p:set>
                                       <p:cBhvr>
-                                        <p:cTn id="71" dur="1" fill="hold">
+                                        <p:cTn id="38" dur="1" fill="hold">
                                           <p:stCondLst>
                                             <p:cond delay="0"/>
                                           </p:stCondLst>
@@ -11922,7 +12623,7 @@
                                         <p:tgtEl>
                                           <p:spTgt spid="3">
                                             <p:txEl>
-                                              <p:pRg st="9" end="9"/>
+                                              <p:pRg st="5" end="5"/>
                                             </p:txEl>
                                           </p:spTgt>
                                         </p:tgtEl>
@@ -11936,11 +12637,11 @@
                                     </p:set>
                                     <p:animEffect transition="in" filter="fade">
                                       <p:cBhvr>
-                                        <p:cTn id="72" dur="1000"/>
+                                        <p:cTn id="39" dur="1000"/>
                                         <p:tgtEl>
                                           <p:spTgt spid="3">
                                             <p:txEl>
-                                              <p:pRg st="9" end="9"/>
+                                              <p:pRg st="5" end="5"/>
                                             </p:txEl>
                                           </p:spTgt>
                                         </p:tgtEl>
@@ -11948,11 +12649,11 @@
                                     </p:animEffect>
                                     <p:anim calcmode="lin" valueType="num">
                                       <p:cBhvr>
-                                        <p:cTn id="73" dur="1000" fill="hold"/>
+                                        <p:cTn id="40" dur="1000" fill="hold"/>
                                         <p:tgtEl>
                                           <p:spTgt spid="3">
                                             <p:txEl>
-                                              <p:pRg st="9" end="9"/>
+                                              <p:pRg st="5" end="5"/>
                                             </p:txEl>
                                           </p:spTgt>
                                         </p:tgtEl>
@@ -11975,13 +12676,191 @@
                                     </p:anim>
                                     <p:anim calcmode="lin" valueType="num">
                                       <p:cBhvr>
-                                        <p:cTn id="74" dur="1000" fill="hold"/>
+                                        <p:cTn id="41" dur="1000" fill="hold"/>
                                         <p:tgtEl>
                                           <p:spTgt spid="3">
                                             <p:txEl>
-                                              <p:pRg st="9" end="9"/>
+                                              <p:pRg st="5" end="5"/>
                                             </p:txEl>
                                           </p:spTgt>
+                                        </p:tgtEl>
+                                        <p:attrNameLst>
+                                          <p:attrName>ppt_y</p:attrName>
+                                        </p:attrNameLst>
+                                      </p:cBhvr>
+                                      <p:tavLst>
+                                        <p:tav tm="0">
+                                          <p:val>
+                                            <p:strVal val="#ppt_y+.1"/>
+                                          </p:val>
+                                        </p:tav>
+                                        <p:tav tm="100000">
+                                          <p:val>
+                                            <p:strVal val="#ppt_y"/>
+                                          </p:val>
+                                        </p:tav>
+                                      </p:tavLst>
+                                    </p:anim>
+                                  </p:childTnLst>
+                                </p:cTn>
+                              </p:par>
+                              <p:par>
+                                <p:cTn id="42" presetID="42" presetClass="entr" presetSubtype="0" fill="hold" grpId="0" nodeType="withEffect">
+                                  <p:stCondLst>
+                                    <p:cond delay="0"/>
+                                  </p:stCondLst>
+                                  <p:childTnLst>
+                                    <p:set>
+                                      <p:cBhvr>
+                                        <p:cTn id="43" dur="1" fill="hold">
+                                          <p:stCondLst>
+                                            <p:cond delay="0"/>
+                                          </p:stCondLst>
+                                        </p:cTn>
+                                        <p:tgtEl>
+                                          <p:spTgt spid="3">
+                                            <p:txEl>
+                                              <p:pRg st="6" end="6"/>
+                                            </p:txEl>
+                                          </p:spTgt>
+                                        </p:tgtEl>
+                                        <p:attrNameLst>
+                                          <p:attrName>style.visibility</p:attrName>
+                                        </p:attrNameLst>
+                                      </p:cBhvr>
+                                      <p:to>
+                                        <p:strVal val="visible"/>
+                                      </p:to>
+                                    </p:set>
+                                    <p:animEffect transition="in" filter="fade">
+                                      <p:cBhvr>
+                                        <p:cTn id="44" dur="1000"/>
+                                        <p:tgtEl>
+                                          <p:spTgt spid="3">
+                                            <p:txEl>
+                                              <p:pRg st="6" end="6"/>
+                                            </p:txEl>
+                                          </p:spTgt>
+                                        </p:tgtEl>
+                                      </p:cBhvr>
+                                    </p:animEffect>
+                                    <p:anim calcmode="lin" valueType="num">
+                                      <p:cBhvr>
+                                        <p:cTn id="45" dur="1000" fill="hold"/>
+                                        <p:tgtEl>
+                                          <p:spTgt spid="3">
+                                            <p:txEl>
+                                              <p:pRg st="6" end="6"/>
+                                            </p:txEl>
+                                          </p:spTgt>
+                                        </p:tgtEl>
+                                        <p:attrNameLst>
+                                          <p:attrName>ppt_x</p:attrName>
+                                        </p:attrNameLst>
+                                      </p:cBhvr>
+                                      <p:tavLst>
+                                        <p:tav tm="0">
+                                          <p:val>
+                                            <p:strVal val="#ppt_x"/>
+                                          </p:val>
+                                        </p:tav>
+                                        <p:tav tm="100000">
+                                          <p:val>
+                                            <p:strVal val="#ppt_x"/>
+                                          </p:val>
+                                        </p:tav>
+                                      </p:tavLst>
+                                    </p:anim>
+                                    <p:anim calcmode="lin" valueType="num">
+                                      <p:cBhvr>
+                                        <p:cTn id="46" dur="1000" fill="hold"/>
+                                        <p:tgtEl>
+                                          <p:spTgt spid="3">
+                                            <p:txEl>
+                                              <p:pRg st="6" end="6"/>
+                                            </p:txEl>
+                                          </p:spTgt>
+                                        </p:tgtEl>
+                                        <p:attrNameLst>
+                                          <p:attrName>ppt_y</p:attrName>
+                                        </p:attrNameLst>
+                                      </p:cBhvr>
+                                      <p:tavLst>
+                                        <p:tav tm="0">
+                                          <p:val>
+                                            <p:strVal val="#ppt_y+.1"/>
+                                          </p:val>
+                                        </p:tav>
+                                        <p:tav tm="100000">
+                                          <p:val>
+                                            <p:strVal val="#ppt_y"/>
+                                          </p:val>
+                                        </p:tav>
+                                      </p:tavLst>
+                                    </p:anim>
+                                  </p:childTnLst>
+                                </p:cTn>
+                              </p:par>
+                              <p:par>
+                                <p:cTn id="47" presetID="42" presetClass="entr" presetSubtype="0" fill="hold" nodeType="withEffect">
+                                  <p:stCondLst>
+                                    <p:cond delay="0"/>
+                                  </p:stCondLst>
+                                  <p:childTnLst>
+                                    <p:set>
+                                      <p:cBhvr>
+                                        <p:cTn id="48" dur="1" fill="hold">
+                                          <p:stCondLst>
+                                            <p:cond delay="0"/>
+                                          </p:stCondLst>
+                                        </p:cTn>
+                                        <p:tgtEl>
+                                          <p:spTgt spid="1026"/>
+                                        </p:tgtEl>
+                                        <p:attrNameLst>
+                                          <p:attrName>style.visibility</p:attrName>
+                                        </p:attrNameLst>
+                                      </p:cBhvr>
+                                      <p:to>
+                                        <p:strVal val="visible"/>
+                                      </p:to>
+                                    </p:set>
+                                    <p:animEffect transition="in" filter="fade">
+                                      <p:cBhvr>
+                                        <p:cTn id="49" dur="1000"/>
+                                        <p:tgtEl>
+                                          <p:spTgt spid="1026"/>
+                                        </p:tgtEl>
+                                      </p:cBhvr>
+                                    </p:animEffect>
+                                    <p:anim calcmode="lin" valueType="num">
+                                      <p:cBhvr>
+                                        <p:cTn id="50" dur="1000" fill="hold"/>
+                                        <p:tgtEl>
+                                          <p:spTgt spid="1026"/>
+                                        </p:tgtEl>
+                                        <p:attrNameLst>
+                                          <p:attrName>ppt_x</p:attrName>
+                                        </p:attrNameLst>
+                                      </p:cBhvr>
+                                      <p:tavLst>
+                                        <p:tav tm="0">
+                                          <p:val>
+                                            <p:strVal val="#ppt_x"/>
+                                          </p:val>
+                                        </p:tav>
+                                        <p:tav tm="100000">
+                                          <p:val>
+                                            <p:strVal val="#ppt_x"/>
+                                          </p:val>
+                                        </p:tav>
+                                      </p:tavLst>
+                                    </p:anim>
+                                    <p:anim calcmode="lin" valueType="num">
+                                      <p:cBhvr>
+                                        <p:cTn id="51" dur="1000" fill="hold"/>
+                                        <p:tgtEl>
+                                          <p:spTgt spid="1026"/>
                                         </p:tgtEl>
                                         <p:attrNameLst>
                                           <p:attrName>ppt_y</p:attrName>
@@ -12066,13 +12945,13 @@
         </p:nvSpPr>
         <p:spPr>
           <a:xfrm>
-            <a:off x="1596395" y="2382496"/>
+            <a:off x="1596395" y="1653140"/>
             <a:ext cx="7069282" cy="4269458"/>
           </a:xfrm>
         </p:spPr>
         <p:txBody>
           <a:bodyPr>
-            <a:normAutofit/>
+            <a:normAutofit fontScale="92500" lnSpcReduction="10000"/>
           </a:bodyPr>
           <a:lstStyle/>
           <a:p>
@@ -12081,16 +12960,12 @@
               <a:buChar char=""/>
             </a:pPr>
             <a:r>
+              <a:rPr lang="fr-CH" sz="2200" dirty="0"/>
+              <a:t>Soigner au mieux le </a:t>
+            </a:r>
+            <a:r>
               <a:rPr lang="fr-CH" sz="2200" dirty="0" smtClean="0"/>
-              <a:t>Si </a:t>
-            </a:r>
-            <a:r>
-              <a:rPr lang="fr-CH" sz="2200" dirty="0" smtClean="0"/>
-              <a:t>le pantin est complètement </a:t>
-            </a:r>
-            <a:r>
-              <a:rPr lang="fr-CH" sz="2200" dirty="0" smtClean="0"/>
-              <a:t>guéri</a:t>
+              <a:t>pantin</a:t>
             </a:r>
           </a:p>
           <a:p>
@@ -12099,10 +12974,84 @@
               <a:buChar char=""/>
             </a:pPr>
             <a:r>
+              <a:rPr lang="fr-CH" sz="2000" b="1" dirty="0" smtClean="0"/>
+              <a:t>Choix de </a:t>
+            </a:r>
+            <a:r>
+              <a:rPr lang="fr-CH" sz="2000" b="1" dirty="0" smtClean="0"/>
+              <a:t>docteurs </a:t>
+            </a:r>
+            <a:r>
               <a:rPr lang="fr-CH" sz="2000" dirty="0" smtClean="0"/>
-              <a:t>Somme des dégâts inférieurs ou égal à 4</a:t>
-            </a:r>
-            <a:endParaRPr lang="fr-CH" sz="2000" dirty="0" smtClean="0"/>
+              <a:t>=</a:t>
+            </a:r>
+            <a:r>
+              <a:rPr lang="fr-CH" sz="2000" dirty="0" smtClean="0"/>
+              <a:t/>
+            </a:r>
+            <a:br>
+              <a:rPr lang="fr-CH" sz="2000" dirty="0" smtClean="0"/>
+            </a:br>
+            <a:r>
+              <a:rPr lang="fr-CH" sz="2000" dirty="0" smtClean="0"/>
+              <a:t>Chaîne de responsabilité</a:t>
+            </a:r>
+          </a:p>
+          <a:p>
+            <a:pPr lvl="2" defTabSz="631825">
+              <a:buFont typeface="Wingdings 3" panose="05040102010807070707" pitchFamily="18" charset="2"/>
+              <a:buChar char=""/>
+            </a:pPr>
+            <a:r>
+              <a:rPr lang="fr-CH" sz="1800" u="sng" dirty="0" smtClean="0"/>
+              <a:t>Médecin</a:t>
+            </a:r>
+            <a:r>
+              <a:rPr lang="fr-CH" sz="1800" dirty="0" smtClean="0"/>
+              <a:t> : Soigne de 2 à 3</a:t>
+            </a:r>
+          </a:p>
+          <a:p>
+            <a:pPr lvl="2" defTabSz="631825">
+              <a:buFont typeface="Wingdings 3" panose="05040102010807070707" pitchFamily="18" charset="2"/>
+              <a:buChar char=""/>
+            </a:pPr>
+            <a:r>
+              <a:rPr lang="fr-CH" sz="1800" u="sng" dirty="0" smtClean="0"/>
+              <a:t>Chirurgien</a:t>
+            </a:r>
+            <a:r>
+              <a:rPr lang="fr-CH" sz="1800" dirty="0" smtClean="0"/>
+              <a:t> : Soigne de dégât / (2 à 3)</a:t>
+            </a:r>
+          </a:p>
+          <a:p>
+            <a:pPr lvl="2" defTabSz="631825">
+              <a:buFont typeface="Wingdings 3" panose="05040102010807070707" pitchFamily="18" charset="2"/>
+              <a:buChar char=""/>
+            </a:pPr>
+            <a:r>
+              <a:rPr lang="fr-CH" sz="1800" u="sng" dirty="0" smtClean="0"/>
+              <a:t>Sauveteur</a:t>
+            </a:r>
+            <a:r>
+              <a:rPr lang="fr-CH" sz="1800" dirty="0" smtClean="0"/>
+              <a:t> : Soigne de dégât % (3 à 5)</a:t>
+            </a:r>
+          </a:p>
+          <a:p>
+            <a:pPr lvl="2" defTabSz="631825">
+              <a:buFont typeface="Wingdings 3" panose="05040102010807070707" pitchFamily="18" charset="2"/>
+              <a:buChar char=""/>
+            </a:pPr>
+            <a:r>
+              <a:rPr lang="fr-CH" sz="1800" u="sng" dirty="0" smtClean="0"/>
+              <a:t>Réanimateur</a:t>
+            </a:r>
+            <a:r>
+              <a:rPr lang="fr-CH" sz="1800" dirty="0" smtClean="0"/>
+              <a:t> : Ajoute 1 à 5 points de vie</a:t>
+            </a:r>
           </a:p>
           <a:p>
             <a:pPr lvl="1" defTabSz="631825">
@@ -12111,31 +13060,8 @@
             </a:pPr>
             <a:r>
               <a:rPr lang="fr-CH" sz="2000" dirty="0" smtClean="0"/>
-              <a:t>Le </a:t>
-            </a:r>
-            <a:r>
-              <a:rPr lang="fr-CH" sz="2000" b="1" dirty="0" err="1" smtClean="0"/>
-              <a:t>healer</a:t>
-            </a:r>
-            <a:r>
-              <a:rPr lang="fr-CH" sz="2000" dirty="0" smtClean="0"/>
-              <a:t> l’emporte</a:t>
-            </a:r>
-          </a:p>
-          <a:p>
-            <a:pPr defTabSz="631825">
-              <a:buFont typeface="Wingdings 3" panose="05040102010807070707" pitchFamily="18" charset="2"/>
-              <a:buChar char=""/>
-            </a:pPr>
-            <a:r>
-              <a:rPr lang="fr-CH" sz="2200" dirty="0" smtClean="0"/>
-              <a:t>Si le pantin </a:t>
-            </a:r>
-            <a:r>
-              <a:rPr lang="fr-CH" sz="2200" dirty="0" smtClean="0"/>
-              <a:t>n’a plus de points de vie</a:t>
-            </a:r>
-            <a:endParaRPr lang="fr-CH" sz="2200" dirty="0" smtClean="0"/>
+              <a:t>Docteurs obtenus aléatoirement</a:t>
+            </a:r>
           </a:p>
           <a:p>
             <a:pPr lvl="1" defTabSz="631825">
@@ -12144,36 +13070,41 @@
             </a:pPr>
             <a:r>
               <a:rPr lang="fr-CH" sz="2000" dirty="0" smtClean="0"/>
-              <a:t>Le </a:t>
-            </a:r>
-            <a:r>
-              <a:rPr lang="fr-CH" sz="2000" b="1" dirty="0" smtClean="0"/>
-              <a:t>killer</a:t>
-            </a:r>
-            <a:r>
-              <a:rPr lang="fr-CH" sz="2000" dirty="0" smtClean="0"/>
-              <a:t> l’emporte</a:t>
-            </a:r>
-          </a:p>
-          <a:p>
-            <a:pPr defTabSz="631825">
+              <a:t>A la fin d’un traitement</a:t>
+            </a:r>
+          </a:p>
+          <a:p>
+            <a:pPr lvl="2" defTabSz="631825">
               <a:buFont typeface="Wingdings 3" panose="05040102010807070707" pitchFamily="18" charset="2"/>
               <a:buChar char=""/>
             </a:pPr>
             <a:r>
-              <a:rPr lang="fr-CH" sz="2200" dirty="0" smtClean="0"/>
-              <a:t>Sinon</a:t>
-            </a:r>
-          </a:p>
-          <a:p>
-            <a:pPr lvl="1" defTabSz="631825">
+              <a:rPr lang="fr-CH" sz="1800" dirty="0" smtClean="0"/>
+              <a:t>Si le pantin a toujours des dégâts supérieurs à 6 sur une zone =&gt; Il perd 1 point de vie par zone</a:t>
+            </a:r>
+          </a:p>
+          <a:p>
+            <a:pPr lvl="2" defTabSz="631825">
               <a:buFont typeface="Wingdings 3" panose="05040102010807070707" pitchFamily="18" charset="2"/>
               <a:buChar char=""/>
             </a:pPr>
             <a:r>
-              <a:rPr lang="fr-CH" sz="2000" dirty="0" smtClean="0"/>
-              <a:t>Nouveau tour à partir des valeurs présentes</a:t>
-            </a:r>
+              <a:rPr lang="fr-CH" sz="1800" dirty="0" smtClean="0"/>
+              <a:t>Définition du vainqueur</a:t>
+            </a:r>
+          </a:p>
+          <a:p>
+            <a:pPr lvl="2" defTabSz="631825">
+              <a:buFont typeface="Wingdings 3" panose="05040102010807070707" pitchFamily="18" charset="2"/>
+              <a:buChar char=""/>
+            </a:pPr>
+            <a:endParaRPr lang="fr-CH" sz="1800" dirty="0" smtClean="0"/>
+          </a:p>
+          <a:p>
+            <a:pPr lvl="2" defTabSz="631825">
+              <a:buFont typeface="Wingdings 3" panose="05040102010807070707" pitchFamily="18" charset="2"/>
+              <a:buChar char=""/>
+            </a:pPr>
             <a:endParaRPr lang="fr-CH" sz="1800" dirty="0" smtClean="0"/>
           </a:p>
           <a:p>
@@ -12338,7 +13269,7 @@
         <p:spPr>
           <a:xfrm>
             <a:off x="1596395" y="1186681"/>
-            <a:ext cx="5011234" cy="646331"/>
+            <a:ext cx="2079171" cy="646331"/>
           </a:xfrm>
           <a:prstGeom prst="rect">
             <a:avLst/>
@@ -12352,14 +13283,14 @@
           <a:lstStyle/>
           <a:p>
             <a:r>
-              <a:rPr lang="fr-CH" dirty="0" err="1" smtClean="0"/>
-              <a:t>KillerVsHealer</a:t>
-            </a:r>
-            <a:r>
-              <a:rPr lang="fr-CH" dirty="0" smtClean="0"/>
-              <a:t> – Définition du vainqueur</a:t>
-            </a:r>
-            <a:endParaRPr lang="fr-CH" dirty="0"/>
+              <a:rPr lang="fr-CH" dirty="0" err="1"/>
+              <a:t>KillerVs</a:t>
+            </a:r>
+            <a:r>
+              <a:rPr lang="fr-CH" b="1" dirty="0" err="1"/>
+              <a:t>Healer</a:t>
+            </a:r>
+            <a:endParaRPr lang="fr-CH" b="1" dirty="0"/>
           </a:p>
           <a:p>
             <a:endParaRPr lang="fr-CH" dirty="0"/>
@@ -12368,7 +13299,7 @@
       </p:sp>
       <p:sp>
         <p:nvSpPr>
-          <p:cNvPr id="5" name="Espace réservé du numéro de diapositive 4"/>
+          <p:cNvPr id="6" name="Espace réservé du numéro de diapositive 5"/>
           <p:cNvSpPr>
             <a:spLocks noGrp="1"/>
           </p:cNvSpPr>
@@ -12392,7 +13323,7 @@
       </p:sp>
       <p:pic>
         <p:nvPicPr>
-          <p:cNvPr id="4098" name="Picture 2" descr="http://www.wpclipart.com/holiday/halloween/grim_reaper/death_holding_sickle.png"/>
+          <p:cNvPr id="3074" name="Picture 2" descr="http://www.ibonik.com/data/frontImages/b2b/product_images/1430380696_02.jpg"/>
           <p:cNvPicPr>
             <a:picLocks noChangeAspect="1" noChangeArrowheads="1"/>
           </p:cNvPicPr>
@@ -12400,6 +13331,7 @@
         </p:nvPicPr>
         <p:blipFill>
           <a:blip r:embed="rId3">
+            <a:biLevel thresh="75000"/>
             <a:extLst>
               <a:ext uri="{28A0092B-C50C-407E-A947-70E740481C1C}">
                 <a14:useLocalDpi xmlns:a14="http://schemas.microsoft.com/office/drawing/2010/main" val="0"/>
@@ -12413,8 +13345,8 @@
         </p:blipFill>
         <p:spPr bwMode="auto">
           <a:xfrm>
-            <a:off x="7561596" y="3236121"/>
-            <a:ext cx="1441444" cy="1404484"/>
+            <a:off x="6357257" y="1221179"/>
+            <a:ext cx="2484941" cy="1865617"/>
           </a:xfrm>
           <a:prstGeom prst="rect">
             <a:avLst/>
@@ -12433,96 +13365,41 @@
       </p:pic>
       <p:pic>
         <p:nvPicPr>
-          <p:cNvPr id="4100" name="Picture 4" descr="http://iconbug.com/download/size/256/icon/1837/healing-heart/"/>
+          <p:cNvPr id="5" name="Image 4"/>
           <p:cNvPicPr>
-            <a:picLocks noChangeAspect="1" noChangeArrowheads="1"/>
+            <a:picLocks noChangeAspect="1"/>
           </p:cNvPicPr>
           <p:nvPr/>
         </p:nvPicPr>
         <p:blipFill>
-          <a:blip r:embed="rId4">
-            <a:extLst>
-              <a:ext uri="{28A0092B-C50C-407E-A947-70E740481C1C}">
-                <a14:useLocalDpi xmlns:a14="http://schemas.microsoft.com/office/drawing/2010/main" val="0"/>
-              </a:ext>
-            </a:extLst>
-          </a:blip>
-          <a:srcRect/>
+          <a:blip r:embed="rId4"/>
           <a:stretch>
             <a:fillRect/>
           </a:stretch>
         </p:blipFill>
-        <p:spPr bwMode="auto">
+        <p:spPr>
           <a:xfrm>
-            <a:off x="7391954" y="1772783"/>
-            <a:ext cx="1409747" cy="1409747"/>
+            <a:off x="972798" y="6054867"/>
+            <a:ext cx="7372576" cy="501120"/>
           </a:xfrm>
           <a:prstGeom prst="rect">
             <a:avLst/>
           </a:prstGeom>
-          <a:noFill/>
-          <a:extLst>
-            <a:ext uri="{909E8E84-426E-40DD-AFC4-6F175D3DCCD1}">
-              <a14:hiddenFill xmlns:a14="http://schemas.microsoft.com/office/drawing/2010/main">
-                <a:solidFill>
-                  <a:srgbClr val="FFFFFF"/>
-                </a:solidFill>
-              </a14:hiddenFill>
-            </a:ext>
-          </a:extLst>
-        </p:spPr>
-      </p:pic>
-      <p:pic>
-        <p:nvPicPr>
-          <p:cNvPr id="4102" name="Picture 6" descr="http://images.clipartpanda.com/loop-clipart-di6oAg5i9.png"/>
-          <p:cNvPicPr>
-            <a:picLocks noChangeAspect="1" noChangeArrowheads="1"/>
-          </p:cNvPicPr>
-          <p:nvPr/>
-        </p:nvPicPr>
-        <p:blipFill>
-          <a:blip r:embed="rId5">
-            <a:extLst>
-              <a:ext uri="{28A0092B-C50C-407E-A947-70E740481C1C}">
-                <a14:useLocalDpi xmlns:a14="http://schemas.microsoft.com/office/drawing/2010/main" val="0"/>
-              </a:ext>
-            </a:extLst>
-          </a:blip>
-          <a:srcRect/>
-          <a:stretch>
-            <a:fillRect/>
-          </a:stretch>
-        </p:blipFill>
-        <p:spPr bwMode="auto">
-          <a:xfrm>
-            <a:off x="2158694" y="5371196"/>
-            <a:ext cx="2565705" cy="1425392"/>
-          </a:xfrm>
-          <a:prstGeom prst="rect">
-            <a:avLst/>
-          </a:prstGeom>
-          <a:noFill/>
-          <a:extLst>
-            <a:ext uri="{909E8E84-426E-40DD-AFC4-6F175D3DCCD1}">
-              <a14:hiddenFill xmlns:a14="http://schemas.microsoft.com/office/drawing/2010/main">
-                <a:solidFill>
-                  <a:srgbClr val="FFFFFF"/>
-                </a:solidFill>
-              </a14:hiddenFill>
-            </a:ext>
-          </a:extLst>
         </p:spPr>
       </p:pic>
     </p:spTree>
     <p:extLst>
       <p:ext uri="{BB962C8B-B14F-4D97-AF65-F5344CB8AC3E}">
-        <p14:creationId xmlns:p14="http://schemas.microsoft.com/office/powerpoint/2010/main" val="3460058562"/>
+        <p14:creationId xmlns:p14="http://schemas.microsoft.com/office/powerpoint/2010/main" val="1925911279"/>
       </p:ext>
     </p:extLst>
   </p:cSld>
   <p:clrMapOvr>
     <a:masterClrMapping/>
   </p:clrMapOvr>
+  <p:transition spd="med">
+    <p:pull/>
+  </p:transition>
   <p:timing>
     <p:tnLst>
       <p:par>
@@ -12641,7 +13518,7 @@
                                 </p:cTn>
                               </p:par>
                               <p:par>
-                                <p:cTn id="10" presetID="42" presetClass="entr" presetSubtype="0" fill="hold" grpId="0" nodeType="withEffect">
+                                <p:cTn id="10" presetID="42" presetClass="entr" presetSubtype="0" fill="hold" nodeType="withEffect">
                                   <p:stCondLst>
                                     <p:cond delay="0"/>
                                   </p:stCondLst>
@@ -12654,11 +13531,7 @@
                                           </p:stCondLst>
                                         </p:cTn>
                                         <p:tgtEl>
-                                          <p:spTgt spid="3">
-                                            <p:txEl>
-                                              <p:pRg st="1" end="1"/>
-                                            </p:txEl>
-                                          </p:spTgt>
+                                          <p:spTgt spid="3074"/>
                                         </p:tgtEl>
                                         <p:attrNameLst>
                                           <p:attrName>style.visibility</p:attrName>
@@ -12672,11 +13545,7 @@
                                       <p:cBhvr>
                                         <p:cTn id="12" dur="1000"/>
                                         <p:tgtEl>
-                                          <p:spTgt spid="3">
-                                            <p:txEl>
-                                              <p:pRg st="1" end="1"/>
-                                            </p:txEl>
-                                          </p:spTgt>
+                                          <p:spTgt spid="3074"/>
                                         </p:tgtEl>
                                       </p:cBhvr>
                                     </p:animEffect>
@@ -12684,11 +13553,7 @@
                                       <p:cBhvr>
                                         <p:cTn id="13" dur="1000" fill="hold"/>
                                         <p:tgtEl>
-                                          <p:spTgt spid="3">
-                                            <p:txEl>
-                                              <p:pRg st="1" end="1"/>
-                                            </p:txEl>
-                                          </p:spTgt>
+                                          <p:spTgt spid="3074"/>
                                         </p:tgtEl>
                                         <p:attrNameLst>
                                           <p:attrName>ppt_x</p:attrName>
@@ -12710,6 +13575,117 @@
                                     <p:anim calcmode="lin" valueType="num">
                                       <p:cBhvr>
                                         <p:cTn id="14" dur="1000" fill="hold"/>
+                                        <p:tgtEl>
+                                          <p:spTgt spid="3074"/>
+                                        </p:tgtEl>
+                                        <p:attrNameLst>
+                                          <p:attrName>ppt_y</p:attrName>
+                                        </p:attrNameLst>
+                                      </p:cBhvr>
+                                      <p:tavLst>
+                                        <p:tav tm="0">
+                                          <p:val>
+                                            <p:strVal val="#ppt_y+.1"/>
+                                          </p:val>
+                                        </p:tav>
+                                        <p:tav tm="100000">
+                                          <p:val>
+                                            <p:strVal val="#ppt_y"/>
+                                          </p:val>
+                                        </p:tav>
+                                      </p:tavLst>
+                                    </p:anim>
+                                  </p:childTnLst>
+                                </p:cTn>
+                              </p:par>
+                            </p:childTnLst>
+                          </p:cTn>
+                        </p:par>
+                      </p:childTnLst>
+                    </p:cTn>
+                  </p:par>
+                  <p:par>
+                    <p:cTn id="15" fill="hold">
+                      <p:stCondLst>
+                        <p:cond delay="indefinite"/>
+                      </p:stCondLst>
+                      <p:childTnLst>
+                        <p:par>
+                          <p:cTn id="16" fill="hold">
+                            <p:stCondLst>
+                              <p:cond delay="0"/>
+                            </p:stCondLst>
+                            <p:childTnLst>
+                              <p:par>
+                                <p:cTn id="17" presetID="42" presetClass="entr" presetSubtype="0" fill="hold" grpId="0" nodeType="clickEffect">
+                                  <p:stCondLst>
+                                    <p:cond delay="0"/>
+                                  </p:stCondLst>
+                                  <p:childTnLst>
+                                    <p:set>
+                                      <p:cBhvr>
+                                        <p:cTn id="18" dur="1" fill="hold">
+                                          <p:stCondLst>
+                                            <p:cond delay="0"/>
+                                          </p:stCondLst>
+                                        </p:cTn>
+                                        <p:tgtEl>
+                                          <p:spTgt spid="3">
+                                            <p:txEl>
+                                              <p:pRg st="1" end="1"/>
+                                            </p:txEl>
+                                          </p:spTgt>
+                                        </p:tgtEl>
+                                        <p:attrNameLst>
+                                          <p:attrName>style.visibility</p:attrName>
+                                        </p:attrNameLst>
+                                      </p:cBhvr>
+                                      <p:to>
+                                        <p:strVal val="visible"/>
+                                      </p:to>
+                                    </p:set>
+                                    <p:animEffect transition="in" filter="fade">
+                                      <p:cBhvr>
+                                        <p:cTn id="19" dur="1000"/>
+                                        <p:tgtEl>
+                                          <p:spTgt spid="3">
+                                            <p:txEl>
+                                              <p:pRg st="1" end="1"/>
+                                            </p:txEl>
+                                          </p:spTgt>
+                                        </p:tgtEl>
+                                      </p:cBhvr>
+                                    </p:animEffect>
+                                    <p:anim calcmode="lin" valueType="num">
+                                      <p:cBhvr>
+                                        <p:cTn id="20" dur="1000" fill="hold"/>
+                                        <p:tgtEl>
+                                          <p:spTgt spid="3">
+                                            <p:txEl>
+                                              <p:pRg st="1" end="1"/>
+                                            </p:txEl>
+                                          </p:spTgt>
+                                        </p:tgtEl>
+                                        <p:attrNameLst>
+                                          <p:attrName>ppt_x</p:attrName>
+                                        </p:attrNameLst>
+                                      </p:cBhvr>
+                                      <p:tavLst>
+                                        <p:tav tm="0">
+                                          <p:val>
+                                            <p:strVal val="#ppt_x"/>
+                                          </p:val>
+                                        </p:tav>
+                                        <p:tav tm="100000">
+                                          <p:val>
+                                            <p:strVal val="#ppt_x"/>
+                                          </p:val>
+                                        </p:tav>
+                                      </p:tavLst>
+                                    </p:anim>
+                                    <p:anim calcmode="lin" valueType="num">
+                                      <p:cBhvr>
+                                        <p:cTn id="21" dur="1000" fill="hold"/>
                                         <p:tgtEl>
                                           <p:spTgt spid="3">
                                             <p:txEl>
@@ -12738,24 +13714,20 @@
                                 </p:cTn>
                               </p:par>
                               <p:par>
-                                <p:cTn id="15" presetID="42" presetClass="entr" presetSubtype="0" fill="hold" grpId="0" nodeType="withEffect">
+                                <p:cTn id="22" presetID="22" presetClass="entr" presetSubtype="8" fill="hold" nodeType="withEffect">
                                   <p:stCondLst>
                                     <p:cond delay="0"/>
                                   </p:stCondLst>
                                   <p:childTnLst>
                                     <p:set>
                                       <p:cBhvr>
-                                        <p:cTn id="16" dur="1" fill="hold">
+                                        <p:cTn id="23" dur="1" fill="hold">
                                           <p:stCondLst>
                                             <p:cond delay="0"/>
                                           </p:stCondLst>
                                         </p:cTn>
                                         <p:tgtEl>
-                                          <p:spTgt spid="3">
-                                            <p:txEl>
-                                              <p:pRg st="2" end="2"/>
-                                            </p:txEl>
-                                          </p:spTgt>
+                                          <p:spTgt spid="5"/>
                                         </p:tgtEl>
                                         <p:attrNameLst>
                                           <p:attrName>style.visibility</p:attrName>
@@ -12765,153 +13737,14 @@
                                         <p:strVal val="visible"/>
                                       </p:to>
                                     </p:set>
-                                    <p:animEffect transition="in" filter="fade">
-                                      <p:cBhvr>
-                                        <p:cTn id="17" dur="1000"/>
-                                        <p:tgtEl>
-                                          <p:spTgt spid="3">
-                                            <p:txEl>
-                                              <p:pRg st="2" end="2"/>
-                                            </p:txEl>
-                                          </p:spTgt>
+                                    <p:animEffect transition="in" filter="wipe(left)">
+                                      <p:cBhvr>
+                                        <p:cTn id="24" dur="2000"/>
+                                        <p:tgtEl>
+                                          <p:spTgt spid="5"/>
                                         </p:tgtEl>
                                       </p:cBhvr>
                                     </p:animEffect>
-                                    <p:anim calcmode="lin" valueType="num">
-                                      <p:cBhvr>
-                                        <p:cTn id="18" dur="1000" fill="hold"/>
-                                        <p:tgtEl>
-                                          <p:spTgt spid="3">
-                                            <p:txEl>
-                                              <p:pRg st="2" end="2"/>
-                                            </p:txEl>
-                                          </p:spTgt>
-                                        </p:tgtEl>
-                                        <p:attrNameLst>
-                                          <p:attrName>ppt_x</p:attrName>
-                                        </p:attrNameLst>
-                                      </p:cBhvr>
-                                      <p:tavLst>
-                                        <p:tav tm="0">
-                                          <p:val>
-                                            <p:strVal val="#ppt_x"/>
-                                          </p:val>
-                                        </p:tav>
-                                        <p:tav tm="100000">
-                                          <p:val>
-                                            <p:strVal val="#ppt_x"/>
-                                          </p:val>
-                                        </p:tav>
-                                      </p:tavLst>
-                                    </p:anim>
-                                    <p:anim calcmode="lin" valueType="num">
-                                      <p:cBhvr>
-                                        <p:cTn id="19" dur="1000" fill="hold"/>
-                                        <p:tgtEl>
-                                          <p:spTgt spid="3">
-                                            <p:txEl>
-                                              <p:pRg st="2" end="2"/>
-                                            </p:txEl>
-                                          </p:spTgt>
-                                        </p:tgtEl>
-                                        <p:attrNameLst>
-                                          <p:attrName>ppt_y</p:attrName>
-                                        </p:attrNameLst>
-                                      </p:cBhvr>
-                                      <p:tavLst>
-                                        <p:tav tm="0">
-                                          <p:val>
-                                            <p:strVal val="#ppt_y+.1"/>
-                                          </p:val>
-                                        </p:tav>
-                                        <p:tav tm="100000">
-                                          <p:val>
-                                            <p:strVal val="#ppt_y"/>
-                                          </p:val>
-                                        </p:tav>
-                                      </p:tavLst>
-                                    </p:anim>
-                                  </p:childTnLst>
-                                </p:cTn>
-                              </p:par>
-                              <p:par>
-                                <p:cTn id="20" presetID="42" presetClass="entr" presetSubtype="0" fill="hold" nodeType="withEffect">
-                                  <p:stCondLst>
-                                    <p:cond delay="0"/>
-                                  </p:stCondLst>
-                                  <p:childTnLst>
-                                    <p:set>
-                                      <p:cBhvr>
-                                        <p:cTn id="21" dur="1" fill="hold">
-                                          <p:stCondLst>
-                                            <p:cond delay="0"/>
-                                          </p:stCondLst>
-                                        </p:cTn>
-                                        <p:tgtEl>
-                                          <p:spTgt spid="4100"/>
-                                        </p:tgtEl>
-                                        <p:attrNameLst>
-                                          <p:attrName>style.visibility</p:attrName>
-                                        </p:attrNameLst>
-                                      </p:cBhvr>
-                                      <p:to>
-                                        <p:strVal val="visible"/>
-                                      </p:to>
-                                    </p:set>
-                                    <p:animEffect transition="in" filter="fade">
-                                      <p:cBhvr>
-                                        <p:cTn id="22" dur="1000"/>
-                                        <p:tgtEl>
-                                          <p:spTgt spid="4100"/>
-                                        </p:tgtEl>
-                                      </p:cBhvr>
-                                    </p:animEffect>
-                                    <p:anim calcmode="lin" valueType="num">
-                                      <p:cBhvr>
-                                        <p:cTn id="23" dur="1000" fill="hold"/>
-                                        <p:tgtEl>
-                                          <p:spTgt spid="4100"/>
-                                        </p:tgtEl>
-                                        <p:attrNameLst>
-                                          <p:attrName>ppt_x</p:attrName>
-                                        </p:attrNameLst>
-                                      </p:cBhvr>
-                                      <p:tavLst>
-                                        <p:tav tm="0">
-                                          <p:val>
-                                            <p:strVal val="#ppt_x"/>
-                                          </p:val>
-                                        </p:tav>
-                                        <p:tav tm="100000">
-                                          <p:val>
-                                            <p:strVal val="#ppt_x"/>
-                                          </p:val>
-                                        </p:tav>
-                                      </p:tavLst>
-                                    </p:anim>
-                                    <p:anim calcmode="lin" valueType="num">
-                                      <p:cBhvr>
-                                        <p:cTn id="24" dur="1000" fill="hold"/>
-                                        <p:tgtEl>
-                                          <p:spTgt spid="4100"/>
-                                        </p:tgtEl>
-                                        <p:attrNameLst>
-                                          <p:attrName>ppt_y</p:attrName>
-                                        </p:attrNameLst>
-                                      </p:cBhvr>
-                                      <p:tavLst>
-                                        <p:tav tm="0">
-                                          <p:val>
-                                            <p:strVal val="#ppt_y+.1"/>
-                                          </p:val>
-                                        </p:tav>
-                                        <p:tav tm="100000">
-                                          <p:val>
-                                            <p:strVal val="#ppt_y"/>
-                                          </p:val>
-                                        </p:tav>
-                                      </p:tavLst>
-                                    </p:anim>
                                   </p:childTnLst>
                                 </p:cTn>
                               </p:par>
@@ -12949,7 +13782,7 @@
                                         <p:tgtEl>
                                           <p:spTgt spid="3">
                                             <p:txEl>
-                                              <p:pRg st="3" end="3"/>
+                                              <p:pRg st="2" end="2"/>
                                             </p:txEl>
                                           </p:spTgt>
                                         </p:tgtEl>
@@ -12967,7 +13800,7 @@
                                         <p:tgtEl>
                                           <p:spTgt spid="3">
                                             <p:txEl>
-                                              <p:pRg st="3" end="3"/>
+                                              <p:pRg st="2" end="2"/>
                                             </p:txEl>
                                           </p:spTgt>
                                         </p:tgtEl>
@@ -12979,7 +13812,7 @@
                                         <p:tgtEl>
                                           <p:spTgt spid="3">
                                             <p:txEl>
-                                              <p:pRg st="3" end="3"/>
+                                              <p:pRg st="2" end="2"/>
                                             </p:txEl>
                                           </p:spTgt>
                                         </p:tgtEl>
@@ -13006,187 +13839,9 @@
                                         <p:tgtEl>
                                           <p:spTgt spid="3">
                                             <p:txEl>
-                                              <p:pRg st="3" end="3"/>
+                                              <p:pRg st="2" end="2"/>
                                             </p:txEl>
                                           </p:spTgt>
-                                        </p:tgtEl>
-                                        <p:attrNameLst>
-                                          <p:attrName>ppt_y</p:attrName>
-                                        </p:attrNameLst>
-                                      </p:cBhvr>
-                                      <p:tavLst>
-                                        <p:tav tm="0">
-                                          <p:val>
-                                            <p:strVal val="#ppt_y+.1"/>
-                                          </p:val>
-                                        </p:tav>
-                                        <p:tav tm="100000">
-                                          <p:val>
-                                            <p:strVal val="#ppt_y"/>
-                                          </p:val>
-                                        </p:tav>
-                                      </p:tavLst>
-                                    </p:anim>
-                                  </p:childTnLst>
-                                </p:cTn>
-                              </p:par>
-                              <p:par>
-                                <p:cTn id="32" presetID="42" presetClass="entr" presetSubtype="0" fill="hold" grpId="0" nodeType="withEffect">
-                                  <p:stCondLst>
-                                    <p:cond delay="0"/>
-                                  </p:stCondLst>
-                                  <p:childTnLst>
-                                    <p:set>
-                                      <p:cBhvr>
-                                        <p:cTn id="33" dur="1" fill="hold">
-                                          <p:stCondLst>
-                                            <p:cond delay="0"/>
-                                          </p:stCondLst>
-                                        </p:cTn>
-                                        <p:tgtEl>
-                                          <p:spTgt spid="3">
-                                            <p:txEl>
-                                              <p:pRg st="4" end="4"/>
-                                            </p:txEl>
-                                          </p:spTgt>
-                                        </p:tgtEl>
-                                        <p:attrNameLst>
-                                          <p:attrName>style.visibility</p:attrName>
-                                        </p:attrNameLst>
-                                      </p:cBhvr>
-                                      <p:to>
-                                        <p:strVal val="visible"/>
-                                      </p:to>
-                                    </p:set>
-                                    <p:animEffect transition="in" filter="fade">
-                                      <p:cBhvr>
-                                        <p:cTn id="34" dur="1000"/>
-                                        <p:tgtEl>
-                                          <p:spTgt spid="3">
-                                            <p:txEl>
-                                              <p:pRg st="4" end="4"/>
-                                            </p:txEl>
-                                          </p:spTgt>
-                                        </p:tgtEl>
-                                      </p:cBhvr>
-                                    </p:animEffect>
-                                    <p:anim calcmode="lin" valueType="num">
-                                      <p:cBhvr>
-                                        <p:cTn id="35" dur="1000" fill="hold"/>
-                                        <p:tgtEl>
-                                          <p:spTgt spid="3">
-                                            <p:txEl>
-                                              <p:pRg st="4" end="4"/>
-                                            </p:txEl>
-                                          </p:spTgt>
-                                        </p:tgtEl>
-                                        <p:attrNameLst>
-                                          <p:attrName>ppt_x</p:attrName>
-                                        </p:attrNameLst>
-                                      </p:cBhvr>
-                                      <p:tavLst>
-                                        <p:tav tm="0">
-                                          <p:val>
-                                            <p:strVal val="#ppt_x"/>
-                                          </p:val>
-                                        </p:tav>
-                                        <p:tav tm="100000">
-                                          <p:val>
-                                            <p:strVal val="#ppt_x"/>
-                                          </p:val>
-                                        </p:tav>
-                                      </p:tavLst>
-                                    </p:anim>
-                                    <p:anim calcmode="lin" valueType="num">
-                                      <p:cBhvr>
-                                        <p:cTn id="36" dur="1000" fill="hold"/>
-                                        <p:tgtEl>
-                                          <p:spTgt spid="3">
-                                            <p:txEl>
-                                              <p:pRg st="4" end="4"/>
-                                            </p:txEl>
-                                          </p:spTgt>
-                                        </p:tgtEl>
-                                        <p:attrNameLst>
-                                          <p:attrName>ppt_y</p:attrName>
-                                        </p:attrNameLst>
-                                      </p:cBhvr>
-                                      <p:tavLst>
-                                        <p:tav tm="0">
-                                          <p:val>
-                                            <p:strVal val="#ppt_y+.1"/>
-                                          </p:val>
-                                        </p:tav>
-                                        <p:tav tm="100000">
-                                          <p:val>
-                                            <p:strVal val="#ppt_y"/>
-                                          </p:val>
-                                        </p:tav>
-                                      </p:tavLst>
-                                    </p:anim>
-                                  </p:childTnLst>
-                                </p:cTn>
-                              </p:par>
-                              <p:par>
-                                <p:cTn id="37" presetID="42" presetClass="entr" presetSubtype="0" fill="hold" nodeType="withEffect">
-                                  <p:stCondLst>
-                                    <p:cond delay="0"/>
-                                  </p:stCondLst>
-                                  <p:childTnLst>
-                                    <p:set>
-                                      <p:cBhvr>
-                                        <p:cTn id="38" dur="1" fill="hold">
-                                          <p:stCondLst>
-                                            <p:cond delay="0"/>
-                                          </p:stCondLst>
-                                        </p:cTn>
-                                        <p:tgtEl>
-                                          <p:spTgt spid="4098"/>
-                                        </p:tgtEl>
-                                        <p:attrNameLst>
-                                          <p:attrName>style.visibility</p:attrName>
-                                        </p:attrNameLst>
-                                      </p:cBhvr>
-                                      <p:to>
-                                        <p:strVal val="visible"/>
-                                      </p:to>
-                                    </p:set>
-                                    <p:animEffect transition="in" filter="fade">
-                                      <p:cBhvr>
-                                        <p:cTn id="39" dur="1000"/>
-                                        <p:tgtEl>
-                                          <p:spTgt spid="4098"/>
-                                        </p:tgtEl>
-                                      </p:cBhvr>
-                                    </p:animEffect>
-                                    <p:anim calcmode="lin" valueType="num">
-                                      <p:cBhvr>
-                                        <p:cTn id="40" dur="1000" fill="hold"/>
-                                        <p:tgtEl>
-                                          <p:spTgt spid="4098"/>
-                                        </p:tgtEl>
-                                        <p:attrNameLst>
-                                          <p:attrName>ppt_x</p:attrName>
-                                        </p:attrNameLst>
-                                      </p:cBhvr>
-                                      <p:tavLst>
-                                        <p:tav tm="0">
-                                          <p:val>
-                                            <p:strVal val="#ppt_x"/>
-                                          </p:val>
-                                        </p:tav>
-                                        <p:tav tm="100000">
-                                          <p:val>
-                                            <p:strVal val="#ppt_x"/>
-                                          </p:val>
-                                        </p:tav>
-                                      </p:tavLst>
-                                    </p:anim>
-                                    <p:anim calcmode="lin" valueType="num">
-                                      <p:cBhvr>
-                                        <p:cTn id="41" dur="1000" fill="hold"/>
-                                        <p:tgtEl>
-                                          <p:spTgt spid="4098"/>
                                         </p:tgtEl>
                                         <p:attrNameLst>
                                           <p:attrName>ppt_y</p:attrName>
@@ -13215,26 +13870,26 @@
                     </p:cTn>
                   </p:par>
                   <p:par>
-                    <p:cTn id="42" fill="hold">
+                    <p:cTn id="32" fill="hold">
                       <p:stCondLst>
                         <p:cond delay="indefinite"/>
                       </p:stCondLst>
                       <p:childTnLst>
                         <p:par>
-                          <p:cTn id="43" fill="hold">
+                          <p:cTn id="33" fill="hold">
                             <p:stCondLst>
                               <p:cond delay="0"/>
                             </p:stCondLst>
                             <p:childTnLst>
                               <p:par>
-                                <p:cTn id="44" presetID="42" presetClass="entr" presetSubtype="0" fill="hold" grpId="0" nodeType="clickEffect">
+                                <p:cTn id="34" presetID="42" presetClass="entr" presetSubtype="0" fill="hold" grpId="0" nodeType="clickEffect">
                                   <p:stCondLst>
                                     <p:cond delay="0"/>
                                   </p:stCondLst>
                                   <p:childTnLst>
                                     <p:set>
                                       <p:cBhvr>
-                                        <p:cTn id="45" dur="1" fill="hold">
+                                        <p:cTn id="35" dur="1" fill="hold">
                                           <p:stCondLst>
                                             <p:cond delay="0"/>
                                           </p:stCondLst>
@@ -13242,7 +13897,7 @@
                                         <p:tgtEl>
                                           <p:spTgt spid="3">
                                             <p:txEl>
-                                              <p:pRg st="5" end="5"/>
+                                              <p:pRg st="3" end="3"/>
                                             </p:txEl>
                                           </p:spTgt>
                                         </p:tgtEl>
@@ -13256,11 +13911,11 @@
                                     </p:set>
                                     <p:animEffect transition="in" filter="fade">
                                       <p:cBhvr>
-                                        <p:cTn id="46" dur="1000"/>
+                                        <p:cTn id="36" dur="1000"/>
                                         <p:tgtEl>
                                           <p:spTgt spid="3">
                                             <p:txEl>
-                                              <p:pRg st="5" end="5"/>
+                                              <p:pRg st="3" end="3"/>
                                             </p:txEl>
                                           </p:spTgt>
                                         </p:tgtEl>
@@ -13268,11 +13923,11 @@
                                     </p:animEffect>
                                     <p:anim calcmode="lin" valueType="num">
                                       <p:cBhvr>
-                                        <p:cTn id="47" dur="1000" fill="hold"/>
+                                        <p:cTn id="37" dur="1000" fill="hold"/>
                                         <p:tgtEl>
                                           <p:spTgt spid="3">
                                             <p:txEl>
-                                              <p:pRg st="5" end="5"/>
+                                              <p:pRg st="3" end="3"/>
                                             </p:txEl>
                                           </p:spTgt>
                                         </p:tgtEl>
@@ -13295,7 +13950,237 @@
                                     </p:anim>
                                     <p:anim calcmode="lin" valueType="num">
                                       <p:cBhvr>
-                                        <p:cTn id="48" dur="1000" fill="hold"/>
+                                        <p:cTn id="38" dur="1000" fill="hold"/>
+                                        <p:tgtEl>
+                                          <p:spTgt spid="3">
+                                            <p:txEl>
+                                              <p:pRg st="3" end="3"/>
+                                            </p:txEl>
+                                          </p:spTgt>
+                                        </p:tgtEl>
+                                        <p:attrNameLst>
+                                          <p:attrName>ppt_y</p:attrName>
+                                        </p:attrNameLst>
+                                      </p:cBhvr>
+                                      <p:tavLst>
+                                        <p:tav tm="0">
+                                          <p:val>
+                                            <p:strVal val="#ppt_y+.1"/>
+                                          </p:val>
+                                        </p:tav>
+                                        <p:tav tm="100000">
+                                          <p:val>
+                                            <p:strVal val="#ppt_y"/>
+                                          </p:val>
+                                        </p:tav>
+                                      </p:tavLst>
+                                    </p:anim>
+                                  </p:childTnLst>
+                                </p:cTn>
+                              </p:par>
+                            </p:childTnLst>
+                          </p:cTn>
+                        </p:par>
+                      </p:childTnLst>
+                    </p:cTn>
+                  </p:par>
+                  <p:par>
+                    <p:cTn id="39" fill="hold">
+                      <p:stCondLst>
+                        <p:cond delay="indefinite"/>
+                      </p:stCondLst>
+                      <p:childTnLst>
+                        <p:par>
+                          <p:cTn id="40" fill="hold">
+                            <p:stCondLst>
+                              <p:cond delay="0"/>
+                            </p:stCondLst>
+                            <p:childTnLst>
+                              <p:par>
+                                <p:cTn id="41" presetID="42" presetClass="entr" presetSubtype="0" fill="hold" grpId="0" nodeType="clickEffect">
+                                  <p:stCondLst>
+                                    <p:cond delay="0"/>
+                                  </p:stCondLst>
+                                  <p:childTnLst>
+                                    <p:set>
+                                      <p:cBhvr>
+                                        <p:cTn id="42" dur="1" fill="hold">
+                                          <p:stCondLst>
+                                            <p:cond delay="0"/>
+                                          </p:stCondLst>
+                                        </p:cTn>
+                                        <p:tgtEl>
+                                          <p:spTgt spid="3">
+                                            <p:txEl>
+                                              <p:pRg st="4" end="4"/>
+                                            </p:txEl>
+                                          </p:spTgt>
+                                        </p:tgtEl>
+                                        <p:attrNameLst>
+                                          <p:attrName>style.visibility</p:attrName>
+                                        </p:attrNameLst>
+                                      </p:cBhvr>
+                                      <p:to>
+                                        <p:strVal val="visible"/>
+                                      </p:to>
+                                    </p:set>
+                                    <p:animEffect transition="in" filter="fade">
+                                      <p:cBhvr>
+                                        <p:cTn id="43" dur="1000"/>
+                                        <p:tgtEl>
+                                          <p:spTgt spid="3">
+                                            <p:txEl>
+                                              <p:pRg st="4" end="4"/>
+                                            </p:txEl>
+                                          </p:spTgt>
+                                        </p:tgtEl>
+                                      </p:cBhvr>
+                                    </p:animEffect>
+                                    <p:anim calcmode="lin" valueType="num">
+                                      <p:cBhvr>
+                                        <p:cTn id="44" dur="1000" fill="hold"/>
+                                        <p:tgtEl>
+                                          <p:spTgt spid="3">
+                                            <p:txEl>
+                                              <p:pRg st="4" end="4"/>
+                                            </p:txEl>
+                                          </p:spTgt>
+                                        </p:tgtEl>
+                                        <p:attrNameLst>
+                                          <p:attrName>ppt_x</p:attrName>
+                                        </p:attrNameLst>
+                                      </p:cBhvr>
+                                      <p:tavLst>
+                                        <p:tav tm="0">
+                                          <p:val>
+                                            <p:strVal val="#ppt_x"/>
+                                          </p:val>
+                                        </p:tav>
+                                        <p:tav tm="100000">
+                                          <p:val>
+                                            <p:strVal val="#ppt_x"/>
+                                          </p:val>
+                                        </p:tav>
+                                      </p:tavLst>
+                                    </p:anim>
+                                    <p:anim calcmode="lin" valueType="num">
+                                      <p:cBhvr>
+                                        <p:cTn id="45" dur="1000" fill="hold"/>
+                                        <p:tgtEl>
+                                          <p:spTgt spid="3">
+                                            <p:txEl>
+                                              <p:pRg st="4" end="4"/>
+                                            </p:txEl>
+                                          </p:spTgt>
+                                        </p:tgtEl>
+                                        <p:attrNameLst>
+                                          <p:attrName>ppt_y</p:attrName>
+                                        </p:attrNameLst>
+                                      </p:cBhvr>
+                                      <p:tavLst>
+                                        <p:tav tm="0">
+                                          <p:val>
+                                            <p:strVal val="#ppt_y+.1"/>
+                                          </p:val>
+                                        </p:tav>
+                                        <p:tav tm="100000">
+                                          <p:val>
+                                            <p:strVal val="#ppt_y"/>
+                                          </p:val>
+                                        </p:tav>
+                                      </p:tavLst>
+                                    </p:anim>
+                                  </p:childTnLst>
+                                </p:cTn>
+                              </p:par>
+                            </p:childTnLst>
+                          </p:cTn>
+                        </p:par>
+                      </p:childTnLst>
+                    </p:cTn>
+                  </p:par>
+                  <p:par>
+                    <p:cTn id="46" fill="hold">
+                      <p:stCondLst>
+                        <p:cond delay="indefinite"/>
+                      </p:stCondLst>
+                      <p:childTnLst>
+                        <p:par>
+                          <p:cTn id="47" fill="hold">
+                            <p:stCondLst>
+                              <p:cond delay="0"/>
+                            </p:stCondLst>
+                            <p:childTnLst>
+                              <p:par>
+                                <p:cTn id="48" presetID="42" presetClass="entr" presetSubtype="0" fill="hold" grpId="0" nodeType="clickEffect">
+                                  <p:stCondLst>
+                                    <p:cond delay="0"/>
+                                  </p:stCondLst>
+                                  <p:childTnLst>
+                                    <p:set>
+                                      <p:cBhvr>
+                                        <p:cTn id="49" dur="1" fill="hold">
+                                          <p:stCondLst>
+                                            <p:cond delay="0"/>
+                                          </p:stCondLst>
+                                        </p:cTn>
+                                        <p:tgtEl>
+                                          <p:spTgt spid="3">
+                                            <p:txEl>
+                                              <p:pRg st="5" end="5"/>
+                                            </p:txEl>
+                                          </p:spTgt>
+                                        </p:tgtEl>
+                                        <p:attrNameLst>
+                                          <p:attrName>style.visibility</p:attrName>
+                                        </p:attrNameLst>
+                                      </p:cBhvr>
+                                      <p:to>
+                                        <p:strVal val="visible"/>
+                                      </p:to>
+                                    </p:set>
+                                    <p:animEffect transition="in" filter="fade">
+                                      <p:cBhvr>
+                                        <p:cTn id="50" dur="1000"/>
+                                        <p:tgtEl>
+                                          <p:spTgt spid="3">
+                                            <p:txEl>
+                                              <p:pRg st="5" end="5"/>
+                                            </p:txEl>
+                                          </p:spTgt>
+                                        </p:tgtEl>
+                                      </p:cBhvr>
+                                    </p:animEffect>
+                                    <p:anim calcmode="lin" valueType="num">
+                                      <p:cBhvr>
+                                        <p:cTn id="51" dur="1000" fill="hold"/>
+                                        <p:tgtEl>
+                                          <p:spTgt spid="3">
+                                            <p:txEl>
+                                              <p:pRg st="5" end="5"/>
+                                            </p:txEl>
+                                          </p:spTgt>
+                                        </p:tgtEl>
+                                        <p:attrNameLst>
+                                          <p:attrName>ppt_x</p:attrName>
+                                        </p:attrNameLst>
+                                      </p:cBhvr>
+                                      <p:tavLst>
+                                        <p:tav tm="0">
+                                          <p:val>
+                                            <p:strVal val="#ppt_x"/>
+                                          </p:val>
+                                        </p:tav>
+                                        <p:tav tm="100000">
+                                          <p:val>
+                                            <p:strVal val="#ppt_x"/>
+                                          </p:val>
+                                        </p:tav>
+                                      </p:tavLst>
+                                    </p:anim>
+                                    <p:anim calcmode="lin" valueType="num">
+                                      <p:cBhvr>
+                                        <p:cTn id="52" dur="1000" fill="hold"/>
                                         <p:tgtEl>
                                           <p:spTgt spid="3">
                                             <p:txEl>
@@ -13324,14 +14209,14 @@
                                 </p:cTn>
                               </p:par>
                               <p:par>
-                                <p:cTn id="49" presetID="42" presetClass="entr" presetSubtype="0" fill="hold" grpId="0" nodeType="withEffect">
+                                <p:cTn id="53" presetID="42" presetClass="entr" presetSubtype="0" fill="hold" grpId="0" nodeType="withEffect">
                                   <p:stCondLst>
                                     <p:cond delay="0"/>
                                   </p:stCondLst>
                                   <p:childTnLst>
                                     <p:set>
                                       <p:cBhvr>
-                                        <p:cTn id="50" dur="1" fill="hold">
+                                        <p:cTn id="54" dur="1" fill="hold">
                                           <p:stCondLst>
                                             <p:cond delay="0"/>
                                           </p:stCondLst>
@@ -13353,7 +14238,7 @@
                                     </p:set>
                                     <p:animEffect transition="in" filter="fade">
                                       <p:cBhvr>
-                                        <p:cTn id="51" dur="1000"/>
+                                        <p:cTn id="55" dur="1000"/>
                                         <p:tgtEl>
                                           <p:spTgt spid="3">
                                             <p:txEl>
@@ -13365,7 +14250,7 @@
                                     </p:animEffect>
                                     <p:anim calcmode="lin" valueType="num">
                                       <p:cBhvr>
-                                        <p:cTn id="52" dur="1000" fill="hold"/>
+                                        <p:cTn id="56" dur="1000" fill="hold"/>
                                         <p:tgtEl>
                                           <p:spTgt spid="3">
                                             <p:txEl>
@@ -13392,11 +14277,126 @@
                                     </p:anim>
                                     <p:anim calcmode="lin" valueType="num">
                                       <p:cBhvr>
-                                        <p:cTn id="53" dur="1000" fill="hold"/>
+                                        <p:cTn id="57" dur="1000" fill="hold"/>
                                         <p:tgtEl>
                                           <p:spTgt spid="3">
                                             <p:txEl>
                                               <p:pRg st="6" end="6"/>
+                                            </p:txEl>
+                                          </p:spTgt>
+                                        </p:tgtEl>
+                                        <p:attrNameLst>
+                                          <p:attrName>ppt_y</p:attrName>
+                                        </p:attrNameLst>
+                                      </p:cBhvr>
+                                      <p:tavLst>
+                                        <p:tav tm="0">
+                                          <p:val>
+                                            <p:strVal val="#ppt_y+.1"/>
+                                          </p:val>
+                                        </p:tav>
+                                        <p:tav tm="100000">
+                                          <p:val>
+                                            <p:strVal val="#ppt_y"/>
+                                          </p:val>
+                                        </p:tav>
+                                      </p:tavLst>
+                                    </p:anim>
+                                  </p:childTnLst>
+                                </p:cTn>
+                              </p:par>
+                            </p:childTnLst>
+                          </p:cTn>
+                        </p:par>
+                      </p:childTnLst>
+                    </p:cTn>
+                  </p:par>
+                  <p:par>
+                    <p:cTn id="58" fill="hold">
+                      <p:stCondLst>
+                        <p:cond delay="indefinite"/>
+                      </p:stCondLst>
+                      <p:childTnLst>
+                        <p:par>
+                          <p:cTn id="59" fill="hold">
+                            <p:stCondLst>
+                              <p:cond delay="0"/>
+                            </p:stCondLst>
+                            <p:childTnLst>
+                              <p:par>
+                                <p:cTn id="60" presetID="42" presetClass="entr" presetSubtype="0" fill="hold" grpId="0" nodeType="clickEffect">
+                                  <p:stCondLst>
+                                    <p:cond delay="0"/>
+                                  </p:stCondLst>
+                                  <p:childTnLst>
+                                    <p:set>
+                                      <p:cBhvr>
+                                        <p:cTn id="61" dur="1" fill="hold">
+                                          <p:stCondLst>
+                                            <p:cond delay="0"/>
+                                          </p:stCondLst>
+                                        </p:cTn>
+                                        <p:tgtEl>
+                                          <p:spTgt spid="3">
+                                            <p:txEl>
+                                              <p:pRg st="7" end="7"/>
+                                            </p:txEl>
+                                          </p:spTgt>
+                                        </p:tgtEl>
+                                        <p:attrNameLst>
+                                          <p:attrName>style.visibility</p:attrName>
+                                        </p:attrNameLst>
+                                      </p:cBhvr>
+                                      <p:to>
+                                        <p:strVal val="visible"/>
+                                      </p:to>
+                                    </p:set>
+                                    <p:animEffect transition="in" filter="fade">
+                                      <p:cBhvr>
+                                        <p:cTn id="62" dur="1000"/>
+                                        <p:tgtEl>
+                                          <p:spTgt spid="3">
+                                            <p:txEl>
+                                              <p:pRg st="7" end="7"/>
+                                            </p:txEl>
+                                          </p:spTgt>
+                                        </p:tgtEl>
+                                      </p:cBhvr>
+                                    </p:animEffect>
+                                    <p:anim calcmode="lin" valueType="num">
+                                      <p:cBhvr>
+                                        <p:cTn id="63" dur="1000" fill="hold"/>
+                                        <p:tgtEl>
+                                          <p:spTgt spid="3">
+                                            <p:txEl>
+                                              <p:pRg st="7" end="7"/>
+                                            </p:txEl>
+                                          </p:spTgt>
+                                        </p:tgtEl>
+                                        <p:attrNameLst>
+                                          <p:attrName>ppt_x</p:attrName>
+                                        </p:attrNameLst>
+                                      </p:cBhvr>
+                                      <p:tavLst>
+                                        <p:tav tm="0">
+                                          <p:val>
+                                            <p:strVal val="#ppt_x"/>
+                                          </p:val>
+                                        </p:tav>
+                                        <p:tav tm="100000">
+                                          <p:val>
+                                            <p:strVal val="#ppt_x"/>
+                                          </p:val>
+                                        </p:tav>
+                                      </p:tavLst>
+                                    </p:anim>
+                                    <p:anim calcmode="lin" valueType="num">
+                                      <p:cBhvr>
+                                        <p:cTn id="64" dur="1000" fill="hold"/>
+                                        <p:tgtEl>
+                                          <p:spTgt spid="3">
+                                            <p:txEl>
+                                              <p:pRg st="7" end="7"/>
                                             </p:txEl>
                                           </p:spTgt>
                                         </p:tgtEl>
@@ -13421,20 +14421,24 @@
                                 </p:cTn>
                               </p:par>
                               <p:par>
-                                <p:cTn id="54" presetID="42" presetClass="entr" presetSubtype="0" fill="hold" nodeType="withEffect">
+                                <p:cTn id="65" presetID="42" presetClass="entr" presetSubtype="0" fill="hold" grpId="0" nodeType="withEffect">
                                   <p:stCondLst>
                                     <p:cond delay="0"/>
                                   </p:stCondLst>
                                   <p:childTnLst>
                                     <p:set>
                                       <p:cBhvr>
-                                        <p:cTn id="55" dur="1" fill="hold">
+                                        <p:cTn id="66" dur="1" fill="hold">
                                           <p:stCondLst>
                                             <p:cond delay="0"/>
                                           </p:stCondLst>
                                         </p:cTn>
                                         <p:tgtEl>
-                                          <p:spTgt spid="4102"/>
+                                          <p:spTgt spid="3">
+                                            <p:txEl>
+                                              <p:pRg st="8" end="8"/>
+                                            </p:txEl>
+                                          </p:spTgt>
                                         </p:tgtEl>
                                         <p:attrNameLst>
                                           <p:attrName>style.visibility</p:attrName>
@@ -13446,17 +14450,25 @@
                                     </p:set>
                                     <p:animEffect transition="in" filter="fade">
                                       <p:cBhvr>
-                                        <p:cTn id="56" dur="1000"/>
-                                        <p:tgtEl>
-                                          <p:spTgt spid="4102"/>
+                                        <p:cTn id="67" dur="1000"/>
+                                        <p:tgtEl>
+                                          <p:spTgt spid="3">
+                                            <p:txEl>
+                                              <p:pRg st="8" end="8"/>
+                                            </p:txEl>
+                                          </p:spTgt>
                                         </p:tgtEl>
                                       </p:cBhvr>
                                     </p:animEffect>
                                     <p:anim calcmode="lin" valueType="num">
                                       <p:cBhvr>
-                                        <p:cTn id="57" dur="1000" fill="hold"/>
-                                        <p:tgtEl>
-                                          <p:spTgt spid="4102"/>
+                                        <p:cTn id="68" dur="1000" fill="hold"/>
+                                        <p:tgtEl>
+                                          <p:spTgt spid="3">
+                                            <p:txEl>
+                                              <p:pRg st="8" end="8"/>
+                                            </p:txEl>
+                                          </p:spTgt>
                                         </p:tgtEl>
                                         <p:attrNameLst>
                                           <p:attrName>ppt_x</p:attrName>
@@ -13477,9 +14489,110 @@
                                     </p:anim>
                                     <p:anim calcmode="lin" valueType="num">
                                       <p:cBhvr>
-                                        <p:cTn id="58" dur="1000" fill="hold"/>
-                                        <p:tgtEl>
-                                          <p:spTgt spid="4102"/>
+                                        <p:cTn id="69" dur="1000" fill="hold"/>
+                                        <p:tgtEl>
+                                          <p:spTgt spid="3">
+                                            <p:txEl>
+                                              <p:pRg st="8" end="8"/>
+                                            </p:txEl>
+                                          </p:spTgt>
+                                        </p:tgtEl>
+                                        <p:attrNameLst>
+                                          <p:attrName>ppt_y</p:attrName>
+                                        </p:attrNameLst>
+                                      </p:cBhvr>
+                                      <p:tavLst>
+                                        <p:tav tm="0">
+                                          <p:val>
+                                            <p:strVal val="#ppt_y+.1"/>
+                                          </p:val>
+                                        </p:tav>
+                                        <p:tav tm="100000">
+                                          <p:val>
+                                            <p:strVal val="#ppt_y"/>
+                                          </p:val>
+                                        </p:tav>
+                                      </p:tavLst>
+                                    </p:anim>
+                                  </p:childTnLst>
+                                </p:cTn>
+                              </p:par>
+                              <p:par>
+                                <p:cTn id="70" presetID="42" presetClass="entr" presetSubtype="0" fill="hold" grpId="0" nodeType="withEffect">
+                                  <p:stCondLst>
+                                    <p:cond delay="0"/>
+                                  </p:stCondLst>
+                                  <p:childTnLst>
+                                    <p:set>
+                                      <p:cBhvr>
+                                        <p:cTn id="71" dur="1" fill="hold">
+                                          <p:stCondLst>
+                                            <p:cond delay="0"/>
+                                          </p:stCondLst>
+                                        </p:cTn>
+                                        <p:tgtEl>
+                                          <p:spTgt spid="3">
+                                            <p:txEl>
+                                              <p:pRg st="9" end="9"/>
+                                            </p:txEl>
+                                          </p:spTgt>
+                                        </p:tgtEl>
+                                        <p:attrNameLst>
+                                          <p:attrName>style.visibility</p:attrName>
+                                        </p:attrNameLst>
+                                      </p:cBhvr>
+                                      <p:to>
+                                        <p:strVal val="visible"/>
+                                      </p:to>
+                                    </p:set>
+                                    <p:animEffect transition="in" filter="fade">
+                                      <p:cBhvr>
+                                        <p:cTn id="72" dur="1000"/>
+                                        <p:tgtEl>
+                                          <p:spTgt spid="3">
+                                            <p:txEl>
+                                              <p:pRg st="9" end="9"/>
+                                            </p:txEl>
+                                          </p:spTgt>
+                                        </p:tgtEl>
+                                      </p:cBhvr>
+                                    </p:animEffect>
+                                    <p:anim calcmode="lin" valueType="num">
+                                      <p:cBhvr>
+                                        <p:cTn id="73" dur="1000" fill="hold"/>
+                                        <p:tgtEl>
+                                          <p:spTgt spid="3">
+                                            <p:txEl>
+                                              <p:pRg st="9" end="9"/>
+                                            </p:txEl>
+                                          </p:spTgt>
+                                        </p:tgtEl>
+                                        <p:attrNameLst>
+                                          <p:attrName>ppt_x</p:attrName>
+                                        </p:attrNameLst>
+                                      </p:cBhvr>
+                                      <p:tavLst>
+                                        <p:tav tm="0">
+                                          <p:val>
+                                            <p:strVal val="#ppt_x"/>
+                                          </p:val>
+                                        </p:tav>
+                                        <p:tav tm="100000">
+                                          <p:val>
+                                            <p:strVal val="#ppt_x"/>
+                                          </p:val>
+                                        </p:tav>
+                                      </p:tavLst>
+                                    </p:anim>
+                                    <p:anim calcmode="lin" valueType="num">
+                                      <p:cBhvr>
+                                        <p:cTn id="74" dur="1000" fill="hold"/>
+                                        <p:tgtEl>
+                                          <p:spTgt spid="3">
+                                            <p:txEl>
+                                              <p:pRg st="9" end="9"/>
+                                            </p:txEl>
+                                          </p:spTgt>
                                         </p:tgtEl>
                                         <p:attrNameLst>
                                           <p:attrName>ppt_y</p:attrName>
@@ -13564,7 +14677,7 @@
         </p:nvSpPr>
         <p:spPr>
           <a:xfrm>
-            <a:off x="1596395" y="1620487"/>
+            <a:off x="1596395" y="2382496"/>
             <a:ext cx="7069282" cy="4269458"/>
           </a:xfrm>
         </p:spPr>
@@ -13573,6 +14686,118 @@
             <a:normAutofit/>
           </a:bodyPr>
           <a:lstStyle/>
+          <a:p>
+            <a:pPr defTabSz="631825">
+              <a:buFont typeface="Wingdings 3" panose="05040102010807070707" pitchFamily="18" charset="2"/>
+              <a:buChar char=""/>
+            </a:pPr>
+            <a:r>
+              <a:rPr lang="fr-CH" sz="2200" dirty="0" smtClean="0"/>
+              <a:t>Si </a:t>
+            </a:r>
+            <a:r>
+              <a:rPr lang="fr-CH" sz="2200" dirty="0" smtClean="0"/>
+              <a:t>le pantin est complètement </a:t>
+            </a:r>
+            <a:r>
+              <a:rPr lang="fr-CH" sz="2200" dirty="0" smtClean="0"/>
+              <a:t>guéri</a:t>
+            </a:r>
+          </a:p>
+          <a:p>
+            <a:pPr lvl="1" defTabSz="631825">
+              <a:buFont typeface="Wingdings 3" panose="05040102010807070707" pitchFamily="18" charset="2"/>
+              <a:buChar char=""/>
+            </a:pPr>
+            <a:r>
+              <a:rPr lang="fr-CH" sz="2000" dirty="0" smtClean="0"/>
+              <a:t>Somme des dégâts inférieurs ou égal à 4</a:t>
+            </a:r>
+            <a:endParaRPr lang="fr-CH" sz="2000" dirty="0" smtClean="0"/>
+          </a:p>
+          <a:p>
+            <a:pPr lvl="1" defTabSz="631825">
+              <a:buFont typeface="Wingdings 3" panose="05040102010807070707" pitchFamily="18" charset="2"/>
+              <a:buChar char=""/>
+            </a:pPr>
+            <a:r>
+              <a:rPr lang="fr-CH" sz="2000" dirty="0" smtClean="0"/>
+              <a:t>Le </a:t>
+            </a:r>
+            <a:r>
+              <a:rPr lang="fr-CH" sz="2000" b="1" dirty="0" err="1" smtClean="0"/>
+              <a:t>healer</a:t>
+            </a:r>
+            <a:r>
+              <a:rPr lang="fr-CH" sz="2000" dirty="0" smtClean="0"/>
+              <a:t> l’emporte</a:t>
+            </a:r>
+          </a:p>
+          <a:p>
+            <a:pPr defTabSz="631825">
+              <a:buFont typeface="Wingdings 3" panose="05040102010807070707" pitchFamily="18" charset="2"/>
+              <a:buChar char=""/>
+            </a:pPr>
+            <a:r>
+              <a:rPr lang="fr-CH" sz="2200" dirty="0" smtClean="0"/>
+              <a:t>Si le pantin </a:t>
+            </a:r>
+            <a:r>
+              <a:rPr lang="fr-CH" sz="2200" dirty="0" smtClean="0"/>
+              <a:t>n’a plus de points de vie</a:t>
+            </a:r>
+            <a:endParaRPr lang="fr-CH" sz="2200" dirty="0" smtClean="0"/>
+          </a:p>
+          <a:p>
+            <a:pPr lvl="1" defTabSz="631825">
+              <a:buFont typeface="Wingdings 3" panose="05040102010807070707" pitchFamily="18" charset="2"/>
+              <a:buChar char=""/>
+            </a:pPr>
+            <a:r>
+              <a:rPr lang="fr-CH" sz="2000" dirty="0" smtClean="0"/>
+              <a:t>Le </a:t>
+            </a:r>
+            <a:r>
+              <a:rPr lang="fr-CH" sz="2000" b="1" dirty="0" smtClean="0"/>
+              <a:t>killer</a:t>
+            </a:r>
+            <a:r>
+              <a:rPr lang="fr-CH" sz="2000" dirty="0" smtClean="0"/>
+              <a:t> l’emporte</a:t>
+            </a:r>
+          </a:p>
+          <a:p>
+            <a:pPr defTabSz="631825">
+              <a:buFont typeface="Wingdings 3" panose="05040102010807070707" pitchFamily="18" charset="2"/>
+              <a:buChar char=""/>
+            </a:pPr>
+            <a:r>
+              <a:rPr lang="fr-CH" sz="2200" dirty="0" smtClean="0"/>
+              <a:t>Sinon</a:t>
+            </a:r>
+          </a:p>
+          <a:p>
+            <a:pPr lvl="1" defTabSz="631825">
+              <a:buFont typeface="Wingdings 3" panose="05040102010807070707" pitchFamily="18" charset="2"/>
+              <a:buChar char=""/>
+            </a:pPr>
+            <a:r>
+              <a:rPr lang="fr-CH" sz="2000" dirty="0" smtClean="0"/>
+              <a:t>Continue le traitement</a:t>
+            </a:r>
+            <a:endParaRPr lang="fr-CH" sz="2000" dirty="0" smtClean="0"/>
+          </a:p>
+          <a:p>
+            <a:pPr lvl="1" defTabSz="631825">
+              <a:buFont typeface="Wingdings 3" panose="05040102010807070707" pitchFamily="18" charset="2"/>
+              <a:buChar char=""/>
+            </a:pPr>
+            <a:r>
+              <a:rPr lang="fr-CH" sz="2000" dirty="0" smtClean="0"/>
+              <a:t>Nouveau tour à partir des valeurs présentes</a:t>
+            </a:r>
+            <a:endParaRPr lang="fr-CH" sz="1800" dirty="0" smtClean="0"/>
+          </a:p>
           <a:p>
             <a:pPr lvl="1" defTabSz="631825">
               <a:buFont typeface="Wingdings 3" panose="05040102010807070707" pitchFamily="18" charset="2"/>
@@ -13720,12 +14945,1445 @@
           <a:p>
             <a:r>
               <a:rPr lang="fr-CH" sz="4000" dirty="0" smtClean="0"/>
-              <a:t>Diagramme de classes</a:t>
+              <a:t>Rappel de notre idée</a:t>
             </a:r>
             <a:endParaRPr lang="fr-CH" sz="4000" dirty="0"/>
           </a:p>
         </p:txBody>
       </p:sp>
+      <p:sp>
+        <p:nvSpPr>
+          <p:cNvPr id="2" name="ZoneTexte 1"/>
+          <p:cNvSpPr txBox="1"/>
+          <p:nvPr/>
+        </p:nvSpPr>
+        <p:spPr>
+          <a:xfrm>
+            <a:off x="1596395" y="1186681"/>
+            <a:ext cx="5011234" cy="646331"/>
+          </a:xfrm>
+          <a:prstGeom prst="rect">
+            <a:avLst/>
+          </a:prstGeom>
+          <a:noFill/>
+        </p:spPr>
+        <p:txBody>
+          <a:bodyPr wrap="square" rtlCol="0">
+            <a:spAutoFit/>
+          </a:bodyPr>
+          <a:lstStyle/>
+          <a:p>
+            <a:r>
+              <a:rPr lang="fr-CH" dirty="0" err="1" smtClean="0"/>
+              <a:t>KillerVsHealer</a:t>
+            </a:r>
+            <a:r>
+              <a:rPr lang="fr-CH" dirty="0" smtClean="0"/>
+              <a:t> – Définition du vainqueur</a:t>
+            </a:r>
+            <a:endParaRPr lang="fr-CH" dirty="0"/>
+          </a:p>
+          <a:p>
+            <a:endParaRPr lang="fr-CH" dirty="0"/>
+          </a:p>
+        </p:txBody>
+      </p:sp>
+      <p:sp>
+        <p:nvSpPr>
+          <p:cNvPr id="5" name="Espace réservé du numéro de diapositive 4"/>
+          <p:cNvSpPr>
+            <a:spLocks noGrp="1"/>
+          </p:cNvSpPr>
+          <p:nvPr>
+            <p:ph type="sldNum" sz="quarter" idx="12"/>
+          </p:nvPr>
+        </p:nvSpPr>
+        <p:spPr/>
+        <p:txBody>
+          <a:bodyPr/>
+          <a:lstStyle/>
+          <a:p>
+            <a:fld id="{D57F1E4F-1CFF-5643-939E-217C01CDF565}" type="slidenum">
+              <a:rPr lang="en-US" smtClean="0"/>
+              <a:pPr/>
+              <a:t>6</a:t>
+            </a:fld>
+            <a:endParaRPr lang="en-US" dirty="0"/>
+          </a:p>
+        </p:txBody>
+      </p:sp>
+      <p:pic>
+        <p:nvPicPr>
+          <p:cNvPr id="4098" name="Picture 2" descr="http://www.wpclipart.com/holiday/halloween/grim_reaper/death_holding_sickle.png"/>
+          <p:cNvPicPr>
+            <a:picLocks noChangeAspect="1" noChangeArrowheads="1"/>
+          </p:cNvPicPr>
+          <p:nvPr/>
+        </p:nvPicPr>
+        <p:blipFill>
+          <a:blip r:embed="rId3">
+            <a:extLst>
+              <a:ext uri="{28A0092B-C50C-407E-A947-70E740481C1C}">
+                <a14:useLocalDpi xmlns:a14="http://schemas.microsoft.com/office/drawing/2010/main" val="0"/>
+              </a:ext>
+            </a:extLst>
+          </a:blip>
+          <a:srcRect/>
+          <a:stretch>
+            <a:fillRect/>
+          </a:stretch>
+        </p:blipFill>
+        <p:spPr bwMode="auto">
+          <a:xfrm>
+            <a:off x="7561596" y="3236121"/>
+            <a:ext cx="1441444" cy="1404484"/>
+          </a:xfrm>
+          <a:prstGeom prst="rect">
+            <a:avLst/>
+          </a:prstGeom>
+          <a:noFill/>
+          <a:extLst>
+            <a:ext uri="{909E8E84-426E-40DD-AFC4-6F175D3DCCD1}">
+              <a14:hiddenFill xmlns:a14="http://schemas.microsoft.com/office/drawing/2010/main">
+                <a:solidFill>
+                  <a:srgbClr val="FFFFFF"/>
+                </a:solidFill>
+              </a14:hiddenFill>
+            </a:ext>
+          </a:extLst>
+        </p:spPr>
+      </p:pic>
+      <p:pic>
+        <p:nvPicPr>
+          <p:cNvPr id="4100" name="Picture 4" descr="http://iconbug.com/download/size/256/icon/1837/healing-heart/"/>
+          <p:cNvPicPr>
+            <a:picLocks noChangeAspect="1" noChangeArrowheads="1"/>
+          </p:cNvPicPr>
+          <p:nvPr/>
+        </p:nvPicPr>
+        <p:blipFill>
+          <a:blip r:embed="rId4">
+            <a:extLst>
+              <a:ext uri="{28A0092B-C50C-407E-A947-70E740481C1C}">
+                <a14:useLocalDpi xmlns:a14="http://schemas.microsoft.com/office/drawing/2010/main" val="0"/>
+              </a:ext>
+            </a:extLst>
+          </a:blip>
+          <a:srcRect/>
+          <a:stretch>
+            <a:fillRect/>
+          </a:stretch>
+        </p:blipFill>
+        <p:spPr bwMode="auto">
+          <a:xfrm>
+            <a:off x="7391954" y="1772783"/>
+            <a:ext cx="1409747" cy="1409747"/>
+          </a:xfrm>
+          <a:prstGeom prst="rect">
+            <a:avLst/>
+          </a:prstGeom>
+          <a:noFill/>
+          <a:extLst>
+            <a:ext uri="{909E8E84-426E-40DD-AFC4-6F175D3DCCD1}">
+              <a14:hiddenFill xmlns:a14="http://schemas.microsoft.com/office/drawing/2010/main">
+                <a:solidFill>
+                  <a:srgbClr val="FFFFFF"/>
+                </a:solidFill>
+              </a14:hiddenFill>
+            </a:ext>
+          </a:extLst>
+        </p:spPr>
+      </p:pic>
+      <p:pic>
+        <p:nvPicPr>
+          <p:cNvPr id="4102" name="Picture 6" descr="http://images.clipartpanda.com/loop-clipart-di6oAg5i9.png"/>
+          <p:cNvPicPr>
+            <a:picLocks noChangeAspect="1" noChangeArrowheads="1"/>
+          </p:cNvPicPr>
+          <p:nvPr/>
+        </p:nvPicPr>
+        <p:blipFill>
+          <a:blip r:embed="rId5">
+            <a:extLst>
+              <a:ext uri="{28A0092B-C50C-407E-A947-70E740481C1C}">
+                <a14:useLocalDpi xmlns:a14="http://schemas.microsoft.com/office/drawing/2010/main" val="0"/>
+              </a:ext>
+            </a:extLst>
+          </a:blip>
+          <a:srcRect/>
+          <a:stretch>
+            <a:fillRect/>
+          </a:stretch>
+        </p:blipFill>
+        <p:spPr bwMode="auto">
+          <a:xfrm>
+            <a:off x="1940981" y="5807560"/>
+            <a:ext cx="1890792" cy="1050440"/>
+          </a:xfrm>
+          <a:prstGeom prst="rect">
+            <a:avLst/>
+          </a:prstGeom>
+          <a:noFill/>
+          <a:extLst>
+            <a:ext uri="{909E8E84-426E-40DD-AFC4-6F175D3DCCD1}">
+              <a14:hiddenFill xmlns:a14="http://schemas.microsoft.com/office/drawing/2010/main">
+                <a:solidFill>
+                  <a:srgbClr val="FFFFFF"/>
+                </a:solidFill>
+              </a14:hiddenFill>
+            </a:ext>
+          </a:extLst>
+        </p:spPr>
+      </p:pic>
+    </p:spTree>
+    <p:extLst>
+      <p:ext uri="{BB962C8B-B14F-4D97-AF65-F5344CB8AC3E}">
+        <p14:creationId xmlns:p14="http://schemas.microsoft.com/office/powerpoint/2010/main" val="3460058562"/>
+      </p:ext>
+    </p:extLst>
+  </p:cSld>
+  <p:clrMapOvr>
+    <a:masterClrMapping/>
+  </p:clrMapOvr>
+  <p:transition spd="med">
+    <p:pull/>
+  </p:transition>
+  <p:timing>
+    <p:tnLst>
+      <p:par>
+        <p:cTn id="1" dur="indefinite" restart="never" nodeType="tmRoot">
+          <p:childTnLst>
+            <p:seq concurrent="1" nextAc="seek">
+              <p:cTn id="2" dur="indefinite" nodeType="mainSeq">
+                <p:childTnLst>
+                  <p:par>
+                    <p:cTn id="3" fill="hold">
+                      <p:stCondLst>
+                        <p:cond delay="indefinite"/>
+                      </p:stCondLst>
+                      <p:childTnLst>
+                        <p:par>
+                          <p:cTn id="4" fill="hold">
+                            <p:stCondLst>
+                              <p:cond delay="0"/>
+                            </p:stCondLst>
+                            <p:childTnLst>
+                              <p:par>
+                                <p:cTn id="5" presetID="42" presetClass="entr" presetSubtype="0" fill="hold" grpId="0" nodeType="clickEffect">
+                                  <p:stCondLst>
+                                    <p:cond delay="0"/>
+                                  </p:stCondLst>
+                                  <p:childTnLst>
+                                    <p:set>
+                                      <p:cBhvr>
+                                        <p:cTn id="6" dur="1" fill="hold">
+                                          <p:stCondLst>
+                                            <p:cond delay="0"/>
+                                          </p:stCondLst>
+                                        </p:cTn>
+                                        <p:tgtEl>
+                                          <p:spTgt spid="3">
+                                            <p:txEl>
+                                              <p:pRg st="0" end="0"/>
+                                            </p:txEl>
+                                          </p:spTgt>
+                                        </p:tgtEl>
+                                        <p:attrNameLst>
+                                          <p:attrName>style.visibility</p:attrName>
+                                        </p:attrNameLst>
+                                      </p:cBhvr>
+                                      <p:to>
+                                        <p:strVal val="visible"/>
+                                      </p:to>
+                                    </p:set>
+                                    <p:animEffect transition="in" filter="fade">
+                                      <p:cBhvr>
+                                        <p:cTn id="7" dur="1000"/>
+                                        <p:tgtEl>
+                                          <p:spTgt spid="3">
+                                            <p:txEl>
+                                              <p:pRg st="0" end="0"/>
+                                            </p:txEl>
+                                          </p:spTgt>
+                                        </p:tgtEl>
+                                      </p:cBhvr>
+                                    </p:animEffect>
+                                    <p:anim calcmode="lin" valueType="num">
+                                      <p:cBhvr>
+                                        <p:cTn id="8" dur="1000" fill="hold"/>
+                                        <p:tgtEl>
+                                          <p:spTgt spid="3">
+                                            <p:txEl>
+                                              <p:pRg st="0" end="0"/>
+                                            </p:txEl>
+                                          </p:spTgt>
+                                        </p:tgtEl>
+                                        <p:attrNameLst>
+                                          <p:attrName>ppt_x</p:attrName>
+                                        </p:attrNameLst>
+                                      </p:cBhvr>
+                                      <p:tavLst>
+                                        <p:tav tm="0">
+                                          <p:val>
+                                            <p:strVal val="#ppt_x"/>
+                                          </p:val>
+                                        </p:tav>
+                                        <p:tav tm="100000">
+                                          <p:val>
+                                            <p:strVal val="#ppt_x"/>
+                                          </p:val>
+                                        </p:tav>
+                                      </p:tavLst>
+                                    </p:anim>
+                                    <p:anim calcmode="lin" valueType="num">
+                                      <p:cBhvr>
+                                        <p:cTn id="9" dur="1000" fill="hold"/>
+                                        <p:tgtEl>
+                                          <p:spTgt spid="3">
+                                            <p:txEl>
+                                              <p:pRg st="0" end="0"/>
+                                            </p:txEl>
+                                          </p:spTgt>
+                                        </p:tgtEl>
+                                        <p:attrNameLst>
+                                          <p:attrName>ppt_y</p:attrName>
+                                        </p:attrNameLst>
+                                      </p:cBhvr>
+                                      <p:tavLst>
+                                        <p:tav tm="0">
+                                          <p:val>
+                                            <p:strVal val="#ppt_y+.1"/>
+                                          </p:val>
+                                        </p:tav>
+                                        <p:tav tm="100000">
+                                          <p:val>
+                                            <p:strVal val="#ppt_y"/>
+                                          </p:val>
+                                        </p:tav>
+                                      </p:tavLst>
+                                    </p:anim>
+                                  </p:childTnLst>
+                                </p:cTn>
+                              </p:par>
+                              <p:par>
+                                <p:cTn id="10" presetID="42" presetClass="entr" presetSubtype="0" fill="hold" grpId="0" nodeType="withEffect">
+                                  <p:stCondLst>
+                                    <p:cond delay="0"/>
+                                  </p:stCondLst>
+                                  <p:childTnLst>
+                                    <p:set>
+                                      <p:cBhvr>
+                                        <p:cTn id="11" dur="1" fill="hold">
+                                          <p:stCondLst>
+                                            <p:cond delay="0"/>
+                                          </p:stCondLst>
+                                        </p:cTn>
+                                        <p:tgtEl>
+                                          <p:spTgt spid="3">
+                                            <p:txEl>
+                                              <p:pRg st="1" end="1"/>
+                                            </p:txEl>
+                                          </p:spTgt>
+                                        </p:tgtEl>
+                                        <p:attrNameLst>
+                                          <p:attrName>style.visibility</p:attrName>
+                                        </p:attrNameLst>
+                                      </p:cBhvr>
+                                      <p:to>
+                                        <p:strVal val="visible"/>
+                                      </p:to>
+                                    </p:set>
+                                    <p:animEffect transition="in" filter="fade">
+                                      <p:cBhvr>
+                                        <p:cTn id="12" dur="1000"/>
+                                        <p:tgtEl>
+                                          <p:spTgt spid="3">
+                                            <p:txEl>
+                                              <p:pRg st="1" end="1"/>
+                                            </p:txEl>
+                                          </p:spTgt>
+                                        </p:tgtEl>
+                                      </p:cBhvr>
+                                    </p:animEffect>
+                                    <p:anim calcmode="lin" valueType="num">
+                                      <p:cBhvr>
+                                        <p:cTn id="13" dur="1000" fill="hold"/>
+                                        <p:tgtEl>
+                                          <p:spTgt spid="3">
+                                            <p:txEl>
+                                              <p:pRg st="1" end="1"/>
+                                            </p:txEl>
+                                          </p:spTgt>
+                                        </p:tgtEl>
+                                        <p:attrNameLst>
+                                          <p:attrName>ppt_x</p:attrName>
+                                        </p:attrNameLst>
+                                      </p:cBhvr>
+                                      <p:tavLst>
+                                        <p:tav tm="0">
+                                          <p:val>
+                                            <p:strVal val="#ppt_x"/>
+                                          </p:val>
+                                        </p:tav>
+                                        <p:tav tm="100000">
+                                          <p:val>
+                                            <p:strVal val="#ppt_x"/>
+                                          </p:val>
+                                        </p:tav>
+                                      </p:tavLst>
+                                    </p:anim>
+                                    <p:anim calcmode="lin" valueType="num">
+                                      <p:cBhvr>
+                                        <p:cTn id="14" dur="1000" fill="hold"/>
+                                        <p:tgtEl>
+                                          <p:spTgt spid="3">
+                                            <p:txEl>
+                                              <p:pRg st="1" end="1"/>
+                                            </p:txEl>
+                                          </p:spTgt>
+                                        </p:tgtEl>
+                                        <p:attrNameLst>
+                                          <p:attrName>ppt_y</p:attrName>
+                                        </p:attrNameLst>
+                                      </p:cBhvr>
+                                      <p:tavLst>
+                                        <p:tav tm="0">
+                                          <p:val>
+                                            <p:strVal val="#ppt_y+.1"/>
+                                          </p:val>
+                                        </p:tav>
+                                        <p:tav tm="100000">
+                                          <p:val>
+                                            <p:strVal val="#ppt_y"/>
+                                          </p:val>
+                                        </p:tav>
+                                      </p:tavLst>
+                                    </p:anim>
+                                  </p:childTnLst>
+                                </p:cTn>
+                              </p:par>
+                              <p:par>
+                                <p:cTn id="15" presetID="42" presetClass="entr" presetSubtype="0" fill="hold" grpId="0" nodeType="withEffect">
+                                  <p:stCondLst>
+                                    <p:cond delay="0"/>
+                                  </p:stCondLst>
+                                  <p:childTnLst>
+                                    <p:set>
+                                      <p:cBhvr>
+                                        <p:cTn id="16" dur="1" fill="hold">
+                                          <p:stCondLst>
+                                            <p:cond delay="0"/>
+                                          </p:stCondLst>
+                                        </p:cTn>
+                                        <p:tgtEl>
+                                          <p:spTgt spid="3">
+                                            <p:txEl>
+                                              <p:pRg st="2" end="2"/>
+                                            </p:txEl>
+                                          </p:spTgt>
+                                        </p:tgtEl>
+                                        <p:attrNameLst>
+                                          <p:attrName>style.visibility</p:attrName>
+                                        </p:attrNameLst>
+                                      </p:cBhvr>
+                                      <p:to>
+                                        <p:strVal val="visible"/>
+                                      </p:to>
+                                    </p:set>
+                                    <p:animEffect transition="in" filter="fade">
+                                      <p:cBhvr>
+                                        <p:cTn id="17" dur="1000"/>
+                                        <p:tgtEl>
+                                          <p:spTgt spid="3">
+                                            <p:txEl>
+                                              <p:pRg st="2" end="2"/>
+                                            </p:txEl>
+                                          </p:spTgt>
+                                        </p:tgtEl>
+                                      </p:cBhvr>
+                                    </p:animEffect>
+                                    <p:anim calcmode="lin" valueType="num">
+                                      <p:cBhvr>
+                                        <p:cTn id="18" dur="1000" fill="hold"/>
+                                        <p:tgtEl>
+                                          <p:spTgt spid="3">
+                                            <p:txEl>
+                                              <p:pRg st="2" end="2"/>
+                                            </p:txEl>
+                                          </p:spTgt>
+                                        </p:tgtEl>
+                                        <p:attrNameLst>
+                                          <p:attrName>ppt_x</p:attrName>
+                                        </p:attrNameLst>
+                                      </p:cBhvr>
+                                      <p:tavLst>
+                                        <p:tav tm="0">
+                                          <p:val>
+                                            <p:strVal val="#ppt_x"/>
+                                          </p:val>
+                                        </p:tav>
+                                        <p:tav tm="100000">
+                                          <p:val>
+                                            <p:strVal val="#ppt_x"/>
+                                          </p:val>
+                                        </p:tav>
+                                      </p:tavLst>
+                                    </p:anim>
+                                    <p:anim calcmode="lin" valueType="num">
+                                      <p:cBhvr>
+                                        <p:cTn id="19" dur="1000" fill="hold"/>
+                                        <p:tgtEl>
+                                          <p:spTgt spid="3">
+                                            <p:txEl>
+                                              <p:pRg st="2" end="2"/>
+                                            </p:txEl>
+                                          </p:spTgt>
+                                        </p:tgtEl>
+                                        <p:attrNameLst>
+                                          <p:attrName>ppt_y</p:attrName>
+                                        </p:attrNameLst>
+                                      </p:cBhvr>
+                                      <p:tavLst>
+                                        <p:tav tm="0">
+                                          <p:val>
+                                            <p:strVal val="#ppt_y+.1"/>
+                                          </p:val>
+                                        </p:tav>
+                                        <p:tav tm="100000">
+                                          <p:val>
+                                            <p:strVal val="#ppt_y"/>
+                                          </p:val>
+                                        </p:tav>
+                                      </p:tavLst>
+                                    </p:anim>
+                                  </p:childTnLst>
+                                </p:cTn>
+                              </p:par>
+                              <p:par>
+                                <p:cTn id="20" presetID="42" presetClass="entr" presetSubtype="0" fill="hold" nodeType="withEffect">
+                                  <p:stCondLst>
+                                    <p:cond delay="0"/>
+                                  </p:stCondLst>
+                                  <p:childTnLst>
+                                    <p:set>
+                                      <p:cBhvr>
+                                        <p:cTn id="21" dur="1" fill="hold">
+                                          <p:stCondLst>
+                                            <p:cond delay="0"/>
+                                          </p:stCondLst>
+                                        </p:cTn>
+                                        <p:tgtEl>
+                                          <p:spTgt spid="4100"/>
+                                        </p:tgtEl>
+                                        <p:attrNameLst>
+                                          <p:attrName>style.visibility</p:attrName>
+                                        </p:attrNameLst>
+                                      </p:cBhvr>
+                                      <p:to>
+                                        <p:strVal val="visible"/>
+                                      </p:to>
+                                    </p:set>
+                                    <p:animEffect transition="in" filter="fade">
+                                      <p:cBhvr>
+                                        <p:cTn id="22" dur="1000"/>
+                                        <p:tgtEl>
+                                          <p:spTgt spid="4100"/>
+                                        </p:tgtEl>
+                                      </p:cBhvr>
+                                    </p:animEffect>
+                                    <p:anim calcmode="lin" valueType="num">
+                                      <p:cBhvr>
+                                        <p:cTn id="23" dur="1000" fill="hold"/>
+                                        <p:tgtEl>
+                                          <p:spTgt spid="4100"/>
+                                        </p:tgtEl>
+                                        <p:attrNameLst>
+                                          <p:attrName>ppt_x</p:attrName>
+                                        </p:attrNameLst>
+                                      </p:cBhvr>
+                                      <p:tavLst>
+                                        <p:tav tm="0">
+                                          <p:val>
+                                            <p:strVal val="#ppt_x"/>
+                                          </p:val>
+                                        </p:tav>
+                                        <p:tav tm="100000">
+                                          <p:val>
+                                            <p:strVal val="#ppt_x"/>
+                                          </p:val>
+                                        </p:tav>
+                                      </p:tavLst>
+                                    </p:anim>
+                                    <p:anim calcmode="lin" valueType="num">
+                                      <p:cBhvr>
+                                        <p:cTn id="24" dur="1000" fill="hold"/>
+                                        <p:tgtEl>
+                                          <p:spTgt spid="4100"/>
+                                        </p:tgtEl>
+                                        <p:attrNameLst>
+                                          <p:attrName>ppt_y</p:attrName>
+                                        </p:attrNameLst>
+                                      </p:cBhvr>
+                                      <p:tavLst>
+                                        <p:tav tm="0">
+                                          <p:val>
+                                            <p:strVal val="#ppt_y+.1"/>
+                                          </p:val>
+                                        </p:tav>
+                                        <p:tav tm="100000">
+                                          <p:val>
+                                            <p:strVal val="#ppt_y"/>
+                                          </p:val>
+                                        </p:tav>
+                                      </p:tavLst>
+                                    </p:anim>
+                                  </p:childTnLst>
+                                </p:cTn>
+                              </p:par>
+                            </p:childTnLst>
+                          </p:cTn>
+                        </p:par>
+                      </p:childTnLst>
+                    </p:cTn>
+                  </p:par>
+                  <p:par>
+                    <p:cTn id="25" fill="hold">
+                      <p:stCondLst>
+                        <p:cond delay="indefinite"/>
+                      </p:stCondLst>
+                      <p:childTnLst>
+                        <p:par>
+                          <p:cTn id="26" fill="hold">
+                            <p:stCondLst>
+                              <p:cond delay="0"/>
+                            </p:stCondLst>
+                            <p:childTnLst>
+                              <p:par>
+                                <p:cTn id="27" presetID="42" presetClass="entr" presetSubtype="0" fill="hold" grpId="0" nodeType="clickEffect">
+                                  <p:stCondLst>
+                                    <p:cond delay="0"/>
+                                  </p:stCondLst>
+                                  <p:childTnLst>
+                                    <p:set>
+                                      <p:cBhvr>
+                                        <p:cTn id="28" dur="1" fill="hold">
+                                          <p:stCondLst>
+                                            <p:cond delay="0"/>
+                                          </p:stCondLst>
+                                        </p:cTn>
+                                        <p:tgtEl>
+                                          <p:spTgt spid="3">
+                                            <p:txEl>
+                                              <p:pRg st="3" end="3"/>
+                                            </p:txEl>
+                                          </p:spTgt>
+                                        </p:tgtEl>
+                                        <p:attrNameLst>
+                                          <p:attrName>style.visibility</p:attrName>
+                                        </p:attrNameLst>
+                                      </p:cBhvr>
+                                      <p:to>
+                                        <p:strVal val="visible"/>
+                                      </p:to>
+                                    </p:set>
+                                    <p:animEffect transition="in" filter="fade">
+                                      <p:cBhvr>
+                                        <p:cTn id="29" dur="1000"/>
+                                        <p:tgtEl>
+                                          <p:spTgt spid="3">
+                                            <p:txEl>
+                                              <p:pRg st="3" end="3"/>
+                                            </p:txEl>
+                                          </p:spTgt>
+                                        </p:tgtEl>
+                                      </p:cBhvr>
+                                    </p:animEffect>
+                                    <p:anim calcmode="lin" valueType="num">
+                                      <p:cBhvr>
+                                        <p:cTn id="30" dur="1000" fill="hold"/>
+                                        <p:tgtEl>
+                                          <p:spTgt spid="3">
+                                            <p:txEl>
+                                              <p:pRg st="3" end="3"/>
+                                            </p:txEl>
+                                          </p:spTgt>
+                                        </p:tgtEl>
+                                        <p:attrNameLst>
+                                          <p:attrName>ppt_x</p:attrName>
+                                        </p:attrNameLst>
+                                      </p:cBhvr>
+                                      <p:tavLst>
+                                        <p:tav tm="0">
+                                          <p:val>
+                                            <p:strVal val="#ppt_x"/>
+                                          </p:val>
+                                        </p:tav>
+                                        <p:tav tm="100000">
+                                          <p:val>
+                                            <p:strVal val="#ppt_x"/>
+                                          </p:val>
+                                        </p:tav>
+                                      </p:tavLst>
+                                    </p:anim>
+                                    <p:anim calcmode="lin" valueType="num">
+                                      <p:cBhvr>
+                                        <p:cTn id="31" dur="1000" fill="hold"/>
+                                        <p:tgtEl>
+                                          <p:spTgt spid="3">
+                                            <p:txEl>
+                                              <p:pRg st="3" end="3"/>
+                                            </p:txEl>
+                                          </p:spTgt>
+                                        </p:tgtEl>
+                                        <p:attrNameLst>
+                                          <p:attrName>ppt_y</p:attrName>
+                                        </p:attrNameLst>
+                                      </p:cBhvr>
+                                      <p:tavLst>
+                                        <p:tav tm="0">
+                                          <p:val>
+                                            <p:strVal val="#ppt_y+.1"/>
+                                          </p:val>
+                                        </p:tav>
+                                        <p:tav tm="100000">
+                                          <p:val>
+                                            <p:strVal val="#ppt_y"/>
+                                          </p:val>
+                                        </p:tav>
+                                      </p:tavLst>
+                                    </p:anim>
+                                  </p:childTnLst>
+                                </p:cTn>
+                              </p:par>
+                              <p:par>
+                                <p:cTn id="32" presetID="42" presetClass="entr" presetSubtype="0" fill="hold" grpId="0" nodeType="withEffect">
+                                  <p:stCondLst>
+                                    <p:cond delay="0"/>
+                                  </p:stCondLst>
+                                  <p:childTnLst>
+                                    <p:set>
+                                      <p:cBhvr>
+                                        <p:cTn id="33" dur="1" fill="hold">
+                                          <p:stCondLst>
+                                            <p:cond delay="0"/>
+                                          </p:stCondLst>
+                                        </p:cTn>
+                                        <p:tgtEl>
+                                          <p:spTgt spid="3">
+                                            <p:txEl>
+                                              <p:pRg st="4" end="4"/>
+                                            </p:txEl>
+                                          </p:spTgt>
+                                        </p:tgtEl>
+                                        <p:attrNameLst>
+                                          <p:attrName>style.visibility</p:attrName>
+                                        </p:attrNameLst>
+                                      </p:cBhvr>
+                                      <p:to>
+                                        <p:strVal val="visible"/>
+                                      </p:to>
+                                    </p:set>
+                                    <p:animEffect transition="in" filter="fade">
+                                      <p:cBhvr>
+                                        <p:cTn id="34" dur="1000"/>
+                                        <p:tgtEl>
+                                          <p:spTgt spid="3">
+                                            <p:txEl>
+                                              <p:pRg st="4" end="4"/>
+                                            </p:txEl>
+                                          </p:spTgt>
+                                        </p:tgtEl>
+                                      </p:cBhvr>
+                                    </p:animEffect>
+                                    <p:anim calcmode="lin" valueType="num">
+                                      <p:cBhvr>
+                                        <p:cTn id="35" dur="1000" fill="hold"/>
+                                        <p:tgtEl>
+                                          <p:spTgt spid="3">
+                                            <p:txEl>
+                                              <p:pRg st="4" end="4"/>
+                                            </p:txEl>
+                                          </p:spTgt>
+                                        </p:tgtEl>
+                                        <p:attrNameLst>
+                                          <p:attrName>ppt_x</p:attrName>
+                                        </p:attrNameLst>
+                                      </p:cBhvr>
+                                      <p:tavLst>
+                                        <p:tav tm="0">
+                                          <p:val>
+                                            <p:strVal val="#ppt_x"/>
+                                          </p:val>
+                                        </p:tav>
+                                        <p:tav tm="100000">
+                                          <p:val>
+                                            <p:strVal val="#ppt_x"/>
+                                          </p:val>
+                                        </p:tav>
+                                      </p:tavLst>
+                                    </p:anim>
+                                    <p:anim calcmode="lin" valueType="num">
+                                      <p:cBhvr>
+                                        <p:cTn id="36" dur="1000" fill="hold"/>
+                                        <p:tgtEl>
+                                          <p:spTgt spid="3">
+                                            <p:txEl>
+                                              <p:pRg st="4" end="4"/>
+                                            </p:txEl>
+                                          </p:spTgt>
+                                        </p:tgtEl>
+                                        <p:attrNameLst>
+                                          <p:attrName>ppt_y</p:attrName>
+                                        </p:attrNameLst>
+                                      </p:cBhvr>
+                                      <p:tavLst>
+                                        <p:tav tm="0">
+                                          <p:val>
+                                            <p:strVal val="#ppt_y+.1"/>
+                                          </p:val>
+                                        </p:tav>
+                                        <p:tav tm="100000">
+                                          <p:val>
+                                            <p:strVal val="#ppt_y"/>
+                                          </p:val>
+                                        </p:tav>
+                                      </p:tavLst>
+                                    </p:anim>
+                                  </p:childTnLst>
+                                </p:cTn>
+                              </p:par>
+                              <p:par>
+                                <p:cTn id="37" presetID="42" presetClass="entr" presetSubtype="0" fill="hold" nodeType="withEffect">
+                                  <p:stCondLst>
+                                    <p:cond delay="0"/>
+                                  </p:stCondLst>
+                                  <p:childTnLst>
+                                    <p:set>
+                                      <p:cBhvr>
+                                        <p:cTn id="38" dur="1" fill="hold">
+                                          <p:stCondLst>
+                                            <p:cond delay="0"/>
+                                          </p:stCondLst>
+                                        </p:cTn>
+                                        <p:tgtEl>
+                                          <p:spTgt spid="4098"/>
+                                        </p:tgtEl>
+                                        <p:attrNameLst>
+                                          <p:attrName>style.visibility</p:attrName>
+                                        </p:attrNameLst>
+                                      </p:cBhvr>
+                                      <p:to>
+                                        <p:strVal val="visible"/>
+                                      </p:to>
+                                    </p:set>
+                                    <p:animEffect transition="in" filter="fade">
+                                      <p:cBhvr>
+                                        <p:cTn id="39" dur="1000"/>
+                                        <p:tgtEl>
+                                          <p:spTgt spid="4098"/>
+                                        </p:tgtEl>
+                                      </p:cBhvr>
+                                    </p:animEffect>
+                                    <p:anim calcmode="lin" valueType="num">
+                                      <p:cBhvr>
+                                        <p:cTn id="40" dur="1000" fill="hold"/>
+                                        <p:tgtEl>
+                                          <p:spTgt spid="4098"/>
+                                        </p:tgtEl>
+                                        <p:attrNameLst>
+                                          <p:attrName>ppt_x</p:attrName>
+                                        </p:attrNameLst>
+                                      </p:cBhvr>
+                                      <p:tavLst>
+                                        <p:tav tm="0">
+                                          <p:val>
+                                            <p:strVal val="#ppt_x"/>
+                                          </p:val>
+                                        </p:tav>
+                                        <p:tav tm="100000">
+                                          <p:val>
+                                            <p:strVal val="#ppt_x"/>
+                                          </p:val>
+                                        </p:tav>
+                                      </p:tavLst>
+                                    </p:anim>
+                                    <p:anim calcmode="lin" valueType="num">
+                                      <p:cBhvr>
+                                        <p:cTn id="41" dur="1000" fill="hold"/>
+                                        <p:tgtEl>
+                                          <p:spTgt spid="4098"/>
+                                        </p:tgtEl>
+                                        <p:attrNameLst>
+                                          <p:attrName>ppt_y</p:attrName>
+                                        </p:attrNameLst>
+                                      </p:cBhvr>
+                                      <p:tavLst>
+                                        <p:tav tm="0">
+                                          <p:val>
+                                            <p:strVal val="#ppt_y+.1"/>
+                                          </p:val>
+                                        </p:tav>
+                                        <p:tav tm="100000">
+                                          <p:val>
+                                            <p:strVal val="#ppt_y"/>
+                                          </p:val>
+                                        </p:tav>
+                                      </p:tavLst>
+                                    </p:anim>
+                                  </p:childTnLst>
+                                </p:cTn>
+                              </p:par>
+                            </p:childTnLst>
+                          </p:cTn>
+                        </p:par>
+                      </p:childTnLst>
+                    </p:cTn>
+                  </p:par>
+                  <p:par>
+                    <p:cTn id="42" fill="hold">
+                      <p:stCondLst>
+                        <p:cond delay="indefinite"/>
+                      </p:stCondLst>
+                      <p:childTnLst>
+                        <p:par>
+                          <p:cTn id="43" fill="hold">
+                            <p:stCondLst>
+                              <p:cond delay="0"/>
+                            </p:stCondLst>
+                            <p:childTnLst>
+                              <p:par>
+                                <p:cTn id="44" presetID="42" presetClass="entr" presetSubtype="0" fill="hold" grpId="0" nodeType="clickEffect">
+                                  <p:stCondLst>
+                                    <p:cond delay="0"/>
+                                  </p:stCondLst>
+                                  <p:childTnLst>
+                                    <p:set>
+                                      <p:cBhvr>
+                                        <p:cTn id="45" dur="1" fill="hold">
+                                          <p:stCondLst>
+                                            <p:cond delay="0"/>
+                                          </p:stCondLst>
+                                        </p:cTn>
+                                        <p:tgtEl>
+                                          <p:spTgt spid="3">
+                                            <p:txEl>
+                                              <p:pRg st="5" end="5"/>
+                                            </p:txEl>
+                                          </p:spTgt>
+                                        </p:tgtEl>
+                                        <p:attrNameLst>
+                                          <p:attrName>style.visibility</p:attrName>
+                                        </p:attrNameLst>
+                                      </p:cBhvr>
+                                      <p:to>
+                                        <p:strVal val="visible"/>
+                                      </p:to>
+                                    </p:set>
+                                    <p:animEffect transition="in" filter="fade">
+                                      <p:cBhvr>
+                                        <p:cTn id="46" dur="1000"/>
+                                        <p:tgtEl>
+                                          <p:spTgt spid="3">
+                                            <p:txEl>
+                                              <p:pRg st="5" end="5"/>
+                                            </p:txEl>
+                                          </p:spTgt>
+                                        </p:tgtEl>
+                                      </p:cBhvr>
+                                    </p:animEffect>
+                                    <p:anim calcmode="lin" valueType="num">
+                                      <p:cBhvr>
+                                        <p:cTn id="47" dur="1000" fill="hold"/>
+                                        <p:tgtEl>
+                                          <p:spTgt spid="3">
+                                            <p:txEl>
+                                              <p:pRg st="5" end="5"/>
+                                            </p:txEl>
+                                          </p:spTgt>
+                                        </p:tgtEl>
+                                        <p:attrNameLst>
+                                          <p:attrName>ppt_x</p:attrName>
+                                        </p:attrNameLst>
+                                      </p:cBhvr>
+                                      <p:tavLst>
+                                        <p:tav tm="0">
+                                          <p:val>
+                                            <p:strVal val="#ppt_x"/>
+                                          </p:val>
+                                        </p:tav>
+                                        <p:tav tm="100000">
+                                          <p:val>
+                                            <p:strVal val="#ppt_x"/>
+                                          </p:val>
+                                        </p:tav>
+                                      </p:tavLst>
+                                    </p:anim>
+                                    <p:anim calcmode="lin" valueType="num">
+                                      <p:cBhvr>
+                                        <p:cTn id="48" dur="1000" fill="hold"/>
+                                        <p:tgtEl>
+                                          <p:spTgt spid="3">
+                                            <p:txEl>
+                                              <p:pRg st="5" end="5"/>
+                                            </p:txEl>
+                                          </p:spTgt>
+                                        </p:tgtEl>
+                                        <p:attrNameLst>
+                                          <p:attrName>ppt_y</p:attrName>
+                                        </p:attrNameLst>
+                                      </p:cBhvr>
+                                      <p:tavLst>
+                                        <p:tav tm="0">
+                                          <p:val>
+                                            <p:strVal val="#ppt_y+.1"/>
+                                          </p:val>
+                                        </p:tav>
+                                        <p:tav tm="100000">
+                                          <p:val>
+                                            <p:strVal val="#ppt_y"/>
+                                          </p:val>
+                                        </p:tav>
+                                      </p:tavLst>
+                                    </p:anim>
+                                  </p:childTnLst>
+                                </p:cTn>
+                              </p:par>
+                              <p:par>
+                                <p:cTn id="49" presetID="42" presetClass="entr" presetSubtype="0" fill="hold" grpId="0" nodeType="withEffect">
+                                  <p:stCondLst>
+                                    <p:cond delay="0"/>
+                                  </p:stCondLst>
+                                  <p:childTnLst>
+                                    <p:set>
+                                      <p:cBhvr>
+                                        <p:cTn id="50" dur="1" fill="hold">
+                                          <p:stCondLst>
+                                            <p:cond delay="0"/>
+                                          </p:stCondLst>
+                                        </p:cTn>
+                                        <p:tgtEl>
+                                          <p:spTgt spid="3">
+                                            <p:txEl>
+                                              <p:pRg st="6" end="6"/>
+                                            </p:txEl>
+                                          </p:spTgt>
+                                        </p:tgtEl>
+                                        <p:attrNameLst>
+                                          <p:attrName>style.visibility</p:attrName>
+                                        </p:attrNameLst>
+                                      </p:cBhvr>
+                                      <p:to>
+                                        <p:strVal val="visible"/>
+                                      </p:to>
+                                    </p:set>
+                                    <p:animEffect transition="in" filter="fade">
+                                      <p:cBhvr>
+                                        <p:cTn id="51" dur="1000"/>
+                                        <p:tgtEl>
+                                          <p:spTgt spid="3">
+                                            <p:txEl>
+                                              <p:pRg st="6" end="6"/>
+                                            </p:txEl>
+                                          </p:spTgt>
+                                        </p:tgtEl>
+                                      </p:cBhvr>
+                                    </p:animEffect>
+                                    <p:anim calcmode="lin" valueType="num">
+                                      <p:cBhvr>
+                                        <p:cTn id="52" dur="1000" fill="hold"/>
+                                        <p:tgtEl>
+                                          <p:spTgt spid="3">
+                                            <p:txEl>
+                                              <p:pRg st="6" end="6"/>
+                                            </p:txEl>
+                                          </p:spTgt>
+                                        </p:tgtEl>
+                                        <p:attrNameLst>
+                                          <p:attrName>ppt_x</p:attrName>
+                                        </p:attrNameLst>
+                                      </p:cBhvr>
+                                      <p:tavLst>
+                                        <p:tav tm="0">
+                                          <p:val>
+                                            <p:strVal val="#ppt_x"/>
+                                          </p:val>
+                                        </p:tav>
+                                        <p:tav tm="100000">
+                                          <p:val>
+                                            <p:strVal val="#ppt_x"/>
+                                          </p:val>
+                                        </p:tav>
+                                      </p:tavLst>
+                                    </p:anim>
+                                    <p:anim calcmode="lin" valueType="num">
+                                      <p:cBhvr>
+                                        <p:cTn id="53" dur="1000" fill="hold"/>
+                                        <p:tgtEl>
+                                          <p:spTgt spid="3">
+                                            <p:txEl>
+                                              <p:pRg st="6" end="6"/>
+                                            </p:txEl>
+                                          </p:spTgt>
+                                        </p:tgtEl>
+                                        <p:attrNameLst>
+                                          <p:attrName>ppt_y</p:attrName>
+                                        </p:attrNameLst>
+                                      </p:cBhvr>
+                                      <p:tavLst>
+                                        <p:tav tm="0">
+                                          <p:val>
+                                            <p:strVal val="#ppt_y+.1"/>
+                                          </p:val>
+                                        </p:tav>
+                                        <p:tav tm="100000">
+                                          <p:val>
+                                            <p:strVal val="#ppt_y"/>
+                                          </p:val>
+                                        </p:tav>
+                                      </p:tavLst>
+                                    </p:anim>
+                                  </p:childTnLst>
+                                </p:cTn>
+                              </p:par>
+                            </p:childTnLst>
+                          </p:cTn>
+                        </p:par>
+                      </p:childTnLst>
+                    </p:cTn>
+                  </p:par>
+                  <p:par>
+                    <p:cTn id="54" fill="hold">
+                      <p:stCondLst>
+                        <p:cond delay="indefinite"/>
+                      </p:stCondLst>
+                      <p:childTnLst>
+                        <p:par>
+                          <p:cTn id="55" fill="hold">
+                            <p:stCondLst>
+                              <p:cond delay="0"/>
+                            </p:stCondLst>
+                            <p:childTnLst>
+                              <p:par>
+                                <p:cTn id="56" presetID="42" presetClass="entr" presetSubtype="0" fill="hold" grpId="0" nodeType="clickEffect">
+                                  <p:stCondLst>
+                                    <p:cond delay="0"/>
+                                  </p:stCondLst>
+                                  <p:childTnLst>
+                                    <p:set>
+                                      <p:cBhvr>
+                                        <p:cTn id="57" dur="1" fill="hold">
+                                          <p:stCondLst>
+                                            <p:cond delay="0"/>
+                                          </p:stCondLst>
+                                        </p:cTn>
+                                        <p:tgtEl>
+                                          <p:spTgt spid="3">
+                                            <p:txEl>
+                                              <p:pRg st="7" end="7"/>
+                                            </p:txEl>
+                                          </p:spTgt>
+                                        </p:tgtEl>
+                                        <p:attrNameLst>
+                                          <p:attrName>style.visibility</p:attrName>
+                                        </p:attrNameLst>
+                                      </p:cBhvr>
+                                      <p:to>
+                                        <p:strVal val="visible"/>
+                                      </p:to>
+                                    </p:set>
+                                    <p:animEffect transition="in" filter="fade">
+                                      <p:cBhvr>
+                                        <p:cTn id="58" dur="1000"/>
+                                        <p:tgtEl>
+                                          <p:spTgt spid="3">
+                                            <p:txEl>
+                                              <p:pRg st="7" end="7"/>
+                                            </p:txEl>
+                                          </p:spTgt>
+                                        </p:tgtEl>
+                                      </p:cBhvr>
+                                    </p:animEffect>
+                                    <p:anim calcmode="lin" valueType="num">
+                                      <p:cBhvr>
+                                        <p:cTn id="59" dur="1000" fill="hold"/>
+                                        <p:tgtEl>
+                                          <p:spTgt spid="3">
+                                            <p:txEl>
+                                              <p:pRg st="7" end="7"/>
+                                            </p:txEl>
+                                          </p:spTgt>
+                                        </p:tgtEl>
+                                        <p:attrNameLst>
+                                          <p:attrName>ppt_x</p:attrName>
+                                        </p:attrNameLst>
+                                      </p:cBhvr>
+                                      <p:tavLst>
+                                        <p:tav tm="0">
+                                          <p:val>
+                                            <p:strVal val="#ppt_x"/>
+                                          </p:val>
+                                        </p:tav>
+                                        <p:tav tm="100000">
+                                          <p:val>
+                                            <p:strVal val="#ppt_x"/>
+                                          </p:val>
+                                        </p:tav>
+                                      </p:tavLst>
+                                    </p:anim>
+                                    <p:anim calcmode="lin" valueType="num">
+                                      <p:cBhvr>
+                                        <p:cTn id="60" dur="1000" fill="hold"/>
+                                        <p:tgtEl>
+                                          <p:spTgt spid="3">
+                                            <p:txEl>
+                                              <p:pRg st="7" end="7"/>
+                                            </p:txEl>
+                                          </p:spTgt>
+                                        </p:tgtEl>
+                                        <p:attrNameLst>
+                                          <p:attrName>ppt_y</p:attrName>
+                                        </p:attrNameLst>
+                                      </p:cBhvr>
+                                      <p:tavLst>
+                                        <p:tav tm="0">
+                                          <p:val>
+                                            <p:strVal val="#ppt_y+.1"/>
+                                          </p:val>
+                                        </p:tav>
+                                        <p:tav tm="100000">
+                                          <p:val>
+                                            <p:strVal val="#ppt_y"/>
+                                          </p:val>
+                                        </p:tav>
+                                      </p:tavLst>
+                                    </p:anim>
+                                  </p:childTnLst>
+                                </p:cTn>
+                              </p:par>
+                              <p:par>
+                                <p:cTn id="61" presetID="42" presetClass="entr" presetSubtype="0" fill="hold" nodeType="withEffect">
+                                  <p:stCondLst>
+                                    <p:cond delay="0"/>
+                                  </p:stCondLst>
+                                  <p:childTnLst>
+                                    <p:set>
+                                      <p:cBhvr>
+                                        <p:cTn id="62" dur="1" fill="hold">
+                                          <p:stCondLst>
+                                            <p:cond delay="0"/>
+                                          </p:stCondLst>
+                                        </p:cTn>
+                                        <p:tgtEl>
+                                          <p:spTgt spid="4102"/>
+                                        </p:tgtEl>
+                                        <p:attrNameLst>
+                                          <p:attrName>style.visibility</p:attrName>
+                                        </p:attrNameLst>
+                                      </p:cBhvr>
+                                      <p:to>
+                                        <p:strVal val="visible"/>
+                                      </p:to>
+                                    </p:set>
+                                    <p:animEffect transition="in" filter="fade">
+                                      <p:cBhvr>
+                                        <p:cTn id="63" dur="1000"/>
+                                        <p:tgtEl>
+                                          <p:spTgt spid="4102"/>
+                                        </p:tgtEl>
+                                      </p:cBhvr>
+                                    </p:animEffect>
+                                    <p:anim calcmode="lin" valueType="num">
+                                      <p:cBhvr>
+                                        <p:cTn id="64" dur="1000" fill="hold"/>
+                                        <p:tgtEl>
+                                          <p:spTgt spid="4102"/>
+                                        </p:tgtEl>
+                                        <p:attrNameLst>
+                                          <p:attrName>ppt_x</p:attrName>
+                                        </p:attrNameLst>
+                                      </p:cBhvr>
+                                      <p:tavLst>
+                                        <p:tav tm="0">
+                                          <p:val>
+                                            <p:strVal val="#ppt_x"/>
+                                          </p:val>
+                                        </p:tav>
+                                        <p:tav tm="100000">
+                                          <p:val>
+                                            <p:strVal val="#ppt_x"/>
+                                          </p:val>
+                                        </p:tav>
+                                      </p:tavLst>
+                                    </p:anim>
+                                    <p:anim calcmode="lin" valueType="num">
+                                      <p:cBhvr>
+                                        <p:cTn id="65" dur="1000" fill="hold"/>
+                                        <p:tgtEl>
+                                          <p:spTgt spid="4102"/>
+                                        </p:tgtEl>
+                                        <p:attrNameLst>
+                                          <p:attrName>ppt_y</p:attrName>
+                                        </p:attrNameLst>
+                                      </p:cBhvr>
+                                      <p:tavLst>
+                                        <p:tav tm="0">
+                                          <p:val>
+                                            <p:strVal val="#ppt_y+.1"/>
+                                          </p:val>
+                                        </p:tav>
+                                        <p:tav tm="100000">
+                                          <p:val>
+                                            <p:strVal val="#ppt_y"/>
+                                          </p:val>
+                                        </p:tav>
+                                      </p:tavLst>
+                                    </p:anim>
+                                  </p:childTnLst>
+                                </p:cTn>
+                              </p:par>
+                            </p:childTnLst>
+                          </p:cTn>
+                        </p:par>
+                      </p:childTnLst>
+                    </p:cTn>
+                  </p:par>
+                </p:childTnLst>
+              </p:cTn>
+              <p:prevCondLst>
+                <p:cond evt="onPrev" delay="0">
+                  <p:tgtEl>
+                    <p:sldTgt/>
+                  </p:tgtEl>
+                </p:cond>
+              </p:prevCondLst>
+              <p:nextCondLst>
+                <p:cond evt="onNext" delay="0">
+                  <p:tgtEl>
+                    <p:sldTgt/>
+                  </p:tgtEl>
+                </p:cond>
+              </p:nextCondLst>
+            </p:seq>
+          </p:childTnLst>
+        </p:cTn>
+      </p:par>
+    </p:tnLst>
+    <p:bldLst>
+      <p:bldP spid="3" grpId="0" uiExpand="1" build="p"/>
+    </p:bldLst>
+  </p:timing>
+</p:sld>
+</file>
+
+<file path=ppt/slides/slide7.xml><?xml version="1.0" encoding="utf-8"?>
+<p:sld xmlns:a="http://schemas.openxmlformats.org/drawingml/2006/main" xmlns:r="http://schemas.openxmlformats.org/officeDocument/2006/relationships" xmlns:p="http://schemas.openxmlformats.org/presentationml/2006/main">
+  <p:cSld>
+    <p:spTree>
+      <p:nvGrpSpPr>
+        <p:cNvPr id="1" name=""/>
+        <p:cNvGrpSpPr/>
+        <p:nvPr/>
+      </p:nvGrpSpPr>
+      <p:grpSpPr>
+        <a:xfrm>
+          <a:off x="0" y="0"/>
+          <a:ext cx="0" cy="0"/>
+          <a:chOff x="0" y="0"/>
+          <a:chExt cx="0" cy="0"/>
+        </a:xfrm>
+      </p:grpSpPr>
+      <p:sp>
+        <p:nvSpPr>
+          <p:cNvPr id="2" name="Titre 1"/>
+          <p:cNvSpPr>
+            <a:spLocks noGrp="1"/>
+          </p:cNvSpPr>
+          <p:nvPr>
+            <p:ph type="title"/>
+          </p:nvPr>
+        </p:nvSpPr>
+        <p:spPr>
+          <a:xfrm>
+            <a:off x="1942415" y="2281393"/>
+            <a:ext cx="6591985" cy="1468800"/>
+          </a:xfrm>
+        </p:spPr>
+        <p:txBody>
+          <a:bodyPr/>
+          <a:lstStyle/>
+          <a:p>
+            <a:r>
+              <a:rPr lang="fr-CH" dirty="0" smtClean="0"/>
+              <a:t>Diagramme de classes</a:t>
+            </a:r>
+            <a:endParaRPr lang="fr-CH" dirty="0"/>
+          </a:p>
+        </p:txBody>
+      </p:sp>
+      <p:sp>
+        <p:nvSpPr>
+          <p:cNvPr id="4" name="Espace réservé du numéro de diapositive 3"/>
+          <p:cNvSpPr>
+            <a:spLocks noGrp="1"/>
+          </p:cNvSpPr>
+          <p:nvPr>
+            <p:ph type="sldNum" sz="quarter" idx="12"/>
+          </p:nvPr>
+        </p:nvSpPr>
+        <p:spPr/>
+        <p:txBody>
+          <a:bodyPr/>
+          <a:lstStyle/>
+          <a:p>
+            <a:fld id="{D57F1E4F-1CFF-5643-939E-217C01CDF565}" type="slidenum">
+              <a:rPr lang="en-US" smtClean="0"/>
+              <a:pPr/>
+              <a:t>7</a:t>
+            </a:fld>
+            <a:endParaRPr lang="en-US" dirty="0"/>
+          </a:p>
+        </p:txBody>
+      </p:sp>
+    </p:spTree>
+    <p:extLst>
+      <p:ext uri="{BB962C8B-B14F-4D97-AF65-F5344CB8AC3E}">
+        <p14:creationId xmlns:p14="http://schemas.microsoft.com/office/powerpoint/2010/main" val="126048070"/>
+      </p:ext>
+    </p:extLst>
+  </p:cSld>
+  <p:clrMapOvr>
+    <a:masterClrMapping/>
+  </p:clrMapOvr>
+  <p:transition spd="med">
+    <p:pull/>
+  </p:transition>
+  <p:timing>
+    <p:tnLst>
+      <p:par>
+        <p:cTn id="1" dur="indefinite" restart="never" nodeType="tmRoot"/>
+      </p:par>
+    </p:tnLst>
+  </p:timing>
+</p:sld>
+</file>
+
+<file path=ppt/slides/slide8.xml><?xml version="1.0" encoding="utf-8"?>
+<p:sld xmlns:a="http://schemas.openxmlformats.org/drawingml/2006/main" xmlns:r="http://schemas.openxmlformats.org/officeDocument/2006/relationships" xmlns:p="http://schemas.openxmlformats.org/presentationml/2006/main">
+  <p:cSld>
+    <p:spTree>
+      <p:nvGrpSpPr>
+        <p:cNvPr id="1" name=""/>
+        <p:cNvGrpSpPr/>
+        <p:nvPr/>
+      </p:nvGrpSpPr>
+      <p:grpSpPr>
+        <a:xfrm>
+          <a:off x="0" y="0"/>
+          <a:ext cx="0" cy="0"/>
+          <a:chOff x="0" y="0"/>
+          <a:chExt cx="0" cy="0"/>
+        </a:xfrm>
+      </p:grpSpPr>
       <p:sp>
         <p:nvSpPr>
           <p:cNvPr id="2" name="Espace réservé du numéro de diapositive 1"/>
@@ -13744,22 +16402,55 @@
             <a:fld id="{D57F1E4F-1CFF-5643-939E-217C01CDF565}" type="slidenum">
               <a:rPr lang="en-US" smtClean="0"/>
               <a:pPr/>
-              <a:t>6</a:t>
+              <a:t>8</a:t>
             </a:fld>
             <a:endParaRPr lang="en-US" dirty="0"/>
           </a:p>
         </p:txBody>
       </p:sp>
+      <p:pic>
+        <p:nvPicPr>
+          <p:cNvPr id="3" name="Image 2"/>
+          <p:cNvPicPr>
+            <a:picLocks noChangeAspect="1"/>
+          </p:cNvPicPr>
+          <p:nvPr/>
+        </p:nvPicPr>
+        <p:blipFill>
+          <a:blip r:embed="rId2">
+            <a:extLst>
+              <a:ext uri="{28A0092B-C50C-407E-A947-70E740481C1C}">
+                <a14:useLocalDpi xmlns:a14="http://schemas.microsoft.com/office/drawing/2010/main" val="0"/>
+              </a:ext>
+            </a:extLst>
+          </a:blip>
+          <a:stretch>
+            <a:fillRect/>
+          </a:stretch>
+        </p:blipFill>
+        <p:spPr>
+          <a:xfrm>
+            <a:off x="-76202" y="-264030"/>
+            <a:ext cx="9311713" cy="7252657"/>
+          </a:xfrm>
+          <a:prstGeom prst="rect">
+            <a:avLst/>
+          </a:prstGeom>
+        </p:spPr>
+      </p:pic>
     </p:spTree>
     <p:extLst>
       <p:ext uri="{BB962C8B-B14F-4D97-AF65-F5344CB8AC3E}">
-        <p14:creationId xmlns:p14="http://schemas.microsoft.com/office/powerpoint/2010/main" val="2930904766"/>
+        <p14:creationId xmlns:p14="http://schemas.microsoft.com/office/powerpoint/2010/main" val="2309951033"/>
       </p:ext>
     </p:extLst>
   </p:cSld>
   <p:clrMapOvr>
     <a:masterClrMapping/>
   </p:clrMapOvr>
+  <p:transition spd="med">
+    <p:pull/>
+  </p:transition>
   <p:timing>
     <p:tnLst>
       <p:par>
@@ -13770,7 +16461,7 @@
 </p:sld>
 </file>
 
-<file path=ppt/slides/slide7.xml><?xml version="1.0" encoding="utf-8"?>
+<file path=ppt/slides/slide9.xml><?xml version="1.0" encoding="utf-8"?>
 <p:sld xmlns:a="http://schemas.openxmlformats.org/drawingml/2006/main" xmlns:r="http://schemas.openxmlformats.org/officeDocument/2006/relationships" xmlns:p="http://schemas.openxmlformats.org/presentationml/2006/main">
   <p:cSld>
     <p:spTree>
@@ -13949,7 +16640,7 @@
             <a:fld id="{D57F1E4F-1CFF-5643-939E-217C01CDF565}" type="slidenum">
               <a:rPr lang="en-US" smtClean="0"/>
               <a:pPr/>
-              <a:t>7</a:t>
+              <a:t>9</a:t>
             </a:fld>
             <a:endParaRPr lang="en-US" dirty="0"/>
           </a:p>
@@ -14006,1361 +16697,15 @@
   <p:clrMapOvr>
     <a:masterClrMapping/>
   </p:clrMapOvr>
+  <p:transition spd="med">
+    <p:pull/>
+  </p:transition>
   <p:timing>
     <p:tnLst>
       <p:par>
         <p:cTn id="1" dur="indefinite" restart="never" nodeType="tmRoot"/>
       </p:par>
     </p:tnLst>
-  </p:timing>
-</p:sld>
-</file>
-
-<file path=ppt/slides/slide8.xml><?xml version="1.0" encoding="utf-8"?>
-<p:sld xmlns:a="http://schemas.openxmlformats.org/drawingml/2006/main" xmlns:r="http://schemas.openxmlformats.org/officeDocument/2006/relationships" xmlns:p="http://schemas.openxmlformats.org/presentationml/2006/main">
-  <p:cSld>
-    <p:spTree>
-      <p:nvGrpSpPr>
-        <p:cNvPr id="1" name=""/>
-        <p:cNvGrpSpPr/>
-        <p:nvPr/>
-      </p:nvGrpSpPr>
-      <p:grpSpPr>
-        <a:xfrm>
-          <a:off x="0" y="0"/>
-          <a:ext cx="0" cy="0"/>
-          <a:chOff x="0" y="0"/>
-          <a:chExt cx="0" cy="0"/>
-        </a:xfrm>
-      </p:grpSpPr>
-      <p:sp>
-        <p:nvSpPr>
-          <p:cNvPr id="3" name="Espace réservé du contenu 2"/>
-          <p:cNvSpPr>
-            <a:spLocks noGrp="1"/>
-          </p:cNvSpPr>
-          <p:nvPr>
-            <p:ph idx="1"/>
-          </p:nvPr>
-        </p:nvSpPr>
-        <p:spPr>
-          <a:xfrm>
-            <a:off x="1596395" y="2023261"/>
-            <a:ext cx="7069282" cy="4269458"/>
-          </a:xfrm>
-        </p:spPr>
-        <p:txBody>
-          <a:bodyPr>
-            <a:normAutofit/>
-          </a:bodyPr>
-          <a:lstStyle/>
-          <a:p>
-            <a:pPr defTabSz="631825">
-              <a:buFont typeface="Wingdings 3" panose="05040102010807070707" pitchFamily="18" charset="2"/>
-              <a:buChar char=""/>
-            </a:pPr>
-            <a:r>
-              <a:rPr lang="fr-CH" sz="2200" dirty="0" smtClean="0"/>
-              <a:t>Projet de </a:t>
-            </a:r>
-            <a:r>
-              <a:rPr lang="fr-CH" sz="2200" u="sng" dirty="0" smtClean="0"/>
-              <a:t>3 semaines</a:t>
-            </a:r>
-            <a:r>
-              <a:rPr lang="fr-CH" sz="2200" dirty="0" smtClean="0"/>
-              <a:t> à </a:t>
-            </a:r>
-            <a:r>
-              <a:rPr lang="fr-CH" sz="2200" u="sng" dirty="0" smtClean="0"/>
-              <a:t>5 personnes</a:t>
-            </a:r>
-            <a:r>
-              <a:rPr lang="fr-CH" sz="2200" dirty="0" smtClean="0"/>
-              <a:t> ?</a:t>
-            </a:r>
-          </a:p>
-          <a:p>
-            <a:pPr lvl="1" defTabSz="631825">
-              <a:buFont typeface="Wingdings 3" panose="05040102010807070707" pitchFamily="18" charset="2"/>
-              <a:buChar char=""/>
-            </a:pPr>
-            <a:r>
-              <a:rPr lang="fr-CH" sz="2000" dirty="0" smtClean="0"/>
-              <a:t>Difficile voire impossible de répartir les tâches sur l’ensemble du groupe</a:t>
-            </a:r>
-          </a:p>
-          <a:p>
-            <a:pPr lvl="1" defTabSz="631825">
-              <a:buFont typeface="Wingdings 3" panose="05040102010807070707" pitchFamily="18" charset="2"/>
-              <a:buChar char=""/>
-            </a:pPr>
-            <a:r>
-              <a:rPr lang="fr-CH" sz="2000" dirty="0" smtClean="0"/>
-              <a:t>Semaine 2 et 3 = dernières semaines = </a:t>
-            </a:r>
-            <a:r>
-              <a:rPr lang="fr-CH" sz="1800" dirty="0" smtClean="0"/>
-              <a:t>surchargées</a:t>
-            </a:r>
-          </a:p>
-          <a:p>
-            <a:pPr lvl="1" defTabSz="631825">
-              <a:buFont typeface="Wingdings 3" panose="05040102010807070707" pitchFamily="18" charset="2"/>
-              <a:buChar char=""/>
-            </a:pPr>
-            <a:endParaRPr lang="fr-CH" sz="1800" dirty="0" smtClean="0"/>
-          </a:p>
-        </p:txBody>
-      </p:sp>
-      <p:pic>
-        <p:nvPicPr>
-          <p:cNvPr id="4" name="Picture 2" descr="https://pbs.twimg.com/profile_images/451358899568775168/1Gqey4fM_400x400.png"/>
-          <p:cNvPicPr>
-            <a:picLocks noChangeAspect="1" noChangeArrowheads="1"/>
-          </p:cNvPicPr>
-          <p:nvPr/>
-        </p:nvPicPr>
-        <p:blipFill rotWithShape="1">
-          <a:blip r:embed="rId2">
-            <a:extLst>
-              <a:ext uri="{28A0092B-C50C-407E-A947-70E740481C1C}">
-                <a14:useLocalDpi xmlns:a14="http://schemas.microsoft.com/office/drawing/2010/main" val="0"/>
-              </a:ext>
-            </a:extLst>
-          </a:blip>
-          <a:srcRect l="28553" r="23721"/>
-          <a:stretch/>
-        </p:blipFill>
-        <p:spPr bwMode="auto">
-          <a:xfrm>
-            <a:off x="7450283" y="0"/>
-            <a:ext cx="662572" cy="1388320"/>
-          </a:xfrm>
-          <a:prstGeom prst="rect">
-            <a:avLst/>
-          </a:prstGeom>
-          <a:noFill/>
-          <a:extLst>
-            <a:ext uri="{909E8E84-426E-40DD-AFC4-6F175D3DCCD1}">
-              <a14:hiddenFill xmlns:a14="http://schemas.microsoft.com/office/drawing/2010/main">
-                <a:solidFill>
-                  <a:srgbClr val="FFFFFF"/>
-                </a:solidFill>
-              </a14:hiddenFill>
-            </a:ext>
-          </a:extLst>
-        </p:spPr>
-      </p:pic>
-      <p:sp>
-        <p:nvSpPr>
-          <p:cNvPr id="7" name="Titre 1"/>
-          <p:cNvSpPr txBox="1">
-            <a:spLocks/>
-          </p:cNvSpPr>
-          <p:nvPr/>
-        </p:nvSpPr>
-        <p:spPr>
-          <a:xfrm>
-            <a:off x="1596395" y="608278"/>
-            <a:ext cx="5853888" cy="1280890"/>
-          </a:xfrm>
-          <a:prstGeom prst="rect">
-            <a:avLst/>
-          </a:prstGeom>
-        </p:spPr>
-        <p:txBody>
-          <a:bodyPr vert="horz" lIns="91440" tIns="45720" rIns="91440" bIns="45720" rtlCol="0" anchor="t">
-            <a:normAutofit/>
-          </a:bodyPr>
-          <a:lstStyle>
-            <a:lvl1pPr algn="l" defTabSz="457200" rtl="0" eaLnBrk="1" latinLnBrk="0" hangingPunct="1">
-              <a:spcBef>
-                <a:spcPct val="0"/>
-              </a:spcBef>
-              <a:buNone/>
-              <a:defRPr sz="3600" kern="1200">
-                <a:solidFill>
-                  <a:schemeClr val="tx1">
-                    <a:lumMod val="85000"/>
-                    <a:lumOff val="15000"/>
-                  </a:schemeClr>
-                </a:solidFill>
-                <a:latin typeface="+mj-lt"/>
-                <a:ea typeface="+mj-ea"/>
-                <a:cs typeface="+mj-cs"/>
-              </a:defRPr>
-            </a:lvl1pPr>
-            <a:lvl2pPr eaLnBrk="1" hangingPunct="1">
-              <a:defRPr>
-                <a:solidFill>
-                  <a:schemeClr val="tx2"/>
-                </a:solidFill>
-              </a:defRPr>
-            </a:lvl2pPr>
-            <a:lvl3pPr eaLnBrk="1" hangingPunct="1">
-              <a:defRPr>
-                <a:solidFill>
-                  <a:schemeClr val="tx2"/>
-                </a:solidFill>
-              </a:defRPr>
-            </a:lvl3pPr>
-            <a:lvl4pPr eaLnBrk="1" hangingPunct="1">
-              <a:defRPr>
-                <a:solidFill>
-                  <a:schemeClr val="tx2"/>
-                </a:solidFill>
-              </a:defRPr>
-            </a:lvl4pPr>
-            <a:lvl5pPr eaLnBrk="1" hangingPunct="1">
-              <a:defRPr>
-                <a:solidFill>
-                  <a:schemeClr val="tx2"/>
-                </a:solidFill>
-              </a:defRPr>
-            </a:lvl5pPr>
-            <a:lvl6pPr eaLnBrk="1" hangingPunct="1">
-              <a:defRPr>
-                <a:solidFill>
-                  <a:schemeClr val="tx2"/>
-                </a:solidFill>
-              </a:defRPr>
-            </a:lvl6pPr>
-            <a:lvl7pPr eaLnBrk="1" hangingPunct="1">
-              <a:defRPr>
-                <a:solidFill>
-                  <a:schemeClr val="tx2"/>
-                </a:solidFill>
-              </a:defRPr>
-            </a:lvl7pPr>
-            <a:lvl8pPr eaLnBrk="1" hangingPunct="1">
-              <a:defRPr>
-                <a:solidFill>
-                  <a:schemeClr val="tx2"/>
-                </a:solidFill>
-              </a:defRPr>
-            </a:lvl8pPr>
-            <a:lvl9pPr eaLnBrk="1" hangingPunct="1">
-              <a:defRPr>
-                <a:solidFill>
-                  <a:schemeClr val="tx2"/>
-                </a:solidFill>
-              </a:defRPr>
-            </a:lvl9pPr>
-          </a:lstStyle>
-          <a:p>
-            <a:r>
-              <a:rPr lang="fr-CH" sz="4000" dirty="0" smtClean="0"/>
-              <a:t>Conclusion</a:t>
-            </a:r>
-            <a:endParaRPr lang="fr-CH" sz="4000" dirty="0"/>
-          </a:p>
-        </p:txBody>
-      </p:sp>
-      <p:sp>
-        <p:nvSpPr>
-          <p:cNvPr id="2" name="Espace réservé du numéro de diapositive 1"/>
-          <p:cNvSpPr>
-            <a:spLocks noGrp="1"/>
-          </p:cNvSpPr>
-          <p:nvPr>
-            <p:ph type="sldNum" sz="quarter" idx="12"/>
-          </p:nvPr>
-        </p:nvSpPr>
-        <p:spPr/>
-        <p:txBody>
-          <a:bodyPr/>
-          <a:lstStyle/>
-          <a:p>
-            <a:fld id="{D57F1E4F-1CFF-5643-939E-217C01CDF565}" type="slidenum">
-              <a:rPr lang="en-US" smtClean="0"/>
-              <a:pPr/>
-              <a:t>8</a:t>
-            </a:fld>
-            <a:endParaRPr lang="en-US" dirty="0"/>
-          </a:p>
-        </p:txBody>
-      </p:sp>
-      <p:pic>
-        <p:nvPicPr>
-          <p:cNvPr id="1032" name="Picture 8" descr="http://images-aus.reachsite.com/fca25264-e5dc-457e-a57e-39116c47df0f/media/63037/medium/63037.PNG"/>
-          <p:cNvPicPr>
-            <a:picLocks noChangeAspect="1" noChangeArrowheads="1"/>
-          </p:cNvPicPr>
-          <p:nvPr/>
-        </p:nvPicPr>
-        <p:blipFill rotWithShape="1">
-          <a:blip r:embed="rId3">
-            <a:extLst>
-              <a:ext uri="{28A0092B-C50C-407E-A947-70E740481C1C}">
-                <a14:useLocalDpi xmlns:a14="http://schemas.microsoft.com/office/drawing/2010/main" val="0"/>
-              </a:ext>
-            </a:extLst>
-          </a:blip>
-          <a:srcRect l="5706" r="51257"/>
-          <a:stretch/>
-        </p:blipFill>
-        <p:spPr bwMode="auto">
-          <a:xfrm>
-            <a:off x="6981529" y="4528454"/>
-            <a:ext cx="1600080" cy="2090057"/>
-          </a:xfrm>
-          <a:prstGeom prst="rect">
-            <a:avLst/>
-          </a:prstGeom>
-          <a:noFill/>
-          <a:extLst>
-            <a:ext uri="{909E8E84-426E-40DD-AFC4-6F175D3DCCD1}">
-              <a14:hiddenFill xmlns:a14="http://schemas.microsoft.com/office/drawing/2010/main">
-                <a:solidFill>
-                  <a:srgbClr val="FFFFFF"/>
-                </a:solidFill>
-              </a14:hiddenFill>
-            </a:ext>
-          </a:extLst>
-        </p:spPr>
-      </p:pic>
-    </p:spTree>
-    <p:extLst>
-      <p:ext uri="{BB962C8B-B14F-4D97-AF65-F5344CB8AC3E}">
-        <p14:creationId xmlns:p14="http://schemas.microsoft.com/office/powerpoint/2010/main" val="854379115"/>
-      </p:ext>
-    </p:extLst>
-  </p:cSld>
-  <p:clrMapOvr>
-    <a:masterClrMapping/>
-  </p:clrMapOvr>
-  <p:timing>
-    <p:tnLst>
-      <p:par>
-        <p:cTn id="1" dur="indefinite" restart="never" nodeType="tmRoot">
-          <p:childTnLst>
-            <p:seq concurrent="1" nextAc="seek">
-              <p:cTn id="2" dur="indefinite" nodeType="mainSeq">
-                <p:childTnLst>
-                  <p:par>
-                    <p:cTn id="3" fill="hold">
-                      <p:stCondLst>
-                        <p:cond delay="indefinite"/>
-                      </p:stCondLst>
-                      <p:childTnLst>
-                        <p:par>
-                          <p:cTn id="4" fill="hold">
-                            <p:stCondLst>
-                              <p:cond delay="0"/>
-                            </p:stCondLst>
-                            <p:childTnLst>
-                              <p:par>
-                                <p:cTn id="5" presetID="42" presetClass="entr" presetSubtype="0" fill="hold" grpId="0" nodeType="clickEffect">
-                                  <p:stCondLst>
-                                    <p:cond delay="0"/>
-                                  </p:stCondLst>
-                                  <p:childTnLst>
-                                    <p:set>
-                                      <p:cBhvr>
-                                        <p:cTn id="6" dur="1" fill="hold">
-                                          <p:stCondLst>
-                                            <p:cond delay="0"/>
-                                          </p:stCondLst>
-                                        </p:cTn>
-                                        <p:tgtEl>
-                                          <p:spTgt spid="3">
-                                            <p:txEl>
-                                              <p:pRg st="0" end="0"/>
-                                            </p:txEl>
-                                          </p:spTgt>
-                                        </p:tgtEl>
-                                        <p:attrNameLst>
-                                          <p:attrName>style.visibility</p:attrName>
-                                        </p:attrNameLst>
-                                      </p:cBhvr>
-                                      <p:to>
-                                        <p:strVal val="visible"/>
-                                      </p:to>
-                                    </p:set>
-                                    <p:animEffect transition="in" filter="fade">
-                                      <p:cBhvr>
-                                        <p:cTn id="7" dur="1000"/>
-                                        <p:tgtEl>
-                                          <p:spTgt spid="3">
-                                            <p:txEl>
-                                              <p:pRg st="0" end="0"/>
-                                            </p:txEl>
-                                          </p:spTgt>
-                                        </p:tgtEl>
-                                      </p:cBhvr>
-                                    </p:animEffect>
-                                    <p:anim calcmode="lin" valueType="num">
-                                      <p:cBhvr>
-                                        <p:cTn id="8" dur="1000" fill="hold"/>
-                                        <p:tgtEl>
-                                          <p:spTgt spid="3">
-                                            <p:txEl>
-                                              <p:pRg st="0" end="0"/>
-                                            </p:txEl>
-                                          </p:spTgt>
-                                        </p:tgtEl>
-                                        <p:attrNameLst>
-                                          <p:attrName>ppt_x</p:attrName>
-                                        </p:attrNameLst>
-                                      </p:cBhvr>
-                                      <p:tavLst>
-                                        <p:tav tm="0">
-                                          <p:val>
-                                            <p:strVal val="#ppt_x"/>
-                                          </p:val>
-                                        </p:tav>
-                                        <p:tav tm="100000">
-                                          <p:val>
-                                            <p:strVal val="#ppt_x"/>
-                                          </p:val>
-                                        </p:tav>
-                                      </p:tavLst>
-                                    </p:anim>
-                                    <p:anim calcmode="lin" valueType="num">
-                                      <p:cBhvr>
-                                        <p:cTn id="9" dur="1000" fill="hold"/>
-                                        <p:tgtEl>
-                                          <p:spTgt spid="3">
-                                            <p:txEl>
-                                              <p:pRg st="0" end="0"/>
-                                            </p:txEl>
-                                          </p:spTgt>
-                                        </p:tgtEl>
-                                        <p:attrNameLst>
-                                          <p:attrName>ppt_y</p:attrName>
-                                        </p:attrNameLst>
-                                      </p:cBhvr>
-                                      <p:tavLst>
-                                        <p:tav tm="0">
-                                          <p:val>
-                                            <p:strVal val="#ppt_y+.1"/>
-                                          </p:val>
-                                        </p:tav>
-                                        <p:tav tm="100000">
-                                          <p:val>
-                                            <p:strVal val="#ppt_y"/>
-                                          </p:val>
-                                        </p:tav>
-                                      </p:tavLst>
-                                    </p:anim>
-                                  </p:childTnLst>
-                                </p:cTn>
-                              </p:par>
-                              <p:par>
-                                <p:cTn id="10" presetID="42" presetClass="entr" presetSubtype="0" fill="hold" grpId="0" nodeType="withEffect">
-                                  <p:stCondLst>
-                                    <p:cond delay="0"/>
-                                  </p:stCondLst>
-                                  <p:childTnLst>
-                                    <p:set>
-                                      <p:cBhvr>
-                                        <p:cTn id="11" dur="1" fill="hold">
-                                          <p:stCondLst>
-                                            <p:cond delay="0"/>
-                                          </p:stCondLst>
-                                        </p:cTn>
-                                        <p:tgtEl>
-                                          <p:spTgt spid="3">
-                                            <p:txEl>
-                                              <p:pRg st="1" end="1"/>
-                                            </p:txEl>
-                                          </p:spTgt>
-                                        </p:tgtEl>
-                                        <p:attrNameLst>
-                                          <p:attrName>style.visibility</p:attrName>
-                                        </p:attrNameLst>
-                                      </p:cBhvr>
-                                      <p:to>
-                                        <p:strVal val="visible"/>
-                                      </p:to>
-                                    </p:set>
-                                    <p:animEffect transition="in" filter="fade">
-                                      <p:cBhvr>
-                                        <p:cTn id="12" dur="1000"/>
-                                        <p:tgtEl>
-                                          <p:spTgt spid="3">
-                                            <p:txEl>
-                                              <p:pRg st="1" end="1"/>
-                                            </p:txEl>
-                                          </p:spTgt>
-                                        </p:tgtEl>
-                                      </p:cBhvr>
-                                    </p:animEffect>
-                                    <p:anim calcmode="lin" valueType="num">
-                                      <p:cBhvr>
-                                        <p:cTn id="13" dur="1000" fill="hold"/>
-                                        <p:tgtEl>
-                                          <p:spTgt spid="3">
-                                            <p:txEl>
-                                              <p:pRg st="1" end="1"/>
-                                            </p:txEl>
-                                          </p:spTgt>
-                                        </p:tgtEl>
-                                        <p:attrNameLst>
-                                          <p:attrName>ppt_x</p:attrName>
-                                        </p:attrNameLst>
-                                      </p:cBhvr>
-                                      <p:tavLst>
-                                        <p:tav tm="0">
-                                          <p:val>
-                                            <p:strVal val="#ppt_x"/>
-                                          </p:val>
-                                        </p:tav>
-                                        <p:tav tm="100000">
-                                          <p:val>
-                                            <p:strVal val="#ppt_x"/>
-                                          </p:val>
-                                        </p:tav>
-                                      </p:tavLst>
-                                    </p:anim>
-                                    <p:anim calcmode="lin" valueType="num">
-                                      <p:cBhvr>
-                                        <p:cTn id="14" dur="1000" fill="hold"/>
-                                        <p:tgtEl>
-                                          <p:spTgt spid="3">
-                                            <p:txEl>
-                                              <p:pRg st="1" end="1"/>
-                                            </p:txEl>
-                                          </p:spTgt>
-                                        </p:tgtEl>
-                                        <p:attrNameLst>
-                                          <p:attrName>ppt_y</p:attrName>
-                                        </p:attrNameLst>
-                                      </p:cBhvr>
-                                      <p:tavLst>
-                                        <p:tav tm="0">
-                                          <p:val>
-                                            <p:strVal val="#ppt_y+.1"/>
-                                          </p:val>
-                                        </p:tav>
-                                        <p:tav tm="100000">
-                                          <p:val>
-                                            <p:strVal val="#ppt_y"/>
-                                          </p:val>
-                                        </p:tav>
-                                      </p:tavLst>
-                                    </p:anim>
-                                  </p:childTnLst>
-                                </p:cTn>
-                              </p:par>
-                              <p:par>
-                                <p:cTn id="15" presetID="42" presetClass="entr" presetSubtype="0" fill="hold" grpId="0" nodeType="withEffect">
-                                  <p:stCondLst>
-                                    <p:cond delay="0"/>
-                                  </p:stCondLst>
-                                  <p:childTnLst>
-                                    <p:set>
-                                      <p:cBhvr>
-                                        <p:cTn id="16" dur="1" fill="hold">
-                                          <p:stCondLst>
-                                            <p:cond delay="0"/>
-                                          </p:stCondLst>
-                                        </p:cTn>
-                                        <p:tgtEl>
-                                          <p:spTgt spid="3">
-                                            <p:txEl>
-                                              <p:pRg st="2" end="2"/>
-                                            </p:txEl>
-                                          </p:spTgt>
-                                        </p:tgtEl>
-                                        <p:attrNameLst>
-                                          <p:attrName>style.visibility</p:attrName>
-                                        </p:attrNameLst>
-                                      </p:cBhvr>
-                                      <p:to>
-                                        <p:strVal val="visible"/>
-                                      </p:to>
-                                    </p:set>
-                                    <p:animEffect transition="in" filter="fade">
-                                      <p:cBhvr>
-                                        <p:cTn id="17" dur="1000"/>
-                                        <p:tgtEl>
-                                          <p:spTgt spid="3">
-                                            <p:txEl>
-                                              <p:pRg st="2" end="2"/>
-                                            </p:txEl>
-                                          </p:spTgt>
-                                        </p:tgtEl>
-                                      </p:cBhvr>
-                                    </p:animEffect>
-                                    <p:anim calcmode="lin" valueType="num">
-                                      <p:cBhvr>
-                                        <p:cTn id="18" dur="1000" fill="hold"/>
-                                        <p:tgtEl>
-                                          <p:spTgt spid="3">
-                                            <p:txEl>
-                                              <p:pRg st="2" end="2"/>
-                                            </p:txEl>
-                                          </p:spTgt>
-                                        </p:tgtEl>
-                                        <p:attrNameLst>
-                                          <p:attrName>ppt_x</p:attrName>
-                                        </p:attrNameLst>
-                                      </p:cBhvr>
-                                      <p:tavLst>
-                                        <p:tav tm="0">
-                                          <p:val>
-                                            <p:strVal val="#ppt_x"/>
-                                          </p:val>
-                                        </p:tav>
-                                        <p:tav tm="100000">
-                                          <p:val>
-                                            <p:strVal val="#ppt_x"/>
-                                          </p:val>
-                                        </p:tav>
-                                      </p:tavLst>
-                                    </p:anim>
-                                    <p:anim calcmode="lin" valueType="num">
-                                      <p:cBhvr>
-                                        <p:cTn id="19" dur="1000" fill="hold"/>
-                                        <p:tgtEl>
-                                          <p:spTgt spid="3">
-                                            <p:txEl>
-                                              <p:pRg st="2" end="2"/>
-                                            </p:txEl>
-                                          </p:spTgt>
-                                        </p:tgtEl>
-                                        <p:attrNameLst>
-                                          <p:attrName>ppt_y</p:attrName>
-                                        </p:attrNameLst>
-                                      </p:cBhvr>
-                                      <p:tavLst>
-                                        <p:tav tm="0">
-                                          <p:val>
-                                            <p:strVal val="#ppt_y+.1"/>
-                                          </p:val>
-                                        </p:tav>
-                                        <p:tav tm="100000">
-                                          <p:val>
-                                            <p:strVal val="#ppt_y"/>
-                                          </p:val>
-                                        </p:tav>
-                                      </p:tavLst>
-                                    </p:anim>
-                                  </p:childTnLst>
-                                </p:cTn>
-                              </p:par>
-                            </p:childTnLst>
-                          </p:cTn>
-                        </p:par>
-                      </p:childTnLst>
-                    </p:cTn>
-                  </p:par>
-                </p:childTnLst>
-              </p:cTn>
-              <p:prevCondLst>
-                <p:cond evt="onPrev" delay="0">
-                  <p:tgtEl>
-                    <p:sldTgt/>
-                  </p:tgtEl>
-                </p:cond>
-              </p:prevCondLst>
-              <p:nextCondLst>
-                <p:cond evt="onNext" delay="0">
-                  <p:tgtEl>
-                    <p:sldTgt/>
-                  </p:tgtEl>
-                </p:cond>
-              </p:nextCondLst>
-            </p:seq>
-          </p:childTnLst>
-        </p:cTn>
-      </p:par>
-    </p:tnLst>
-    <p:bldLst>
-      <p:bldP spid="3" grpId="0" build="p"/>
-    </p:bldLst>
-  </p:timing>
-</p:sld>
-</file>
-
-<file path=ppt/slides/slide9.xml><?xml version="1.0" encoding="utf-8"?>
-<p:sld xmlns:a="http://schemas.openxmlformats.org/drawingml/2006/main" xmlns:r="http://schemas.openxmlformats.org/officeDocument/2006/relationships" xmlns:p="http://schemas.openxmlformats.org/presentationml/2006/main">
-  <p:cSld>
-    <p:spTree>
-      <p:nvGrpSpPr>
-        <p:cNvPr id="1" name=""/>
-        <p:cNvGrpSpPr/>
-        <p:nvPr/>
-      </p:nvGrpSpPr>
-      <p:grpSpPr>
-        <a:xfrm>
-          <a:off x="0" y="0"/>
-          <a:ext cx="0" cy="0"/>
-          <a:chOff x="0" y="0"/>
-          <a:chExt cx="0" cy="0"/>
-        </a:xfrm>
-      </p:grpSpPr>
-      <p:sp>
-        <p:nvSpPr>
-          <p:cNvPr id="3" name="Espace réservé du contenu 2"/>
-          <p:cNvSpPr>
-            <a:spLocks noGrp="1"/>
-          </p:cNvSpPr>
-          <p:nvPr>
-            <p:ph idx="1"/>
-          </p:nvPr>
-        </p:nvSpPr>
-        <p:spPr>
-          <a:xfrm>
-            <a:off x="1596395" y="1925290"/>
-            <a:ext cx="7069282" cy="4269458"/>
-          </a:xfrm>
-        </p:spPr>
-        <p:txBody>
-          <a:bodyPr>
-            <a:normAutofit/>
-          </a:bodyPr>
-          <a:lstStyle/>
-          <a:p>
-            <a:pPr defTabSz="631825">
-              <a:buFont typeface="Wingdings 3" panose="05040102010807070707" pitchFamily="18" charset="2"/>
-              <a:buChar char=""/>
-            </a:pPr>
-            <a:r>
-              <a:rPr lang="fr-CH" sz="2200" dirty="0" smtClean="0"/>
-              <a:t>Choix </a:t>
-            </a:r>
-            <a:r>
-              <a:rPr lang="fr-CH" sz="2200" u="sng" dirty="0" smtClean="0"/>
-              <a:t>original</a:t>
-            </a:r>
-            <a:r>
-              <a:rPr lang="fr-CH" sz="2200" dirty="0" smtClean="0"/>
-              <a:t> et </a:t>
-            </a:r>
-            <a:r>
-              <a:rPr lang="fr-CH" sz="2200" u="sng" dirty="0" smtClean="0"/>
-              <a:t>sexy</a:t>
-            </a:r>
-            <a:r>
-              <a:rPr lang="fr-CH" sz="2200" dirty="0" smtClean="0"/>
-              <a:t> du projet</a:t>
-            </a:r>
-          </a:p>
-          <a:p>
-            <a:pPr lvl="1" defTabSz="631825">
-              <a:buFont typeface="Wingdings 3" panose="05040102010807070707" pitchFamily="18" charset="2"/>
-              <a:buChar char=""/>
-            </a:pPr>
-            <a:r>
-              <a:rPr lang="fr-CH" sz="2000" dirty="0" smtClean="0"/>
-              <a:t>Pas si facile</a:t>
-            </a:r>
-          </a:p>
-          <a:p>
-            <a:pPr lvl="1" defTabSz="631825">
-              <a:buFont typeface="Wingdings 3" panose="05040102010807070707" pitchFamily="18" charset="2"/>
-              <a:buChar char=""/>
-            </a:pPr>
-            <a:r>
-              <a:rPr lang="fr-CH" sz="2000" dirty="0" smtClean="0"/>
-              <a:t>Au final, prends plaisir à travailler sur le projet</a:t>
-            </a:r>
-          </a:p>
-          <a:p>
-            <a:pPr defTabSz="631825">
-              <a:buFont typeface="Wingdings 3" panose="05040102010807070707" pitchFamily="18" charset="2"/>
-              <a:buChar char=""/>
-            </a:pPr>
-            <a:endParaRPr lang="fr-CH" sz="2200" dirty="0" smtClean="0"/>
-          </a:p>
-          <a:p>
-            <a:pPr defTabSz="631825">
-              <a:buFont typeface="Wingdings 3" panose="05040102010807070707" pitchFamily="18" charset="2"/>
-              <a:buChar char=""/>
-            </a:pPr>
-            <a:endParaRPr lang="fr-CH" sz="2200" dirty="0" smtClean="0"/>
-          </a:p>
-          <a:p>
-            <a:pPr defTabSz="631825">
-              <a:buFont typeface="Wingdings 3" panose="05040102010807070707" pitchFamily="18" charset="2"/>
-              <a:buChar char=""/>
-            </a:pPr>
-            <a:endParaRPr lang="fr-CH" sz="2200" dirty="0" smtClean="0"/>
-          </a:p>
-          <a:p>
-            <a:pPr defTabSz="631825">
-              <a:buFont typeface="Wingdings 3" panose="05040102010807070707" pitchFamily="18" charset="2"/>
-              <a:buChar char=""/>
-            </a:pPr>
-            <a:endParaRPr lang="fr-CH" sz="2200" dirty="0" smtClean="0"/>
-          </a:p>
-          <a:p>
-            <a:pPr defTabSz="631825">
-              <a:buFont typeface="Wingdings 3" panose="05040102010807070707" pitchFamily="18" charset="2"/>
-              <a:buChar char=""/>
-            </a:pPr>
-            <a:endParaRPr lang="fr-CH" sz="2200" dirty="0" smtClean="0"/>
-          </a:p>
-          <a:p>
-            <a:pPr lvl="1" defTabSz="631825">
-              <a:buFont typeface="Wingdings 3" panose="05040102010807070707" pitchFamily="18" charset="2"/>
-              <a:buChar char=""/>
-            </a:pPr>
-            <a:endParaRPr lang="fr-CH" sz="2000" dirty="0" smtClean="0"/>
-          </a:p>
-        </p:txBody>
-      </p:sp>
-      <p:pic>
-        <p:nvPicPr>
-          <p:cNvPr id="4" name="Picture 2" descr="https://pbs.twimg.com/profile_images/451358899568775168/1Gqey4fM_400x400.png"/>
-          <p:cNvPicPr>
-            <a:picLocks noChangeAspect="1" noChangeArrowheads="1"/>
-          </p:cNvPicPr>
-          <p:nvPr/>
-        </p:nvPicPr>
-        <p:blipFill rotWithShape="1">
-          <a:blip r:embed="rId2">
-            <a:extLst>
-              <a:ext uri="{28A0092B-C50C-407E-A947-70E740481C1C}">
-                <a14:useLocalDpi xmlns:a14="http://schemas.microsoft.com/office/drawing/2010/main" val="0"/>
-              </a:ext>
-            </a:extLst>
-          </a:blip>
-          <a:srcRect l="28553" r="23721"/>
-          <a:stretch/>
-        </p:blipFill>
-        <p:spPr bwMode="auto">
-          <a:xfrm>
-            <a:off x="7450283" y="0"/>
-            <a:ext cx="662572" cy="1388320"/>
-          </a:xfrm>
-          <a:prstGeom prst="rect">
-            <a:avLst/>
-          </a:prstGeom>
-          <a:noFill/>
-          <a:extLst>
-            <a:ext uri="{909E8E84-426E-40DD-AFC4-6F175D3DCCD1}">
-              <a14:hiddenFill xmlns:a14="http://schemas.microsoft.com/office/drawing/2010/main">
-                <a:solidFill>
-                  <a:srgbClr val="FFFFFF"/>
-                </a:solidFill>
-              </a14:hiddenFill>
-            </a:ext>
-          </a:extLst>
-        </p:spPr>
-      </p:pic>
-      <p:sp>
-        <p:nvSpPr>
-          <p:cNvPr id="7" name="Titre 1"/>
-          <p:cNvSpPr txBox="1">
-            <a:spLocks/>
-          </p:cNvSpPr>
-          <p:nvPr/>
-        </p:nvSpPr>
-        <p:spPr>
-          <a:xfrm>
-            <a:off x="1596395" y="608278"/>
-            <a:ext cx="5853888" cy="1280890"/>
-          </a:xfrm>
-          <a:prstGeom prst="rect">
-            <a:avLst/>
-          </a:prstGeom>
-        </p:spPr>
-        <p:txBody>
-          <a:bodyPr vert="horz" lIns="91440" tIns="45720" rIns="91440" bIns="45720" rtlCol="0" anchor="t">
-            <a:normAutofit/>
-          </a:bodyPr>
-          <a:lstStyle>
-            <a:lvl1pPr algn="l" defTabSz="457200" rtl="0" eaLnBrk="1" latinLnBrk="0" hangingPunct="1">
-              <a:spcBef>
-                <a:spcPct val="0"/>
-              </a:spcBef>
-              <a:buNone/>
-              <a:defRPr sz="3600" kern="1200">
-                <a:solidFill>
-                  <a:schemeClr val="tx1">
-                    <a:lumMod val="85000"/>
-                    <a:lumOff val="15000"/>
-                  </a:schemeClr>
-                </a:solidFill>
-                <a:latin typeface="+mj-lt"/>
-                <a:ea typeface="+mj-ea"/>
-                <a:cs typeface="+mj-cs"/>
-              </a:defRPr>
-            </a:lvl1pPr>
-            <a:lvl2pPr eaLnBrk="1" hangingPunct="1">
-              <a:defRPr>
-                <a:solidFill>
-                  <a:schemeClr val="tx2"/>
-                </a:solidFill>
-              </a:defRPr>
-            </a:lvl2pPr>
-            <a:lvl3pPr eaLnBrk="1" hangingPunct="1">
-              <a:defRPr>
-                <a:solidFill>
-                  <a:schemeClr val="tx2"/>
-                </a:solidFill>
-              </a:defRPr>
-            </a:lvl3pPr>
-            <a:lvl4pPr eaLnBrk="1" hangingPunct="1">
-              <a:defRPr>
-                <a:solidFill>
-                  <a:schemeClr val="tx2"/>
-                </a:solidFill>
-              </a:defRPr>
-            </a:lvl4pPr>
-            <a:lvl5pPr eaLnBrk="1" hangingPunct="1">
-              <a:defRPr>
-                <a:solidFill>
-                  <a:schemeClr val="tx2"/>
-                </a:solidFill>
-              </a:defRPr>
-            </a:lvl5pPr>
-            <a:lvl6pPr eaLnBrk="1" hangingPunct="1">
-              <a:defRPr>
-                <a:solidFill>
-                  <a:schemeClr val="tx2"/>
-                </a:solidFill>
-              </a:defRPr>
-            </a:lvl6pPr>
-            <a:lvl7pPr eaLnBrk="1" hangingPunct="1">
-              <a:defRPr>
-                <a:solidFill>
-                  <a:schemeClr val="tx2"/>
-                </a:solidFill>
-              </a:defRPr>
-            </a:lvl7pPr>
-            <a:lvl8pPr eaLnBrk="1" hangingPunct="1">
-              <a:defRPr>
-                <a:solidFill>
-                  <a:schemeClr val="tx2"/>
-                </a:solidFill>
-              </a:defRPr>
-            </a:lvl8pPr>
-            <a:lvl9pPr eaLnBrk="1" hangingPunct="1">
-              <a:defRPr>
-                <a:solidFill>
-                  <a:schemeClr val="tx2"/>
-                </a:solidFill>
-              </a:defRPr>
-            </a:lvl9pPr>
-          </a:lstStyle>
-          <a:p>
-            <a:r>
-              <a:rPr lang="fr-CH" sz="4000" dirty="0" smtClean="0"/>
-              <a:t>Conclusion</a:t>
-            </a:r>
-            <a:endParaRPr lang="fr-CH" sz="4000" dirty="0"/>
-          </a:p>
-        </p:txBody>
-      </p:sp>
-      <p:sp>
-        <p:nvSpPr>
-          <p:cNvPr id="2" name="Espace réservé du numéro de diapositive 1"/>
-          <p:cNvSpPr>
-            <a:spLocks noGrp="1"/>
-          </p:cNvSpPr>
-          <p:nvPr>
-            <p:ph type="sldNum" sz="quarter" idx="12"/>
-          </p:nvPr>
-        </p:nvSpPr>
-        <p:spPr/>
-        <p:txBody>
-          <a:bodyPr/>
-          <a:lstStyle/>
-          <a:p>
-            <a:fld id="{D57F1E4F-1CFF-5643-939E-217C01CDF565}" type="slidenum">
-              <a:rPr lang="en-US" smtClean="0"/>
-              <a:pPr/>
-              <a:t>9</a:t>
-            </a:fld>
-            <a:endParaRPr lang="en-US" dirty="0"/>
-          </a:p>
-        </p:txBody>
-      </p:sp>
-      <p:pic>
-        <p:nvPicPr>
-          <p:cNvPr id="2054" name="Picture 6" descr="http://images-aus.reachsite.com/fca25264-e5dc-457e-a57e-39116c47df0f/media/63037/medium/63037.PNG"/>
-          <p:cNvPicPr>
-            <a:picLocks noChangeAspect="1" noChangeArrowheads="1"/>
-          </p:cNvPicPr>
-          <p:nvPr/>
-        </p:nvPicPr>
-        <p:blipFill rotWithShape="1">
-          <a:blip r:embed="rId3">
-            <a:extLst>
-              <a:ext uri="{28A0092B-C50C-407E-A947-70E740481C1C}">
-                <a14:useLocalDpi xmlns:a14="http://schemas.microsoft.com/office/drawing/2010/main" val="0"/>
-              </a:ext>
-            </a:extLst>
-          </a:blip>
-          <a:srcRect l="53450" t="11035" b="4715"/>
-          <a:stretch/>
-        </p:blipFill>
-        <p:spPr bwMode="auto">
-          <a:xfrm>
-            <a:off x="6968429" y="4648200"/>
-            <a:ext cx="1626279" cy="1654627"/>
-          </a:xfrm>
-          <a:prstGeom prst="rect">
-            <a:avLst/>
-          </a:prstGeom>
-          <a:noFill/>
-          <a:extLst>
-            <a:ext uri="{909E8E84-426E-40DD-AFC4-6F175D3DCCD1}">
-              <a14:hiddenFill xmlns:a14="http://schemas.microsoft.com/office/drawing/2010/main">
-                <a:solidFill>
-                  <a:srgbClr val="FFFFFF"/>
-                </a:solidFill>
-              </a14:hiddenFill>
-            </a:ext>
-          </a:extLst>
-        </p:spPr>
-      </p:pic>
-    </p:spTree>
-    <p:extLst>
-      <p:ext uri="{BB962C8B-B14F-4D97-AF65-F5344CB8AC3E}">
-        <p14:creationId xmlns:p14="http://schemas.microsoft.com/office/powerpoint/2010/main" val="1927840357"/>
-      </p:ext>
-    </p:extLst>
-  </p:cSld>
-  <p:clrMapOvr>
-    <a:masterClrMapping/>
-  </p:clrMapOvr>
-  <p:timing>
-    <p:tnLst>
-      <p:par>
-        <p:cTn id="1" dur="indefinite" restart="never" nodeType="tmRoot">
-          <p:childTnLst>
-            <p:seq concurrent="1" nextAc="seek">
-              <p:cTn id="2" dur="indefinite" nodeType="mainSeq">
-                <p:childTnLst>
-                  <p:par>
-                    <p:cTn id="3" fill="hold">
-                      <p:stCondLst>
-                        <p:cond delay="indefinite"/>
-                      </p:stCondLst>
-                      <p:childTnLst>
-                        <p:par>
-                          <p:cTn id="4" fill="hold">
-                            <p:stCondLst>
-                              <p:cond delay="0"/>
-                            </p:stCondLst>
-                            <p:childTnLst>
-                              <p:par>
-                                <p:cTn id="5" presetID="42" presetClass="entr" presetSubtype="0" fill="hold" grpId="0" nodeType="clickEffect">
-                                  <p:stCondLst>
-                                    <p:cond delay="0"/>
-                                  </p:stCondLst>
-                                  <p:childTnLst>
-                                    <p:set>
-                                      <p:cBhvr>
-                                        <p:cTn id="6" dur="1" fill="hold">
-                                          <p:stCondLst>
-                                            <p:cond delay="0"/>
-                                          </p:stCondLst>
-                                        </p:cTn>
-                                        <p:tgtEl>
-                                          <p:spTgt spid="3">
-                                            <p:txEl>
-                                              <p:pRg st="0" end="0"/>
-                                            </p:txEl>
-                                          </p:spTgt>
-                                        </p:tgtEl>
-                                        <p:attrNameLst>
-                                          <p:attrName>style.visibility</p:attrName>
-                                        </p:attrNameLst>
-                                      </p:cBhvr>
-                                      <p:to>
-                                        <p:strVal val="visible"/>
-                                      </p:to>
-                                    </p:set>
-                                    <p:animEffect transition="in" filter="fade">
-                                      <p:cBhvr>
-                                        <p:cTn id="7" dur="1000"/>
-                                        <p:tgtEl>
-                                          <p:spTgt spid="3">
-                                            <p:txEl>
-                                              <p:pRg st="0" end="0"/>
-                                            </p:txEl>
-                                          </p:spTgt>
-                                        </p:tgtEl>
-                                      </p:cBhvr>
-                                    </p:animEffect>
-                                    <p:anim calcmode="lin" valueType="num">
-                                      <p:cBhvr>
-                                        <p:cTn id="8" dur="1000" fill="hold"/>
-                                        <p:tgtEl>
-                                          <p:spTgt spid="3">
-                                            <p:txEl>
-                                              <p:pRg st="0" end="0"/>
-                                            </p:txEl>
-                                          </p:spTgt>
-                                        </p:tgtEl>
-                                        <p:attrNameLst>
-                                          <p:attrName>ppt_x</p:attrName>
-                                        </p:attrNameLst>
-                                      </p:cBhvr>
-                                      <p:tavLst>
-                                        <p:tav tm="0">
-                                          <p:val>
-                                            <p:strVal val="#ppt_x"/>
-                                          </p:val>
-                                        </p:tav>
-                                        <p:tav tm="100000">
-                                          <p:val>
-                                            <p:strVal val="#ppt_x"/>
-                                          </p:val>
-                                        </p:tav>
-                                      </p:tavLst>
-                                    </p:anim>
-                                    <p:anim calcmode="lin" valueType="num">
-                                      <p:cBhvr>
-                                        <p:cTn id="9" dur="1000" fill="hold"/>
-                                        <p:tgtEl>
-                                          <p:spTgt spid="3">
-                                            <p:txEl>
-                                              <p:pRg st="0" end="0"/>
-                                            </p:txEl>
-                                          </p:spTgt>
-                                        </p:tgtEl>
-                                        <p:attrNameLst>
-                                          <p:attrName>ppt_y</p:attrName>
-                                        </p:attrNameLst>
-                                      </p:cBhvr>
-                                      <p:tavLst>
-                                        <p:tav tm="0">
-                                          <p:val>
-                                            <p:strVal val="#ppt_y+.1"/>
-                                          </p:val>
-                                        </p:tav>
-                                        <p:tav tm="100000">
-                                          <p:val>
-                                            <p:strVal val="#ppt_y"/>
-                                          </p:val>
-                                        </p:tav>
-                                      </p:tavLst>
-                                    </p:anim>
-                                  </p:childTnLst>
-                                </p:cTn>
-                              </p:par>
-                              <p:par>
-                                <p:cTn id="10" presetID="42" presetClass="entr" presetSubtype="0" fill="hold" grpId="0" nodeType="withEffect">
-                                  <p:stCondLst>
-                                    <p:cond delay="0"/>
-                                  </p:stCondLst>
-                                  <p:childTnLst>
-                                    <p:set>
-                                      <p:cBhvr>
-                                        <p:cTn id="11" dur="1" fill="hold">
-                                          <p:stCondLst>
-                                            <p:cond delay="0"/>
-                                          </p:stCondLst>
-                                        </p:cTn>
-                                        <p:tgtEl>
-                                          <p:spTgt spid="3">
-                                            <p:txEl>
-                                              <p:pRg st="1" end="1"/>
-                                            </p:txEl>
-                                          </p:spTgt>
-                                        </p:tgtEl>
-                                        <p:attrNameLst>
-                                          <p:attrName>style.visibility</p:attrName>
-                                        </p:attrNameLst>
-                                      </p:cBhvr>
-                                      <p:to>
-                                        <p:strVal val="visible"/>
-                                      </p:to>
-                                    </p:set>
-                                    <p:animEffect transition="in" filter="fade">
-                                      <p:cBhvr>
-                                        <p:cTn id="12" dur="1000"/>
-                                        <p:tgtEl>
-                                          <p:spTgt spid="3">
-                                            <p:txEl>
-                                              <p:pRg st="1" end="1"/>
-                                            </p:txEl>
-                                          </p:spTgt>
-                                        </p:tgtEl>
-                                      </p:cBhvr>
-                                    </p:animEffect>
-                                    <p:anim calcmode="lin" valueType="num">
-                                      <p:cBhvr>
-                                        <p:cTn id="13" dur="1000" fill="hold"/>
-                                        <p:tgtEl>
-                                          <p:spTgt spid="3">
-                                            <p:txEl>
-                                              <p:pRg st="1" end="1"/>
-                                            </p:txEl>
-                                          </p:spTgt>
-                                        </p:tgtEl>
-                                        <p:attrNameLst>
-                                          <p:attrName>ppt_x</p:attrName>
-                                        </p:attrNameLst>
-                                      </p:cBhvr>
-                                      <p:tavLst>
-                                        <p:tav tm="0">
-                                          <p:val>
-                                            <p:strVal val="#ppt_x"/>
-                                          </p:val>
-                                        </p:tav>
-                                        <p:tav tm="100000">
-                                          <p:val>
-                                            <p:strVal val="#ppt_x"/>
-                                          </p:val>
-                                        </p:tav>
-                                      </p:tavLst>
-                                    </p:anim>
-                                    <p:anim calcmode="lin" valueType="num">
-                                      <p:cBhvr>
-                                        <p:cTn id="14" dur="1000" fill="hold"/>
-                                        <p:tgtEl>
-                                          <p:spTgt spid="3">
-                                            <p:txEl>
-                                              <p:pRg st="1" end="1"/>
-                                            </p:txEl>
-                                          </p:spTgt>
-                                        </p:tgtEl>
-                                        <p:attrNameLst>
-                                          <p:attrName>ppt_y</p:attrName>
-                                        </p:attrNameLst>
-                                      </p:cBhvr>
-                                      <p:tavLst>
-                                        <p:tav tm="0">
-                                          <p:val>
-                                            <p:strVal val="#ppt_y+.1"/>
-                                          </p:val>
-                                        </p:tav>
-                                        <p:tav tm="100000">
-                                          <p:val>
-                                            <p:strVal val="#ppt_y"/>
-                                          </p:val>
-                                        </p:tav>
-                                      </p:tavLst>
-                                    </p:anim>
-                                  </p:childTnLst>
-                                </p:cTn>
-                              </p:par>
-                              <p:par>
-                                <p:cTn id="15" presetID="42" presetClass="entr" presetSubtype="0" fill="hold" grpId="0" nodeType="withEffect">
-                                  <p:stCondLst>
-                                    <p:cond delay="0"/>
-                                  </p:stCondLst>
-                                  <p:childTnLst>
-                                    <p:set>
-                                      <p:cBhvr>
-                                        <p:cTn id="16" dur="1" fill="hold">
-                                          <p:stCondLst>
-                                            <p:cond delay="0"/>
-                                          </p:stCondLst>
-                                        </p:cTn>
-                                        <p:tgtEl>
-                                          <p:spTgt spid="3">
-                                            <p:txEl>
-                                              <p:pRg st="2" end="2"/>
-                                            </p:txEl>
-                                          </p:spTgt>
-                                        </p:tgtEl>
-                                        <p:attrNameLst>
-                                          <p:attrName>style.visibility</p:attrName>
-                                        </p:attrNameLst>
-                                      </p:cBhvr>
-                                      <p:to>
-                                        <p:strVal val="visible"/>
-                                      </p:to>
-                                    </p:set>
-                                    <p:animEffect transition="in" filter="fade">
-                                      <p:cBhvr>
-                                        <p:cTn id="17" dur="1000"/>
-                                        <p:tgtEl>
-                                          <p:spTgt spid="3">
-                                            <p:txEl>
-                                              <p:pRg st="2" end="2"/>
-                                            </p:txEl>
-                                          </p:spTgt>
-                                        </p:tgtEl>
-                                      </p:cBhvr>
-                                    </p:animEffect>
-                                    <p:anim calcmode="lin" valueType="num">
-                                      <p:cBhvr>
-                                        <p:cTn id="18" dur="1000" fill="hold"/>
-                                        <p:tgtEl>
-                                          <p:spTgt spid="3">
-                                            <p:txEl>
-                                              <p:pRg st="2" end="2"/>
-                                            </p:txEl>
-                                          </p:spTgt>
-                                        </p:tgtEl>
-                                        <p:attrNameLst>
-                                          <p:attrName>ppt_x</p:attrName>
-                                        </p:attrNameLst>
-                                      </p:cBhvr>
-                                      <p:tavLst>
-                                        <p:tav tm="0">
-                                          <p:val>
-                                            <p:strVal val="#ppt_x"/>
-                                          </p:val>
-                                        </p:tav>
-                                        <p:tav tm="100000">
-                                          <p:val>
-                                            <p:strVal val="#ppt_x"/>
-                                          </p:val>
-                                        </p:tav>
-                                      </p:tavLst>
-                                    </p:anim>
-                                    <p:anim calcmode="lin" valueType="num">
-                                      <p:cBhvr>
-                                        <p:cTn id="19" dur="1000" fill="hold"/>
-                                        <p:tgtEl>
-                                          <p:spTgt spid="3">
-                                            <p:txEl>
-                                              <p:pRg st="2" end="2"/>
-                                            </p:txEl>
-                                          </p:spTgt>
-                                        </p:tgtEl>
-                                        <p:attrNameLst>
-                                          <p:attrName>ppt_y</p:attrName>
-                                        </p:attrNameLst>
-                                      </p:cBhvr>
-                                      <p:tavLst>
-                                        <p:tav tm="0">
-                                          <p:val>
-                                            <p:strVal val="#ppt_y+.1"/>
-                                          </p:val>
-                                        </p:tav>
-                                        <p:tav tm="100000">
-                                          <p:val>
-                                            <p:strVal val="#ppt_y"/>
-                                          </p:val>
-                                        </p:tav>
-                                      </p:tavLst>
-                                    </p:anim>
-                                  </p:childTnLst>
-                                </p:cTn>
-                              </p:par>
-                            </p:childTnLst>
-                          </p:cTn>
-                        </p:par>
-                      </p:childTnLst>
-                    </p:cTn>
-                  </p:par>
-                </p:childTnLst>
-              </p:cTn>
-              <p:prevCondLst>
-                <p:cond evt="onPrev" delay="0">
-                  <p:tgtEl>
-                    <p:sldTgt/>
-                  </p:tgtEl>
-                </p:cond>
-              </p:prevCondLst>
-              <p:nextCondLst>
-                <p:cond evt="onNext" delay="0">
-                  <p:tgtEl>
-                    <p:sldTgt/>
-                  </p:tgtEl>
-                </p:cond>
-              </p:nextCondLst>
-            </p:seq>
-          </p:childTnLst>
-        </p:cTn>
-      </p:par>
-    </p:tnLst>
-    <p:bldLst>
-      <p:bldP spid="3" grpId="0" build="p"/>
-    </p:bldLst>
   </p:timing>
 </p:sld>
 </file>
